--- a/docs/slides/PSYC753_L5_MultipleRegression3.pptx
+++ b/docs/slides/PSYC753_L5_MultipleRegression3.pptx
@@ -243,7 +243,7 @@
           <a:p>
             <a:fld id="{39F2F66B-899D-484E-9C99-E1DBE23F9DE9}" type="datetimeFigureOut">
               <a:rPr lang="en-GB" smtClean="0"/>
-              <a:t>09/02/2022</a:t>
+              <a:t>13/02/2022</a:t>
             </a:fld>
             <a:endParaRPr lang="en-GB"/>
           </a:p>
@@ -409,7 +409,7 @@
             <a:fld id="{2C09A945-60CF-41CC-BF14-DA645D9ABE0F}" type="datetimeFigureOut">
               <a:rPr lang="en-GB" smtClean="0"/>
               <a:pPr/>
-              <a:t>09/02/2022</a:t>
+              <a:t>13/02/2022</a:t>
             </a:fld>
             <a:endParaRPr lang="en-GB"/>
           </a:p>
@@ -856,7 +856,7 @@
             <a:fld id="{46EF6F6D-23AC-402A-8000-0A495137CF31}" type="slidenum">
               <a:rPr lang="en-GB" smtClean="0"/>
               <a:pPr/>
-              <a:t>12</a:t>
+              <a:t>10</a:t>
             </a:fld>
             <a:endParaRPr lang="en-GB"/>
           </a:p>
@@ -865,7 +865,7 @@
     </p:spTree>
     <p:extLst>
       <p:ext uri="{BB962C8B-B14F-4D97-AF65-F5344CB8AC3E}">
-        <p14:creationId xmlns:p14="http://schemas.microsoft.com/office/powerpoint/2010/main" val="658596227"/>
+        <p14:creationId xmlns:p14="http://schemas.microsoft.com/office/powerpoint/2010/main" val="598128282"/>
       </p:ext>
     </p:extLst>
   </p:cSld>
@@ -902,7 +902,12 @@
             <p:ph type="sldImg"/>
           </p:nvPr>
         </p:nvSpPr>
-        <p:spPr/>
+        <p:spPr>
+          <a:xfrm>
+            <a:off x="114300" y="746125"/>
+            <a:ext cx="6629400" cy="3729038"/>
+          </a:xfrm>
+        </p:spPr>
       </p:sp>
       <p:sp>
         <p:nvSpPr>
@@ -916,7 +921,9 @@
         </p:nvSpPr>
         <p:spPr/>
         <p:txBody>
-          <a:bodyPr/>
+          <a:bodyPr>
+            <a:normAutofit/>
+          </a:bodyPr>
           <a:lstStyle/>
           <a:p>
             <a:endParaRPr lang="en-GB" dirty="0"/>
@@ -941,7 +948,7 @@
             <a:fld id="{46EF6F6D-23AC-402A-8000-0A495137CF31}" type="slidenum">
               <a:rPr lang="en-GB" smtClean="0"/>
               <a:pPr/>
-              <a:t>13</a:t>
+              <a:t>11</a:t>
             </a:fld>
             <a:endParaRPr lang="en-GB"/>
           </a:p>
@@ -950,7 +957,7 @@
     </p:spTree>
     <p:extLst>
       <p:ext uri="{BB962C8B-B14F-4D97-AF65-F5344CB8AC3E}">
-        <p14:creationId xmlns:p14="http://schemas.microsoft.com/office/powerpoint/2010/main" val="2335491204"/>
+        <p14:creationId xmlns:p14="http://schemas.microsoft.com/office/powerpoint/2010/main" val="1326774990"/>
       </p:ext>
     </p:extLst>
   </p:cSld>
@@ -987,7 +994,12 @@
             <p:ph type="sldImg"/>
           </p:nvPr>
         </p:nvSpPr>
-        <p:spPr/>
+        <p:spPr>
+          <a:xfrm>
+            <a:off x="114300" y="746125"/>
+            <a:ext cx="6629400" cy="3729038"/>
+          </a:xfrm>
+        </p:spPr>
       </p:sp>
       <p:sp>
         <p:nvSpPr>
@@ -1001,7 +1013,9 @@
         </p:nvSpPr>
         <p:spPr/>
         <p:txBody>
-          <a:bodyPr/>
+          <a:bodyPr>
+            <a:normAutofit/>
+          </a:bodyPr>
           <a:lstStyle/>
           <a:p>
             <a:endParaRPr lang="en-GB" dirty="0"/>
@@ -1026,7 +1040,7 @@
             <a:fld id="{46EF6F6D-23AC-402A-8000-0A495137CF31}" type="slidenum">
               <a:rPr lang="en-GB" smtClean="0"/>
               <a:pPr/>
-              <a:t>14</a:t>
+              <a:t>12</a:t>
             </a:fld>
             <a:endParaRPr lang="en-GB"/>
           </a:p>
@@ -1035,7 +1049,7 @@
     </p:spTree>
     <p:extLst>
       <p:ext uri="{BB962C8B-B14F-4D97-AF65-F5344CB8AC3E}">
-        <p14:creationId xmlns:p14="http://schemas.microsoft.com/office/powerpoint/2010/main" val="4044260156"/>
+        <p14:creationId xmlns:p14="http://schemas.microsoft.com/office/powerpoint/2010/main" val="658596227"/>
       </p:ext>
     </p:extLst>
   </p:cSld>
@@ -1072,12 +1086,7 @@
             <p:ph type="sldImg"/>
           </p:nvPr>
         </p:nvSpPr>
-        <p:spPr>
-          <a:xfrm>
-            <a:off x="114300" y="746125"/>
-            <a:ext cx="6629400" cy="3729038"/>
-          </a:xfrm>
-        </p:spPr>
+        <p:spPr/>
       </p:sp>
       <p:sp>
         <p:nvSpPr>
@@ -1091,9 +1100,7 @@
         </p:nvSpPr>
         <p:spPr/>
         <p:txBody>
-          <a:bodyPr>
-            <a:normAutofit/>
-          </a:bodyPr>
+          <a:bodyPr/>
           <a:lstStyle/>
           <a:p>
             <a:endParaRPr lang="en-GB" dirty="0"/>
@@ -1118,7 +1125,7 @@
             <a:fld id="{46EF6F6D-23AC-402A-8000-0A495137CF31}" type="slidenum">
               <a:rPr lang="en-GB" smtClean="0"/>
               <a:pPr/>
-              <a:t>15</a:t>
+              <a:t>13</a:t>
             </a:fld>
             <a:endParaRPr lang="en-GB"/>
           </a:p>
@@ -1127,7 +1134,7 @@
     </p:spTree>
     <p:extLst>
       <p:ext uri="{BB962C8B-B14F-4D97-AF65-F5344CB8AC3E}">
-        <p14:creationId xmlns:p14="http://schemas.microsoft.com/office/powerpoint/2010/main" val="3713625418"/>
+        <p14:creationId xmlns:p14="http://schemas.microsoft.com/office/powerpoint/2010/main" val="2335491204"/>
       </p:ext>
     </p:extLst>
   </p:cSld>
@@ -1164,6 +1171,183 @@
             <p:ph type="sldImg"/>
           </p:nvPr>
         </p:nvSpPr>
+        <p:spPr/>
+      </p:sp>
+      <p:sp>
+        <p:nvSpPr>
+          <p:cNvPr id="3" name="Notes Placeholder 2"/>
+          <p:cNvSpPr>
+            <a:spLocks noGrp="1"/>
+          </p:cNvSpPr>
+          <p:nvPr>
+            <p:ph type="body" idx="1"/>
+          </p:nvPr>
+        </p:nvSpPr>
+        <p:spPr/>
+        <p:txBody>
+          <a:bodyPr/>
+          <a:lstStyle/>
+          <a:p>
+            <a:endParaRPr lang="en-GB" dirty="0"/>
+          </a:p>
+        </p:txBody>
+      </p:sp>
+      <p:sp>
+        <p:nvSpPr>
+          <p:cNvPr id="4" name="Slide Number Placeholder 3"/>
+          <p:cNvSpPr>
+            <a:spLocks noGrp="1"/>
+          </p:cNvSpPr>
+          <p:nvPr>
+            <p:ph type="sldNum" sz="quarter" idx="10"/>
+          </p:nvPr>
+        </p:nvSpPr>
+        <p:spPr/>
+        <p:txBody>
+          <a:bodyPr/>
+          <a:lstStyle/>
+          <a:p>
+            <a:fld id="{46EF6F6D-23AC-402A-8000-0A495137CF31}" type="slidenum">
+              <a:rPr lang="en-GB" smtClean="0"/>
+              <a:pPr/>
+              <a:t>14</a:t>
+            </a:fld>
+            <a:endParaRPr lang="en-GB"/>
+          </a:p>
+        </p:txBody>
+      </p:sp>
+    </p:spTree>
+    <p:extLst>
+      <p:ext uri="{BB962C8B-B14F-4D97-AF65-F5344CB8AC3E}">
+        <p14:creationId xmlns:p14="http://schemas.microsoft.com/office/powerpoint/2010/main" val="4044260156"/>
+      </p:ext>
+    </p:extLst>
+  </p:cSld>
+  <p:clrMapOvr>
+    <a:masterClrMapping/>
+  </p:clrMapOvr>
+</p:notes>
+</file>
+
+<file path=ppt/notesSlides/notesSlide15.xml><?xml version="1.0" encoding="utf-8"?>
+<p:notes xmlns:a="http://schemas.openxmlformats.org/drawingml/2006/main" xmlns:r="http://schemas.openxmlformats.org/officeDocument/2006/relationships" xmlns:p="http://schemas.openxmlformats.org/presentationml/2006/main">
+  <p:cSld>
+    <p:spTree>
+      <p:nvGrpSpPr>
+        <p:cNvPr id="1" name=""/>
+        <p:cNvGrpSpPr/>
+        <p:nvPr/>
+      </p:nvGrpSpPr>
+      <p:grpSpPr>
+        <a:xfrm>
+          <a:off x="0" y="0"/>
+          <a:ext cx="0" cy="0"/>
+          <a:chOff x="0" y="0"/>
+          <a:chExt cx="0" cy="0"/>
+        </a:xfrm>
+      </p:grpSpPr>
+      <p:sp>
+        <p:nvSpPr>
+          <p:cNvPr id="2" name="Slide Image Placeholder 1"/>
+          <p:cNvSpPr>
+            <a:spLocks noGrp="1" noRot="1" noChangeAspect="1"/>
+          </p:cNvSpPr>
+          <p:nvPr>
+            <p:ph type="sldImg"/>
+          </p:nvPr>
+        </p:nvSpPr>
+        <p:spPr>
+          <a:xfrm>
+            <a:off x="114300" y="746125"/>
+            <a:ext cx="6629400" cy="3729038"/>
+          </a:xfrm>
+        </p:spPr>
+      </p:sp>
+      <p:sp>
+        <p:nvSpPr>
+          <p:cNvPr id="3" name="Notes Placeholder 2"/>
+          <p:cNvSpPr>
+            <a:spLocks noGrp="1"/>
+          </p:cNvSpPr>
+          <p:nvPr>
+            <p:ph type="body" idx="1"/>
+          </p:nvPr>
+        </p:nvSpPr>
+        <p:spPr/>
+        <p:txBody>
+          <a:bodyPr>
+            <a:normAutofit/>
+          </a:bodyPr>
+          <a:lstStyle/>
+          <a:p>
+            <a:endParaRPr lang="en-GB" dirty="0"/>
+          </a:p>
+        </p:txBody>
+      </p:sp>
+      <p:sp>
+        <p:nvSpPr>
+          <p:cNvPr id="4" name="Slide Number Placeholder 3"/>
+          <p:cNvSpPr>
+            <a:spLocks noGrp="1"/>
+          </p:cNvSpPr>
+          <p:nvPr>
+            <p:ph type="sldNum" sz="quarter" idx="10"/>
+          </p:nvPr>
+        </p:nvSpPr>
+        <p:spPr/>
+        <p:txBody>
+          <a:bodyPr/>
+          <a:lstStyle/>
+          <a:p>
+            <a:fld id="{46EF6F6D-23AC-402A-8000-0A495137CF31}" type="slidenum">
+              <a:rPr lang="en-GB" smtClean="0"/>
+              <a:pPr/>
+              <a:t>15</a:t>
+            </a:fld>
+            <a:endParaRPr lang="en-GB"/>
+          </a:p>
+        </p:txBody>
+      </p:sp>
+    </p:spTree>
+    <p:extLst>
+      <p:ext uri="{BB962C8B-B14F-4D97-AF65-F5344CB8AC3E}">
+        <p14:creationId xmlns:p14="http://schemas.microsoft.com/office/powerpoint/2010/main" val="3713625418"/>
+      </p:ext>
+    </p:extLst>
+  </p:cSld>
+  <p:clrMapOvr>
+    <a:masterClrMapping/>
+  </p:clrMapOvr>
+</p:notes>
+</file>
+
+<file path=ppt/notesSlides/notesSlide16.xml><?xml version="1.0" encoding="utf-8"?>
+<p:notes xmlns:a="http://schemas.openxmlformats.org/drawingml/2006/main" xmlns:r="http://schemas.openxmlformats.org/officeDocument/2006/relationships" xmlns:p="http://schemas.openxmlformats.org/presentationml/2006/main">
+  <p:cSld>
+    <p:spTree>
+      <p:nvGrpSpPr>
+        <p:cNvPr id="1" name=""/>
+        <p:cNvGrpSpPr/>
+        <p:nvPr/>
+      </p:nvGrpSpPr>
+      <p:grpSpPr>
+        <a:xfrm>
+          <a:off x="0" y="0"/>
+          <a:ext cx="0" cy="0"/>
+          <a:chOff x="0" y="0"/>
+          <a:chExt cx="0" cy="0"/>
+        </a:xfrm>
+      </p:grpSpPr>
+      <p:sp>
+        <p:nvSpPr>
+          <p:cNvPr id="2" name="Slide Image Placeholder 1"/>
+          <p:cNvSpPr>
+            <a:spLocks noGrp="1" noRot="1" noChangeAspect="1"/>
+          </p:cNvSpPr>
+          <p:nvPr>
+            <p:ph type="sldImg"/>
+          </p:nvPr>
+        </p:nvSpPr>
         <p:spPr>
           <a:xfrm>
             <a:off x="114300" y="746125"/>
@@ -1229,7 +1413,7 @@
 </p:notes>
 </file>
 
-<file path=ppt/notesSlides/notesSlide15.xml><?xml version="1.0" encoding="utf-8"?>
+<file path=ppt/notesSlides/notesSlide17.xml><?xml version="1.0" encoding="utf-8"?>
 <p:notes xmlns:a="http://schemas.openxmlformats.org/drawingml/2006/main" xmlns:r="http://schemas.openxmlformats.org/officeDocument/2006/relationships" xmlns:p="http://schemas.openxmlformats.org/presentationml/2006/main">
   <p:cSld>
     <p:spTree>
@@ -1458,6 +1642,23 @@
           <a:bodyPr/>
           <a:lstStyle/>
           <a:p>
+            <a:pPr marL="0" marR="0" lvl="0" indent="0" algn="l" defTabSz="914400" rtl="0" eaLnBrk="1" fontAlgn="auto" latinLnBrk="0" hangingPunct="1">
+              <a:lnSpc>
+                <a:spcPct val="100000"/>
+              </a:lnSpc>
+              <a:spcBef>
+                <a:spcPts val="0"/>
+              </a:spcBef>
+              <a:spcAft>
+                <a:spcPts val="0"/>
+              </a:spcAft>
+              <a:buClrTx/>
+              <a:buSzTx/>
+              <a:buFont typeface="Arial" panose="020B0604020202020204" pitchFamily="34" charset="0"/>
+              <a:buNone/>
+              <a:tabLst/>
+              <a:defRPr/>
+            </a:pPr>
             <a:endParaRPr lang="en-GB" dirty="0"/>
           </a:p>
         </p:txBody>
@@ -1650,7 +1851,7 @@
             <a:fld id="{46EF6F6D-23AC-402A-8000-0A495137CF31}" type="slidenum">
               <a:rPr lang="en-GB" smtClean="0"/>
               <a:pPr/>
-              <a:t>7</a:t>
+              <a:t>5</a:t>
             </a:fld>
             <a:endParaRPr lang="en-GB"/>
           </a:p>
@@ -1659,7 +1860,7 @@
     </p:spTree>
     <p:extLst>
       <p:ext uri="{BB962C8B-B14F-4D97-AF65-F5344CB8AC3E}">
-        <p14:creationId xmlns:p14="http://schemas.microsoft.com/office/powerpoint/2010/main" val="894782312"/>
+        <p14:creationId xmlns:p14="http://schemas.microsoft.com/office/powerpoint/2010/main" val="3663864507"/>
       </p:ext>
     </p:extLst>
   </p:cSld>
@@ -1696,12 +1897,7 @@
             <p:ph type="sldImg"/>
           </p:nvPr>
         </p:nvSpPr>
-        <p:spPr>
-          <a:xfrm>
-            <a:off x="114300" y="746125"/>
-            <a:ext cx="6629400" cy="3729038"/>
-          </a:xfrm>
-        </p:spPr>
+        <p:spPr/>
       </p:sp>
       <p:sp>
         <p:nvSpPr>
@@ -1715,9 +1911,7 @@
         </p:nvSpPr>
         <p:spPr/>
         <p:txBody>
-          <a:bodyPr>
-            <a:normAutofit/>
-          </a:bodyPr>
+          <a:bodyPr/>
           <a:lstStyle/>
           <a:p>
             <a:endParaRPr lang="en-GB" dirty="0"/>
@@ -1742,7 +1936,7 @@
             <a:fld id="{46EF6F6D-23AC-402A-8000-0A495137CF31}" type="slidenum">
               <a:rPr lang="en-GB" smtClean="0"/>
               <a:pPr/>
-              <a:t>8</a:t>
+              <a:t>6</a:t>
             </a:fld>
             <a:endParaRPr lang="en-GB"/>
           </a:p>
@@ -1751,7 +1945,7 @@
     </p:spTree>
     <p:extLst>
       <p:ext uri="{BB962C8B-B14F-4D97-AF65-F5344CB8AC3E}">
-        <p14:creationId xmlns:p14="http://schemas.microsoft.com/office/powerpoint/2010/main" val="1171904388"/>
+        <p14:creationId xmlns:p14="http://schemas.microsoft.com/office/powerpoint/2010/main" val="2469285100"/>
       </p:ext>
     </p:extLst>
   </p:cSld>
@@ -1788,12 +1982,7 @@
             <p:ph type="sldImg"/>
           </p:nvPr>
         </p:nvSpPr>
-        <p:spPr>
-          <a:xfrm>
-            <a:off x="114300" y="746125"/>
-            <a:ext cx="6629400" cy="3729038"/>
-          </a:xfrm>
-        </p:spPr>
+        <p:spPr/>
       </p:sp>
       <p:sp>
         <p:nvSpPr>
@@ -1807,9 +1996,7 @@
         </p:nvSpPr>
         <p:spPr/>
         <p:txBody>
-          <a:bodyPr>
-            <a:normAutofit/>
-          </a:bodyPr>
+          <a:bodyPr/>
           <a:lstStyle/>
           <a:p>
             <a:endParaRPr lang="en-GB" dirty="0"/>
@@ -1834,7 +2021,7 @@
             <a:fld id="{46EF6F6D-23AC-402A-8000-0A495137CF31}" type="slidenum">
               <a:rPr lang="en-GB" smtClean="0"/>
               <a:pPr/>
-              <a:t>9</a:t>
+              <a:t>7</a:t>
             </a:fld>
             <a:endParaRPr lang="en-GB"/>
           </a:p>
@@ -1843,7 +2030,7 @@
     </p:spTree>
     <p:extLst>
       <p:ext uri="{BB962C8B-B14F-4D97-AF65-F5344CB8AC3E}">
-        <p14:creationId xmlns:p14="http://schemas.microsoft.com/office/powerpoint/2010/main" val="3054431826"/>
+        <p14:creationId xmlns:p14="http://schemas.microsoft.com/office/powerpoint/2010/main" val="894782312"/>
       </p:ext>
     </p:extLst>
   </p:cSld>
@@ -1926,7 +2113,7 @@
             <a:fld id="{46EF6F6D-23AC-402A-8000-0A495137CF31}" type="slidenum">
               <a:rPr lang="en-GB" smtClean="0"/>
               <a:pPr/>
-              <a:t>10</a:t>
+              <a:t>8</a:t>
             </a:fld>
             <a:endParaRPr lang="en-GB"/>
           </a:p>
@@ -1935,7 +2122,7 @@
     </p:spTree>
     <p:extLst>
       <p:ext uri="{BB962C8B-B14F-4D97-AF65-F5344CB8AC3E}">
-        <p14:creationId xmlns:p14="http://schemas.microsoft.com/office/powerpoint/2010/main" val="598128282"/>
+        <p14:creationId xmlns:p14="http://schemas.microsoft.com/office/powerpoint/2010/main" val="1171904388"/>
       </p:ext>
     </p:extLst>
   </p:cSld>
@@ -2018,7 +2205,7 @@
             <a:fld id="{46EF6F6D-23AC-402A-8000-0A495137CF31}" type="slidenum">
               <a:rPr lang="en-GB" smtClean="0"/>
               <a:pPr/>
-              <a:t>11</a:t>
+              <a:t>9</a:t>
             </a:fld>
             <a:endParaRPr lang="en-GB"/>
           </a:p>
@@ -2027,7 +2214,7 @@
     </p:spTree>
     <p:extLst>
       <p:ext uri="{BB962C8B-B14F-4D97-AF65-F5344CB8AC3E}">
-        <p14:creationId xmlns:p14="http://schemas.microsoft.com/office/powerpoint/2010/main" val="1326774990"/>
+        <p14:creationId xmlns:p14="http://schemas.microsoft.com/office/powerpoint/2010/main" val="3054431826"/>
       </p:ext>
     </p:extLst>
   </p:cSld>
@@ -2219,7 +2406,7 @@
             <a:fld id="{FD207E47-C1CA-47C9-BFA1-FDEFD1CE1BAA}" type="datetime1">
               <a:rPr lang="en-US" smtClean="0"/>
               <a:pPr/>
-              <a:t>2/9/2022</a:t>
+              <a:t>2/13/2022</a:t>
             </a:fld>
             <a:endParaRPr lang="en-US"/>
           </a:p>
@@ -2386,7 +2573,7 @@
             <a:fld id="{58C692B5-BE86-445D-88C0-242C83A9421E}" type="datetime1">
               <a:rPr lang="en-US" smtClean="0"/>
               <a:pPr/>
-              <a:t>2/9/2022</a:t>
+              <a:t>2/13/2022</a:t>
             </a:fld>
             <a:endParaRPr lang="en-US"/>
           </a:p>
@@ -2563,7 +2750,7 @@
             <a:fld id="{6A70B350-EB04-4702-A2C6-BB029CC917C4}" type="datetime1">
               <a:rPr lang="en-US" smtClean="0"/>
               <a:pPr/>
-              <a:t>2/9/2022</a:t>
+              <a:t>2/13/2022</a:t>
             </a:fld>
             <a:endParaRPr lang="en-US"/>
           </a:p>
@@ -2757,7 +2944,7 @@
               <a:pPr>
                 <a:defRPr/>
               </a:pPr>
-              <a:t>09/02/2022</a:t>
+              <a:t>13/02/2022</a:t>
             </a:fld>
             <a:endParaRPr lang="en-GB"/>
           </a:p>
@@ -2942,7 +3129,7 @@
               <a:pPr>
                 <a:defRPr/>
               </a:pPr>
-              <a:t>09/02/2022</a:t>
+              <a:t>13/02/2022</a:t>
             </a:fld>
             <a:endParaRPr lang="en-GB"/>
           </a:p>
@@ -3203,7 +3390,7 @@
               <a:pPr>
                 <a:defRPr/>
               </a:pPr>
-              <a:t>09/02/2022</a:t>
+              <a:t>13/02/2022</a:t>
             </a:fld>
             <a:endParaRPr lang="en-GB"/>
           </a:p>
@@ -3450,7 +3637,7 @@
               <a:pPr>
                 <a:defRPr/>
               </a:pPr>
-              <a:t>09/02/2022</a:t>
+              <a:t>13/02/2022</a:t>
             </a:fld>
             <a:endParaRPr lang="en-GB"/>
           </a:p>
@@ -3832,7 +4019,7 @@
               <a:pPr>
                 <a:defRPr/>
               </a:pPr>
-              <a:t>09/02/2022</a:t>
+              <a:t>13/02/2022</a:t>
             </a:fld>
             <a:endParaRPr lang="en-GB"/>
           </a:p>
@@ -3965,7 +4152,7 @@
               <a:pPr>
                 <a:defRPr/>
               </a:pPr>
-              <a:t>09/02/2022</a:t>
+              <a:t>13/02/2022</a:t>
             </a:fld>
             <a:endParaRPr lang="en-GB"/>
           </a:p>
@@ -4075,7 +4262,7 @@
               <a:pPr>
                 <a:defRPr/>
               </a:pPr>
-              <a:t>09/02/2022</a:t>
+              <a:t>13/02/2022</a:t>
             </a:fld>
             <a:endParaRPr lang="en-GB"/>
           </a:p>
@@ -4367,7 +4554,7 @@
               <a:pPr>
                 <a:defRPr/>
               </a:pPr>
-              <a:t>09/02/2022</a:t>
+              <a:t>13/02/2022</a:t>
             </a:fld>
             <a:endParaRPr lang="en-GB"/>
           </a:p>
@@ -4547,7 +4734,7 @@
             <a:fld id="{B19C5C7B-1CCF-4D03-A2E8-D3591213E0F6}" type="datetime1">
               <a:rPr lang="en-US" smtClean="0"/>
               <a:pPr/>
-              <a:t>2/9/2022</a:t>
+              <a:t>2/13/2022</a:t>
             </a:fld>
             <a:endParaRPr lang="en-US"/>
           </a:p>
@@ -4806,7 +4993,7 @@
               <a:pPr>
                 <a:defRPr/>
               </a:pPr>
-              <a:t>09/02/2022</a:t>
+              <a:t>13/02/2022</a:t>
             </a:fld>
             <a:endParaRPr lang="en-GB"/>
           </a:p>
@@ -4991,7 +5178,7 @@
               <a:pPr>
                 <a:defRPr/>
               </a:pPr>
-              <a:t>09/02/2022</a:t>
+              <a:t>13/02/2022</a:t>
             </a:fld>
             <a:endParaRPr lang="en-GB"/>
           </a:p>
@@ -5186,7 +5373,7 @@
               <a:pPr>
                 <a:defRPr/>
               </a:pPr>
-              <a:t>09/02/2022</a:t>
+              <a:t>13/02/2022</a:t>
             </a:fld>
             <a:endParaRPr lang="en-GB"/>
           </a:p>
@@ -5447,7 +5634,7 @@
               <a:pPr>
                 <a:defRPr/>
               </a:pPr>
-              <a:t>2/9/2022</a:t>
+              <a:t>2/13/2022</a:t>
             </a:fld>
             <a:endParaRPr lang="en-US"/>
           </a:p>
@@ -5644,7 +5831,7 @@
               <a:pPr>
                 <a:defRPr/>
               </a:pPr>
-              <a:t>2/9/2022</a:t>
+              <a:t>2/13/2022</a:t>
             </a:fld>
             <a:endParaRPr lang="en-US"/>
           </a:p>
@@ -5917,7 +6104,7 @@
               <a:pPr>
                 <a:defRPr/>
               </a:pPr>
-              <a:t>2/9/2022</a:t>
+              <a:t>2/13/2022</a:t>
             </a:fld>
             <a:endParaRPr lang="en-US"/>
           </a:p>
@@ -6232,7 +6419,7 @@
               <a:pPr>
                 <a:defRPr/>
               </a:pPr>
-              <a:t>2/9/2022</a:t>
+              <a:t>2/13/2022</a:t>
             </a:fld>
             <a:endParaRPr lang="en-US"/>
           </a:p>
@@ -6681,7 +6868,7 @@
               <a:pPr>
                 <a:defRPr/>
               </a:pPr>
-              <a:t>2/9/2022</a:t>
+              <a:t>2/13/2022</a:t>
             </a:fld>
             <a:endParaRPr lang="en-US"/>
           </a:p>
@@ -6826,7 +7013,7 @@
               <a:pPr>
                 <a:defRPr/>
               </a:pPr>
-              <a:t>2/9/2022</a:t>
+              <a:t>2/13/2022</a:t>
             </a:fld>
             <a:endParaRPr lang="en-US"/>
           </a:p>
@@ -6948,7 +7135,7 @@
               <a:pPr>
                 <a:defRPr/>
               </a:pPr>
-              <a:t>2/9/2022</a:t>
+              <a:t>2/13/2022</a:t>
             </a:fld>
             <a:endParaRPr lang="en-US"/>
           </a:p>
@@ -7212,7 +7399,7 @@
             <a:fld id="{617DE08F-8114-45C2-9520-EC1882F8A669}" type="datetime1">
               <a:rPr lang="en-US" smtClean="0"/>
               <a:pPr/>
-              <a:t>2/9/2022</a:t>
+              <a:t>2/13/2022</a:t>
             </a:fld>
             <a:endParaRPr lang="en-US"/>
           </a:p>
@@ -7495,7 +7682,7 @@
               <a:pPr>
                 <a:defRPr/>
               </a:pPr>
-              <a:t>2/9/2022</a:t>
+              <a:t>2/13/2022</a:t>
             </a:fld>
             <a:endParaRPr lang="en-US"/>
           </a:p>
@@ -7778,7 +7965,7 @@
               <a:pPr>
                 <a:defRPr/>
               </a:pPr>
-              <a:t>2/9/2022</a:t>
+              <a:t>2/13/2022</a:t>
             </a:fld>
             <a:endParaRPr lang="en-US"/>
           </a:p>
@@ -7975,7 +8162,7 @@
               <a:pPr>
                 <a:defRPr/>
               </a:pPr>
-              <a:t>2/9/2022</a:t>
+              <a:t>2/13/2022</a:t>
             </a:fld>
             <a:endParaRPr lang="en-US"/>
           </a:p>
@@ -8182,7 +8369,7 @@
               <a:pPr>
                 <a:defRPr/>
               </a:pPr>
-              <a:t>2/9/2022</a:t>
+              <a:t>2/13/2022</a:t>
             </a:fld>
             <a:endParaRPr lang="en-US"/>
           </a:p>
@@ -8488,7 +8675,7 @@
             <a:fld id="{67FBBCEA-51D6-4D4F-B700-EBDD8904452C}" type="datetime1">
               <a:rPr lang="en-US" smtClean="0"/>
               <a:pPr/>
-              <a:t>2/9/2022</a:t>
+              <a:t>2/13/2022</a:t>
             </a:fld>
             <a:endParaRPr lang="en-US"/>
           </a:p>
@@ -8907,7 +9094,7 @@
             <a:fld id="{7C3355C0-4DE2-42D1-B918-7B0FCE7481FD}" type="datetime1">
               <a:rPr lang="en-US" smtClean="0"/>
               <a:pPr/>
-              <a:t>2/9/2022</a:t>
+              <a:t>2/13/2022</a:t>
             </a:fld>
             <a:endParaRPr lang="en-US"/>
           </a:p>
@@ -9022,7 +9209,7 @@
             <a:fld id="{41F9056E-53B5-467C-A68C-D5DD1F771BB5}" type="datetime1">
               <a:rPr lang="en-US" smtClean="0"/>
               <a:pPr/>
-              <a:t>2/9/2022</a:t>
+              <a:t>2/13/2022</a:t>
             </a:fld>
             <a:endParaRPr lang="en-US"/>
           </a:p>
@@ -9114,7 +9301,7 @@
             <a:fld id="{73236B7C-1414-4D49-8A59-8F56128C501B}" type="datetime1">
               <a:rPr lang="en-US" smtClean="0"/>
               <a:pPr/>
-              <a:t>2/9/2022</a:t>
+              <a:t>2/13/2022</a:t>
             </a:fld>
             <a:endParaRPr lang="en-US"/>
           </a:p>
@@ -9388,7 +9575,7 @@
             <a:fld id="{A40AEADC-23C0-4767-9AD7-3E7B6C343A0A}" type="datetime1">
               <a:rPr lang="en-US" smtClean="0"/>
               <a:pPr/>
-              <a:t>2/9/2022</a:t>
+              <a:t>2/13/2022</a:t>
             </a:fld>
             <a:endParaRPr lang="en-US"/>
           </a:p>
@@ -9638,7 +9825,7 @@
             <a:fld id="{07762B3B-4AFD-4E39-B6F8-E1A2354BA336}" type="datetime1">
               <a:rPr lang="en-US" smtClean="0"/>
               <a:pPr/>
-              <a:t>2/9/2022</a:t>
+              <a:t>2/13/2022</a:t>
             </a:fld>
             <a:endParaRPr lang="en-US"/>
           </a:p>
@@ -9853,7 +10040,7 @@
             <a:fld id="{16C4ABC6-3BA1-4854-92CA-2B0133ECAB44}" type="datetime1">
               <a:rPr lang="en-US" smtClean="0"/>
               <a:pPr/>
-              <a:t>2/9/2022</a:t>
+              <a:t>2/13/2022</a:t>
             </a:fld>
             <a:endParaRPr lang="en-US"/>
           </a:p>
@@ -10371,7 +10558,7 @@
               <a:pPr>
                 <a:defRPr/>
               </a:pPr>
-              <a:t>2/9/2022</a:t>
+              <a:t>2/13/2022</a:t>
             </a:fld>
             <a:endParaRPr lang="en-US"/>
           </a:p>
@@ -10981,7 +11168,7 @@
               <a:pPr>
                 <a:defRPr/>
               </a:pPr>
-              <a:t>2/9/2022</a:t>
+              <a:t>2/13/2022</a:t>
             </a:fld>
             <a:endParaRPr lang="en-US"/>
           </a:p>
@@ -17589,11 +17776,11 @@
             </a:r>
             <a:r>
               <a:rPr lang="en-GB" sz="2000" dirty="0"/>
-              <a:t>predicts wellbeing after controlling for brooding and worry</a:t>
+              <a:t>predicts wellbeing after controlling for </a:t>
             </a:r>
             <a:r>
               <a:rPr lang="en-GB" sz="2000" dirty="0" smtClean="0"/>
-              <a:t>.</a:t>
+              <a:t>brooding, worry and mindfulness.</a:t>
             </a:r>
             <a:endParaRPr lang="en-GB" sz="2000" dirty="0"/>
           </a:p>
@@ -17877,7 +18064,7 @@
                   <a:schemeClr val="tx2"/>
                 </a:solidFill>
               </a:rPr>
-              <a:t>Age</a:t>
+              <a:t>Age group</a:t>
             </a:r>
           </a:p>
           <a:p>
@@ -18596,7 +18783,18 @@
                 </a:solidFill>
                 <a:latin typeface="Lucida Console" panose="020B0609040504020204" pitchFamily="49" charset="0"/>
               </a:rPr>
-              <a:t>loneliness</a:t>
+              <a:t>loneliness + </a:t>
+            </a:r>
+            <a:r>
+              <a:rPr lang="en-GB" sz="2000" dirty="0" smtClean="0">
+                <a:solidFill>
+                  <a:schemeClr val="accent4">
+                    <a:lumMod val="75000"/>
+                  </a:schemeClr>
+                </a:solidFill>
+                <a:latin typeface="Lucida Console" panose="020B0609040504020204" pitchFamily="49" charset="0"/>
+              </a:rPr>
+              <a:t>species</a:t>
             </a:r>
             <a:r>
               <a:rPr lang="en-GB" sz="2000" dirty="0" smtClean="0">
@@ -18873,7 +19071,7 @@
         <p:spPr>
           <a:xfrm>
             <a:off x="258827" y="6013749"/>
-            <a:ext cx="4457695" cy="338554"/>
+            <a:ext cx="4457695" cy="584775"/>
           </a:xfrm>
           <a:prstGeom prst="rect">
             <a:avLst/>
@@ -18892,6 +19090,8 @@
               </a:rPr>
               <a:t>Area of  box = variance in wellbeing to be explained</a:t>
             </a:r>
+          </a:p>
+          <a:p>
             <a:endParaRPr lang="en-GB" sz="1600" dirty="0" smtClean="0">
               <a:solidFill>
                 <a:schemeClr val="tx1"/>
@@ -18952,14 +19152,14 @@
       </p:sp>
       <p:sp>
         <p:nvSpPr>
-          <p:cNvPr id="20" name="Oval 19"/>
+          <p:cNvPr id="22" name="Oval 21"/>
           <p:cNvSpPr/>
           <p:nvPr/>
         </p:nvSpPr>
         <p:spPr>
           <a:xfrm>
-            <a:off x="3621393" y="3602752"/>
-            <a:ext cx="603051" cy="584368"/>
+            <a:off x="3756697" y="3437961"/>
+            <a:ext cx="937489" cy="908445"/>
           </a:xfrm>
           <a:prstGeom prst="ellipse">
             <a:avLst/>
@@ -18998,197 +19198,13 @@
       </p:sp>
       <p:sp>
         <p:nvSpPr>
-          <p:cNvPr id="21" name="Oval 20"/>
-          <p:cNvSpPr/>
-          <p:nvPr/>
-        </p:nvSpPr>
-        <p:spPr>
-          <a:xfrm>
-            <a:off x="3233187" y="3569986"/>
-            <a:ext cx="603051" cy="584368"/>
-          </a:xfrm>
-          <a:prstGeom prst="ellipse">
-            <a:avLst/>
-          </a:prstGeom>
-          <a:noFill/>
-          <a:ln w="38100">
-            <a:solidFill>
-              <a:srgbClr val="00B050"/>
-            </a:solidFill>
-          </a:ln>
-        </p:spPr>
-        <p:style>
-          <a:lnRef idx="2">
-            <a:schemeClr val="accent1">
-              <a:shade val="50000"/>
-            </a:schemeClr>
-          </a:lnRef>
-          <a:fillRef idx="1">
-            <a:schemeClr val="accent1"/>
-          </a:fillRef>
-          <a:effectRef idx="0">
-            <a:schemeClr val="accent1"/>
-          </a:effectRef>
-          <a:fontRef idx="minor">
-            <a:schemeClr val="lt1"/>
-          </a:fontRef>
-        </p:style>
-        <p:txBody>
-          <a:bodyPr rtlCol="0" anchor="ctr"/>
-          <a:lstStyle/>
-          <a:p>
-            <a:pPr algn="ctr"/>
-            <a:endParaRPr lang="en-GB"/>
-          </a:p>
-        </p:txBody>
-      </p:sp>
-      <p:sp>
-        <p:nvSpPr>
-          <p:cNvPr id="22" name="Oval 21"/>
-          <p:cNvSpPr/>
-          <p:nvPr/>
-        </p:nvSpPr>
-        <p:spPr>
-          <a:xfrm>
-            <a:off x="4055507" y="3509872"/>
-            <a:ext cx="603051" cy="584368"/>
-          </a:xfrm>
-          <a:prstGeom prst="ellipse">
-            <a:avLst/>
-          </a:prstGeom>
-          <a:noFill/>
-          <a:ln w="38100">
-            <a:solidFill>
-              <a:srgbClr val="00B050"/>
-            </a:solidFill>
-          </a:ln>
-        </p:spPr>
-        <p:style>
-          <a:lnRef idx="2">
-            <a:schemeClr val="accent1">
-              <a:shade val="50000"/>
-            </a:schemeClr>
-          </a:lnRef>
-          <a:fillRef idx="1">
-            <a:schemeClr val="accent1"/>
-          </a:fillRef>
-          <a:effectRef idx="0">
-            <a:schemeClr val="accent1"/>
-          </a:effectRef>
-          <a:fontRef idx="minor">
-            <a:schemeClr val="lt1"/>
-          </a:fontRef>
-        </p:style>
-        <p:txBody>
-          <a:bodyPr rtlCol="0" anchor="ctr"/>
-          <a:lstStyle/>
-          <a:p>
-            <a:pPr algn="ctr"/>
-            <a:endParaRPr lang="en-GB"/>
-          </a:p>
-        </p:txBody>
-      </p:sp>
-      <p:sp>
-        <p:nvSpPr>
-          <p:cNvPr id="26" name="Oval 25"/>
-          <p:cNvSpPr/>
-          <p:nvPr/>
-        </p:nvSpPr>
-        <p:spPr>
-          <a:xfrm>
-            <a:off x="3409535" y="3962056"/>
-            <a:ext cx="513383" cy="592487"/>
-          </a:xfrm>
-          <a:prstGeom prst="ellipse">
-            <a:avLst/>
-          </a:prstGeom>
-          <a:noFill/>
-          <a:ln w="38100">
-            <a:solidFill>
-              <a:srgbClr val="00B050"/>
-            </a:solidFill>
-          </a:ln>
-        </p:spPr>
-        <p:style>
-          <a:lnRef idx="2">
-            <a:schemeClr val="accent1">
-              <a:shade val="50000"/>
-            </a:schemeClr>
-          </a:lnRef>
-          <a:fillRef idx="1">
-            <a:schemeClr val="accent1"/>
-          </a:fillRef>
-          <a:effectRef idx="0">
-            <a:schemeClr val="accent1"/>
-          </a:effectRef>
-          <a:fontRef idx="minor">
-            <a:schemeClr val="lt1"/>
-          </a:fontRef>
-        </p:style>
-        <p:txBody>
-          <a:bodyPr rtlCol="0" anchor="ctr"/>
-          <a:lstStyle/>
-          <a:p>
-            <a:pPr algn="ctr"/>
-            <a:endParaRPr lang="en-GB"/>
-          </a:p>
-        </p:txBody>
-      </p:sp>
-      <p:sp>
-        <p:nvSpPr>
-          <p:cNvPr id="29" name="Oval 28"/>
-          <p:cNvSpPr/>
-          <p:nvPr/>
-        </p:nvSpPr>
-        <p:spPr>
-          <a:xfrm>
-            <a:off x="3878084" y="3916879"/>
-            <a:ext cx="513383" cy="592487"/>
-          </a:xfrm>
-          <a:prstGeom prst="ellipse">
-            <a:avLst/>
-          </a:prstGeom>
-          <a:noFill/>
-          <a:ln w="38100">
-            <a:solidFill>
-              <a:srgbClr val="00B050"/>
-            </a:solidFill>
-          </a:ln>
-        </p:spPr>
-        <p:style>
-          <a:lnRef idx="2">
-            <a:schemeClr val="accent1">
-              <a:shade val="50000"/>
-            </a:schemeClr>
-          </a:lnRef>
-          <a:fillRef idx="1">
-            <a:schemeClr val="accent1"/>
-          </a:fillRef>
-          <a:effectRef idx="0">
-            <a:schemeClr val="accent1"/>
-          </a:effectRef>
-          <a:fontRef idx="minor">
-            <a:schemeClr val="lt1"/>
-          </a:fontRef>
-        </p:style>
-        <p:txBody>
-          <a:bodyPr rtlCol="0" anchor="ctr"/>
-          <a:lstStyle/>
-          <a:p>
-            <a:pPr algn="ctr"/>
-            <a:endParaRPr lang="en-GB"/>
-          </a:p>
-        </p:txBody>
-      </p:sp>
-      <p:sp>
-        <p:nvSpPr>
           <p:cNvPr id="30" name="TextBox 29"/>
           <p:cNvSpPr txBox="1"/>
           <p:nvPr/>
         </p:nvSpPr>
         <p:spPr>
           <a:xfrm>
-            <a:off x="4492502" y="4323846"/>
+            <a:off x="4038769" y="4438044"/>
             <a:ext cx="904415" cy="369332"/>
           </a:xfrm>
           <a:prstGeom prst="rect">
@@ -19272,8 +19288,8 @@
         </p:nvSpPr>
         <p:spPr>
           <a:xfrm>
-            <a:off x="2802115" y="3561867"/>
-            <a:ext cx="572174" cy="592487"/>
+            <a:off x="3221138" y="3565926"/>
+            <a:ext cx="823167" cy="852391"/>
           </a:xfrm>
           <a:prstGeom prst="ellipse">
             <a:avLst/>
@@ -19309,6 +19325,96 @@
           <a:p>
             <a:pPr algn="ctr"/>
             <a:endParaRPr lang="en-GB"/>
+          </a:p>
+        </p:txBody>
+      </p:sp>
+      <p:sp>
+        <p:nvSpPr>
+          <p:cNvPr id="31" name="Oval 30"/>
+          <p:cNvSpPr/>
+          <p:nvPr/>
+        </p:nvSpPr>
+        <p:spPr>
+          <a:xfrm>
+            <a:off x="4173900" y="3374617"/>
+            <a:ext cx="788897" cy="746099"/>
+          </a:xfrm>
+          <a:prstGeom prst="ellipse">
+            <a:avLst/>
+          </a:prstGeom>
+          <a:noFill/>
+          <a:ln w="38100">
+            <a:solidFill>
+              <a:schemeClr val="accent4">
+                <a:lumMod val="50000"/>
+              </a:schemeClr>
+            </a:solidFill>
+          </a:ln>
+        </p:spPr>
+        <p:style>
+          <a:lnRef idx="2">
+            <a:schemeClr val="accent1">
+              <a:shade val="50000"/>
+            </a:schemeClr>
+          </a:lnRef>
+          <a:fillRef idx="1">
+            <a:schemeClr val="accent1"/>
+          </a:fillRef>
+          <a:effectRef idx="0">
+            <a:schemeClr val="accent1"/>
+          </a:effectRef>
+          <a:fontRef idx="minor">
+            <a:schemeClr val="lt1"/>
+          </a:fontRef>
+        </p:style>
+        <p:txBody>
+          <a:bodyPr rtlCol="0" anchor="ctr"/>
+          <a:lstStyle/>
+          <a:p>
+            <a:pPr algn="ctr"/>
+            <a:endParaRPr lang="en-GB"/>
+          </a:p>
+        </p:txBody>
+      </p:sp>
+      <p:sp>
+        <p:nvSpPr>
+          <p:cNvPr id="32" name="TextBox 31"/>
+          <p:cNvSpPr txBox="1"/>
+          <p:nvPr/>
+        </p:nvSpPr>
+        <p:spPr>
+          <a:xfrm>
+            <a:off x="4876336" y="3910048"/>
+            <a:ext cx="873957" cy="369332"/>
+          </a:xfrm>
+          <a:prstGeom prst="rect">
+            <a:avLst/>
+          </a:prstGeom>
+          <a:noFill/>
+        </p:spPr>
+        <p:txBody>
+          <a:bodyPr wrap="none" rtlCol="0">
+            <a:spAutoFit/>
+          </a:bodyPr>
+          <a:lstStyle/>
+          <a:p>
+            <a:r>
+              <a:rPr lang="en-GB" b="1" dirty="0" smtClean="0">
+                <a:solidFill>
+                  <a:schemeClr val="accent4">
+                    <a:lumMod val="75000"/>
+                  </a:schemeClr>
+                </a:solidFill>
+              </a:rPr>
+              <a:t>species</a:t>
+            </a:r>
+            <a:endParaRPr lang="en-GB" b="1" dirty="0">
+              <a:solidFill>
+                <a:schemeClr val="accent4">
+                  <a:lumMod val="75000"/>
+                </a:schemeClr>
+              </a:solidFill>
+            </a:endParaRPr>
           </a:p>
         </p:txBody>
       </p:sp>
@@ -19648,7 +19754,7 @@
                                           </p:stCondLst>
                                         </p:cTn>
                                         <p:tgtEl>
-                                          <p:spTgt spid="20"/>
+                                          <p:spTgt spid="22"/>
                                         </p:tgtEl>
                                         <p:attrNameLst>
                                           <p:attrName>style.visibility</p:attrName>
@@ -19662,7 +19768,7 @@
                                       <p:cBhvr additive="base">
                                         <p:cTn id="23" dur="500" fill="hold"/>
                                         <p:tgtEl>
-                                          <p:spTgt spid="20"/>
+                                          <p:spTgt spid="22"/>
                                         </p:tgtEl>
                                         <p:attrNameLst>
                                           <p:attrName>ppt_x</p:attrName>
@@ -19685,7 +19791,7 @@
                                       <p:cBhvr additive="base">
                                         <p:cTn id="24" dur="500" fill="hold"/>
                                         <p:tgtEl>
-                                          <p:spTgt spid="20"/>
+                                          <p:spTgt spid="22"/>
                                         </p:tgtEl>
                                         <p:attrNameLst>
                                           <p:attrName>ppt_y</p:attrName>
@@ -19721,7 +19827,7 @@
                                           </p:stCondLst>
                                         </p:cTn>
                                         <p:tgtEl>
-                                          <p:spTgt spid="21"/>
+                                          <p:spTgt spid="30"/>
                                         </p:tgtEl>
                                         <p:attrNameLst>
                                           <p:attrName>style.visibility</p:attrName>
@@ -19735,7 +19841,7 @@
                                       <p:cBhvr additive="base">
                                         <p:cTn id="27" dur="500" fill="hold"/>
                                         <p:tgtEl>
-                                          <p:spTgt spid="21"/>
+                                          <p:spTgt spid="30"/>
                                         </p:tgtEl>
                                         <p:attrNameLst>
                                           <p:attrName>ppt_x</p:attrName>
@@ -19758,7 +19864,7 @@
                                       <p:cBhvr additive="base">
                                         <p:cTn id="28" dur="500" fill="hold"/>
                                         <p:tgtEl>
-                                          <p:spTgt spid="21"/>
+                                          <p:spTgt spid="30"/>
                                         </p:tgtEl>
                                         <p:attrNameLst>
                                           <p:attrName>ppt_y</p:attrName>
@@ -19794,7 +19900,7 @@
                                           </p:stCondLst>
                                         </p:cTn>
                                         <p:tgtEl>
-                                          <p:spTgt spid="22"/>
+                                          <p:spTgt spid="27"/>
                                         </p:tgtEl>
                                         <p:attrNameLst>
                                           <p:attrName>style.visibility</p:attrName>
@@ -19808,7 +19914,7 @@
                                       <p:cBhvr additive="base">
                                         <p:cTn id="31" dur="500" fill="hold"/>
                                         <p:tgtEl>
-                                          <p:spTgt spid="22"/>
+                                          <p:spTgt spid="27"/>
                                         </p:tgtEl>
                                         <p:attrNameLst>
                                           <p:attrName>ppt_x</p:attrName>
@@ -19831,7 +19937,7 @@
                                       <p:cBhvr additive="base">
                                         <p:cTn id="32" dur="500" fill="hold"/>
                                         <p:tgtEl>
-                                          <p:spTgt spid="22"/>
+                                          <p:spTgt spid="27"/>
                                         </p:tgtEl>
                                         <p:attrNameLst>
                                           <p:attrName>ppt_y</p:attrName>
@@ -19867,7 +19973,7 @@
                                           </p:stCondLst>
                                         </p:cTn>
                                         <p:tgtEl>
-                                          <p:spTgt spid="26"/>
+                                          <p:spTgt spid="28"/>
                                         </p:tgtEl>
                                         <p:attrNameLst>
                                           <p:attrName>style.visibility</p:attrName>
@@ -19880,298 +19986,6 @@
                                     <p:anim calcmode="lin" valueType="num">
                                       <p:cBhvr additive="base">
                                         <p:cTn id="35" dur="500" fill="hold"/>
-                                        <p:tgtEl>
-                                          <p:spTgt spid="26"/>
-                                        </p:tgtEl>
-                                        <p:attrNameLst>
-                                          <p:attrName>ppt_x</p:attrName>
-                                        </p:attrNameLst>
-                                      </p:cBhvr>
-                                      <p:tavLst>
-                                        <p:tav tm="0">
-                                          <p:val>
-                                            <p:strVal val="#ppt_x"/>
-                                          </p:val>
-                                        </p:tav>
-                                        <p:tav tm="100000">
-                                          <p:val>
-                                            <p:strVal val="#ppt_x"/>
-                                          </p:val>
-                                        </p:tav>
-                                      </p:tavLst>
-                                    </p:anim>
-                                    <p:anim calcmode="lin" valueType="num">
-                                      <p:cBhvr additive="base">
-                                        <p:cTn id="36" dur="500" fill="hold"/>
-                                        <p:tgtEl>
-                                          <p:spTgt spid="26"/>
-                                        </p:tgtEl>
-                                        <p:attrNameLst>
-                                          <p:attrName>ppt_y</p:attrName>
-                                        </p:attrNameLst>
-                                      </p:cBhvr>
-                                      <p:tavLst>
-                                        <p:tav tm="0">
-                                          <p:val>
-                                            <p:strVal val="1+#ppt_h/2"/>
-                                          </p:val>
-                                        </p:tav>
-                                        <p:tav tm="100000">
-                                          <p:val>
-                                            <p:strVal val="#ppt_y"/>
-                                          </p:val>
-                                        </p:tav>
-                                      </p:tavLst>
-                                    </p:anim>
-                                  </p:childTnLst>
-                                </p:cTn>
-                              </p:par>
-                              <p:par>
-                                <p:cTn id="37" presetID="2" presetClass="entr" presetSubtype="4" fill="hold" grpId="0" nodeType="withEffect">
-                                  <p:stCondLst>
-                                    <p:cond delay="0"/>
-                                  </p:stCondLst>
-                                  <p:childTnLst>
-                                    <p:set>
-                                      <p:cBhvr>
-                                        <p:cTn id="38" dur="1" fill="hold">
-                                          <p:stCondLst>
-                                            <p:cond delay="0"/>
-                                          </p:stCondLst>
-                                        </p:cTn>
-                                        <p:tgtEl>
-                                          <p:spTgt spid="29"/>
-                                        </p:tgtEl>
-                                        <p:attrNameLst>
-                                          <p:attrName>style.visibility</p:attrName>
-                                        </p:attrNameLst>
-                                      </p:cBhvr>
-                                      <p:to>
-                                        <p:strVal val="visible"/>
-                                      </p:to>
-                                    </p:set>
-                                    <p:anim calcmode="lin" valueType="num">
-                                      <p:cBhvr additive="base">
-                                        <p:cTn id="39" dur="500" fill="hold"/>
-                                        <p:tgtEl>
-                                          <p:spTgt spid="29"/>
-                                        </p:tgtEl>
-                                        <p:attrNameLst>
-                                          <p:attrName>ppt_x</p:attrName>
-                                        </p:attrNameLst>
-                                      </p:cBhvr>
-                                      <p:tavLst>
-                                        <p:tav tm="0">
-                                          <p:val>
-                                            <p:strVal val="#ppt_x"/>
-                                          </p:val>
-                                        </p:tav>
-                                        <p:tav tm="100000">
-                                          <p:val>
-                                            <p:strVal val="#ppt_x"/>
-                                          </p:val>
-                                        </p:tav>
-                                      </p:tavLst>
-                                    </p:anim>
-                                    <p:anim calcmode="lin" valueType="num">
-                                      <p:cBhvr additive="base">
-                                        <p:cTn id="40" dur="500" fill="hold"/>
-                                        <p:tgtEl>
-                                          <p:spTgt spid="29"/>
-                                        </p:tgtEl>
-                                        <p:attrNameLst>
-                                          <p:attrName>ppt_y</p:attrName>
-                                        </p:attrNameLst>
-                                      </p:cBhvr>
-                                      <p:tavLst>
-                                        <p:tav tm="0">
-                                          <p:val>
-                                            <p:strVal val="1+#ppt_h/2"/>
-                                          </p:val>
-                                        </p:tav>
-                                        <p:tav tm="100000">
-                                          <p:val>
-                                            <p:strVal val="#ppt_y"/>
-                                          </p:val>
-                                        </p:tav>
-                                      </p:tavLst>
-                                    </p:anim>
-                                  </p:childTnLst>
-                                </p:cTn>
-                              </p:par>
-                              <p:par>
-                                <p:cTn id="41" presetID="2" presetClass="entr" presetSubtype="4" fill="hold" grpId="0" nodeType="withEffect">
-                                  <p:stCondLst>
-                                    <p:cond delay="0"/>
-                                  </p:stCondLst>
-                                  <p:childTnLst>
-                                    <p:set>
-                                      <p:cBhvr>
-                                        <p:cTn id="42" dur="1" fill="hold">
-                                          <p:stCondLst>
-                                            <p:cond delay="0"/>
-                                          </p:stCondLst>
-                                        </p:cTn>
-                                        <p:tgtEl>
-                                          <p:spTgt spid="30"/>
-                                        </p:tgtEl>
-                                        <p:attrNameLst>
-                                          <p:attrName>style.visibility</p:attrName>
-                                        </p:attrNameLst>
-                                      </p:cBhvr>
-                                      <p:to>
-                                        <p:strVal val="visible"/>
-                                      </p:to>
-                                    </p:set>
-                                    <p:anim calcmode="lin" valueType="num">
-                                      <p:cBhvr additive="base">
-                                        <p:cTn id="43" dur="500" fill="hold"/>
-                                        <p:tgtEl>
-                                          <p:spTgt spid="30"/>
-                                        </p:tgtEl>
-                                        <p:attrNameLst>
-                                          <p:attrName>ppt_x</p:attrName>
-                                        </p:attrNameLst>
-                                      </p:cBhvr>
-                                      <p:tavLst>
-                                        <p:tav tm="0">
-                                          <p:val>
-                                            <p:strVal val="#ppt_x"/>
-                                          </p:val>
-                                        </p:tav>
-                                        <p:tav tm="100000">
-                                          <p:val>
-                                            <p:strVal val="#ppt_x"/>
-                                          </p:val>
-                                        </p:tav>
-                                      </p:tavLst>
-                                    </p:anim>
-                                    <p:anim calcmode="lin" valueType="num">
-                                      <p:cBhvr additive="base">
-                                        <p:cTn id="44" dur="500" fill="hold"/>
-                                        <p:tgtEl>
-                                          <p:spTgt spid="30"/>
-                                        </p:tgtEl>
-                                        <p:attrNameLst>
-                                          <p:attrName>ppt_y</p:attrName>
-                                        </p:attrNameLst>
-                                      </p:cBhvr>
-                                      <p:tavLst>
-                                        <p:tav tm="0">
-                                          <p:val>
-                                            <p:strVal val="1+#ppt_h/2"/>
-                                          </p:val>
-                                        </p:tav>
-                                        <p:tav tm="100000">
-                                          <p:val>
-                                            <p:strVal val="#ppt_y"/>
-                                          </p:val>
-                                        </p:tav>
-                                      </p:tavLst>
-                                    </p:anim>
-                                  </p:childTnLst>
-                                </p:cTn>
-                              </p:par>
-                              <p:par>
-                                <p:cTn id="45" presetID="2" presetClass="entr" presetSubtype="4" fill="hold" grpId="0" nodeType="withEffect">
-                                  <p:stCondLst>
-                                    <p:cond delay="0"/>
-                                  </p:stCondLst>
-                                  <p:childTnLst>
-                                    <p:set>
-                                      <p:cBhvr>
-                                        <p:cTn id="46" dur="1" fill="hold">
-                                          <p:stCondLst>
-                                            <p:cond delay="0"/>
-                                          </p:stCondLst>
-                                        </p:cTn>
-                                        <p:tgtEl>
-                                          <p:spTgt spid="27"/>
-                                        </p:tgtEl>
-                                        <p:attrNameLst>
-                                          <p:attrName>style.visibility</p:attrName>
-                                        </p:attrNameLst>
-                                      </p:cBhvr>
-                                      <p:to>
-                                        <p:strVal val="visible"/>
-                                      </p:to>
-                                    </p:set>
-                                    <p:anim calcmode="lin" valueType="num">
-                                      <p:cBhvr additive="base">
-                                        <p:cTn id="47" dur="500" fill="hold"/>
-                                        <p:tgtEl>
-                                          <p:spTgt spid="27"/>
-                                        </p:tgtEl>
-                                        <p:attrNameLst>
-                                          <p:attrName>ppt_x</p:attrName>
-                                        </p:attrNameLst>
-                                      </p:cBhvr>
-                                      <p:tavLst>
-                                        <p:tav tm="0">
-                                          <p:val>
-                                            <p:strVal val="#ppt_x"/>
-                                          </p:val>
-                                        </p:tav>
-                                        <p:tav tm="100000">
-                                          <p:val>
-                                            <p:strVal val="#ppt_x"/>
-                                          </p:val>
-                                        </p:tav>
-                                      </p:tavLst>
-                                    </p:anim>
-                                    <p:anim calcmode="lin" valueType="num">
-                                      <p:cBhvr additive="base">
-                                        <p:cTn id="48" dur="500" fill="hold"/>
-                                        <p:tgtEl>
-                                          <p:spTgt spid="27"/>
-                                        </p:tgtEl>
-                                        <p:attrNameLst>
-                                          <p:attrName>ppt_y</p:attrName>
-                                        </p:attrNameLst>
-                                      </p:cBhvr>
-                                      <p:tavLst>
-                                        <p:tav tm="0">
-                                          <p:val>
-                                            <p:strVal val="1+#ppt_h/2"/>
-                                          </p:val>
-                                        </p:tav>
-                                        <p:tav tm="100000">
-                                          <p:val>
-                                            <p:strVal val="#ppt_y"/>
-                                          </p:val>
-                                        </p:tav>
-                                      </p:tavLst>
-                                    </p:anim>
-                                  </p:childTnLst>
-                                </p:cTn>
-                              </p:par>
-                              <p:par>
-                                <p:cTn id="49" presetID="2" presetClass="entr" presetSubtype="4" fill="hold" grpId="0" nodeType="withEffect">
-                                  <p:stCondLst>
-                                    <p:cond delay="0"/>
-                                  </p:stCondLst>
-                                  <p:childTnLst>
-                                    <p:set>
-                                      <p:cBhvr>
-                                        <p:cTn id="50" dur="1" fill="hold">
-                                          <p:stCondLst>
-                                            <p:cond delay="0"/>
-                                          </p:stCondLst>
-                                        </p:cTn>
-                                        <p:tgtEl>
-                                          <p:spTgt spid="28"/>
-                                        </p:tgtEl>
-                                        <p:attrNameLst>
-                                          <p:attrName>style.visibility</p:attrName>
-                                        </p:attrNameLst>
-                                      </p:cBhvr>
-                                      <p:to>
-                                        <p:strVal val="visible"/>
-                                      </p:to>
-                                    </p:set>
-                                    <p:anim calcmode="lin" valueType="num">
-                                      <p:cBhvr additive="base">
-                                        <p:cTn id="51" dur="500" fill="hold"/>
                                         <p:tgtEl>
                                           <p:spTgt spid="28"/>
                                         </p:tgtEl>
@@ -20194,7 +20008,7 @@
                                     </p:anim>
                                     <p:anim calcmode="lin" valueType="num">
                                       <p:cBhvr additive="base">
-                                        <p:cTn id="52" dur="500" fill="hold"/>
+                                        <p:cTn id="36" dur="500" fill="hold"/>
                                         <p:tgtEl>
                                           <p:spTgt spid="28"/>
                                         </p:tgtEl>
@@ -20218,33 +20032,15 @@
                                   </p:childTnLst>
                                 </p:cTn>
                               </p:par>
-                            </p:childTnLst>
-                          </p:cTn>
-                        </p:par>
-                      </p:childTnLst>
-                    </p:cTn>
-                  </p:par>
-                  <p:par>
-                    <p:cTn id="53" fill="hold">
-                      <p:stCondLst>
-                        <p:cond delay="indefinite"/>
-                      </p:stCondLst>
-                      <p:childTnLst>
-                        <p:par>
-                          <p:cTn id="54" fill="hold">
-                            <p:stCondLst>
-                              <p:cond delay="0"/>
-                            </p:stCondLst>
-                            <p:childTnLst>
                               <p:par>
-                                <p:cTn id="55" presetID="1" presetClass="entr" presetSubtype="0" fill="hold" grpId="0" nodeType="clickEffect">
+                                <p:cTn id="37" presetID="1" presetClass="entr" presetSubtype="0" fill="hold" grpId="0" nodeType="withEffect">
                                   <p:stCondLst>
                                     <p:cond delay="0"/>
                                   </p:stCondLst>
                                   <p:childTnLst>
                                     <p:set>
                                       <p:cBhvr>
-                                        <p:cTn id="56" dur="1" fill="hold">
+                                        <p:cTn id="38" dur="1" fill="hold">
                                           <p:stCondLst>
                                             <p:cond delay="0"/>
                                           </p:stCondLst>
@@ -20260,6 +20056,152 @@
                                         <p:strVal val="visible"/>
                                       </p:to>
                                     </p:set>
+                                  </p:childTnLst>
+                                </p:cTn>
+                              </p:par>
+                              <p:par>
+                                <p:cTn id="39" presetID="2" presetClass="entr" presetSubtype="4" fill="hold" grpId="0" nodeType="withEffect">
+                                  <p:stCondLst>
+                                    <p:cond delay="0"/>
+                                  </p:stCondLst>
+                                  <p:childTnLst>
+                                    <p:set>
+                                      <p:cBhvr>
+                                        <p:cTn id="40" dur="1" fill="hold">
+                                          <p:stCondLst>
+                                            <p:cond delay="0"/>
+                                          </p:stCondLst>
+                                        </p:cTn>
+                                        <p:tgtEl>
+                                          <p:spTgt spid="31"/>
+                                        </p:tgtEl>
+                                        <p:attrNameLst>
+                                          <p:attrName>style.visibility</p:attrName>
+                                        </p:attrNameLst>
+                                      </p:cBhvr>
+                                      <p:to>
+                                        <p:strVal val="visible"/>
+                                      </p:to>
+                                    </p:set>
+                                    <p:anim calcmode="lin" valueType="num">
+                                      <p:cBhvr additive="base">
+                                        <p:cTn id="41" dur="500" fill="hold"/>
+                                        <p:tgtEl>
+                                          <p:spTgt spid="31"/>
+                                        </p:tgtEl>
+                                        <p:attrNameLst>
+                                          <p:attrName>ppt_x</p:attrName>
+                                        </p:attrNameLst>
+                                      </p:cBhvr>
+                                      <p:tavLst>
+                                        <p:tav tm="0">
+                                          <p:val>
+                                            <p:strVal val="#ppt_x"/>
+                                          </p:val>
+                                        </p:tav>
+                                        <p:tav tm="100000">
+                                          <p:val>
+                                            <p:strVal val="#ppt_x"/>
+                                          </p:val>
+                                        </p:tav>
+                                      </p:tavLst>
+                                    </p:anim>
+                                    <p:anim calcmode="lin" valueType="num">
+                                      <p:cBhvr additive="base">
+                                        <p:cTn id="42" dur="500" fill="hold"/>
+                                        <p:tgtEl>
+                                          <p:spTgt spid="31"/>
+                                        </p:tgtEl>
+                                        <p:attrNameLst>
+                                          <p:attrName>ppt_y</p:attrName>
+                                        </p:attrNameLst>
+                                      </p:cBhvr>
+                                      <p:tavLst>
+                                        <p:tav tm="0">
+                                          <p:val>
+                                            <p:strVal val="1+#ppt_h/2"/>
+                                          </p:val>
+                                        </p:tav>
+                                        <p:tav tm="100000">
+                                          <p:val>
+                                            <p:strVal val="#ppt_y"/>
+                                          </p:val>
+                                        </p:tav>
+                                      </p:tavLst>
+                                    </p:anim>
+                                  </p:childTnLst>
+                                </p:cTn>
+                              </p:par>
+                              <p:par>
+                                <p:cTn id="43" presetID="2" presetClass="entr" presetSubtype="4" fill="hold" grpId="0" nodeType="withEffect">
+                                  <p:stCondLst>
+                                    <p:cond delay="0"/>
+                                  </p:stCondLst>
+                                  <p:childTnLst>
+                                    <p:set>
+                                      <p:cBhvr>
+                                        <p:cTn id="44" dur="1" fill="hold">
+                                          <p:stCondLst>
+                                            <p:cond delay="0"/>
+                                          </p:stCondLst>
+                                        </p:cTn>
+                                        <p:tgtEl>
+                                          <p:spTgt spid="32"/>
+                                        </p:tgtEl>
+                                        <p:attrNameLst>
+                                          <p:attrName>style.visibility</p:attrName>
+                                        </p:attrNameLst>
+                                      </p:cBhvr>
+                                      <p:to>
+                                        <p:strVal val="visible"/>
+                                      </p:to>
+                                    </p:set>
+                                    <p:anim calcmode="lin" valueType="num">
+                                      <p:cBhvr additive="base">
+                                        <p:cTn id="45" dur="500" fill="hold"/>
+                                        <p:tgtEl>
+                                          <p:spTgt spid="32"/>
+                                        </p:tgtEl>
+                                        <p:attrNameLst>
+                                          <p:attrName>ppt_x</p:attrName>
+                                        </p:attrNameLst>
+                                      </p:cBhvr>
+                                      <p:tavLst>
+                                        <p:tav tm="0">
+                                          <p:val>
+                                            <p:strVal val="#ppt_x"/>
+                                          </p:val>
+                                        </p:tav>
+                                        <p:tav tm="100000">
+                                          <p:val>
+                                            <p:strVal val="#ppt_x"/>
+                                          </p:val>
+                                        </p:tav>
+                                      </p:tavLst>
+                                    </p:anim>
+                                    <p:anim calcmode="lin" valueType="num">
+                                      <p:cBhvr additive="base">
+                                        <p:cTn id="46" dur="500" fill="hold"/>
+                                        <p:tgtEl>
+                                          <p:spTgt spid="32"/>
+                                        </p:tgtEl>
+                                        <p:attrNameLst>
+                                          <p:attrName>ppt_y</p:attrName>
+                                        </p:attrNameLst>
+                                      </p:cBhvr>
+                                      <p:tavLst>
+                                        <p:tav tm="0">
+                                          <p:val>
+                                            <p:strVal val="1+#ppt_h/2"/>
+                                          </p:val>
+                                        </p:tav>
+                                        <p:tav tm="100000">
+                                          <p:val>
+                                            <p:strVal val="#ppt_y"/>
+                                          </p:val>
+                                        </p:tav>
+                                      </p:tavLst>
+                                    </p:anim>
                                   </p:childTnLst>
                                 </p:cTn>
                               </p:par>
@@ -20296,14 +20238,12 @@
       <p:bldP spid="24" grpId="0"/>
       <p:bldP spid="25" grpId="0"/>
       <p:bldP spid="15" grpId="0" animBg="1"/>
-      <p:bldP spid="20" grpId="0" animBg="1"/>
-      <p:bldP spid="21" grpId="0" animBg="1"/>
       <p:bldP spid="22" grpId="0" animBg="1"/>
-      <p:bldP spid="26" grpId="0" animBg="1"/>
-      <p:bldP spid="29" grpId="0" animBg="1"/>
       <p:bldP spid="30" grpId="0"/>
       <p:bldP spid="27" grpId="0"/>
       <p:bldP spid="28" grpId="0" animBg="1"/>
+      <p:bldP spid="31" grpId="0" animBg="1"/>
+      <p:bldP spid="32" grpId="0"/>
     </p:bldLst>
   </p:timing>
 </p:sld>
@@ -20328,174 +20268,7 @@
       </p:grpSpPr>
       <p:sp>
         <p:nvSpPr>
-          <p:cNvPr id="2" name="Title 1"/>
-          <p:cNvSpPr>
-            <a:spLocks noGrp="1"/>
-          </p:cNvSpPr>
-          <p:nvPr>
-            <p:ph type="title"/>
-          </p:nvPr>
-        </p:nvSpPr>
-        <p:spPr>
-          <a:xfrm>
-            <a:off x="609600" y="142502"/>
-            <a:ext cx="10972800" cy="724632"/>
-          </a:xfrm>
-        </p:spPr>
-        <p:txBody>
-          <a:bodyPr>
-            <a:normAutofit fontScale="90000"/>
-          </a:bodyPr>
-          <a:lstStyle/>
-          <a:p>
-            <a:pPr algn="l"/>
-            <a:r>
-              <a:rPr lang="en-GB" sz="2700" dirty="0" smtClean="0"/>
-              <a:t>Step </a:t>
-            </a:r>
-            <a:r>
-              <a:rPr lang="en-GB" sz="2700" dirty="0"/>
-              <a:t>2</a:t>
-            </a:r>
-            <a:r>
-              <a:rPr lang="en-GB" sz="2400" dirty="0" smtClean="0"/>
-              <a:t/>
-            </a:r>
-            <a:br>
-              <a:rPr lang="en-GB" sz="2400" dirty="0" smtClean="0"/>
-            </a:br>
-            <a:r>
-              <a:rPr lang="en-GB" sz="2000" dirty="0" err="1" smtClean="0">
-                <a:latin typeface="Lucida Console" panose="020B0609040504020204" pitchFamily="49" charset="0"/>
-              </a:rPr>
-              <a:t>mental_health</a:t>
-            </a:r>
-            <a:r>
-              <a:rPr lang="en-GB" sz="2000" dirty="0" smtClean="0">
-                <a:latin typeface="Lucida Console" panose="020B0609040504020204" pitchFamily="49" charset="0"/>
-              </a:rPr>
-              <a:t> ~ </a:t>
-            </a:r>
-            <a:r>
-              <a:rPr lang="en-GB" sz="2000" dirty="0">
-                <a:latin typeface="Lucida Console" panose="020B0609040504020204" pitchFamily="49" charset="0"/>
-              </a:rPr>
-              <a:t>gender + </a:t>
-            </a:r>
-            <a:r>
-              <a:rPr lang="en-GB" sz="2000" dirty="0">
-                <a:solidFill>
-                  <a:schemeClr val="accent2">
-                    <a:lumMod val="75000"/>
-                  </a:schemeClr>
-                </a:solidFill>
-                <a:latin typeface="Lucida Console" panose="020B0609040504020204" pitchFamily="49" charset="0"/>
-              </a:rPr>
-              <a:t>age</a:t>
-            </a:r>
-            <a:r>
-              <a:rPr lang="en-GB" sz="2000" dirty="0">
-                <a:latin typeface="Lucida Console" panose="020B0609040504020204" pitchFamily="49" charset="0"/>
-              </a:rPr>
-              <a:t> + </a:t>
-            </a:r>
-            <a:r>
-              <a:rPr lang="en-GB" sz="2000" dirty="0">
-                <a:solidFill>
-                  <a:srgbClr val="00B050"/>
-                </a:solidFill>
-                <a:latin typeface="Lucida Console" panose="020B0609040504020204" pitchFamily="49" charset="0"/>
-              </a:rPr>
-              <a:t>partner</a:t>
-            </a:r>
-            <a:r>
-              <a:rPr lang="en-GB" sz="2000" dirty="0">
-                <a:latin typeface="Lucida Console" panose="020B0609040504020204" pitchFamily="49" charset="0"/>
-              </a:rPr>
-              <a:t> + </a:t>
-            </a:r>
-            <a:r>
-              <a:rPr lang="en-GB" sz="2000" dirty="0">
-                <a:solidFill>
-                  <a:schemeClr val="accent6">
-                    <a:lumMod val="50000"/>
-                  </a:schemeClr>
-                </a:solidFill>
-                <a:latin typeface="Lucida Console" panose="020B0609040504020204" pitchFamily="49" charset="0"/>
-              </a:rPr>
-              <a:t>loneliness </a:t>
-            </a:r>
-            <a:r>
-              <a:rPr lang="en-GB" sz="2000" dirty="0" smtClean="0">
-                <a:solidFill>
-                  <a:schemeClr val="accent2">
-                    <a:lumMod val="75000"/>
-                  </a:schemeClr>
-                </a:solidFill>
-                <a:latin typeface="Lucida Console" panose="020B0609040504020204" pitchFamily="49" charset="0"/>
-              </a:rPr>
-              <a:t>+ </a:t>
-            </a:r>
-            <a:r>
-              <a:rPr lang="en-GB" sz="2000" dirty="0" smtClean="0">
-                <a:solidFill>
-                  <a:srgbClr val="E46C0A"/>
-                </a:solidFill>
-                <a:latin typeface="Lucida Console" panose="020B0609040504020204" pitchFamily="49" charset="0"/>
-              </a:rPr>
-              <a:t>comfort</a:t>
-            </a:r>
-            <a:r>
-              <a:rPr lang="en-GB" sz="2000" dirty="0" smtClean="0">
-                <a:latin typeface="Lucida Console" panose="020B0609040504020204" pitchFamily="49" charset="0"/>
-              </a:rPr>
-              <a:t> </a:t>
-            </a:r>
-            <a:r>
-              <a:rPr lang="en-GB" sz="2000" dirty="0">
-                <a:latin typeface="Lucida Console" panose="020B0609040504020204" pitchFamily="49" charset="0"/>
-              </a:rPr>
-              <a:t>	</a:t>
-            </a:r>
-            <a:r>
-              <a:rPr lang="en-GB" sz="2000" dirty="0" smtClean="0">
-                <a:latin typeface="Lucida Console" panose="020B0609040504020204" pitchFamily="49" charset="0"/>
-              </a:rPr>
-              <a:t>	</a:t>
-            </a:r>
-            <a:endParaRPr lang="en-GB" sz="2400" dirty="0">
-              <a:latin typeface="Lucida Console" panose="020B0609040504020204" pitchFamily="49" charset="0"/>
-            </a:endParaRPr>
-          </a:p>
-        </p:txBody>
-      </p:sp>
-      <p:sp>
-        <p:nvSpPr>
-          <p:cNvPr id="4" name="Slide Number Placeholder 3"/>
-          <p:cNvSpPr>
-            <a:spLocks noGrp="1"/>
-          </p:cNvSpPr>
-          <p:nvPr>
-            <p:ph type="sldNum" sz="quarter" idx="12"/>
-          </p:nvPr>
-        </p:nvSpPr>
-        <p:spPr/>
-        <p:txBody>
-          <a:bodyPr/>
-          <a:lstStyle/>
-          <a:p>
-            <a:fld id="{B6F15528-21DE-4FAA-801E-634DDDAF4B2B}" type="slidenum">
-              <a:rPr lang="en-US" smtClean="0"/>
-              <a:pPr/>
-              <a:t>16</a:t>
-            </a:fld>
-            <a:endParaRPr lang="en-US"/>
-          </a:p>
-        </p:txBody>
-      </p:sp>
-      <p:sp>
-        <p:nvSpPr>
-          <p:cNvPr id="18" name="Rectangle 17"/>
+          <p:cNvPr id="23" name="Rectangle 22"/>
           <p:cNvSpPr/>
           <p:nvPr/>
         </p:nvSpPr>
@@ -20539,222 +20312,7 @@
       </p:sp>
       <p:sp>
         <p:nvSpPr>
-          <p:cNvPr id="14" name="TextBox 13"/>
-          <p:cNvSpPr txBox="1"/>
-          <p:nvPr/>
-        </p:nvSpPr>
-        <p:spPr>
-          <a:xfrm>
-            <a:off x="258827" y="6013749"/>
-            <a:ext cx="4457695" cy="338554"/>
-          </a:xfrm>
-          <a:prstGeom prst="rect">
-            <a:avLst/>
-          </a:prstGeom>
-          <a:noFill/>
-        </p:spPr>
-        <p:txBody>
-          <a:bodyPr wrap="none" rtlCol="0">
-            <a:spAutoFit/>
-          </a:bodyPr>
-          <a:lstStyle/>
-          <a:p>
-            <a:r>
-              <a:rPr lang="en-GB" sz="1600" dirty="0" smtClean="0">
-                <a:latin typeface="+mj-lt"/>
-              </a:rPr>
-              <a:t>Area of  box = variance in wellbeing to be explained</a:t>
-            </a:r>
-            <a:endParaRPr lang="en-GB" sz="1600" dirty="0" smtClean="0">
-              <a:solidFill>
-                <a:schemeClr val="tx1"/>
-              </a:solidFill>
-              <a:latin typeface="+mj-lt"/>
-            </a:endParaRPr>
-          </a:p>
-        </p:txBody>
-      </p:sp>
-      <p:sp>
-        <p:nvSpPr>
-          <p:cNvPr id="16" name="TextBox 15"/>
-          <p:cNvSpPr txBox="1"/>
-          <p:nvPr/>
-        </p:nvSpPr>
-        <p:spPr>
-          <a:xfrm>
-            <a:off x="6599866" y="3151293"/>
-            <a:ext cx="5211604" cy="1015663"/>
-          </a:xfrm>
-          <a:prstGeom prst="rect">
-            <a:avLst/>
-          </a:prstGeom>
-          <a:solidFill>
-            <a:schemeClr val="accent4">
-              <a:lumMod val="40000"/>
-              <a:lumOff val="60000"/>
-            </a:schemeClr>
-          </a:solidFill>
-        </p:spPr>
-        <p:txBody>
-          <a:bodyPr wrap="square" rtlCol="0">
-            <a:spAutoFit/>
-          </a:bodyPr>
-          <a:lstStyle/>
-          <a:p>
-            <a:r>
-              <a:rPr lang="en-GB" sz="2000" dirty="0" smtClean="0"/>
-              <a:t>The BF for the model in Step 3 vs. Step 2 is 4.97.</a:t>
-            </a:r>
-          </a:p>
-          <a:p>
-            <a:r>
-              <a:rPr lang="en-GB" sz="2000" dirty="0" smtClean="0"/>
-              <a:t>There’s substantial evidence for unique contribution of comfort to the model.</a:t>
-            </a:r>
-          </a:p>
-        </p:txBody>
-      </p:sp>
-      <p:sp>
-        <p:nvSpPr>
-          <p:cNvPr id="17" name="TextBox 16"/>
-          <p:cNvSpPr txBox="1"/>
-          <p:nvPr/>
-        </p:nvSpPr>
-        <p:spPr>
-          <a:xfrm>
-            <a:off x="6622138" y="2430557"/>
-            <a:ext cx="5211604" cy="400110"/>
-          </a:xfrm>
-          <a:prstGeom prst="rect">
-            <a:avLst/>
-          </a:prstGeom>
-          <a:solidFill>
-            <a:schemeClr val="accent5">
-              <a:lumMod val="40000"/>
-              <a:lumOff val="60000"/>
-            </a:schemeClr>
-          </a:solidFill>
-        </p:spPr>
-        <p:txBody>
-          <a:bodyPr wrap="square" rtlCol="0">
-            <a:spAutoFit/>
-          </a:bodyPr>
-          <a:lstStyle/>
-          <a:p>
-            <a:r>
-              <a:rPr lang="el-GR" sz="2000" dirty="0" smtClean="0">
-                <a:latin typeface="Times New Roman" panose="02020603050405020304" pitchFamily="18" charset="0"/>
-                <a:cs typeface="Times New Roman" panose="02020603050405020304" pitchFamily="18" charset="0"/>
-              </a:rPr>
-              <a:t>Δ</a:t>
-            </a:r>
-            <a:r>
-              <a:rPr lang="en-GB" sz="2000" dirty="0" smtClean="0"/>
-              <a:t>R</a:t>
-            </a:r>
-            <a:r>
-              <a:rPr lang="en-GB" sz="2000" baseline="30000" dirty="0" smtClean="0"/>
-              <a:t>2 </a:t>
-            </a:r>
-            <a:r>
-              <a:rPr lang="en-GB" sz="2000" dirty="0" smtClean="0"/>
-              <a:t> = 0.002</a:t>
-            </a:r>
-            <a:endParaRPr lang="en-GB" sz="2000" b="1" u="sng" dirty="0">
-              <a:solidFill>
-                <a:schemeClr val="tx2"/>
-              </a:solidFill>
-            </a:endParaRPr>
-          </a:p>
-        </p:txBody>
-      </p:sp>
-      <p:sp>
-        <p:nvSpPr>
-          <p:cNvPr id="31" name="Oval 30"/>
-          <p:cNvSpPr/>
-          <p:nvPr/>
-        </p:nvSpPr>
-        <p:spPr>
-          <a:xfrm>
-            <a:off x="3255459" y="2268899"/>
-            <a:ext cx="1090573" cy="1056784"/>
-          </a:xfrm>
-          <a:prstGeom prst="ellipse">
-            <a:avLst/>
-          </a:prstGeom>
-          <a:noFill/>
-          <a:ln w="38100">
-            <a:solidFill>
-              <a:srgbClr val="FFC000"/>
-            </a:solidFill>
-          </a:ln>
-        </p:spPr>
-        <p:style>
-          <a:lnRef idx="2">
-            <a:schemeClr val="accent1">
-              <a:shade val="50000"/>
-            </a:schemeClr>
-          </a:lnRef>
-          <a:fillRef idx="1">
-            <a:schemeClr val="accent1"/>
-          </a:fillRef>
-          <a:effectRef idx="0">
-            <a:schemeClr val="accent1"/>
-          </a:effectRef>
-          <a:fontRef idx="minor">
-            <a:schemeClr val="lt1"/>
-          </a:fontRef>
-        </p:style>
-        <p:txBody>
-          <a:bodyPr rtlCol="0" anchor="ctr"/>
-          <a:lstStyle/>
-          <a:p>
-            <a:pPr algn="ctr"/>
-            <a:endParaRPr lang="en-GB"/>
-          </a:p>
-        </p:txBody>
-      </p:sp>
-      <p:sp>
-        <p:nvSpPr>
-          <p:cNvPr id="32" name="TextBox 31"/>
-          <p:cNvSpPr txBox="1"/>
-          <p:nvPr/>
-        </p:nvSpPr>
-        <p:spPr>
-          <a:xfrm>
-            <a:off x="4002561" y="1967334"/>
-            <a:ext cx="945067" cy="369332"/>
-          </a:xfrm>
-          <a:prstGeom prst="rect">
-            <a:avLst/>
-          </a:prstGeom>
-          <a:noFill/>
-        </p:spPr>
-        <p:txBody>
-          <a:bodyPr wrap="none" rtlCol="0">
-            <a:spAutoFit/>
-          </a:bodyPr>
-          <a:lstStyle/>
-          <a:p>
-            <a:r>
-              <a:rPr lang="en-GB" b="1" dirty="0" smtClean="0">
-                <a:solidFill>
-                  <a:srgbClr val="E46C0A"/>
-                </a:solidFill>
-              </a:rPr>
-              <a:t>comfort</a:t>
-            </a:r>
-            <a:endParaRPr lang="en-GB" b="1" dirty="0">
-              <a:solidFill>
-                <a:srgbClr val="E46C0A"/>
-              </a:solidFill>
-            </a:endParaRPr>
-          </a:p>
-        </p:txBody>
-      </p:sp>
-      <p:sp>
-        <p:nvSpPr>
-          <p:cNvPr id="33" name="Oval 32"/>
+          <p:cNvPr id="24" name="Oval 23"/>
           <p:cNvSpPr/>
           <p:nvPr/>
         </p:nvSpPr>
@@ -20766,7 +20324,9 @@
           <a:prstGeom prst="ellipse">
             <a:avLst/>
           </a:prstGeom>
-          <a:noFill/>
+          <a:solidFill>
+            <a:srgbClr val="FFFFFF"/>
+          </a:solidFill>
           <a:ln w="38100">
             <a:solidFill>
               <a:srgbClr val="C00000"/>
@@ -20800,7 +20360,7 @@
       </p:sp>
       <p:sp>
         <p:nvSpPr>
-          <p:cNvPr id="34" name="Oval 33"/>
+          <p:cNvPr id="25" name="Oval 24"/>
           <p:cNvSpPr/>
           <p:nvPr/>
         </p:nvSpPr>
@@ -20849,7 +20409,7 @@
       </p:sp>
       <p:sp>
         <p:nvSpPr>
-          <p:cNvPr id="35" name="TextBox 34"/>
+          <p:cNvPr id="26" name="TextBox 25"/>
           <p:cNvSpPr txBox="1"/>
           <p:nvPr/>
         </p:nvSpPr>
@@ -20879,7 +20439,7 @@
       </p:sp>
       <p:sp>
         <p:nvSpPr>
-          <p:cNvPr id="36" name="TextBox 35"/>
+          <p:cNvPr id="27" name="TextBox 26"/>
           <p:cNvSpPr txBox="1"/>
           <p:nvPr/>
         </p:nvSpPr>
@@ -20921,14 +20481,14 @@
       </p:sp>
       <p:sp>
         <p:nvSpPr>
-          <p:cNvPr id="37" name="Oval 36"/>
+          <p:cNvPr id="28" name="Oval 27"/>
           <p:cNvSpPr/>
           <p:nvPr/>
         </p:nvSpPr>
         <p:spPr>
           <a:xfrm>
-            <a:off x="3621393" y="3602752"/>
-            <a:ext cx="603051" cy="584368"/>
+            <a:off x="3756697" y="3437961"/>
+            <a:ext cx="937489" cy="908445"/>
           </a:xfrm>
           <a:prstGeom prst="ellipse">
             <a:avLst/>
@@ -20967,197 +20527,13 @@
       </p:sp>
       <p:sp>
         <p:nvSpPr>
-          <p:cNvPr id="38" name="Oval 37"/>
-          <p:cNvSpPr/>
+          <p:cNvPr id="29" name="TextBox 28"/>
+          <p:cNvSpPr txBox="1"/>
           <p:nvPr/>
         </p:nvSpPr>
         <p:spPr>
           <a:xfrm>
-            <a:off x="3233187" y="3569986"/>
-            <a:ext cx="603051" cy="584368"/>
-          </a:xfrm>
-          <a:prstGeom prst="ellipse">
-            <a:avLst/>
-          </a:prstGeom>
-          <a:noFill/>
-          <a:ln w="38100">
-            <a:solidFill>
-              <a:srgbClr val="00B050"/>
-            </a:solidFill>
-          </a:ln>
-        </p:spPr>
-        <p:style>
-          <a:lnRef idx="2">
-            <a:schemeClr val="accent1">
-              <a:shade val="50000"/>
-            </a:schemeClr>
-          </a:lnRef>
-          <a:fillRef idx="1">
-            <a:schemeClr val="accent1"/>
-          </a:fillRef>
-          <a:effectRef idx="0">
-            <a:schemeClr val="accent1"/>
-          </a:effectRef>
-          <a:fontRef idx="minor">
-            <a:schemeClr val="lt1"/>
-          </a:fontRef>
-        </p:style>
-        <p:txBody>
-          <a:bodyPr rtlCol="0" anchor="ctr"/>
-          <a:lstStyle/>
-          <a:p>
-            <a:pPr algn="ctr"/>
-            <a:endParaRPr lang="en-GB"/>
-          </a:p>
-        </p:txBody>
-      </p:sp>
-      <p:sp>
-        <p:nvSpPr>
-          <p:cNvPr id="39" name="Oval 38"/>
-          <p:cNvSpPr/>
-          <p:nvPr/>
-        </p:nvSpPr>
-        <p:spPr>
-          <a:xfrm>
-            <a:off x="4055507" y="3509872"/>
-            <a:ext cx="603051" cy="584368"/>
-          </a:xfrm>
-          <a:prstGeom prst="ellipse">
-            <a:avLst/>
-          </a:prstGeom>
-          <a:noFill/>
-          <a:ln w="38100">
-            <a:solidFill>
-              <a:srgbClr val="00B050"/>
-            </a:solidFill>
-          </a:ln>
-        </p:spPr>
-        <p:style>
-          <a:lnRef idx="2">
-            <a:schemeClr val="accent1">
-              <a:shade val="50000"/>
-            </a:schemeClr>
-          </a:lnRef>
-          <a:fillRef idx="1">
-            <a:schemeClr val="accent1"/>
-          </a:fillRef>
-          <a:effectRef idx="0">
-            <a:schemeClr val="accent1"/>
-          </a:effectRef>
-          <a:fontRef idx="minor">
-            <a:schemeClr val="lt1"/>
-          </a:fontRef>
-        </p:style>
-        <p:txBody>
-          <a:bodyPr rtlCol="0" anchor="ctr"/>
-          <a:lstStyle/>
-          <a:p>
-            <a:pPr algn="ctr"/>
-            <a:endParaRPr lang="en-GB"/>
-          </a:p>
-        </p:txBody>
-      </p:sp>
-      <p:sp>
-        <p:nvSpPr>
-          <p:cNvPr id="40" name="Oval 39"/>
-          <p:cNvSpPr/>
-          <p:nvPr/>
-        </p:nvSpPr>
-        <p:spPr>
-          <a:xfrm>
-            <a:off x="3409535" y="3962056"/>
-            <a:ext cx="513383" cy="592487"/>
-          </a:xfrm>
-          <a:prstGeom prst="ellipse">
-            <a:avLst/>
-          </a:prstGeom>
-          <a:noFill/>
-          <a:ln w="38100">
-            <a:solidFill>
-              <a:srgbClr val="00B050"/>
-            </a:solidFill>
-          </a:ln>
-        </p:spPr>
-        <p:style>
-          <a:lnRef idx="2">
-            <a:schemeClr val="accent1">
-              <a:shade val="50000"/>
-            </a:schemeClr>
-          </a:lnRef>
-          <a:fillRef idx="1">
-            <a:schemeClr val="accent1"/>
-          </a:fillRef>
-          <a:effectRef idx="0">
-            <a:schemeClr val="accent1"/>
-          </a:effectRef>
-          <a:fontRef idx="minor">
-            <a:schemeClr val="lt1"/>
-          </a:fontRef>
-        </p:style>
-        <p:txBody>
-          <a:bodyPr rtlCol="0" anchor="ctr"/>
-          <a:lstStyle/>
-          <a:p>
-            <a:pPr algn="ctr"/>
-            <a:endParaRPr lang="en-GB"/>
-          </a:p>
-        </p:txBody>
-      </p:sp>
-      <p:sp>
-        <p:nvSpPr>
-          <p:cNvPr id="41" name="Oval 40"/>
-          <p:cNvSpPr/>
-          <p:nvPr/>
-        </p:nvSpPr>
-        <p:spPr>
-          <a:xfrm>
-            <a:off x="3878084" y="3916879"/>
-            <a:ext cx="513383" cy="592487"/>
-          </a:xfrm>
-          <a:prstGeom prst="ellipse">
-            <a:avLst/>
-          </a:prstGeom>
-          <a:noFill/>
-          <a:ln w="38100">
-            <a:solidFill>
-              <a:srgbClr val="00B050"/>
-            </a:solidFill>
-          </a:ln>
-        </p:spPr>
-        <p:style>
-          <a:lnRef idx="2">
-            <a:schemeClr val="accent1">
-              <a:shade val="50000"/>
-            </a:schemeClr>
-          </a:lnRef>
-          <a:fillRef idx="1">
-            <a:schemeClr val="accent1"/>
-          </a:fillRef>
-          <a:effectRef idx="0">
-            <a:schemeClr val="accent1"/>
-          </a:effectRef>
-          <a:fontRef idx="minor">
-            <a:schemeClr val="lt1"/>
-          </a:fontRef>
-        </p:style>
-        <p:txBody>
-          <a:bodyPr rtlCol="0" anchor="ctr"/>
-          <a:lstStyle/>
-          <a:p>
-            <a:pPr algn="ctr"/>
-            <a:endParaRPr lang="en-GB"/>
-          </a:p>
-        </p:txBody>
-      </p:sp>
-      <p:sp>
-        <p:nvSpPr>
-          <p:cNvPr id="42" name="TextBox 41"/>
-          <p:cNvSpPr txBox="1"/>
-          <p:nvPr/>
-        </p:nvSpPr>
-        <p:spPr>
-          <a:xfrm>
-            <a:off x="4492502" y="4323846"/>
+            <a:off x="4038769" y="4438044"/>
             <a:ext cx="904415" cy="369332"/>
           </a:xfrm>
           <a:prstGeom prst="rect">
@@ -21193,7 +20569,7 @@
       </p:sp>
       <p:sp>
         <p:nvSpPr>
-          <p:cNvPr id="43" name="TextBox 42"/>
+          <p:cNvPr id="30" name="TextBox 29"/>
           <p:cNvSpPr txBox="1"/>
           <p:nvPr/>
         </p:nvSpPr>
@@ -21235,14 +20611,14 @@
       </p:sp>
       <p:sp>
         <p:nvSpPr>
-          <p:cNvPr id="44" name="Oval 43"/>
+          <p:cNvPr id="46" name="Oval 45"/>
           <p:cNvSpPr/>
           <p:nvPr/>
         </p:nvSpPr>
         <p:spPr>
           <a:xfrm>
-            <a:off x="2802115" y="3561867"/>
-            <a:ext cx="572174" cy="592487"/>
+            <a:off x="3221138" y="3565926"/>
+            <a:ext cx="823167" cy="852391"/>
           </a:xfrm>
           <a:prstGeom prst="ellipse">
             <a:avLst/>
@@ -21283,6 +20659,514 @@
       </p:sp>
       <p:sp>
         <p:nvSpPr>
+          <p:cNvPr id="47" name="Oval 46"/>
+          <p:cNvSpPr/>
+          <p:nvPr/>
+        </p:nvSpPr>
+        <p:spPr>
+          <a:xfrm>
+            <a:off x="4173900" y="3374617"/>
+            <a:ext cx="788897" cy="746099"/>
+          </a:xfrm>
+          <a:prstGeom prst="ellipse">
+            <a:avLst/>
+          </a:prstGeom>
+          <a:noFill/>
+          <a:ln w="38100">
+            <a:solidFill>
+              <a:schemeClr val="accent4">
+                <a:lumMod val="50000"/>
+              </a:schemeClr>
+            </a:solidFill>
+          </a:ln>
+        </p:spPr>
+        <p:style>
+          <a:lnRef idx="2">
+            <a:schemeClr val="accent1">
+              <a:shade val="50000"/>
+            </a:schemeClr>
+          </a:lnRef>
+          <a:fillRef idx="1">
+            <a:schemeClr val="accent1"/>
+          </a:fillRef>
+          <a:effectRef idx="0">
+            <a:schemeClr val="accent1"/>
+          </a:effectRef>
+          <a:fontRef idx="minor">
+            <a:schemeClr val="lt1"/>
+          </a:fontRef>
+        </p:style>
+        <p:txBody>
+          <a:bodyPr rtlCol="0" anchor="ctr"/>
+          <a:lstStyle/>
+          <a:p>
+            <a:pPr algn="ctr"/>
+            <a:endParaRPr lang="en-GB"/>
+          </a:p>
+        </p:txBody>
+      </p:sp>
+      <p:sp>
+        <p:nvSpPr>
+          <p:cNvPr id="48" name="TextBox 47"/>
+          <p:cNvSpPr txBox="1"/>
+          <p:nvPr/>
+        </p:nvSpPr>
+        <p:spPr>
+          <a:xfrm>
+            <a:off x="4876336" y="3910048"/>
+            <a:ext cx="873957" cy="369332"/>
+          </a:xfrm>
+          <a:prstGeom prst="rect">
+            <a:avLst/>
+          </a:prstGeom>
+          <a:noFill/>
+        </p:spPr>
+        <p:txBody>
+          <a:bodyPr wrap="none" rtlCol="0">
+            <a:spAutoFit/>
+          </a:bodyPr>
+          <a:lstStyle/>
+          <a:p>
+            <a:r>
+              <a:rPr lang="en-GB" b="1" dirty="0" smtClean="0">
+                <a:solidFill>
+                  <a:schemeClr val="accent4">
+                    <a:lumMod val="75000"/>
+                  </a:schemeClr>
+                </a:solidFill>
+              </a:rPr>
+              <a:t>species</a:t>
+            </a:r>
+            <a:endParaRPr lang="en-GB" b="1" dirty="0">
+              <a:solidFill>
+                <a:schemeClr val="accent4">
+                  <a:lumMod val="75000"/>
+                </a:schemeClr>
+              </a:solidFill>
+            </a:endParaRPr>
+          </a:p>
+        </p:txBody>
+      </p:sp>
+      <p:sp>
+        <p:nvSpPr>
+          <p:cNvPr id="2" name="Title 1"/>
+          <p:cNvSpPr>
+            <a:spLocks noGrp="1"/>
+          </p:cNvSpPr>
+          <p:nvPr>
+            <p:ph type="title"/>
+          </p:nvPr>
+        </p:nvSpPr>
+        <p:spPr>
+          <a:xfrm>
+            <a:off x="609600" y="256802"/>
+            <a:ext cx="10972800" cy="724632"/>
+          </a:xfrm>
+        </p:spPr>
+        <p:txBody>
+          <a:bodyPr>
+            <a:normAutofit fontScale="90000"/>
+          </a:bodyPr>
+          <a:lstStyle/>
+          <a:p>
+            <a:pPr algn="l"/>
+            <a:r>
+              <a:rPr lang="en-GB" sz="2700" dirty="0" smtClean="0"/>
+              <a:t>Step </a:t>
+            </a:r>
+            <a:r>
+              <a:rPr lang="en-GB" sz="2700" dirty="0"/>
+              <a:t>2</a:t>
+            </a:r>
+            <a:r>
+              <a:rPr lang="en-GB" sz="2400" dirty="0" smtClean="0"/>
+              <a:t/>
+            </a:r>
+            <a:br>
+              <a:rPr lang="en-GB" sz="2400" dirty="0" smtClean="0"/>
+            </a:br>
+            <a:r>
+              <a:rPr lang="en-GB" sz="2000" dirty="0" err="1" smtClean="0">
+                <a:latin typeface="Lucida Console" panose="020B0609040504020204" pitchFamily="49" charset="0"/>
+              </a:rPr>
+              <a:t>mental_health</a:t>
+            </a:r>
+            <a:r>
+              <a:rPr lang="en-GB" sz="2000" dirty="0" smtClean="0">
+                <a:latin typeface="Lucida Console" panose="020B0609040504020204" pitchFamily="49" charset="0"/>
+              </a:rPr>
+              <a:t> ~ </a:t>
+            </a:r>
+            <a:r>
+              <a:rPr lang="en-GB" sz="2000" dirty="0">
+                <a:latin typeface="Lucida Console" panose="020B0609040504020204" pitchFamily="49" charset="0"/>
+              </a:rPr>
+              <a:t>gender + </a:t>
+            </a:r>
+            <a:r>
+              <a:rPr lang="en-GB" sz="2000" dirty="0">
+                <a:solidFill>
+                  <a:schemeClr val="accent2">
+                    <a:lumMod val="75000"/>
+                  </a:schemeClr>
+                </a:solidFill>
+                <a:latin typeface="Lucida Console" panose="020B0609040504020204" pitchFamily="49" charset="0"/>
+              </a:rPr>
+              <a:t>age</a:t>
+            </a:r>
+            <a:r>
+              <a:rPr lang="en-GB" sz="2000" dirty="0">
+                <a:latin typeface="Lucida Console" panose="020B0609040504020204" pitchFamily="49" charset="0"/>
+              </a:rPr>
+              <a:t> + </a:t>
+            </a:r>
+            <a:r>
+              <a:rPr lang="en-GB" sz="2000" dirty="0">
+                <a:solidFill>
+                  <a:srgbClr val="00B050"/>
+                </a:solidFill>
+                <a:latin typeface="Lucida Console" panose="020B0609040504020204" pitchFamily="49" charset="0"/>
+              </a:rPr>
+              <a:t>partner</a:t>
+            </a:r>
+            <a:r>
+              <a:rPr lang="en-GB" sz="2000" dirty="0">
+                <a:latin typeface="Lucida Console" panose="020B0609040504020204" pitchFamily="49" charset="0"/>
+              </a:rPr>
+              <a:t> + </a:t>
+            </a:r>
+            <a:r>
+              <a:rPr lang="en-GB" sz="2000" dirty="0">
+                <a:solidFill>
+                  <a:schemeClr val="accent6">
+                    <a:lumMod val="50000"/>
+                  </a:schemeClr>
+                </a:solidFill>
+                <a:latin typeface="Lucida Console" panose="020B0609040504020204" pitchFamily="49" charset="0"/>
+              </a:rPr>
+              <a:t>loneliness </a:t>
+            </a:r>
+            <a:r>
+              <a:rPr lang="en-GB" sz="2000" dirty="0" smtClean="0">
+                <a:solidFill>
+                  <a:schemeClr val="accent2">
+                    <a:lumMod val="75000"/>
+                  </a:schemeClr>
+                </a:solidFill>
+                <a:latin typeface="Lucida Console" panose="020B0609040504020204" pitchFamily="49" charset="0"/>
+              </a:rPr>
+              <a:t>+ </a:t>
+            </a:r>
+            <a:r>
+              <a:rPr lang="en-GB" sz="2000" dirty="0" smtClean="0">
+                <a:solidFill>
+                  <a:schemeClr val="accent4">
+                    <a:lumMod val="75000"/>
+                  </a:schemeClr>
+                </a:solidFill>
+                <a:latin typeface="Lucida Console" panose="020B0609040504020204" pitchFamily="49" charset="0"/>
+              </a:rPr>
+              <a:t>species</a:t>
+            </a:r>
+            <a:r>
+              <a:rPr lang="en-GB" sz="2000" dirty="0" smtClean="0">
+                <a:solidFill>
+                  <a:schemeClr val="accent2">
+                    <a:lumMod val="75000"/>
+                  </a:schemeClr>
+                </a:solidFill>
+                <a:latin typeface="Lucida Console" panose="020B0609040504020204" pitchFamily="49" charset="0"/>
+              </a:rPr>
+              <a:t> + </a:t>
+            </a:r>
+            <a:r>
+              <a:rPr lang="en-GB" sz="2000" dirty="0" smtClean="0">
+                <a:solidFill>
+                  <a:srgbClr val="E46C0A"/>
+                </a:solidFill>
+                <a:latin typeface="Lucida Console" panose="020B0609040504020204" pitchFamily="49" charset="0"/>
+              </a:rPr>
+              <a:t>comfort</a:t>
+            </a:r>
+            <a:r>
+              <a:rPr lang="en-GB" sz="2000" dirty="0" smtClean="0">
+                <a:latin typeface="Lucida Console" panose="020B0609040504020204" pitchFamily="49" charset="0"/>
+              </a:rPr>
+              <a:t> </a:t>
+            </a:r>
+            <a:r>
+              <a:rPr lang="en-GB" sz="2000" dirty="0">
+                <a:latin typeface="Lucida Console" panose="020B0609040504020204" pitchFamily="49" charset="0"/>
+              </a:rPr>
+              <a:t>	</a:t>
+            </a:r>
+            <a:r>
+              <a:rPr lang="en-GB" sz="2000" dirty="0" smtClean="0">
+                <a:latin typeface="Lucida Console" panose="020B0609040504020204" pitchFamily="49" charset="0"/>
+              </a:rPr>
+              <a:t>	</a:t>
+            </a:r>
+            <a:endParaRPr lang="en-GB" sz="2400" dirty="0">
+              <a:latin typeface="Lucida Console" panose="020B0609040504020204" pitchFamily="49" charset="0"/>
+            </a:endParaRPr>
+          </a:p>
+        </p:txBody>
+      </p:sp>
+      <p:sp>
+        <p:nvSpPr>
+          <p:cNvPr id="4" name="Slide Number Placeholder 3"/>
+          <p:cNvSpPr>
+            <a:spLocks noGrp="1"/>
+          </p:cNvSpPr>
+          <p:nvPr>
+            <p:ph type="sldNum" sz="quarter" idx="12"/>
+          </p:nvPr>
+        </p:nvSpPr>
+        <p:spPr/>
+        <p:txBody>
+          <a:bodyPr/>
+          <a:lstStyle/>
+          <a:p>
+            <a:fld id="{B6F15528-21DE-4FAA-801E-634DDDAF4B2B}" type="slidenum">
+              <a:rPr lang="en-US" smtClean="0"/>
+              <a:pPr/>
+              <a:t>16</a:t>
+            </a:fld>
+            <a:endParaRPr lang="en-US"/>
+          </a:p>
+        </p:txBody>
+      </p:sp>
+      <p:sp>
+        <p:nvSpPr>
+          <p:cNvPr id="14" name="TextBox 13"/>
+          <p:cNvSpPr txBox="1"/>
+          <p:nvPr/>
+        </p:nvSpPr>
+        <p:spPr>
+          <a:xfrm>
+            <a:off x="258827" y="6013749"/>
+            <a:ext cx="4457695" cy="338554"/>
+          </a:xfrm>
+          <a:prstGeom prst="rect">
+            <a:avLst/>
+          </a:prstGeom>
+          <a:noFill/>
+        </p:spPr>
+        <p:txBody>
+          <a:bodyPr wrap="none" rtlCol="0">
+            <a:spAutoFit/>
+          </a:bodyPr>
+          <a:lstStyle/>
+          <a:p>
+            <a:r>
+              <a:rPr lang="en-GB" sz="1600" dirty="0" smtClean="0">
+                <a:latin typeface="+mj-lt"/>
+              </a:rPr>
+              <a:t>Area of  box = variance in wellbeing to be explained</a:t>
+            </a:r>
+            <a:endParaRPr lang="en-GB" sz="1600" dirty="0" smtClean="0">
+              <a:solidFill>
+                <a:schemeClr val="tx1"/>
+              </a:solidFill>
+              <a:latin typeface="+mj-lt"/>
+            </a:endParaRPr>
+          </a:p>
+        </p:txBody>
+      </p:sp>
+      <p:sp>
+        <p:nvSpPr>
+          <p:cNvPr id="16" name="TextBox 15"/>
+          <p:cNvSpPr txBox="1"/>
+          <p:nvPr/>
+        </p:nvSpPr>
+        <p:spPr>
+          <a:xfrm>
+            <a:off x="6599866" y="3151293"/>
+            <a:ext cx="5211604" cy="1015663"/>
+          </a:xfrm>
+          <a:prstGeom prst="rect">
+            <a:avLst/>
+          </a:prstGeom>
+          <a:solidFill>
+            <a:schemeClr val="accent4">
+              <a:lumMod val="40000"/>
+              <a:lumOff val="60000"/>
+            </a:schemeClr>
+          </a:solidFill>
+        </p:spPr>
+        <p:txBody>
+          <a:bodyPr wrap="square" rtlCol="0">
+            <a:spAutoFit/>
+          </a:bodyPr>
+          <a:lstStyle/>
+          <a:p>
+            <a:r>
+              <a:rPr lang="en-GB" sz="2000" dirty="0" smtClean="0"/>
+              <a:t>The BF for the model in Step 3 vs. Step 2 is 4.97.</a:t>
+            </a:r>
+          </a:p>
+          <a:p>
+            <a:r>
+              <a:rPr lang="en-GB" sz="2000" dirty="0" smtClean="0"/>
+              <a:t>There’s substantial evidence for unique contribution of </a:t>
+            </a:r>
+            <a:r>
+              <a:rPr lang="en-GB" sz="2000" b="1" dirty="0" smtClean="0">
+                <a:solidFill>
+                  <a:schemeClr val="accent6">
+                    <a:lumMod val="50000"/>
+                  </a:schemeClr>
+                </a:solidFill>
+              </a:rPr>
+              <a:t>comfort</a:t>
+            </a:r>
+            <a:r>
+              <a:rPr lang="en-GB" sz="2000" dirty="0" smtClean="0"/>
+              <a:t> to the model.</a:t>
+            </a:r>
+          </a:p>
+        </p:txBody>
+      </p:sp>
+      <p:sp>
+        <p:nvSpPr>
+          <p:cNvPr id="17" name="TextBox 16"/>
+          <p:cNvSpPr txBox="1"/>
+          <p:nvPr/>
+        </p:nvSpPr>
+        <p:spPr>
+          <a:xfrm>
+            <a:off x="6622138" y="2430557"/>
+            <a:ext cx="5211604" cy="400110"/>
+          </a:xfrm>
+          <a:prstGeom prst="rect">
+            <a:avLst/>
+          </a:prstGeom>
+          <a:solidFill>
+            <a:schemeClr val="accent5">
+              <a:lumMod val="40000"/>
+              <a:lumOff val="60000"/>
+            </a:schemeClr>
+          </a:solidFill>
+        </p:spPr>
+        <p:txBody>
+          <a:bodyPr wrap="square" rtlCol="0">
+            <a:spAutoFit/>
+          </a:bodyPr>
+          <a:lstStyle/>
+          <a:p>
+            <a:r>
+              <a:rPr lang="el-GR" sz="2000" dirty="0" smtClean="0">
+                <a:latin typeface="Times New Roman" panose="02020603050405020304" pitchFamily="18" charset="0"/>
+                <a:cs typeface="Times New Roman" panose="02020603050405020304" pitchFamily="18" charset="0"/>
+              </a:rPr>
+              <a:t>Δ</a:t>
+            </a:r>
+            <a:r>
+              <a:rPr lang="en-GB" sz="2000" dirty="0" smtClean="0"/>
+              <a:t>R</a:t>
+            </a:r>
+            <a:r>
+              <a:rPr lang="en-GB" sz="2000" baseline="30000" dirty="0" smtClean="0"/>
+              <a:t>2 </a:t>
+            </a:r>
+            <a:r>
+              <a:rPr lang="en-GB" sz="2000" dirty="0" smtClean="0"/>
+              <a:t> = 0.002</a:t>
+            </a:r>
+            <a:endParaRPr lang="en-GB" sz="2000" b="1" u="sng" dirty="0">
+              <a:solidFill>
+                <a:schemeClr val="tx2"/>
+              </a:solidFill>
+            </a:endParaRPr>
+          </a:p>
+        </p:txBody>
+      </p:sp>
+      <p:sp>
+        <p:nvSpPr>
+          <p:cNvPr id="31" name="Oval 30"/>
+          <p:cNvSpPr/>
+          <p:nvPr/>
+        </p:nvSpPr>
+        <p:spPr>
+          <a:xfrm>
+            <a:off x="3255459" y="2268899"/>
+            <a:ext cx="1090573" cy="1056784"/>
+          </a:xfrm>
+          <a:prstGeom prst="ellipse">
+            <a:avLst/>
+          </a:prstGeom>
+          <a:noFill/>
+          <a:ln w="38100">
+            <a:solidFill>
+              <a:srgbClr val="FFC000"/>
+            </a:solidFill>
+          </a:ln>
+        </p:spPr>
+        <p:style>
+          <a:lnRef idx="2">
+            <a:schemeClr val="accent1">
+              <a:shade val="50000"/>
+            </a:schemeClr>
+          </a:lnRef>
+          <a:fillRef idx="1">
+            <a:schemeClr val="accent1"/>
+          </a:fillRef>
+          <a:effectRef idx="0">
+            <a:schemeClr val="accent1"/>
+          </a:effectRef>
+          <a:fontRef idx="minor">
+            <a:schemeClr val="lt1"/>
+          </a:fontRef>
+        </p:style>
+        <p:txBody>
+          <a:bodyPr rtlCol="0" anchor="ctr"/>
+          <a:lstStyle/>
+          <a:p>
+            <a:pPr algn="ctr"/>
+            <a:endParaRPr lang="en-GB"/>
+          </a:p>
+        </p:txBody>
+      </p:sp>
+      <p:sp>
+        <p:nvSpPr>
+          <p:cNvPr id="32" name="TextBox 31"/>
+          <p:cNvSpPr txBox="1"/>
+          <p:nvPr/>
+        </p:nvSpPr>
+        <p:spPr>
+          <a:xfrm>
+            <a:off x="4002561" y="1967334"/>
+            <a:ext cx="945067" cy="369332"/>
+          </a:xfrm>
+          <a:prstGeom prst="rect">
+            <a:avLst/>
+          </a:prstGeom>
+          <a:noFill/>
+        </p:spPr>
+        <p:txBody>
+          <a:bodyPr wrap="none" rtlCol="0">
+            <a:spAutoFit/>
+          </a:bodyPr>
+          <a:lstStyle/>
+          <a:p>
+            <a:r>
+              <a:rPr lang="en-GB" b="1" dirty="0" smtClean="0">
+                <a:solidFill>
+                  <a:srgbClr val="E46C0A"/>
+                </a:solidFill>
+              </a:rPr>
+              <a:t>comfort</a:t>
+            </a:r>
+            <a:endParaRPr lang="en-GB" b="1" dirty="0">
+              <a:solidFill>
+                <a:srgbClr val="E46C0A"/>
+              </a:solidFill>
+            </a:endParaRPr>
+          </a:p>
+        </p:txBody>
+      </p:sp>
+      <p:sp>
+        <p:nvSpPr>
           <p:cNvPr id="45" name="TextBox 44"/>
           <p:cNvSpPr txBox="1"/>
           <p:nvPr/>
@@ -21310,7 +21194,17 @@
           <a:p>
             <a:r>
               <a:rPr lang="en-GB" sz="2000" dirty="0" smtClean="0"/>
-              <a:t>Model with addition of comfort</a:t>
+              <a:t>Model with addition of </a:t>
+            </a:r>
+            <a:r>
+              <a:rPr lang="en-GB" sz="2000" b="1" dirty="0" smtClean="0">
+                <a:solidFill>
+                  <a:schemeClr val="accent6">
+                    <a:lumMod val="50000"/>
+                  </a:schemeClr>
+                </a:solidFill>
+              </a:rPr>
+              <a:t>comfort</a:t>
             </a:r>
           </a:p>
           <a:p>
@@ -27393,7 +27287,7 @@
                 <a:avLst/>
               </a:prstGeom>
               <a:blipFill>
-                <a:blip r:embed="rId2"/>
+                <a:blip r:embed="rId3"/>
                 <a:stretch>
                   <a:fillRect l="-923" t="-1613" r="-1538" b="-3226"/>
                 </a:stretch>
@@ -27668,7 +27562,7 @@
                 <a:avLst/>
               </a:prstGeom>
               <a:blipFill>
-                <a:blip r:embed="rId3"/>
+                <a:blip r:embed="rId4"/>
                 <a:stretch>
                   <a:fillRect l="-821" t="-911"/>
                 </a:stretch>
@@ -28087,7 +27981,7 @@
                 <a:avLst/>
               </a:prstGeom>
               <a:blipFill>
-                <a:blip r:embed="rId2"/>
+                <a:blip r:embed="rId3"/>
                 <a:stretch>
                   <a:fillRect/>
                 </a:stretch>

--- a/docs/slides/PSYC753_L5_MultipleRegression3.pptx
+++ b/docs/slides/PSYC753_L5_MultipleRegression3.pptx
@@ -243,7 +243,7 @@
           <a:p>
             <a:fld id="{39F2F66B-899D-484E-9C99-E1DBE23F9DE9}" type="datetimeFigureOut">
               <a:rPr lang="en-GB" smtClean="0"/>
-              <a:t>13/02/2022</a:t>
+              <a:t>21/12/2022</a:t>
             </a:fld>
             <a:endParaRPr lang="en-GB"/>
           </a:p>
@@ -409,7 +409,7 @@
             <a:fld id="{2C09A945-60CF-41CC-BF14-DA645D9ABE0F}" type="datetimeFigureOut">
               <a:rPr lang="en-GB" smtClean="0"/>
               <a:pPr/>
-              <a:t>13/02/2022</a:t>
+              <a:t>21/12/2022</a:t>
             </a:fld>
             <a:endParaRPr lang="en-GB"/>
           </a:p>
@@ -473,35 +473,35 @@
           <a:p>
             <a:pPr lvl="0"/>
             <a:r>
-              <a:rPr lang="en-US" dirty="0" smtClean="0"/>
+              <a:rPr lang="en-US" dirty="0"/>
               <a:t>Click to edit Master text styles</a:t>
             </a:r>
           </a:p>
           <a:p>
             <a:pPr lvl="1"/>
             <a:r>
-              <a:rPr lang="en-US" dirty="0" smtClean="0"/>
+              <a:rPr lang="en-US" dirty="0"/>
               <a:t>Second level</a:t>
             </a:r>
           </a:p>
           <a:p>
             <a:pPr lvl="2"/>
             <a:r>
-              <a:rPr lang="en-US" dirty="0" smtClean="0"/>
+              <a:rPr lang="en-US" dirty="0"/>
               <a:t>Third level</a:t>
             </a:r>
           </a:p>
           <a:p>
             <a:pPr lvl="3"/>
             <a:r>
-              <a:rPr lang="en-US" dirty="0" smtClean="0"/>
+              <a:rPr lang="en-US" dirty="0"/>
               <a:t>Fourth level</a:t>
             </a:r>
           </a:p>
           <a:p>
             <a:pPr lvl="4"/>
             <a:r>
-              <a:rPr lang="en-US" dirty="0" smtClean="0"/>
+              <a:rPr lang="en-US" dirty="0"/>
               <a:t>Fifth level</a:t>
             </a:r>
             <a:endParaRPr lang="en-GB" dirty="0"/>
@@ -2262,10 +2262,9 @@
           <a:lstStyle/>
           <a:p>
             <a:r>
-              <a:rPr lang="en-US" smtClean="0"/>
+              <a:rPr lang="en-US"/>
               <a:t>Click to edit Master title style</a:t>
             </a:r>
-            <a:endParaRPr lang="en-US"/>
           </a:p>
         </p:txBody>
       </p:sp>
@@ -2381,10 +2380,9 @@
           </a:lstStyle>
           <a:p>
             <a:r>
-              <a:rPr lang="en-US" smtClean="0"/>
+              <a:rPr lang="en-US"/>
               <a:t>Click to edit Master subtitle style</a:t>
             </a:r>
-            <a:endParaRPr lang="en-US"/>
           </a:p>
         </p:txBody>
       </p:sp>
@@ -2406,7 +2404,7 @@
             <a:fld id="{FD207E47-C1CA-47C9-BFA1-FDEFD1CE1BAA}" type="datetime1">
               <a:rPr lang="en-US" smtClean="0"/>
               <a:pPr/>
-              <a:t>2/13/2022</a:t>
+              <a:t>12/21/2022</a:t>
             </a:fld>
             <a:endParaRPr lang="en-US"/>
           </a:p>
@@ -2496,10 +2494,9 @@
           <a:lstStyle/>
           <a:p>
             <a:r>
-              <a:rPr lang="en-US" smtClean="0"/>
+              <a:rPr lang="en-US"/>
               <a:t>Click to edit Master title style</a:t>
             </a:r>
-            <a:endParaRPr lang="en-US"/>
           </a:p>
         </p:txBody>
       </p:sp>
@@ -2520,38 +2517,37 @@
           <a:p>
             <a:pPr lvl="0"/>
             <a:r>
-              <a:rPr lang="en-US" smtClean="0"/>
+              <a:rPr lang="en-US"/>
               <a:t>Click to edit Master text styles</a:t>
             </a:r>
           </a:p>
           <a:p>
             <a:pPr lvl="1"/>
             <a:r>
-              <a:rPr lang="en-US" smtClean="0"/>
+              <a:rPr lang="en-US"/>
               <a:t>Second level</a:t>
             </a:r>
           </a:p>
           <a:p>
             <a:pPr lvl="2"/>
             <a:r>
-              <a:rPr lang="en-US" smtClean="0"/>
+              <a:rPr lang="en-US"/>
               <a:t>Third level</a:t>
             </a:r>
           </a:p>
           <a:p>
             <a:pPr lvl="3"/>
             <a:r>
-              <a:rPr lang="en-US" smtClean="0"/>
+              <a:rPr lang="en-US"/>
               <a:t>Fourth level</a:t>
             </a:r>
           </a:p>
           <a:p>
             <a:pPr lvl="4"/>
             <a:r>
-              <a:rPr lang="en-US" smtClean="0"/>
+              <a:rPr lang="en-US"/>
               <a:t>Fifth level</a:t>
             </a:r>
-            <a:endParaRPr lang="en-US"/>
           </a:p>
         </p:txBody>
       </p:sp>
@@ -2573,7 +2569,7 @@
             <a:fld id="{58C692B5-BE86-445D-88C0-242C83A9421E}" type="datetime1">
               <a:rPr lang="en-US" smtClean="0"/>
               <a:pPr/>
-              <a:t>2/13/2022</a:t>
+              <a:t>12/21/2022</a:t>
             </a:fld>
             <a:endParaRPr lang="en-US"/>
           </a:p>
@@ -2668,10 +2664,9 @@
           <a:lstStyle/>
           <a:p>
             <a:r>
-              <a:rPr lang="en-US" smtClean="0"/>
+              <a:rPr lang="en-US"/>
               <a:t>Click to edit Master title style</a:t>
             </a:r>
-            <a:endParaRPr lang="en-US"/>
           </a:p>
         </p:txBody>
       </p:sp>
@@ -2697,38 +2692,37 @@
           <a:p>
             <a:pPr lvl="0"/>
             <a:r>
-              <a:rPr lang="en-US" smtClean="0"/>
+              <a:rPr lang="en-US"/>
               <a:t>Click to edit Master text styles</a:t>
             </a:r>
           </a:p>
           <a:p>
             <a:pPr lvl="1"/>
             <a:r>
-              <a:rPr lang="en-US" smtClean="0"/>
+              <a:rPr lang="en-US"/>
               <a:t>Second level</a:t>
             </a:r>
           </a:p>
           <a:p>
             <a:pPr lvl="2"/>
             <a:r>
-              <a:rPr lang="en-US" smtClean="0"/>
+              <a:rPr lang="en-US"/>
               <a:t>Third level</a:t>
             </a:r>
           </a:p>
           <a:p>
             <a:pPr lvl="3"/>
             <a:r>
-              <a:rPr lang="en-US" smtClean="0"/>
+              <a:rPr lang="en-US"/>
               <a:t>Fourth level</a:t>
             </a:r>
           </a:p>
           <a:p>
             <a:pPr lvl="4"/>
             <a:r>
-              <a:rPr lang="en-US" smtClean="0"/>
+              <a:rPr lang="en-US"/>
               <a:t>Fifth level</a:t>
             </a:r>
-            <a:endParaRPr lang="en-US"/>
           </a:p>
         </p:txBody>
       </p:sp>
@@ -2750,7 +2744,7 @@
             <a:fld id="{6A70B350-EB04-4702-A2C6-BB029CC917C4}" type="datetime1">
               <a:rPr lang="en-US" smtClean="0"/>
               <a:pPr/>
-              <a:t>2/13/2022</a:t>
+              <a:t>12/21/2022</a:t>
             </a:fld>
             <a:endParaRPr lang="en-US"/>
           </a:p>
@@ -2849,7 +2843,7 @@
           </a:lstStyle>
           <a:p>
             <a:r>
-              <a:rPr lang="en-US" smtClean="0"/>
+              <a:rPr lang="en-US"/>
               <a:t>Click to edit Master title style</a:t>
             </a:r>
             <a:endParaRPr lang="en-US" dirty="0"/>
@@ -2914,7 +2908,7 @@
           </a:lstStyle>
           <a:p>
             <a:r>
-              <a:rPr lang="en-US" smtClean="0"/>
+              <a:rPr lang="en-US"/>
               <a:t>Click to edit Master subtitle style</a:t>
             </a:r>
             <a:endParaRPr lang="en-US" dirty="0"/>
@@ -2944,7 +2938,7 @@
               <a:pPr>
                 <a:defRPr/>
               </a:pPr>
-              <a:t>13/02/2022</a:t>
+              <a:t>21/12/2022</a:t>
             </a:fld>
             <a:endParaRPr lang="en-GB"/>
           </a:p>
@@ -3047,7 +3041,7 @@
           <a:lstStyle/>
           <a:p>
             <a:r>
-              <a:rPr lang="en-US" smtClean="0"/>
+              <a:rPr lang="en-US"/>
               <a:t>Click to edit Master title style</a:t>
             </a:r>
             <a:endParaRPr lang="en-US" dirty="0"/>
@@ -3071,35 +3065,35 @@
           <a:p>
             <a:pPr lvl="0"/>
             <a:r>
-              <a:rPr lang="en-US" smtClean="0"/>
+              <a:rPr lang="en-US"/>
               <a:t>Edit Master text styles</a:t>
             </a:r>
           </a:p>
           <a:p>
             <a:pPr lvl="1"/>
             <a:r>
-              <a:rPr lang="en-US" smtClean="0"/>
+              <a:rPr lang="en-US"/>
               <a:t>Second level</a:t>
             </a:r>
           </a:p>
           <a:p>
             <a:pPr lvl="2"/>
             <a:r>
-              <a:rPr lang="en-US" smtClean="0"/>
+              <a:rPr lang="en-US"/>
               <a:t>Third level</a:t>
             </a:r>
           </a:p>
           <a:p>
             <a:pPr lvl="3"/>
             <a:r>
-              <a:rPr lang="en-US" smtClean="0"/>
+              <a:rPr lang="en-US"/>
               <a:t>Fourth level</a:t>
             </a:r>
           </a:p>
           <a:p>
             <a:pPr lvl="4"/>
             <a:r>
-              <a:rPr lang="en-US" smtClean="0"/>
+              <a:rPr lang="en-US"/>
               <a:t>Fifth level</a:t>
             </a:r>
             <a:endParaRPr lang="en-US" dirty="0"/>
@@ -3129,7 +3123,7 @@
               <a:pPr>
                 <a:defRPr/>
               </a:pPr>
-              <a:t>13/02/2022</a:t>
+              <a:t>21/12/2022</a:t>
             </a:fld>
             <a:endParaRPr lang="en-GB"/>
           </a:p>
@@ -3241,7 +3235,7 @@
           </a:lstStyle>
           <a:p>
             <a:r>
-              <a:rPr lang="en-US" smtClean="0"/>
+              <a:rPr lang="en-US"/>
               <a:t>Click to edit Master title style</a:t>
             </a:r>
             <a:endParaRPr lang="en-US" dirty="0"/>
@@ -3361,7 +3355,7 @@
           <a:p>
             <a:pPr lvl="0"/>
             <a:r>
-              <a:rPr lang="en-US" smtClean="0"/>
+              <a:rPr lang="en-US"/>
               <a:t>Edit Master text styles</a:t>
             </a:r>
           </a:p>
@@ -3390,7 +3384,7 @@
               <a:pPr>
                 <a:defRPr/>
               </a:pPr>
-              <a:t>13/02/2022</a:t>
+              <a:t>21/12/2022</a:t>
             </a:fld>
             <a:endParaRPr lang="en-GB"/>
           </a:p>
@@ -3493,7 +3487,7 @@
           <a:lstStyle/>
           <a:p>
             <a:r>
-              <a:rPr lang="en-US" smtClean="0"/>
+              <a:rPr lang="en-US"/>
               <a:t>Click to edit Master title style</a:t>
             </a:r>
             <a:endParaRPr lang="en-US" dirty="0"/>
@@ -3522,35 +3516,35 @@
           <a:p>
             <a:pPr lvl="0"/>
             <a:r>
-              <a:rPr lang="en-US" smtClean="0"/>
+              <a:rPr lang="en-US"/>
               <a:t>Edit Master text styles</a:t>
             </a:r>
           </a:p>
           <a:p>
             <a:pPr lvl="1"/>
             <a:r>
-              <a:rPr lang="en-US" smtClean="0"/>
+              <a:rPr lang="en-US"/>
               <a:t>Second level</a:t>
             </a:r>
           </a:p>
           <a:p>
             <a:pPr lvl="2"/>
             <a:r>
-              <a:rPr lang="en-US" smtClean="0"/>
+              <a:rPr lang="en-US"/>
               <a:t>Third level</a:t>
             </a:r>
           </a:p>
           <a:p>
             <a:pPr lvl="3"/>
             <a:r>
-              <a:rPr lang="en-US" smtClean="0"/>
+              <a:rPr lang="en-US"/>
               <a:t>Fourth level</a:t>
             </a:r>
           </a:p>
           <a:p>
             <a:pPr lvl="4"/>
             <a:r>
-              <a:rPr lang="en-US" smtClean="0"/>
+              <a:rPr lang="en-US"/>
               <a:t>Fifth level</a:t>
             </a:r>
             <a:endParaRPr lang="en-US" dirty="0"/>
@@ -3579,35 +3573,35 @@
           <a:p>
             <a:pPr lvl="0"/>
             <a:r>
-              <a:rPr lang="en-US" smtClean="0"/>
+              <a:rPr lang="en-US"/>
               <a:t>Edit Master text styles</a:t>
             </a:r>
           </a:p>
           <a:p>
             <a:pPr lvl="1"/>
             <a:r>
-              <a:rPr lang="en-US" smtClean="0"/>
+              <a:rPr lang="en-US"/>
               <a:t>Second level</a:t>
             </a:r>
           </a:p>
           <a:p>
             <a:pPr lvl="2"/>
             <a:r>
-              <a:rPr lang="en-US" smtClean="0"/>
+              <a:rPr lang="en-US"/>
               <a:t>Third level</a:t>
             </a:r>
           </a:p>
           <a:p>
             <a:pPr lvl="3"/>
             <a:r>
-              <a:rPr lang="en-US" smtClean="0"/>
+              <a:rPr lang="en-US"/>
               <a:t>Fourth level</a:t>
             </a:r>
           </a:p>
           <a:p>
             <a:pPr lvl="4"/>
             <a:r>
-              <a:rPr lang="en-US" smtClean="0"/>
+              <a:rPr lang="en-US"/>
               <a:t>Fifth level</a:t>
             </a:r>
             <a:endParaRPr lang="en-US" dirty="0"/>
@@ -3637,7 +3631,7 @@
               <a:pPr>
                 <a:defRPr/>
               </a:pPr>
-              <a:t>13/02/2022</a:t>
+              <a:t>21/12/2022</a:t>
             </a:fld>
             <a:endParaRPr lang="en-GB"/>
           </a:p>
@@ -3745,7 +3739,7 @@
           <a:lstStyle/>
           <a:p>
             <a:r>
-              <a:rPr lang="en-US" smtClean="0"/>
+              <a:rPr lang="en-US"/>
               <a:t>Click to edit Master title style</a:t>
             </a:r>
             <a:endParaRPr lang="en-US" dirty="0"/>
@@ -3811,7 +3805,7 @@
           <a:p>
             <a:pPr lvl="0"/>
             <a:r>
-              <a:rPr lang="en-US" smtClean="0"/>
+              <a:rPr lang="en-US"/>
               <a:t>Edit Master text styles</a:t>
             </a:r>
           </a:p>
@@ -3839,35 +3833,35 @@
           <a:p>
             <a:pPr lvl="0"/>
             <a:r>
-              <a:rPr lang="en-US" smtClean="0"/>
+              <a:rPr lang="en-US"/>
               <a:t>Edit Master text styles</a:t>
             </a:r>
           </a:p>
           <a:p>
             <a:pPr lvl="1"/>
             <a:r>
-              <a:rPr lang="en-US" smtClean="0"/>
+              <a:rPr lang="en-US"/>
               <a:t>Second level</a:t>
             </a:r>
           </a:p>
           <a:p>
             <a:pPr lvl="2"/>
             <a:r>
-              <a:rPr lang="en-US" smtClean="0"/>
+              <a:rPr lang="en-US"/>
               <a:t>Third level</a:t>
             </a:r>
           </a:p>
           <a:p>
             <a:pPr lvl="3"/>
             <a:r>
-              <a:rPr lang="en-US" smtClean="0"/>
+              <a:rPr lang="en-US"/>
               <a:t>Fourth level</a:t>
             </a:r>
           </a:p>
           <a:p>
             <a:pPr lvl="4"/>
             <a:r>
-              <a:rPr lang="en-US" smtClean="0"/>
+              <a:rPr lang="en-US"/>
               <a:t>Fifth level</a:t>
             </a:r>
             <a:endParaRPr lang="en-US" dirty="0"/>
@@ -3933,7 +3927,7 @@
           <a:p>
             <a:pPr lvl="0"/>
             <a:r>
-              <a:rPr lang="en-US" smtClean="0"/>
+              <a:rPr lang="en-US"/>
               <a:t>Edit Master text styles</a:t>
             </a:r>
           </a:p>
@@ -3961,35 +3955,35 @@
           <a:p>
             <a:pPr lvl="0"/>
             <a:r>
-              <a:rPr lang="en-US" smtClean="0"/>
+              <a:rPr lang="en-US"/>
               <a:t>Edit Master text styles</a:t>
             </a:r>
           </a:p>
           <a:p>
             <a:pPr lvl="1"/>
             <a:r>
-              <a:rPr lang="en-US" smtClean="0"/>
+              <a:rPr lang="en-US"/>
               <a:t>Second level</a:t>
             </a:r>
           </a:p>
           <a:p>
             <a:pPr lvl="2"/>
             <a:r>
-              <a:rPr lang="en-US" smtClean="0"/>
+              <a:rPr lang="en-US"/>
               <a:t>Third level</a:t>
             </a:r>
           </a:p>
           <a:p>
             <a:pPr lvl="3"/>
             <a:r>
-              <a:rPr lang="en-US" smtClean="0"/>
+              <a:rPr lang="en-US"/>
               <a:t>Fourth level</a:t>
             </a:r>
           </a:p>
           <a:p>
             <a:pPr lvl="4"/>
             <a:r>
-              <a:rPr lang="en-US" smtClean="0"/>
+              <a:rPr lang="en-US"/>
               <a:t>Fifth level</a:t>
             </a:r>
             <a:endParaRPr lang="en-US" dirty="0"/>
@@ -4019,7 +4013,7 @@
               <a:pPr>
                 <a:defRPr/>
               </a:pPr>
-              <a:t>13/02/2022</a:t>
+              <a:t>21/12/2022</a:t>
             </a:fld>
             <a:endParaRPr lang="en-GB"/>
           </a:p>
@@ -4122,7 +4116,7 @@
           <a:lstStyle/>
           <a:p>
             <a:r>
-              <a:rPr lang="en-US" smtClean="0"/>
+              <a:rPr lang="en-US"/>
               <a:t>Click to edit Master title style</a:t>
             </a:r>
             <a:endParaRPr lang="en-US" dirty="0"/>
@@ -4152,7 +4146,7 @@
               <a:pPr>
                 <a:defRPr/>
               </a:pPr>
-              <a:t>13/02/2022</a:t>
+              <a:t>21/12/2022</a:t>
             </a:fld>
             <a:endParaRPr lang="en-GB"/>
           </a:p>
@@ -4262,7 +4256,7 @@
               <a:pPr>
                 <a:defRPr/>
               </a:pPr>
-              <a:t>13/02/2022</a:t>
+              <a:t>21/12/2022</a:t>
             </a:fld>
             <a:endParaRPr lang="en-GB"/>
           </a:p>
@@ -4374,7 +4368,7 @@
           </a:lstStyle>
           <a:p>
             <a:r>
-              <a:rPr lang="en-US" smtClean="0"/>
+              <a:rPr lang="en-US"/>
               <a:t>Click to edit Master title style</a:t>
             </a:r>
             <a:endParaRPr lang="en-US" dirty="0"/>
@@ -4431,35 +4425,35 @@
           <a:p>
             <a:pPr lvl="0"/>
             <a:r>
-              <a:rPr lang="en-US" smtClean="0"/>
+              <a:rPr lang="en-US"/>
               <a:t>Edit Master text styles</a:t>
             </a:r>
           </a:p>
           <a:p>
             <a:pPr lvl="1"/>
             <a:r>
-              <a:rPr lang="en-US" smtClean="0"/>
+              <a:rPr lang="en-US"/>
               <a:t>Second level</a:t>
             </a:r>
           </a:p>
           <a:p>
             <a:pPr lvl="2"/>
             <a:r>
-              <a:rPr lang="en-US" smtClean="0"/>
+              <a:rPr lang="en-US"/>
               <a:t>Third level</a:t>
             </a:r>
           </a:p>
           <a:p>
             <a:pPr lvl="3"/>
             <a:r>
-              <a:rPr lang="en-US" smtClean="0"/>
+              <a:rPr lang="en-US"/>
               <a:t>Fourth level</a:t>
             </a:r>
           </a:p>
           <a:p>
             <a:pPr lvl="4"/>
             <a:r>
-              <a:rPr lang="en-US" smtClean="0"/>
+              <a:rPr lang="en-US"/>
               <a:t>Fifth level</a:t>
             </a:r>
             <a:endParaRPr lang="en-US" dirty="0"/>
@@ -4525,7 +4519,7 @@
           <a:p>
             <a:pPr lvl="0"/>
             <a:r>
-              <a:rPr lang="en-US" smtClean="0"/>
+              <a:rPr lang="en-US"/>
               <a:t>Edit Master text styles</a:t>
             </a:r>
           </a:p>
@@ -4554,7 +4548,7 @@
               <a:pPr>
                 <a:defRPr/>
               </a:pPr>
-              <a:t>13/02/2022</a:t>
+              <a:t>21/12/2022</a:t>
             </a:fld>
             <a:endParaRPr lang="en-GB"/>
           </a:p>
@@ -4657,10 +4651,9 @@
           <a:lstStyle/>
           <a:p>
             <a:r>
-              <a:rPr lang="en-US" smtClean="0"/>
+              <a:rPr lang="en-US"/>
               <a:t>Click to edit Master title style</a:t>
             </a:r>
-            <a:endParaRPr lang="en-US"/>
           </a:p>
         </p:txBody>
       </p:sp>
@@ -4681,38 +4674,37 @@
           <a:p>
             <a:pPr lvl="0"/>
             <a:r>
-              <a:rPr lang="en-US" smtClean="0"/>
+              <a:rPr lang="en-US"/>
               <a:t>Click to edit Master text styles</a:t>
             </a:r>
           </a:p>
           <a:p>
             <a:pPr lvl="1"/>
             <a:r>
-              <a:rPr lang="en-US" smtClean="0"/>
+              <a:rPr lang="en-US"/>
               <a:t>Second level</a:t>
             </a:r>
           </a:p>
           <a:p>
             <a:pPr lvl="2"/>
             <a:r>
-              <a:rPr lang="en-US" smtClean="0"/>
+              <a:rPr lang="en-US"/>
               <a:t>Third level</a:t>
             </a:r>
           </a:p>
           <a:p>
             <a:pPr lvl="3"/>
             <a:r>
-              <a:rPr lang="en-US" smtClean="0"/>
+              <a:rPr lang="en-US"/>
               <a:t>Fourth level</a:t>
             </a:r>
           </a:p>
           <a:p>
             <a:pPr lvl="4"/>
             <a:r>
-              <a:rPr lang="en-US" smtClean="0"/>
+              <a:rPr lang="en-US"/>
               <a:t>Fifth level</a:t>
             </a:r>
-            <a:endParaRPr lang="en-US"/>
           </a:p>
         </p:txBody>
       </p:sp>
@@ -4734,7 +4726,7 @@
             <a:fld id="{B19C5C7B-1CCF-4D03-A2E8-D3591213E0F6}" type="datetime1">
               <a:rPr lang="en-US" smtClean="0"/>
               <a:pPr/>
-              <a:t>2/13/2022</a:t>
+              <a:t>12/21/2022</a:t>
             </a:fld>
             <a:endParaRPr lang="en-US"/>
           </a:p>
@@ -4833,7 +4825,7 @@
           </a:lstStyle>
           <a:p>
             <a:r>
-              <a:rPr lang="en-US" smtClean="0"/>
+              <a:rPr lang="en-US"/>
               <a:t>Click to edit Master title style</a:t>
             </a:r>
             <a:endParaRPr lang="en-US" dirty="0"/>
@@ -4898,7 +4890,7 @@
           </a:lstStyle>
           <a:p>
             <a:r>
-              <a:rPr lang="en-US" smtClean="0"/>
+              <a:rPr lang="en-US"/>
               <a:t>Click icon to add picture</a:t>
             </a:r>
             <a:endParaRPr lang="en-US" dirty="0"/>
@@ -4964,7 +4956,7 @@
           <a:p>
             <a:pPr lvl="0"/>
             <a:r>
-              <a:rPr lang="en-US" smtClean="0"/>
+              <a:rPr lang="en-US"/>
               <a:t>Edit Master text styles</a:t>
             </a:r>
           </a:p>
@@ -4993,7 +4985,7 @@
               <a:pPr>
                 <a:defRPr/>
               </a:pPr>
-              <a:t>13/02/2022</a:t>
+              <a:t>21/12/2022</a:t>
             </a:fld>
             <a:endParaRPr lang="en-GB"/>
           </a:p>
@@ -5096,7 +5088,7 @@
           <a:lstStyle/>
           <a:p>
             <a:r>
-              <a:rPr lang="en-US" smtClean="0"/>
+              <a:rPr lang="en-US"/>
               <a:t>Click to edit Master title style</a:t>
             </a:r>
             <a:endParaRPr lang="en-US" dirty="0"/>
@@ -5120,35 +5112,35 @@
           <a:p>
             <a:pPr lvl="0"/>
             <a:r>
-              <a:rPr lang="en-US" smtClean="0"/>
+              <a:rPr lang="en-US"/>
               <a:t>Edit Master text styles</a:t>
             </a:r>
           </a:p>
           <a:p>
             <a:pPr lvl="1"/>
             <a:r>
-              <a:rPr lang="en-US" smtClean="0"/>
+              <a:rPr lang="en-US"/>
               <a:t>Second level</a:t>
             </a:r>
           </a:p>
           <a:p>
             <a:pPr lvl="2"/>
             <a:r>
-              <a:rPr lang="en-US" smtClean="0"/>
+              <a:rPr lang="en-US"/>
               <a:t>Third level</a:t>
             </a:r>
           </a:p>
           <a:p>
             <a:pPr lvl="3"/>
             <a:r>
-              <a:rPr lang="en-US" smtClean="0"/>
+              <a:rPr lang="en-US"/>
               <a:t>Fourth level</a:t>
             </a:r>
           </a:p>
           <a:p>
             <a:pPr lvl="4"/>
             <a:r>
-              <a:rPr lang="en-US" smtClean="0"/>
+              <a:rPr lang="en-US"/>
               <a:t>Fifth level</a:t>
             </a:r>
             <a:endParaRPr lang="en-US" dirty="0"/>
@@ -5178,7 +5170,7 @@
               <a:pPr>
                 <a:defRPr/>
               </a:pPr>
-              <a:t>13/02/2022</a:t>
+              <a:t>21/12/2022</a:t>
             </a:fld>
             <a:endParaRPr lang="en-GB"/>
           </a:p>
@@ -5286,7 +5278,7 @@
           <a:lstStyle/>
           <a:p>
             <a:r>
-              <a:rPr lang="en-US" smtClean="0"/>
+              <a:rPr lang="en-US"/>
               <a:t>Click to edit Master title style</a:t>
             </a:r>
             <a:endParaRPr lang="en-US" dirty="0"/>
@@ -5315,35 +5307,35 @@
           <a:p>
             <a:pPr lvl="0"/>
             <a:r>
-              <a:rPr lang="en-US" smtClean="0"/>
+              <a:rPr lang="en-US"/>
               <a:t>Edit Master text styles</a:t>
             </a:r>
           </a:p>
           <a:p>
             <a:pPr lvl="1"/>
             <a:r>
-              <a:rPr lang="en-US" smtClean="0"/>
+              <a:rPr lang="en-US"/>
               <a:t>Second level</a:t>
             </a:r>
           </a:p>
           <a:p>
             <a:pPr lvl="2"/>
             <a:r>
-              <a:rPr lang="en-US" smtClean="0"/>
+              <a:rPr lang="en-US"/>
               <a:t>Third level</a:t>
             </a:r>
           </a:p>
           <a:p>
             <a:pPr lvl="3"/>
             <a:r>
-              <a:rPr lang="en-US" smtClean="0"/>
+              <a:rPr lang="en-US"/>
               <a:t>Fourth level</a:t>
             </a:r>
           </a:p>
           <a:p>
             <a:pPr lvl="4"/>
             <a:r>
-              <a:rPr lang="en-US" smtClean="0"/>
+              <a:rPr lang="en-US"/>
               <a:t>Fifth level</a:t>
             </a:r>
             <a:endParaRPr lang="en-US" dirty="0"/>
@@ -5373,7 +5365,7 @@
               <a:pPr>
                 <a:defRPr/>
               </a:pPr>
-              <a:t>13/02/2022</a:t>
+              <a:t>21/12/2022</a:t>
             </a:fld>
             <a:endParaRPr lang="en-GB"/>
           </a:p>
@@ -5481,10 +5473,9 @@
           <a:lstStyle/>
           <a:p>
             <a:r>
-              <a:rPr lang="en-US" smtClean="0"/>
+              <a:rPr lang="en-US"/>
               <a:t>Click to edit Master title style</a:t>
             </a:r>
-            <a:endParaRPr lang="en-US"/>
           </a:p>
         </p:txBody>
       </p:sp>
@@ -5600,10 +5591,9 @@
           </a:lstStyle>
           <a:p>
             <a:r>
-              <a:rPr lang="en-US" smtClean="0"/>
+              <a:rPr lang="en-US"/>
               <a:t>Click to edit Master subtitle style</a:t>
             </a:r>
-            <a:endParaRPr lang="en-US"/>
           </a:p>
         </p:txBody>
       </p:sp>
@@ -5634,7 +5624,7 @@
               <a:pPr>
                 <a:defRPr/>
               </a:pPr>
-              <a:t>2/13/2022</a:t>
+              <a:t>12/21/2022</a:t>
             </a:fld>
             <a:endParaRPr lang="en-US"/>
           </a:p>
@@ -5745,10 +5735,9 @@
           <a:lstStyle/>
           <a:p>
             <a:r>
-              <a:rPr lang="en-US" smtClean="0"/>
+              <a:rPr lang="en-US"/>
               <a:t>Click to edit Master title style</a:t>
             </a:r>
-            <a:endParaRPr lang="en-US"/>
           </a:p>
         </p:txBody>
       </p:sp>
@@ -5769,38 +5758,37 @@
           <a:p>
             <a:pPr lvl="0"/>
             <a:r>
-              <a:rPr lang="en-US" smtClean="0"/>
+              <a:rPr lang="en-US"/>
               <a:t>Click to edit Master text styles</a:t>
             </a:r>
           </a:p>
           <a:p>
             <a:pPr lvl="1"/>
             <a:r>
-              <a:rPr lang="en-US" smtClean="0"/>
+              <a:rPr lang="en-US"/>
               <a:t>Second level</a:t>
             </a:r>
           </a:p>
           <a:p>
             <a:pPr lvl="2"/>
             <a:r>
-              <a:rPr lang="en-US" smtClean="0"/>
+              <a:rPr lang="en-US"/>
               <a:t>Third level</a:t>
             </a:r>
           </a:p>
           <a:p>
             <a:pPr lvl="3"/>
             <a:r>
-              <a:rPr lang="en-US" smtClean="0"/>
+              <a:rPr lang="en-US"/>
               <a:t>Fourth level</a:t>
             </a:r>
           </a:p>
           <a:p>
             <a:pPr lvl="4"/>
             <a:r>
-              <a:rPr lang="en-US" smtClean="0"/>
+              <a:rPr lang="en-US"/>
               <a:t>Fifth level</a:t>
             </a:r>
-            <a:endParaRPr lang="en-US"/>
           </a:p>
         </p:txBody>
       </p:sp>
@@ -5831,7 +5819,7 @@
               <a:pPr>
                 <a:defRPr/>
               </a:pPr>
-              <a:t>2/13/2022</a:t>
+              <a:t>12/21/2022</a:t>
             </a:fld>
             <a:endParaRPr lang="en-US"/>
           </a:p>
@@ -5951,10 +5939,9 @@
           </a:lstStyle>
           <a:p>
             <a:r>
-              <a:rPr lang="en-US" smtClean="0"/>
+              <a:rPr lang="en-US"/>
               <a:t>Click to edit Master title style</a:t>
             </a:r>
-            <a:endParaRPr lang="en-US"/>
           </a:p>
         </p:txBody>
       </p:sp>
@@ -6071,7 +6058,7 @@
           <a:p>
             <a:pPr lvl="0"/>
             <a:r>
-              <a:rPr lang="en-US" smtClean="0"/>
+              <a:rPr lang="en-US"/>
               <a:t>Click to edit Master text styles</a:t>
             </a:r>
           </a:p>
@@ -6104,7 +6091,7 @@
               <a:pPr>
                 <a:defRPr/>
               </a:pPr>
-              <a:t>2/13/2022</a:t>
+              <a:t>12/21/2022</a:t>
             </a:fld>
             <a:endParaRPr lang="en-US"/>
           </a:p>
@@ -6215,10 +6202,9 @@
           <a:lstStyle/>
           <a:p>
             <a:r>
-              <a:rPr lang="en-US" smtClean="0"/>
+              <a:rPr lang="en-US"/>
               <a:t>Click to edit Master title style</a:t>
             </a:r>
-            <a:endParaRPr lang="en-US"/>
           </a:p>
         </p:txBody>
       </p:sp>
@@ -6272,38 +6258,37 @@
           <a:p>
             <a:pPr lvl="0"/>
             <a:r>
-              <a:rPr lang="en-US" smtClean="0"/>
+              <a:rPr lang="en-US"/>
               <a:t>Click to edit Master text styles</a:t>
             </a:r>
           </a:p>
           <a:p>
             <a:pPr lvl="1"/>
             <a:r>
-              <a:rPr lang="en-US" smtClean="0"/>
+              <a:rPr lang="en-US"/>
               <a:t>Second level</a:t>
             </a:r>
           </a:p>
           <a:p>
             <a:pPr lvl="2"/>
             <a:r>
-              <a:rPr lang="en-US" smtClean="0"/>
+              <a:rPr lang="en-US"/>
               <a:t>Third level</a:t>
             </a:r>
           </a:p>
           <a:p>
             <a:pPr lvl="3"/>
             <a:r>
-              <a:rPr lang="en-US" smtClean="0"/>
+              <a:rPr lang="en-US"/>
               <a:t>Fourth level</a:t>
             </a:r>
           </a:p>
           <a:p>
             <a:pPr lvl="4"/>
             <a:r>
-              <a:rPr lang="en-US" smtClean="0"/>
+              <a:rPr lang="en-US"/>
               <a:t>Fifth level</a:t>
             </a:r>
-            <a:endParaRPr lang="en-US"/>
           </a:p>
         </p:txBody>
       </p:sp>
@@ -6357,38 +6342,37 @@
           <a:p>
             <a:pPr lvl="0"/>
             <a:r>
-              <a:rPr lang="en-US" smtClean="0"/>
+              <a:rPr lang="en-US"/>
               <a:t>Click to edit Master text styles</a:t>
             </a:r>
           </a:p>
           <a:p>
             <a:pPr lvl="1"/>
             <a:r>
-              <a:rPr lang="en-US" smtClean="0"/>
+              <a:rPr lang="en-US"/>
               <a:t>Second level</a:t>
             </a:r>
           </a:p>
           <a:p>
             <a:pPr lvl="2"/>
             <a:r>
-              <a:rPr lang="en-US" smtClean="0"/>
+              <a:rPr lang="en-US"/>
               <a:t>Third level</a:t>
             </a:r>
           </a:p>
           <a:p>
             <a:pPr lvl="3"/>
             <a:r>
-              <a:rPr lang="en-US" smtClean="0"/>
+              <a:rPr lang="en-US"/>
               <a:t>Fourth level</a:t>
             </a:r>
           </a:p>
           <a:p>
             <a:pPr lvl="4"/>
             <a:r>
-              <a:rPr lang="en-US" smtClean="0"/>
+              <a:rPr lang="en-US"/>
               <a:t>Fifth level</a:t>
             </a:r>
-            <a:endParaRPr lang="en-US"/>
           </a:p>
         </p:txBody>
       </p:sp>
@@ -6419,7 +6403,7 @@
               <a:pPr>
                 <a:defRPr/>
               </a:pPr>
-              <a:t>2/13/2022</a:t>
+              <a:t>12/21/2022</a:t>
             </a:fld>
             <a:endParaRPr lang="en-US"/>
           </a:p>
@@ -6534,10 +6518,9 @@
           </a:lstStyle>
           <a:p>
             <a:r>
-              <a:rPr lang="en-US" smtClean="0"/>
+              <a:rPr lang="en-US"/>
               <a:t>Click to edit Master title style</a:t>
             </a:r>
-            <a:endParaRPr lang="en-US"/>
           </a:p>
         </p:txBody>
       </p:sp>
@@ -6600,7 +6583,7 @@
           <a:p>
             <a:pPr lvl="0"/>
             <a:r>
-              <a:rPr lang="en-US" smtClean="0"/>
+              <a:rPr lang="en-US"/>
               <a:t>Click to edit Master text styles</a:t>
             </a:r>
           </a:p>
@@ -6656,38 +6639,37 @@
           <a:p>
             <a:pPr lvl="0"/>
             <a:r>
-              <a:rPr lang="en-US" smtClean="0"/>
+              <a:rPr lang="en-US"/>
               <a:t>Click to edit Master text styles</a:t>
             </a:r>
           </a:p>
           <a:p>
             <a:pPr lvl="1"/>
             <a:r>
-              <a:rPr lang="en-US" smtClean="0"/>
+              <a:rPr lang="en-US"/>
               <a:t>Second level</a:t>
             </a:r>
           </a:p>
           <a:p>
             <a:pPr lvl="2"/>
             <a:r>
-              <a:rPr lang="en-US" smtClean="0"/>
+              <a:rPr lang="en-US"/>
               <a:t>Third level</a:t>
             </a:r>
           </a:p>
           <a:p>
             <a:pPr lvl="3"/>
             <a:r>
-              <a:rPr lang="en-US" smtClean="0"/>
+              <a:rPr lang="en-US"/>
               <a:t>Fourth level</a:t>
             </a:r>
           </a:p>
           <a:p>
             <a:pPr lvl="4"/>
             <a:r>
-              <a:rPr lang="en-US" smtClean="0"/>
+              <a:rPr lang="en-US"/>
               <a:t>Fifth level</a:t>
             </a:r>
-            <a:endParaRPr lang="en-US"/>
           </a:p>
         </p:txBody>
       </p:sp>
@@ -6750,7 +6732,7 @@
           <a:p>
             <a:pPr lvl="0"/>
             <a:r>
-              <a:rPr lang="en-US" smtClean="0"/>
+              <a:rPr lang="en-US"/>
               <a:t>Click to edit Master text styles</a:t>
             </a:r>
           </a:p>
@@ -6806,38 +6788,37 @@
           <a:p>
             <a:pPr lvl="0"/>
             <a:r>
-              <a:rPr lang="en-US" smtClean="0"/>
+              <a:rPr lang="en-US"/>
               <a:t>Click to edit Master text styles</a:t>
             </a:r>
           </a:p>
           <a:p>
             <a:pPr lvl="1"/>
             <a:r>
-              <a:rPr lang="en-US" smtClean="0"/>
+              <a:rPr lang="en-US"/>
               <a:t>Second level</a:t>
             </a:r>
           </a:p>
           <a:p>
             <a:pPr lvl="2"/>
             <a:r>
-              <a:rPr lang="en-US" smtClean="0"/>
+              <a:rPr lang="en-US"/>
               <a:t>Third level</a:t>
             </a:r>
           </a:p>
           <a:p>
             <a:pPr lvl="3"/>
             <a:r>
-              <a:rPr lang="en-US" smtClean="0"/>
+              <a:rPr lang="en-US"/>
               <a:t>Fourth level</a:t>
             </a:r>
           </a:p>
           <a:p>
             <a:pPr lvl="4"/>
             <a:r>
-              <a:rPr lang="en-US" smtClean="0"/>
+              <a:rPr lang="en-US"/>
               <a:t>Fifth level</a:t>
             </a:r>
-            <a:endParaRPr lang="en-US"/>
           </a:p>
         </p:txBody>
       </p:sp>
@@ -6868,7 +6849,7 @@
               <a:pPr>
                 <a:defRPr/>
               </a:pPr>
-              <a:t>2/13/2022</a:t>
+              <a:t>12/21/2022</a:t>
             </a:fld>
             <a:endParaRPr lang="en-US"/>
           </a:p>
@@ -6979,10 +6960,9 @@
           <a:lstStyle/>
           <a:p>
             <a:r>
-              <a:rPr lang="en-US" smtClean="0"/>
+              <a:rPr lang="en-US"/>
               <a:t>Click to edit Master title style</a:t>
             </a:r>
-            <a:endParaRPr lang="en-US"/>
           </a:p>
         </p:txBody>
       </p:sp>
@@ -7013,7 +6993,7 @@
               <a:pPr>
                 <a:defRPr/>
               </a:pPr>
-              <a:t>2/13/2022</a:t>
+              <a:t>12/21/2022</a:t>
             </a:fld>
             <a:endParaRPr lang="en-US"/>
           </a:p>
@@ -7135,7 +7115,7 @@
               <a:pPr>
                 <a:defRPr/>
               </a:pPr>
-              <a:t>2/13/2022</a:t>
+              <a:t>12/21/2022</a:t>
             </a:fld>
             <a:endParaRPr lang="en-US"/>
           </a:p>
@@ -7255,10 +7235,9 @@
           </a:lstStyle>
           <a:p>
             <a:r>
-              <a:rPr lang="en-US" smtClean="0"/>
+              <a:rPr lang="en-US"/>
               <a:t>Click to edit Master title style</a:t>
             </a:r>
-            <a:endParaRPr lang="en-US"/>
           </a:p>
         </p:txBody>
       </p:sp>
@@ -7375,7 +7354,7 @@
           <a:p>
             <a:pPr lvl="0"/>
             <a:r>
-              <a:rPr lang="en-US" smtClean="0"/>
+              <a:rPr lang="en-US"/>
               <a:t>Click to edit Master text styles</a:t>
             </a:r>
           </a:p>
@@ -7399,7 +7378,7 @@
             <a:fld id="{617DE08F-8114-45C2-9520-EC1882F8A669}" type="datetime1">
               <a:rPr lang="en-US" smtClean="0"/>
               <a:pPr/>
-              <a:t>2/13/2022</a:t>
+              <a:t>12/21/2022</a:t>
             </a:fld>
             <a:endParaRPr lang="en-US"/>
           </a:p>
@@ -7498,10 +7477,9 @@
           </a:lstStyle>
           <a:p>
             <a:r>
-              <a:rPr lang="en-US" smtClean="0"/>
+              <a:rPr lang="en-US"/>
               <a:t>Click to edit Master title style</a:t>
             </a:r>
-            <a:endParaRPr lang="en-US"/>
           </a:p>
         </p:txBody>
       </p:sp>
@@ -7555,38 +7533,37 @@
           <a:p>
             <a:pPr lvl="0"/>
             <a:r>
-              <a:rPr lang="en-US" smtClean="0"/>
+              <a:rPr lang="en-US"/>
               <a:t>Click to edit Master text styles</a:t>
             </a:r>
           </a:p>
           <a:p>
             <a:pPr lvl="1"/>
             <a:r>
-              <a:rPr lang="en-US" smtClean="0"/>
+              <a:rPr lang="en-US"/>
               <a:t>Second level</a:t>
             </a:r>
           </a:p>
           <a:p>
             <a:pPr lvl="2"/>
             <a:r>
-              <a:rPr lang="en-US" smtClean="0"/>
+              <a:rPr lang="en-US"/>
               <a:t>Third level</a:t>
             </a:r>
           </a:p>
           <a:p>
             <a:pPr lvl="3"/>
             <a:r>
-              <a:rPr lang="en-US" smtClean="0"/>
+              <a:rPr lang="en-US"/>
               <a:t>Fourth level</a:t>
             </a:r>
           </a:p>
           <a:p>
             <a:pPr lvl="4"/>
             <a:r>
-              <a:rPr lang="en-US" smtClean="0"/>
+              <a:rPr lang="en-US"/>
               <a:t>Fifth level</a:t>
             </a:r>
-            <a:endParaRPr lang="en-US"/>
           </a:p>
         </p:txBody>
       </p:sp>
@@ -7649,7 +7626,7 @@
           <a:p>
             <a:pPr lvl="0"/>
             <a:r>
-              <a:rPr lang="en-US" smtClean="0"/>
+              <a:rPr lang="en-US"/>
               <a:t>Click to edit Master text styles</a:t>
             </a:r>
           </a:p>
@@ -7682,7 +7659,7 @@
               <a:pPr>
                 <a:defRPr/>
               </a:pPr>
-              <a:t>2/13/2022</a:t>
+              <a:t>12/21/2022</a:t>
             </a:fld>
             <a:endParaRPr lang="en-US"/>
           </a:p>
@@ -7802,10 +7779,9 @@
           </a:lstStyle>
           <a:p>
             <a:r>
-              <a:rPr lang="en-US" smtClean="0"/>
+              <a:rPr lang="en-US"/>
               <a:t>Click to edit Master title style</a:t>
             </a:r>
-            <a:endParaRPr lang="en-US"/>
           </a:p>
         </p:txBody>
       </p:sp>
@@ -7932,7 +7908,7 @@
           <a:p>
             <a:pPr lvl="0"/>
             <a:r>
-              <a:rPr lang="en-US" smtClean="0"/>
+              <a:rPr lang="en-US"/>
               <a:t>Click to edit Master text styles</a:t>
             </a:r>
           </a:p>
@@ -7965,7 +7941,7 @@
               <a:pPr>
                 <a:defRPr/>
               </a:pPr>
-              <a:t>2/13/2022</a:t>
+              <a:t>12/21/2022</a:t>
             </a:fld>
             <a:endParaRPr lang="en-US"/>
           </a:p>
@@ -8076,10 +8052,9 @@
           <a:lstStyle/>
           <a:p>
             <a:r>
-              <a:rPr lang="en-US" smtClean="0"/>
+              <a:rPr lang="en-US"/>
               <a:t>Click to edit Master title style</a:t>
             </a:r>
-            <a:endParaRPr lang="en-US"/>
           </a:p>
         </p:txBody>
       </p:sp>
@@ -8100,38 +8075,37 @@
           <a:p>
             <a:pPr lvl="0"/>
             <a:r>
-              <a:rPr lang="en-US" smtClean="0"/>
+              <a:rPr lang="en-US"/>
               <a:t>Click to edit Master text styles</a:t>
             </a:r>
           </a:p>
           <a:p>
             <a:pPr lvl="1"/>
             <a:r>
-              <a:rPr lang="en-US" smtClean="0"/>
+              <a:rPr lang="en-US"/>
               <a:t>Second level</a:t>
             </a:r>
           </a:p>
           <a:p>
             <a:pPr lvl="2"/>
             <a:r>
-              <a:rPr lang="en-US" smtClean="0"/>
+              <a:rPr lang="en-US"/>
               <a:t>Third level</a:t>
             </a:r>
           </a:p>
           <a:p>
             <a:pPr lvl="3"/>
             <a:r>
-              <a:rPr lang="en-US" smtClean="0"/>
+              <a:rPr lang="en-US"/>
               <a:t>Fourth level</a:t>
             </a:r>
           </a:p>
           <a:p>
             <a:pPr lvl="4"/>
             <a:r>
-              <a:rPr lang="en-US" smtClean="0"/>
+              <a:rPr lang="en-US"/>
               <a:t>Fifth level</a:t>
             </a:r>
-            <a:endParaRPr lang="en-US"/>
           </a:p>
         </p:txBody>
       </p:sp>
@@ -8162,7 +8136,7 @@
               <a:pPr>
                 <a:defRPr/>
               </a:pPr>
-              <a:t>2/13/2022</a:t>
+              <a:t>12/21/2022</a:t>
             </a:fld>
             <a:endParaRPr lang="en-US"/>
           </a:p>
@@ -8278,10 +8252,9 @@
           <a:lstStyle/>
           <a:p>
             <a:r>
-              <a:rPr lang="en-US" smtClean="0"/>
+              <a:rPr lang="en-US"/>
               <a:t>Click to edit Master title style</a:t>
             </a:r>
-            <a:endParaRPr lang="en-US"/>
           </a:p>
         </p:txBody>
       </p:sp>
@@ -8307,38 +8280,37 @@
           <a:p>
             <a:pPr lvl="0"/>
             <a:r>
-              <a:rPr lang="en-US" smtClean="0"/>
+              <a:rPr lang="en-US"/>
               <a:t>Click to edit Master text styles</a:t>
             </a:r>
           </a:p>
           <a:p>
             <a:pPr lvl="1"/>
             <a:r>
-              <a:rPr lang="en-US" smtClean="0"/>
+              <a:rPr lang="en-US"/>
               <a:t>Second level</a:t>
             </a:r>
           </a:p>
           <a:p>
             <a:pPr lvl="2"/>
             <a:r>
-              <a:rPr lang="en-US" smtClean="0"/>
+              <a:rPr lang="en-US"/>
               <a:t>Third level</a:t>
             </a:r>
           </a:p>
           <a:p>
             <a:pPr lvl="3"/>
             <a:r>
-              <a:rPr lang="en-US" smtClean="0"/>
+              <a:rPr lang="en-US"/>
               <a:t>Fourth level</a:t>
             </a:r>
           </a:p>
           <a:p>
             <a:pPr lvl="4"/>
             <a:r>
-              <a:rPr lang="en-US" smtClean="0"/>
+              <a:rPr lang="en-US"/>
               <a:t>Fifth level</a:t>
             </a:r>
-            <a:endParaRPr lang="en-US"/>
           </a:p>
         </p:txBody>
       </p:sp>
@@ -8369,7 +8341,7 @@
               <a:pPr>
                 <a:defRPr/>
               </a:pPr>
-              <a:t>2/13/2022</a:t>
+              <a:t>12/21/2022</a:t>
             </a:fld>
             <a:endParaRPr lang="en-US"/>
           </a:p>
@@ -8480,10 +8452,9 @@
           <a:lstStyle/>
           <a:p>
             <a:r>
-              <a:rPr lang="en-US" smtClean="0"/>
+              <a:rPr lang="en-US"/>
               <a:t>Click to edit Master title style</a:t>
             </a:r>
-            <a:endParaRPr lang="en-US"/>
           </a:p>
         </p:txBody>
       </p:sp>
@@ -8537,38 +8508,37 @@
           <a:p>
             <a:pPr lvl="0"/>
             <a:r>
-              <a:rPr lang="en-US" smtClean="0"/>
+              <a:rPr lang="en-US"/>
               <a:t>Click to edit Master text styles</a:t>
             </a:r>
           </a:p>
           <a:p>
             <a:pPr lvl="1"/>
             <a:r>
-              <a:rPr lang="en-US" smtClean="0"/>
+              <a:rPr lang="en-US"/>
               <a:t>Second level</a:t>
             </a:r>
           </a:p>
           <a:p>
             <a:pPr lvl="2"/>
             <a:r>
-              <a:rPr lang="en-US" smtClean="0"/>
+              <a:rPr lang="en-US"/>
               <a:t>Third level</a:t>
             </a:r>
           </a:p>
           <a:p>
             <a:pPr lvl="3"/>
             <a:r>
-              <a:rPr lang="en-US" smtClean="0"/>
+              <a:rPr lang="en-US"/>
               <a:t>Fourth level</a:t>
             </a:r>
           </a:p>
           <a:p>
             <a:pPr lvl="4"/>
             <a:r>
-              <a:rPr lang="en-US" smtClean="0"/>
+              <a:rPr lang="en-US"/>
               <a:t>Fifth level</a:t>
             </a:r>
-            <a:endParaRPr lang="en-US"/>
           </a:p>
         </p:txBody>
       </p:sp>
@@ -8622,38 +8592,37 @@
           <a:p>
             <a:pPr lvl="0"/>
             <a:r>
-              <a:rPr lang="en-US" smtClean="0"/>
+              <a:rPr lang="en-US"/>
               <a:t>Click to edit Master text styles</a:t>
             </a:r>
           </a:p>
           <a:p>
             <a:pPr lvl="1"/>
             <a:r>
-              <a:rPr lang="en-US" smtClean="0"/>
+              <a:rPr lang="en-US"/>
               <a:t>Second level</a:t>
             </a:r>
           </a:p>
           <a:p>
             <a:pPr lvl="2"/>
             <a:r>
-              <a:rPr lang="en-US" smtClean="0"/>
+              <a:rPr lang="en-US"/>
               <a:t>Third level</a:t>
             </a:r>
           </a:p>
           <a:p>
             <a:pPr lvl="3"/>
             <a:r>
-              <a:rPr lang="en-US" smtClean="0"/>
+              <a:rPr lang="en-US"/>
               <a:t>Fourth level</a:t>
             </a:r>
           </a:p>
           <a:p>
             <a:pPr lvl="4"/>
             <a:r>
-              <a:rPr lang="en-US" smtClean="0"/>
+              <a:rPr lang="en-US"/>
               <a:t>Fifth level</a:t>
             </a:r>
-            <a:endParaRPr lang="en-US"/>
           </a:p>
         </p:txBody>
       </p:sp>
@@ -8675,7 +8644,7 @@
             <a:fld id="{67FBBCEA-51D6-4D4F-B700-EBDD8904452C}" type="datetime1">
               <a:rPr lang="en-US" smtClean="0"/>
               <a:pPr/>
-              <a:t>2/13/2022</a:t>
+              <a:t>12/21/2022</a:t>
             </a:fld>
             <a:endParaRPr lang="en-US"/>
           </a:p>
@@ -8769,10 +8738,9 @@
           </a:lstStyle>
           <a:p>
             <a:r>
-              <a:rPr lang="en-US" smtClean="0"/>
+              <a:rPr lang="en-US"/>
               <a:t>Click to edit Master title style</a:t>
             </a:r>
-            <a:endParaRPr lang="en-US"/>
           </a:p>
         </p:txBody>
       </p:sp>
@@ -8835,7 +8803,7 @@
           <a:p>
             <a:pPr lvl="0"/>
             <a:r>
-              <a:rPr lang="en-US" smtClean="0"/>
+              <a:rPr lang="en-US"/>
               <a:t>Click to edit Master text styles</a:t>
             </a:r>
           </a:p>
@@ -8891,38 +8859,37 @@
           <a:p>
             <a:pPr lvl="0"/>
             <a:r>
-              <a:rPr lang="en-US" smtClean="0"/>
+              <a:rPr lang="en-US"/>
               <a:t>Click to edit Master text styles</a:t>
             </a:r>
           </a:p>
           <a:p>
             <a:pPr lvl="1"/>
             <a:r>
-              <a:rPr lang="en-US" smtClean="0"/>
+              <a:rPr lang="en-US"/>
               <a:t>Second level</a:t>
             </a:r>
           </a:p>
           <a:p>
             <a:pPr lvl="2"/>
             <a:r>
-              <a:rPr lang="en-US" smtClean="0"/>
+              <a:rPr lang="en-US"/>
               <a:t>Third level</a:t>
             </a:r>
           </a:p>
           <a:p>
             <a:pPr lvl="3"/>
             <a:r>
-              <a:rPr lang="en-US" smtClean="0"/>
+              <a:rPr lang="en-US"/>
               <a:t>Fourth level</a:t>
             </a:r>
           </a:p>
           <a:p>
             <a:pPr lvl="4"/>
             <a:r>
-              <a:rPr lang="en-US" smtClean="0"/>
+              <a:rPr lang="en-US"/>
               <a:t>Fifth level</a:t>
             </a:r>
-            <a:endParaRPr lang="en-US"/>
           </a:p>
         </p:txBody>
       </p:sp>
@@ -8985,7 +8952,7 @@
           <a:p>
             <a:pPr lvl="0"/>
             <a:r>
-              <a:rPr lang="en-US" smtClean="0"/>
+              <a:rPr lang="en-US"/>
               <a:t>Click to edit Master text styles</a:t>
             </a:r>
           </a:p>
@@ -9041,38 +9008,37 @@
           <a:p>
             <a:pPr lvl="0"/>
             <a:r>
-              <a:rPr lang="en-US" smtClean="0"/>
+              <a:rPr lang="en-US"/>
               <a:t>Click to edit Master text styles</a:t>
             </a:r>
           </a:p>
           <a:p>
             <a:pPr lvl="1"/>
             <a:r>
-              <a:rPr lang="en-US" smtClean="0"/>
+              <a:rPr lang="en-US"/>
               <a:t>Second level</a:t>
             </a:r>
           </a:p>
           <a:p>
             <a:pPr lvl="2"/>
             <a:r>
-              <a:rPr lang="en-US" smtClean="0"/>
+              <a:rPr lang="en-US"/>
               <a:t>Third level</a:t>
             </a:r>
           </a:p>
           <a:p>
             <a:pPr lvl="3"/>
             <a:r>
-              <a:rPr lang="en-US" smtClean="0"/>
+              <a:rPr lang="en-US"/>
               <a:t>Fourth level</a:t>
             </a:r>
           </a:p>
           <a:p>
             <a:pPr lvl="4"/>
             <a:r>
-              <a:rPr lang="en-US" smtClean="0"/>
+              <a:rPr lang="en-US"/>
               <a:t>Fifth level</a:t>
             </a:r>
-            <a:endParaRPr lang="en-US"/>
           </a:p>
         </p:txBody>
       </p:sp>
@@ -9094,7 +9060,7 @@
             <a:fld id="{7C3355C0-4DE2-42D1-B918-7B0FCE7481FD}" type="datetime1">
               <a:rPr lang="en-US" smtClean="0"/>
               <a:pPr/>
-              <a:t>2/13/2022</a:t>
+              <a:t>12/21/2022</a:t>
             </a:fld>
             <a:endParaRPr lang="en-US"/>
           </a:p>
@@ -9184,10 +9150,9 @@
           <a:lstStyle/>
           <a:p>
             <a:r>
-              <a:rPr lang="en-US" smtClean="0"/>
+              <a:rPr lang="en-US"/>
               <a:t>Click to edit Master title style</a:t>
             </a:r>
-            <a:endParaRPr lang="en-US"/>
           </a:p>
         </p:txBody>
       </p:sp>
@@ -9209,7 +9174,7 @@
             <a:fld id="{41F9056E-53B5-467C-A68C-D5DD1F771BB5}" type="datetime1">
               <a:rPr lang="en-US" smtClean="0"/>
               <a:pPr/>
-              <a:t>2/13/2022</a:t>
+              <a:t>12/21/2022</a:t>
             </a:fld>
             <a:endParaRPr lang="en-US"/>
           </a:p>
@@ -9301,7 +9266,7 @@
             <a:fld id="{73236B7C-1414-4D49-8A59-8F56128C501B}" type="datetime1">
               <a:rPr lang="en-US" smtClean="0"/>
               <a:pPr/>
-              <a:t>2/13/2022</a:t>
+              <a:t>12/21/2022</a:t>
             </a:fld>
             <a:endParaRPr lang="en-US"/>
           </a:p>
@@ -9400,10 +9365,9 @@
           </a:lstStyle>
           <a:p>
             <a:r>
-              <a:rPr lang="en-US" smtClean="0"/>
+              <a:rPr lang="en-US"/>
               <a:t>Click to edit Master title style</a:t>
             </a:r>
-            <a:endParaRPr lang="en-US"/>
           </a:p>
         </p:txBody>
       </p:sp>
@@ -9457,38 +9421,37 @@
           <a:p>
             <a:pPr lvl="0"/>
             <a:r>
-              <a:rPr lang="en-US" smtClean="0"/>
+              <a:rPr lang="en-US"/>
               <a:t>Click to edit Master text styles</a:t>
             </a:r>
           </a:p>
           <a:p>
             <a:pPr lvl="1"/>
             <a:r>
-              <a:rPr lang="en-US" smtClean="0"/>
+              <a:rPr lang="en-US"/>
               <a:t>Second level</a:t>
             </a:r>
           </a:p>
           <a:p>
             <a:pPr lvl="2"/>
             <a:r>
-              <a:rPr lang="en-US" smtClean="0"/>
+              <a:rPr lang="en-US"/>
               <a:t>Third level</a:t>
             </a:r>
           </a:p>
           <a:p>
             <a:pPr lvl="3"/>
             <a:r>
-              <a:rPr lang="en-US" smtClean="0"/>
+              <a:rPr lang="en-US"/>
               <a:t>Fourth level</a:t>
             </a:r>
           </a:p>
           <a:p>
             <a:pPr lvl="4"/>
             <a:r>
-              <a:rPr lang="en-US" smtClean="0"/>
+              <a:rPr lang="en-US"/>
               <a:t>Fifth level</a:t>
             </a:r>
-            <a:endParaRPr lang="en-US"/>
           </a:p>
         </p:txBody>
       </p:sp>
@@ -9551,7 +9514,7 @@
           <a:p>
             <a:pPr lvl="0"/>
             <a:r>
-              <a:rPr lang="en-US" smtClean="0"/>
+              <a:rPr lang="en-US"/>
               <a:t>Click to edit Master text styles</a:t>
             </a:r>
           </a:p>
@@ -9575,7 +9538,7 @@
             <a:fld id="{A40AEADC-23C0-4767-9AD7-3E7B6C343A0A}" type="datetime1">
               <a:rPr lang="en-US" smtClean="0"/>
               <a:pPr/>
-              <a:t>2/13/2022</a:t>
+              <a:t>12/21/2022</a:t>
             </a:fld>
             <a:endParaRPr lang="en-US"/>
           </a:p>
@@ -9674,10 +9637,9 @@
           </a:lstStyle>
           <a:p>
             <a:r>
-              <a:rPr lang="en-US" smtClean="0"/>
+              <a:rPr lang="en-US"/>
               <a:t>Click to edit Master title style</a:t>
             </a:r>
-            <a:endParaRPr lang="en-US"/>
           </a:p>
         </p:txBody>
       </p:sp>
@@ -9801,7 +9763,7 @@
           <a:p>
             <a:pPr lvl="0"/>
             <a:r>
-              <a:rPr lang="en-US" smtClean="0"/>
+              <a:rPr lang="en-US"/>
               <a:t>Click to edit Master text styles</a:t>
             </a:r>
           </a:p>
@@ -9825,7 +9787,7 @@
             <a:fld id="{07762B3B-4AFD-4E39-B6F8-E1A2354BA336}" type="datetime1">
               <a:rPr lang="en-US" smtClean="0"/>
               <a:pPr/>
-              <a:t>2/13/2022</a:t>
+              <a:t>12/21/2022</a:t>
             </a:fld>
             <a:endParaRPr lang="en-US"/>
           </a:p>
@@ -9935,10 +9897,9 @@
           <a:lstStyle/>
           <a:p>
             <a:r>
-              <a:rPr lang="en-US" dirty="0" smtClean="0"/>
+              <a:rPr lang="en-US" dirty="0"/>
               <a:t>Click to edit Master title style</a:t>
             </a:r>
-            <a:endParaRPr lang="en-US" dirty="0"/>
           </a:p>
         </p:txBody>
       </p:sp>
@@ -9969,38 +9930,37 @@
           <a:p>
             <a:pPr lvl="0"/>
             <a:r>
-              <a:rPr lang="en-US" dirty="0" smtClean="0"/>
+              <a:rPr lang="en-US" dirty="0"/>
               <a:t>Click to edit Master text styles</a:t>
             </a:r>
           </a:p>
           <a:p>
             <a:pPr lvl="1"/>
             <a:r>
-              <a:rPr lang="en-US" dirty="0" smtClean="0"/>
+              <a:rPr lang="en-US" dirty="0"/>
               <a:t>Second level</a:t>
             </a:r>
           </a:p>
           <a:p>
             <a:pPr lvl="2"/>
             <a:r>
-              <a:rPr lang="en-US" dirty="0" smtClean="0"/>
+              <a:rPr lang="en-US" dirty="0"/>
               <a:t>Third level</a:t>
             </a:r>
           </a:p>
           <a:p>
             <a:pPr lvl="3"/>
             <a:r>
-              <a:rPr lang="en-US" dirty="0" smtClean="0"/>
+              <a:rPr lang="en-US" dirty="0"/>
               <a:t>Fourth level</a:t>
             </a:r>
           </a:p>
           <a:p>
             <a:pPr lvl="4"/>
             <a:r>
-              <a:rPr lang="en-US" dirty="0" smtClean="0"/>
+              <a:rPr lang="en-US" dirty="0"/>
               <a:t>Fifth level</a:t>
             </a:r>
-            <a:endParaRPr lang="en-US" dirty="0"/>
           </a:p>
         </p:txBody>
       </p:sp>
@@ -10040,7 +10000,7 @@
             <a:fld id="{16C4ABC6-3BA1-4854-92CA-2B0133ECAB44}" type="datetime1">
               <a:rPr lang="en-US" smtClean="0"/>
               <a:pPr/>
-              <a:t>2/13/2022</a:t>
+              <a:t>12/21/2022</a:t>
             </a:fld>
             <a:endParaRPr lang="en-US"/>
           </a:p>
@@ -10448,7 +10408,7 @@
           <a:lstStyle/>
           <a:p>
             <a:r>
-              <a:rPr lang="en-US" smtClean="0"/>
+              <a:rPr lang="en-US"/>
               <a:t>Click to edit Master title style</a:t>
             </a:r>
             <a:endParaRPr lang="en-US" dirty="0"/>
@@ -10482,35 +10442,35 @@
           <a:p>
             <a:pPr lvl="0"/>
             <a:r>
-              <a:rPr lang="en-US" smtClean="0"/>
+              <a:rPr lang="en-US"/>
               <a:t>Edit Master text styles</a:t>
             </a:r>
           </a:p>
           <a:p>
             <a:pPr lvl="1"/>
             <a:r>
-              <a:rPr lang="en-US" smtClean="0"/>
+              <a:rPr lang="en-US"/>
               <a:t>Second level</a:t>
             </a:r>
           </a:p>
           <a:p>
             <a:pPr lvl="2"/>
             <a:r>
-              <a:rPr lang="en-US" smtClean="0"/>
+              <a:rPr lang="en-US"/>
               <a:t>Third level</a:t>
             </a:r>
           </a:p>
           <a:p>
             <a:pPr lvl="3"/>
             <a:r>
-              <a:rPr lang="en-US" smtClean="0"/>
+              <a:rPr lang="en-US"/>
               <a:t>Fourth level</a:t>
             </a:r>
           </a:p>
           <a:p>
             <a:pPr lvl="4"/>
             <a:r>
-              <a:rPr lang="en-US" smtClean="0"/>
+              <a:rPr lang="en-US"/>
               <a:t>Fifth level</a:t>
             </a:r>
             <a:endParaRPr lang="en-US" dirty="0"/>
@@ -10558,7 +10518,7 @@
               <a:pPr>
                 <a:defRPr/>
               </a:pPr>
-              <a:t>2/13/2022</a:t>
+              <a:t>12/21/2022</a:t>
             </a:fld>
             <a:endParaRPr lang="en-US"/>
           </a:p>
@@ -11035,7 +10995,7 @@
           <a:p>
             <a:pPr lvl="0"/>
             <a:r>
-              <a:rPr lang="en-US" altLang="en-US" smtClean="0"/>
+              <a:rPr lang="en-US" altLang="en-US"/>
               <a:t>Click to edit Master title style</a:t>
             </a:r>
           </a:p>
@@ -11093,35 +11053,35 @@
           <a:p>
             <a:pPr lvl="0"/>
             <a:r>
-              <a:rPr lang="en-US" altLang="en-US" smtClean="0"/>
+              <a:rPr lang="en-US" altLang="en-US"/>
               <a:t>Click to edit Master text styles</a:t>
             </a:r>
           </a:p>
           <a:p>
             <a:pPr lvl="1"/>
             <a:r>
-              <a:rPr lang="en-US" altLang="en-US" smtClean="0"/>
+              <a:rPr lang="en-US" altLang="en-US"/>
               <a:t>Second level</a:t>
             </a:r>
           </a:p>
           <a:p>
             <a:pPr lvl="2"/>
             <a:r>
-              <a:rPr lang="en-US" altLang="en-US" smtClean="0"/>
+              <a:rPr lang="en-US" altLang="en-US"/>
               <a:t>Third level</a:t>
             </a:r>
           </a:p>
           <a:p>
             <a:pPr lvl="3"/>
             <a:r>
-              <a:rPr lang="en-US" altLang="en-US" smtClean="0"/>
+              <a:rPr lang="en-US" altLang="en-US"/>
               <a:t>Fourth level</a:t>
             </a:r>
           </a:p>
           <a:p>
             <a:pPr lvl="4"/>
             <a:r>
-              <a:rPr lang="en-US" altLang="en-US" smtClean="0"/>
+              <a:rPr lang="en-US" altLang="en-US"/>
               <a:t>Fifth level</a:t>
             </a:r>
           </a:p>
@@ -11168,7 +11128,7 @@
               <a:pPr>
                 <a:defRPr/>
               </a:pPr>
-              <a:t>2/13/2022</a:t>
+              <a:t>12/21/2022</a:t>
             </a:fld>
             <a:endParaRPr lang="en-US"/>
           </a:p>
@@ -11704,7 +11664,7 @@
           <a:lstStyle/>
           <a:p>
             <a:r>
-              <a:rPr lang="en-GB" sz="3200" b="1" dirty="0" smtClean="0">
+              <a:rPr lang="en-GB" sz="3200" b="1" dirty="0">
                 <a:solidFill>
                   <a:srgbClr val="000066"/>
                 </a:solidFill>
@@ -11712,12 +11672,6 @@
               </a:rPr>
               <a:t>PSYC753</a:t>
             </a:r>
-            <a:endParaRPr lang="en-GB" sz="3200" b="1" dirty="0">
-              <a:solidFill>
-                <a:srgbClr val="000066"/>
-              </a:solidFill>
-              <a:latin typeface="Calibri" pitchFamily="34" charset="0"/>
-            </a:endParaRPr>
           </a:p>
           <a:p>
             <a:endParaRPr lang="en-GB" sz="2800" b="1" dirty="0">
@@ -11729,27 +11683,18 @@
           </a:p>
           <a:p>
             <a:r>
-              <a:rPr lang="en-GB" sz="2800" b="1" dirty="0" smtClean="0">
-                <a:solidFill>
-                  <a:srgbClr val="000066"/>
-                </a:solidFill>
-                <a:latin typeface="Calibri" pitchFamily="34" charset="0"/>
-              </a:rPr>
-              <a:t>5: </a:t>
-            </a:r>
-            <a:r>
               <a:rPr lang="en-GB" sz="2800" b="1" dirty="0">
                 <a:solidFill>
                   <a:srgbClr val="000066"/>
                 </a:solidFill>
                 <a:latin typeface="Calibri" pitchFamily="34" charset="0"/>
               </a:rPr>
-              <a:t>Multiple Regression</a:t>
-            </a:r>
-          </a:p>
-          <a:p>
-            <a:r>
-              <a:rPr lang="en-GB" sz="2800" dirty="0" smtClean="0">
+              <a:t>5: Multiple Regression</a:t>
+            </a:r>
+          </a:p>
+          <a:p>
+            <a:r>
+              <a:rPr lang="en-GB" sz="2800" dirty="0">
                 <a:solidFill>
                   <a:srgbClr val="000066"/>
                 </a:solidFill>
@@ -11757,23 +11702,8 @@
               </a:rPr>
               <a:t>Hierarchical Regression</a:t>
             </a:r>
-            <a:endParaRPr lang="en-GB" sz="2800" dirty="0">
-              <a:solidFill>
-                <a:srgbClr val="000066"/>
-              </a:solidFill>
-              <a:latin typeface="Calibri" pitchFamily="34" charset="0"/>
-            </a:endParaRPr>
-          </a:p>
-          <a:p>
-            <a:r>
-              <a:rPr lang="en-GB" sz="2800" dirty="0">
-                <a:solidFill>
-                  <a:srgbClr val="000066"/>
-                </a:solidFill>
-                <a:latin typeface="Calibri" pitchFamily="34" charset="0"/>
-              </a:rPr>
-              <a:t/>
-            </a:r>
+          </a:p>
+          <a:p>
             <a:br>
               <a:rPr lang="en-GB" sz="2800" dirty="0">
                 <a:solidFill>
@@ -11791,15 +11721,6 @@
               </a:rPr>
               <a:t>Dr Chris Berry</a:t>
             </a:r>
-            <a:r>
-              <a:rPr lang="en-GB" sz="2800" dirty="0">
-                <a:solidFill>
-                  <a:srgbClr val="000066"/>
-                </a:solidFill>
-                <a:latin typeface="Calibri" pitchFamily="34" charset="0"/>
-              </a:rPr>
-              <a:t/>
-            </a:r>
             <a:br>
               <a:rPr lang="en-GB" sz="2800" dirty="0">
                 <a:solidFill>
@@ -11849,19 +11770,10 @@
                 </a:solidFill>
                 <a:latin typeface="Calibri" pitchFamily="34" charset="0"/>
               </a:rPr>
-              <a:t>PSQ </a:t>
-            </a:r>
-            <a:r>
-              <a:rPr lang="en-GB" dirty="0" smtClean="0">
-                <a:solidFill>
-                  <a:srgbClr val="990033"/>
-                </a:solidFill>
-                <a:latin typeface="Calibri" pitchFamily="34" charset="0"/>
-              </a:rPr>
-              <a:t>B212 </a:t>
-            </a:r>
-            <a:r>
-              <a:rPr lang="en-GB" dirty="0" smtClean="0">
+              <a:t>PSQ B212 </a:t>
+            </a:r>
+            <a:r>
+              <a:rPr lang="en-GB" dirty="0">
                 <a:solidFill>
                   <a:srgbClr val="990033"/>
                 </a:solidFill>
@@ -11870,7 +11782,7 @@
               </a:rPr>
               <a:t>christopher.berry@plymouth.ac.uk</a:t>
             </a:r>
-            <a:endParaRPr lang="en-GB" dirty="0" smtClean="0">
+            <a:endParaRPr lang="en-GB" dirty="0">
               <a:solidFill>
                 <a:srgbClr val="990033"/>
               </a:solidFill>
@@ -11921,13 +11833,6 @@
   <p:clrMapOvr>
     <a:masterClrMapping/>
   </p:clrMapOvr>
-  <p:timing>
-    <p:tnLst>
-      <p:par>
-        <p:cTn id="1" dur="indefinite" restart="never" nodeType="tmRoot"/>
-      </p:par>
-    </p:tnLst>
-  </p:timing>
 </p:sld>
 </file>
 
@@ -11972,15 +11877,11 @@
           <a:p>
             <a:pPr algn="l"/>
             <a:r>
-              <a:rPr lang="en-GB" sz="2700" dirty="0" smtClean="0"/>
+              <a:rPr lang="en-GB" sz="2700" dirty="0"/>
               <a:t>Step 2</a:t>
             </a:r>
-            <a:r>
-              <a:rPr lang="en-GB" sz="2400" dirty="0" smtClean="0"/>
-              <a:t/>
-            </a:r>
             <a:br>
-              <a:rPr lang="en-GB" sz="2400" dirty="0" smtClean="0"/>
+              <a:rPr lang="en-GB" sz="2400" dirty="0"/>
             </a:br>
             <a:r>
               <a:rPr lang="en-GB" sz="2000" dirty="0">
@@ -11989,7 +11890,7 @@
               <a:t>wellbeing ~ brooding + </a:t>
             </a:r>
             <a:r>
-              <a:rPr lang="en-GB" sz="2000" dirty="0" smtClean="0">
+              <a:rPr lang="en-GB" sz="2000" dirty="0">
                 <a:solidFill>
                   <a:srgbClr val="C00000"/>
                 </a:solidFill>
@@ -11997,12 +11898,6 @@
               </a:rPr>
               <a:t>worry</a:t>
             </a:r>
-            <a:endParaRPr lang="en-GB" sz="2000" dirty="0">
-              <a:solidFill>
-                <a:srgbClr val="C00000"/>
-              </a:solidFill>
-              <a:latin typeface="Lucida Console" panose="020B0609040504020204" pitchFamily="49" charset="0"/>
-            </a:endParaRPr>
           </a:p>
         </p:txBody>
       </p:sp>
@@ -12097,7 +11992,7 @@
           <a:lstStyle/>
           <a:p>
             <a:r>
-              <a:rPr lang="en-GB" sz="1600" dirty="0" smtClean="0">
+              <a:rPr lang="en-GB" sz="1600" dirty="0">
                 <a:latin typeface="+mj-lt"/>
               </a:rPr>
               <a:t>Area of  box = variance in wellbeing to be explained</a:t>
@@ -12105,7 +12000,7 @@
           </a:p>
           <a:p>
             <a:r>
-              <a:rPr lang="en-GB" sz="1600" dirty="0" smtClean="0">
+              <a:rPr lang="en-GB" sz="1600" dirty="0">
                 <a:solidFill>
                   <a:schemeClr val="tx1"/>
                 </a:solidFill>
@@ -12144,37 +12039,36 @@
           <a:lstStyle/>
           <a:p>
             <a:r>
-              <a:rPr lang="en-GB" sz="2000" dirty="0" smtClean="0"/>
+              <a:rPr lang="en-GB" sz="2000" dirty="0"/>
               <a:t>The model with brooding </a:t>
             </a:r>
             <a:r>
-              <a:rPr lang="en-GB" sz="2000" i="1" dirty="0" smtClean="0"/>
+              <a:rPr lang="en-GB" sz="2000" i="1" dirty="0"/>
               <a:t>and </a:t>
             </a:r>
             <a:r>
-              <a:rPr lang="en-GB" sz="2000" dirty="0" smtClean="0"/>
+              <a:rPr lang="en-GB" sz="2000" dirty="0"/>
               <a:t>worry explains </a:t>
             </a:r>
             <a:br>
-              <a:rPr lang="en-GB" sz="2000" dirty="0" smtClean="0"/>
+              <a:rPr lang="en-GB" sz="2000" dirty="0"/>
             </a:br>
             <a:r>
-              <a:rPr lang="en-GB" sz="2000" b="1" dirty="0" smtClean="0"/>
+              <a:rPr lang="en-GB" sz="2000" b="1" dirty="0"/>
               <a:t>R</a:t>
             </a:r>
             <a:r>
-              <a:rPr lang="en-GB" sz="2000" b="1" baseline="30000" dirty="0" smtClean="0"/>
+              <a:rPr lang="en-GB" sz="2000" b="1" baseline="30000" dirty="0"/>
               <a:t>2</a:t>
             </a:r>
             <a:r>
-              <a:rPr lang="en-GB" sz="2000" b="1" dirty="0" smtClean="0"/>
+              <a:rPr lang="en-GB" sz="2000" b="1" dirty="0"/>
               <a:t> = 0.33 </a:t>
             </a:r>
             <a:r>
-              <a:rPr lang="en-GB" sz="2000" dirty="0" smtClean="0"/>
+              <a:rPr lang="en-GB" sz="2000" dirty="0"/>
               <a:t>of the variance in wellbeing scores </a:t>
             </a:r>
-            <a:endParaRPr lang="en-GB" sz="2000" dirty="0"/>
           </a:p>
         </p:txBody>
       </p:sp>
@@ -12206,7 +12100,7 @@
           <a:lstStyle/>
           <a:p>
             <a:r>
-              <a:rPr lang="en-GB" sz="2000" dirty="0" smtClean="0"/>
+              <a:rPr lang="en-GB" sz="2000" dirty="0"/>
               <a:t>The BF for the model in Step 2 vs. intercept only is 5373.32.</a:t>
             </a:r>
           </a:p>
@@ -12240,44 +12134,39 @@
           <a:lstStyle/>
           <a:p>
             <a:r>
-              <a:rPr lang="en-GB" sz="2000" dirty="0" smtClean="0"/>
+              <a:rPr lang="en-GB" sz="2000" dirty="0"/>
               <a:t>The </a:t>
             </a:r>
             <a:r>
-              <a:rPr lang="en-GB" sz="2000" b="1" dirty="0" smtClean="0"/>
+              <a:rPr lang="en-GB" sz="2000" b="1" dirty="0"/>
               <a:t>change in R</a:t>
             </a:r>
             <a:r>
-              <a:rPr lang="en-GB" sz="2000" b="1" baseline="30000" dirty="0" smtClean="0"/>
+              <a:rPr lang="en-GB" sz="2000" b="1" baseline="30000" dirty="0"/>
               <a:t>2 </a:t>
             </a:r>
             <a:r>
-              <a:rPr lang="en-GB" sz="2000" b="1" dirty="0" smtClean="0"/>
+              <a:rPr lang="en-GB" sz="2000" b="1" dirty="0"/>
               <a:t> </a:t>
             </a:r>
             <a:r>
-              <a:rPr lang="en-GB" sz="2000" dirty="0" smtClean="0"/>
+              <a:rPr lang="en-GB" sz="2000" dirty="0"/>
               <a:t>associated with the addition of worry to the model is</a:t>
             </a:r>
           </a:p>
           <a:p>
             <a:r>
-              <a:rPr lang="en-GB" sz="2000" dirty="0" smtClean="0"/>
+              <a:rPr lang="en-GB" sz="2000" dirty="0"/>
               <a:t>0.33 – 0.19 = </a:t>
             </a:r>
             <a:r>
-              <a:rPr lang="en-GB" sz="2000" b="1" u="sng" dirty="0" smtClean="0">
+              <a:rPr lang="en-GB" sz="2000" b="1" u="sng" dirty="0">
                 <a:solidFill>
                   <a:schemeClr val="tx2"/>
                 </a:solidFill>
               </a:rPr>
               <a:t>0.14</a:t>
             </a:r>
-            <a:endParaRPr lang="en-GB" sz="2000" b="1" u="sng" dirty="0">
-              <a:solidFill>
-                <a:schemeClr val="tx2"/>
-              </a:solidFill>
-            </a:endParaRPr>
           </a:p>
         </p:txBody>
       </p:sp>
@@ -12310,49 +12199,16 @@
           <a:p>
             <a:r>
               <a:rPr lang="en-GB" sz="2000" dirty="0"/>
-              <a:t>The BF </a:t>
-            </a:r>
-            <a:r>
-              <a:rPr lang="en-GB" sz="2000" dirty="0" smtClean="0"/>
-              <a:t>comparing the </a:t>
-            </a:r>
-            <a:r>
-              <a:rPr lang="en-GB" sz="2000" dirty="0"/>
-              <a:t>model in </a:t>
-            </a:r>
-            <a:r>
-              <a:rPr lang="en-GB" sz="2000" dirty="0" smtClean="0"/>
-              <a:t>Step </a:t>
-            </a:r>
-            <a:r>
-              <a:rPr lang="en-GB" sz="2000" dirty="0"/>
-              <a:t>2 vs. </a:t>
-            </a:r>
-            <a:r>
-              <a:rPr lang="en-GB" sz="2000" dirty="0" smtClean="0"/>
-              <a:t>Step </a:t>
-            </a:r>
-            <a:r>
-              <a:rPr lang="en-GB" sz="2000" dirty="0"/>
-              <a:t>1 </a:t>
-            </a:r>
-            <a:r>
-              <a:rPr lang="en-GB" sz="2000" dirty="0" smtClean="0"/>
-              <a:t>is </a:t>
-            </a:r>
-            <a:r>
-              <a:rPr lang="en-GB" sz="2000" b="1" u="sng" dirty="0" smtClean="0">
+              <a:t>The BF comparing the model in Step 2 vs. Step 1 is </a:t>
+            </a:r>
+            <a:r>
+              <a:rPr lang="en-GB" sz="2000" b="1" u="sng" dirty="0">
                 <a:solidFill>
                   <a:schemeClr val="tx2"/>
                 </a:solidFill>
               </a:rPr>
               <a:t>56.11</a:t>
             </a:r>
-            <a:endParaRPr lang="en-GB" sz="2000" b="1" u="sng" dirty="0">
-              <a:solidFill>
-                <a:schemeClr val="tx2"/>
-              </a:solidFill>
-            </a:endParaRPr>
           </a:p>
           <a:p>
             <a:r>
@@ -12431,7 +12287,7 @@
           <a:lstStyle/>
           <a:p>
             <a:r>
-              <a:rPr lang="en-GB" b="1" dirty="0" smtClean="0">
+              <a:rPr lang="en-GB" b="1" dirty="0">
                 <a:solidFill>
                   <a:srgbClr val="C00000"/>
                 </a:solidFill>
@@ -12518,7 +12374,7 @@
           <a:lstStyle/>
           <a:p>
             <a:r>
-              <a:rPr lang="en-GB" b="1" dirty="0" smtClean="0"/>
+              <a:rPr lang="en-GB" b="1" dirty="0"/>
               <a:t>brooding</a:t>
             </a:r>
             <a:endParaRPr lang="en-GB" b="1" baseline="-25000" dirty="0"/>
@@ -12961,24 +12817,20 @@
           <a:p>
             <a:pPr algn="l"/>
             <a:r>
-              <a:rPr lang="en-GB" sz="2700" dirty="0" smtClean="0"/>
+              <a:rPr lang="en-GB" sz="2700" dirty="0"/>
               <a:t>Step 3</a:t>
             </a:r>
-            <a:r>
-              <a:rPr lang="en-GB" sz="2400" dirty="0" smtClean="0"/>
-              <a:t/>
-            </a:r>
             <a:br>
-              <a:rPr lang="en-GB" sz="2400" dirty="0" smtClean="0"/>
+              <a:rPr lang="en-GB" sz="2400" dirty="0"/>
             </a:br>
             <a:r>
-              <a:rPr lang="en-GB" sz="2000" dirty="0" smtClean="0">
+              <a:rPr lang="en-GB" sz="2000" dirty="0">
                 <a:latin typeface="Lucida Console" panose="020B0609040504020204" pitchFamily="49" charset="0"/>
               </a:rPr>
               <a:t>wellbeing ~ brooding + </a:t>
             </a:r>
             <a:r>
-              <a:rPr lang="en-GB" sz="2000" dirty="0" smtClean="0">
+              <a:rPr lang="en-GB" sz="2000" dirty="0">
                 <a:solidFill>
                   <a:srgbClr val="C00000"/>
                 </a:solidFill>
@@ -12987,13 +12839,13 @@
               <a:t>worry</a:t>
             </a:r>
             <a:r>
-              <a:rPr lang="en-GB" sz="2000" dirty="0" smtClean="0">
+              <a:rPr lang="en-GB" sz="2000" dirty="0">
                 <a:latin typeface="Lucida Console" panose="020B0609040504020204" pitchFamily="49" charset="0"/>
               </a:rPr>
               <a:t> + </a:t>
             </a:r>
             <a:br>
-              <a:rPr lang="en-GB" sz="2000" dirty="0" smtClean="0">
+              <a:rPr lang="en-GB" sz="2000" dirty="0">
                 <a:latin typeface="Lucida Console" panose="020B0609040504020204" pitchFamily="49" charset="0"/>
               </a:rPr>
             </a:br>
@@ -13001,16 +12853,10 @@
               <a:rPr lang="en-GB" sz="2000" dirty="0">
                 <a:latin typeface="Lucida Console" panose="020B0609040504020204" pitchFamily="49" charset="0"/>
               </a:rPr>
-              <a:t>	</a:t>
-            </a:r>
-            <a:r>
-              <a:rPr lang="en-GB" sz="2000" dirty="0" smtClean="0">
-                <a:latin typeface="Lucida Console" panose="020B0609040504020204" pitchFamily="49" charset="0"/>
-              </a:rPr>
-              <a:t>	  </a:t>
-            </a:r>
-            <a:r>
-              <a:rPr lang="en-GB" sz="2000" dirty="0" smtClean="0">
+              <a:t>		  </a:t>
+            </a:r>
+            <a:r>
+              <a:rPr lang="en-GB" sz="2000" dirty="0">
                 <a:solidFill>
                   <a:srgbClr val="00B050"/>
                 </a:solidFill>
@@ -13019,13 +12865,13 @@
               <a:t>observing</a:t>
             </a:r>
             <a:r>
-              <a:rPr lang="en-GB" sz="2000" dirty="0" smtClean="0">
+              <a:rPr lang="en-GB" sz="2000" dirty="0">
                 <a:latin typeface="Lucida Console" panose="020B0609040504020204" pitchFamily="49" charset="0"/>
               </a:rPr>
               <a:t> + </a:t>
             </a:r>
             <a:r>
-              <a:rPr lang="en-GB" sz="2000" dirty="0" smtClean="0">
+              <a:rPr lang="en-GB" sz="2000" dirty="0">
                 <a:solidFill>
                   <a:srgbClr val="00B050"/>
                 </a:solidFill>
@@ -13034,13 +12880,13 @@
               <a:t>describing</a:t>
             </a:r>
             <a:r>
-              <a:rPr lang="en-GB" sz="2000" dirty="0" smtClean="0">
+              <a:rPr lang="en-GB" sz="2000" dirty="0">
                 <a:latin typeface="Lucida Console" panose="020B0609040504020204" pitchFamily="49" charset="0"/>
               </a:rPr>
               <a:t> + </a:t>
             </a:r>
             <a:r>
-              <a:rPr lang="en-GB" sz="2000" dirty="0" smtClean="0">
+              <a:rPr lang="en-GB" sz="2000" dirty="0">
                 <a:solidFill>
                   <a:srgbClr val="00B050"/>
                 </a:solidFill>
@@ -13049,13 +12895,13 @@
               <a:t>acting</a:t>
             </a:r>
             <a:r>
-              <a:rPr lang="en-GB" sz="2000" dirty="0" smtClean="0">
+              <a:rPr lang="en-GB" sz="2000" dirty="0">
                 <a:latin typeface="Lucida Console" panose="020B0609040504020204" pitchFamily="49" charset="0"/>
               </a:rPr>
               <a:t> + </a:t>
             </a:r>
             <a:r>
-              <a:rPr lang="en-GB" sz="2000" dirty="0" err="1" smtClean="0">
+              <a:rPr lang="en-GB" sz="2000" dirty="0" err="1">
                 <a:solidFill>
                   <a:srgbClr val="00B050"/>
                 </a:solidFill>
@@ -13064,13 +12910,13 @@
               <a:t>nonjudging</a:t>
             </a:r>
             <a:r>
-              <a:rPr lang="en-GB" sz="2000" dirty="0" smtClean="0">
+              <a:rPr lang="en-GB" sz="2000" dirty="0">
                 <a:latin typeface="Lucida Console" panose="020B0609040504020204" pitchFamily="49" charset="0"/>
               </a:rPr>
               <a:t> + </a:t>
             </a:r>
             <a:r>
-              <a:rPr lang="en-GB" sz="2000" dirty="0" err="1" smtClean="0">
+              <a:rPr lang="en-GB" sz="2000" dirty="0" err="1">
                 <a:solidFill>
                   <a:srgbClr val="00B050"/>
                 </a:solidFill>
@@ -13079,14 +12925,11 @@
               <a:t>nonreactivity</a:t>
             </a:r>
             <a:r>
-              <a:rPr lang="en-GB" sz="2400" dirty="0" smtClean="0">
+              <a:rPr lang="en-GB" sz="2400" dirty="0">
                 <a:latin typeface="Lucida Console" panose="020B0609040504020204" pitchFamily="49" charset="0"/>
               </a:rPr>
               <a:t> </a:t>
             </a:r>
-            <a:endParaRPr lang="en-GB" sz="2400" dirty="0">
-              <a:latin typeface="Lucida Console" panose="020B0609040504020204" pitchFamily="49" charset="0"/>
-            </a:endParaRPr>
           </a:p>
         </p:txBody>
       </p:sp>
@@ -13186,25 +13029,24 @@
           <a:lstStyle/>
           <a:p>
             <a:r>
-              <a:rPr lang="en-GB" sz="2000" dirty="0" smtClean="0"/>
+              <a:rPr lang="en-GB" sz="2000" dirty="0"/>
               <a:t>The model with brooding, worry, and the mindfulness variables explains </a:t>
             </a:r>
             <a:br>
-              <a:rPr lang="en-GB" sz="2000" dirty="0" smtClean="0"/>
+              <a:rPr lang="en-GB" sz="2000" dirty="0"/>
             </a:br>
             <a:r>
-              <a:rPr lang="en-GB" sz="2000" dirty="0" smtClean="0"/>
+              <a:rPr lang="en-GB" sz="2000" dirty="0"/>
               <a:t>R</a:t>
             </a:r>
             <a:r>
-              <a:rPr lang="en-GB" sz="2000" baseline="30000" dirty="0" smtClean="0"/>
+              <a:rPr lang="en-GB" sz="2000" baseline="30000" dirty="0"/>
               <a:t>2</a:t>
             </a:r>
             <a:r>
-              <a:rPr lang="en-GB" sz="2000" dirty="0" smtClean="0"/>
+              <a:rPr lang="en-GB" sz="2000" dirty="0"/>
               <a:t> = 0.53 of the variance in wellbeing scores </a:t>
             </a:r>
-            <a:endParaRPr lang="en-GB" sz="2000" dirty="0"/>
           </a:p>
         </p:txBody>
       </p:sp>
@@ -13236,7 +13078,7 @@
           <a:lstStyle/>
           <a:p>
             <a:r>
-              <a:rPr lang="en-GB" sz="2000" dirty="0" smtClean="0"/>
+              <a:rPr lang="en-GB" sz="2000" dirty="0"/>
               <a:t>The BF for the model in Step 3 vs. intercept only is 190716.</a:t>
             </a:r>
           </a:p>
@@ -13270,36 +13112,31 @@
           <a:lstStyle/>
           <a:p>
             <a:r>
-              <a:rPr lang="en-GB" sz="2000" dirty="0" smtClean="0"/>
+              <a:rPr lang="en-GB" sz="2000" dirty="0"/>
               <a:t>The change in R</a:t>
             </a:r>
             <a:r>
-              <a:rPr lang="en-GB" sz="2000" baseline="30000" dirty="0" smtClean="0"/>
+              <a:rPr lang="en-GB" sz="2000" baseline="30000" dirty="0"/>
               <a:t>2 </a:t>
             </a:r>
             <a:r>
-              <a:rPr lang="en-GB" sz="2000" dirty="0" smtClean="0"/>
+              <a:rPr lang="en-GB" sz="2000" dirty="0"/>
               <a:t> associated with the addition of mindfulness the model is</a:t>
             </a:r>
           </a:p>
           <a:p>
             <a:r>
-              <a:rPr lang="en-GB" sz="2000" dirty="0" smtClean="0"/>
+              <a:rPr lang="en-GB" sz="2000" dirty="0"/>
               <a:t>0.53 – 0.33 = </a:t>
             </a:r>
             <a:r>
-              <a:rPr lang="en-GB" sz="2000" b="1" u="sng" dirty="0" smtClean="0">
+              <a:rPr lang="en-GB" sz="2000" b="1" u="sng" dirty="0">
                 <a:solidFill>
                   <a:schemeClr val="tx2"/>
                 </a:solidFill>
               </a:rPr>
               <a:t>0.20</a:t>
             </a:r>
-            <a:endParaRPr lang="en-GB" sz="2000" b="1" u="sng" dirty="0">
-              <a:solidFill>
-                <a:schemeClr val="tx2"/>
-              </a:solidFill>
-            </a:endParaRPr>
           </a:p>
         </p:txBody>
       </p:sp>
@@ -13332,22 +13169,10 @@
           <a:p>
             <a:r>
               <a:rPr lang="en-GB" sz="2000" dirty="0"/>
-              <a:t>The BF representing evidence for the model in </a:t>
-            </a:r>
-            <a:r>
-              <a:rPr lang="en-GB" sz="2000" dirty="0" smtClean="0"/>
-              <a:t>Step 3 </a:t>
-            </a:r>
-            <a:r>
-              <a:rPr lang="en-GB" sz="2000" dirty="0"/>
-              <a:t>vs. </a:t>
-            </a:r>
-            <a:r>
-              <a:rPr lang="en-GB" sz="2000" dirty="0" smtClean="0"/>
-              <a:t>Step 2 is </a:t>
-            </a:r>
-            <a:r>
-              <a:rPr lang="en-GB" sz="2000" b="1" u="sng" dirty="0" smtClean="0">
+              <a:t>The BF representing evidence for the model in Step 3 vs. Step 2 is </a:t>
+            </a:r>
+            <a:r>
+              <a:rPr lang="en-GB" sz="2000" b="1" u="sng" dirty="0">
                 <a:solidFill>
                   <a:schemeClr val="tx2"/>
                 </a:solidFill>
@@ -13380,7 +13205,7 @@
           <a:lstStyle/>
           <a:p>
             <a:r>
-              <a:rPr lang="en-GB" sz="1600" dirty="0" smtClean="0">
+              <a:rPr lang="en-GB" sz="1600" dirty="0">
                 <a:latin typeface="+mj-lt"/>
               </a:rPr>
               <a:t>Area of  box = variance in wellbeing to be explained</a:t>
@@ -13388,7 +13213,7 @@
           </a:p>
           <a:p>
             <a:r>
-              <a:rPr lang="en-GB" sz="1600" dirty="0" smtClean="0">
+              <a:rPr lang="en-GB" sz="1600" dirty="0">
                 <a:solidFill>
                   <a:schemeClr val="tx1"/>
                 </a:solidFill>
@@ -13397,7 +13222,7 @@
               <a:t>Overlap = correlation between predictor variables</a:t>
             </a:r>
             <a:br>
-              <a:rPr lang="en-GB" sz="1600" dirty="0" smtClean="0">
+              <a:rPr lang="en-GB" sz="1600" dirty="0">
                 <a:solidFill>
                   <a:schemeClr val="tx1"/>
                 </a:solidFill>
@@ -13405,7 +13230,7 @@
               </a:rPr>
             </a:br>
             <a:r>
-              <a:rPr lang="en-GB" sz="1600" dirty="0" smtClean="0">
+              <a:rPr lang="en-GB" sz="1600" dirty="0">
                 <a:solidFill>
                   <a:schemeClr val="tx1"/>
                 </a:solidFill>
@@ -13414,12 +13239,12 @@
               <a:t>(note, all overlap to som</a:t>
             </a:r>
             <a:r>
-              <a:rPr lang="en-GB" sz="1600" dirty="0" smtClean="0">
+              <a:rPr lang="en-GB" sz="1600" dirty="0">
                 <a:latin typeface="+mj-lt"/>
               </a:rPr>
               <a:t>e degree)</a:t>
             </a:r>
-            <a:endParaRPr lang="en-GB" sz="1600" dirty="0" smtClean="0">
+            <a:endParaRPr lang="en-GB" sz="1600" dirty="0">
               <a:solidFill>
                 <a:schemeClr val="tx1"/>
               </a:solidFill>
@@ -13681,18 +13506,13 @@
           <a:lstStyle/>
           <a:p>
             <a:r>
-              <a:rPr lang="en-GB" b="1" dirty="0" smtClean="0">
+              <a:rPr lang="en-GB" b="1" dirty="0">
                 <a:solidFill>
                   <a:srgbClr val="00B050"/>
                 </a:solidFill>
               </a:rPr>
               <a:t>mindfulness</a:t>
             </a:r>
-            <a:endParaRPr lang="en-GB" b="1" dirty="0">
-              <a:solidFill>
-                <a:srgbClr val="00B050"/>
-              </a:solidFill>
-            </a:endParaRPr>
           </a:p>
         </p:txBody>
       </p:sp>
@@ -13765,7 +13585,7 @@
           <a:lstStyle/>
           <a:p>
             <a:r>
-              <a:rPr lang="en-GB" b="1" dirty="0" smtClean="0">
+              <a:rPr lang="en-GB" b="1" dirty="0">
                 <a:solidFill>
                   <a:srgbClr val="C00000"/>
                 </a:solidFill>
@@ -13852,7 +13672,7 @@
           <a:lstStyle/>
           <a:p>
             <a:r>
-              <a:rPr lang="en-GB" b="1" dirty="0" smtClean="0"/>
+              <a:rPr lang="en-GB" b="1" dirty="0"/>
               <a:t>brooding</a:t>
             </a:r>
             <a:endParaRPr lang="en-GB" b="1" baseline="-25000" dirty="0"/>
@@ -14591,27 +14411,17 @@
           <a:p>
             <a:pPr algn="l"/>
             <a:r>
-              <a:rPr lang="en-GB" sz="2700" dirty="0" smtClean="0"/>
+              <a:rPr lang="en-GB" sz="2700" dirty="0"/>
               <a:t>Step 4</a:t>
             </a:r>
-            <a:r>
-              <a:rPr lang="en-GB" sz="2400" dirty="0" smtClean="0"/>
-              <a:t/>
-            </a:r>
             <a:br>
-              <a:rPr lang="en-GB" sz="2400" dirty="0" smtClean="0"/>
+              <a:rPr lang="en-GB" sz="2400" dirty="0"/>
             </a:br>
-            <a:r>
-              <a:rPr lang="en-GB" sz="2000" dirty="0" smtClean="0">
-                <a:latin typeface="Lucida Console" panose="020B0609040504020204" pitchFamily="49" charset="0"/>
-              </a:rPr>
-              <a:t>wellbeing ~ </a:t>
-            </a:r>
             <a:r>
               <a:rPr lang="en-GB" sz="2000" dirty="0">
                 <a:latin typeface="Lucida Console" panose="020B0609040504020204" pitchFamily="49" charset="0"/>
               </a:rPr>
-              <a:t>brooding + </a:t>
+              <a:t>wellbeing ~ brooding + </a:t>
             </a:r>
             <a:r>
               <a:rPr lang="en-GB" sz="2000" dirty="0">
@@ -14718,13 +14528,13 @@
               <a:t> </a:t>
             </a:r>
             <a:r>
-              <a:rPr lang="en-GB" sz="2000" dirty="0" smtClean="0">
+              <a:rPr lang="en-GB" sz="2000" dirty="0">
                 <a:latin typeface="Lucida Console" panose="020B0609040504020204" pitchFamily="49" charset="0"/>
               </a:rPr>
               <a:t>+</a:t>
             </a:r>
             <a:br>
-              <a:rPr lang="en-GB" sz="2000" dirty="0" smtClean="0">
+              <a:rPr lang="en-GB" sz="2000" dirty="0">
                 <a:latin typeface="Lucida Console" panose="020B0609040504020204" pitchFamily="49" charset="0"/>
               </a:rPr>
             </a:br>
@@ -14732,16 +14542,10 @@
               <a:rPr lang="en-GB" sz="2000" dirty="0">
                 <a:latin typeface="Lucida Console" panose="020B0609040504020204" pitchFamily="49" charset="0"/>
               </a:rPr>
-              <a:t>	</a:t>
-            </a:r>
-            <a:r>
-              <a:rPr lang="en-GB" sz="2000" dirty="0" smtClean="0">
-                <a:latin typeface="Lucida Console" panose="020B0609040504020204" pitchFamily="49" charset="0"/>
-              </a:rPr>
-              <a:t>	  </a:t>
-            </a:r>
-            <a:r>
-              <a:rPr lang="en-GB" sz="2000" dirty="0" smtClean="0">
+              <a:t>		  </a:t>
+            </a:r>
+            <a:r>
+              <a:rPr lang="en-GB" sz="2000" dirty="0">
                 <a:solidFill>
                   <a:schemeClr val="accent4">
                     <a:lumMod val="75000"/>
@@ -14752,13 +14556,13 @@
               <a:t>attention</a:t>
             </a:r>
             <a:r>
-              <a:rPr lang="en-GB" sz="2000" dirty="0" smtClean="0">
+              <a:rPr lang="en-GB" sz="2000" dirty="0">
                 <a:latin typeface="Lucida Console" panose="020B0609040504020204" pitchFamily="49" charset="0"/>
               </a:rPr>
               <a:t> + </a:t>
             </a:r>
             <a:r>
-              <a:rPr lang="en-GB" sz="2000" dirty="0" smtClean="0">
+              <a:rPr lang="en-GB" sz="2000" dirty="0">
                 <a:solidFill>
                   <a:schemeClr val="accent4">
                     <a:lumMod val="75000"/>
@@ -14769,13 +14573,13 @@
               <a:t>clarity</a:t>
             </a:r>
             <a:r>
-              <a:rPr lang="en-GB" sz="2000" dirty="0" smtClean="0">
+              <a:rPr lang="en-GB" sz="2000" dirty="0">
                 <a:latin typeface="Lucida Console" panose="020B0609040504020204" pitchFamily="49" charset="0"/>
               </a:rPr>
               <a:t> + </a:t>
             </a:r>
             <a:r>
-              <a:rPr lang="en-GB" sz="2000" dirty="0" smtClean="0">
+              <a:rPr lang="en-GB" sz="2000" dirty="0">
                 <a:solidFill>
                   <a:schemeClr val="accent4">
                     <a:lumMod val="75000"/>
@@ -14785,14 +14589,8 @@
               </a:rPr>
               <a:t>repair</a:t>
             </a:r>
-            <a:r>
-              <a:rPr lang="en-GB" sz="2400" dirty="0" smtClean="0">
-                <a:latin typeface="Lucida Console" panose="020B0609040504020204" pitchFamily="49" charset="0"/>
-              </a:rPr>
-              <a:t/>
-            </a:r>
             <a:br>
-              <a:rPr lang="en-GB" sz="2400" dirty="0" smtClean="0">
+              <a:rPr lang="en-GB" sz="2400" dirty="0">
                 <a:latin typeface="Lucida Console" panose="020B0609040504020204" pitchFamily="49" charset="0"/>
               </a:rPr>
             </a:br>
@@ -14800,13 +14598,7 @@
               <a:rPr lang="en-GB" dirty="0">
                 <a:latin typeface="Lucida Console" panose="020B0609040504020204" pitchFamily="49" charset="0"/>
               </a:rPr>
-              <a:t>	</a:t>
-            </a:r>
-            <a:r>
-              <a:rPr lang="en-GB" dirty="0" smtClean="0">
-                <a:latin typeface="Lucida Console" panose="020B0609040504020204" pitchFamily="49" charset="0"/>
-              </a:rPr>
-              <a:t>	  </a:t>
+              <a:t>		  </a:t>
             </a:r>
             <a:endParaRPr lang="en-GB" sz="2400" dirty="0">
               <a:latin typeface="Lucida Console" panose="020B0609040504020204" pitchFamily="49" charset="0"/>
@@ -15052,7 +14844,7 @@
           <a:lstStyle/>
           <a:p>
             <a:r>
-              <a:rPr lang="en-GB" b="1" dirty="0" smtClean="0">
+              <a:rPr lang="en-GB" b="1" dirty="0">
                 <a:solidFill>
                   <a:schemeClr val="accent4">
                     <a:lumMod val="50000"/>
@@ -15061,13 +14853,6 @@
               </a:rPr>
               <a:t>emotional intelligence</a:t>
             </a:r>
-            <a:endParaRPr lang="en-GB" b="1" dirty="0">
-              <a:solidFill>
-                <a:schemeClr val="accent4">
-                  <a:lumMod val="50000"/>
-                </a:schemeClr>
-              </a:solidFill>
-            </a:endParaRPr>
           </a:p>
         </p:txBody>
       </p:sp>
@@ -15225,25 +15010,24 @@
           <a:lstStyle/>
           <a:p>
             <a:r>
-              <a:rPr lang="en-GB" sz="2000" dirty="0" smtClean="0"/>
+              <a:rPr lang="en-GB" sz="2000" dirty="0"/>
               <a:t>The model with brooding, worry, mindfulness and emotional intelligence explains </a:t>
             </a:r>
             <a:br>
-              <a:rPr lang="en-GB" sz="2000" dirty="0" smtClean="0"/>
+              <a:rPr lang="en-GB" sz="2000" dirty="0"/>
             </a:br>
             <a:r>
-              <a:rPr lang="en-GB" sz="2000" dirty="0" smtClean="0"/>
+              <a:rPr lang="en-GB" sz="2000" dirty="0"/>
               <a:t>R</a:t>
             </a:r>
             <a:r>
-              <a:rPr lang="en-GB" sz="2000" baseline="30000" dirty="0" smtClean="0"/>
+              <a:rPr lang="en-GB" sz="2000" baseline="30000" dirty="0"/>
               <a:t>2</a:t>
             </a:r>
             <a:r>
-              <a:rPr lang="en-GB" sz="2000" dirty="0" smtClean="0"/>
+              <a:rPr lang="en-GB" sz="2000" dirty="0"/>
               <a:t> = 0.60 of the variance in wellbeing scores </a:t>
             </a:r>
-            <a:endParaRPr lang="en-GB" sz="2000" dirty="0"/>
           </a:p>
         </p:txBody>
       </p:sp>
@@ -15275,7 +15059,7 @@
           <a:lstStyle/>
           <a:p>
             <a:r>
-              <a:rPr lang="en-GB" sz="2000" dirty="0" smtClean="0"/>
+              <a:rPr lang="en-GB" sz="2000" dirty="0"/>
               <a:t>The BF for the model in Step 4 vs. intercept only is 41007</a:t>
             </a:r>
           </a:p>
@@ -15309,36 +15093,31 @@
           <a:lstStyle/>
           <a:p>
             <a:r>
-              <a:rPr lang="en-GB" sz="2000" dirty="0" smtClean="0"/>
+              <a:rPr lang="en-GB" sz="2000" dirty="0"/>
               <a:t>The change in R</a:t>
             </a:r>
             <a:r>
-              <a:rPr lang="en-GB" sz="2000" baseline="30000" dirty="0" smtClean="0"/>
+              <a:rPr lang="en-GB" sz="2000" baseline="30000" dirty="0"/>
               <a:t>2 </a:t>
             </a:r>
             <a:r>
-              <a:rPr lang="en-GB" sz="2000" dirty="0" smtClean="0"/>
+              <a:rPr lang="en-GB" sz="2000" dirty="0"/>
               <a:t> associated with the addition of worry to the model is therefore</a:t>
             </a:r>
           </a:p>
           <a:p>
             <a:r>
-              <a:rPr lang="en-GB" sz="2000" dirty="0" smtClean="0"/>
+              <a:rPr lang="en-GB" sz="2000" dirty="0"/>
               <a:t>0.60 – 0.53 = </a:t>
             </a:r>
             <a:r>
-              <a:rPr lang="en-GB" sz="2000" b="1" u="sng" dirty="0" smtClean="0">
+              <a:rPr lang="en-GB" sz="2000" b="1" u="sng" dirty="0">
                 <a:solidFill>
                   <a:schemeClr val="tx2"/>
                 </a:solidFill>
               </a:rPr>
               <a:t>0.07</a:t>
             </a:r>
-            <a:endParaRPr lang="en-GB" sz="2000" b="1" u="sng" dirty="0">
-              <a:solidFill>
-                <a:schemeClr val="tx2"/>
-              </a:solidFill>
-            </a:endParaRPr>
           </a:p>
         </p:txBody>
       </p:sp>
@@ -15595,18 +15374,13 @@
           <a:lstStyle/>
           <a:p>
             <a:r>
-              <a:rPr lang="en-GB" b="1" dirty="0" smtClean="0">
+              <a:rPr lang="en-GB" b="1" dirty="0">
                 <a:solidFill>
                   <a:srgbClr val="00B050"/>
                 </a:solidFill>
               </a:rPr>
               <a:t>mindfulness</a:t>
             </a:r>
-            <a:endParaRPr lang="en-GB" b="1" dirty="0">
-              <a:solidFill>
-                <a:srgbClr val="00B050"/>
-              </a:solidFill>
-            </a:endParaRPr>
           </a:p>
         </p:txBody>
       </p:sp>
@@ -15679,7 +15453,7 @@
           <a:lstStyle/>
           <a:p>
             <a:r>
-              <a:rPr lang="en-GB" b="1" dirty="0" smtClean="0">
+              <a:rPr lang="en-GB" b="1" dirty="0">
                 <a:solidFill>
                   <a:srgbClr val="C00000"/>
                 </a:solidFill>
@@ -15766,7 +15540,7 @@
           <a:lstStyle/>
           <a:p>
             <a:r>
-              <a:rPr lang="en-GB" b="1" dirty="0" smtClean="0"/>
+              <a:rPr lang="en-GB" b="1" dirty="0"/>
               <a:t>brooding</a:t>
             </a:r>
             <a:endParaRPr lang="en-GB" b="1" baseline="-25000" dirty="0"/>
@@ -15796,7 +15570,7 @@
           <a:lstStyle/>
           <a:p>
             <a:r>
-              <a:rPr lang="en-GB" sz="1600" dirty="0" smtClean="0">
+              <a:rPr lang="en-GB" sz="1600" dirty="0">
                 <a:latin typeface="+mj-lt"/>
               </a:rPr>
               <a:t>Area of  box = variance in wellbeing to be explained</a:t>
@@ -15804,7 +15578,7 @@
           </a:p>
           <a:p>
             <a:r>
-              <a:rPr lang="en-GB" sz="1600" dirty="0" smtClean="0">
+              <a:rPr lang="en-GB" sz="1600" dirty="0">
                 <a:solidFill>
                   <a:schemeClr val="tx1"/>
                 </a:solidFill>
@@ -15813,7 +15587,7 @@
               <a:t>Overlap = correlation between predictor variables</a:t>
             </a:r>
             <a:br>
-              <a:rPr lang="en-GB" sz="1600" dirty="0" smtClean="0">
+              <a:rPr lang="en-GB" sz="1600" dirty="0">
                 <a:solidFill>
                   <a:schemeClr val="tx1"/>
                 </a:solidFill>
@@ -15821,7 +15595,7 @@
               </a:rPr>
             </a:br>
             <a:r>
-              <a:rPr lang="en-GB" sz="1600" dirty="0" smtClean="0">
+              <a:rPr lang="en-GB" sz="1600" dirty="0">
                 <a:solidFill>
                   <a:schemeClr val="tx1"/>
                 </a:solidFill>
@@ -15830,12 +15604,12 @@
               <a:t>(note, all overlap to som</a:t>
             </a:r>
             <a:r>
-              <a:rPr lang="en-GB" sz="1600" dirty="0" smtClean="0">
+              <a:rPr lang="en-GB" sz="1600" dirty="0">
                 <a:latin typeface="+mj-lt"/>
               </a:rPr>
               <a:t>e degree)</a:t>
             </a:r>
-            <a:endParaRPr lang="en-GB" sz="1600" dirty="0" smtClean="0">
+            <a:endParaRPr lang="en-GB" sz="1600" dirty="0">
               <a:solidFill>
                 <a:schemeClr val="tx1"/>
               </a:solidFill>
@@ -15872,11 +15646,11 @@
           <a:lstStyle/>
           <a:p>
             <a:r>
-              <a:rPr lang="en-GB" sz="2000" dirty="0" smtClean="0"/>
+              <a:rPr lang="en-GB" sz="2000" dirty="0"/>
               <a:t>The BF representing evidence for the model in Step 4 vs. Step 3 is: </a:t>
             </a:r>
             <a:r>
-              <a:rPr lang="en-GB" sz="2000" b="1" u="sng" dirty="0" smtClean="0">
+              <a:rPr lang="en-GB" sz="2000" b="1" u="sng" dirty="0">
                 <a:solidFill>
                   <a:schemeClr val="accent1">
                     <a:lumMod val="50000"/>
@@ -15888,10 +15662,9 @@
           </a:p>
           <a:p>
             <a:r>
-              <a:rPr lang="en-GB" sz="2000" dirty="0" smtClean="0"/>
+              <a:rPr lang="en-GB" sz="2000" dirty="0"/>
               <a:t>The evidence for the model in Step 4 vs. Step 3 is inconclusive.</a:t>
             </a:r>
-            <a:endParaRPr lang="en-GB" sz="2000" dirty="0"/>
           </a:p>
         </p:txBody>
       </p:sp>
@@ -16569,7 +16342,7 @@
                     <a:lstStyle/>
                     <a:p>
                       <a:r>
-                        <a:rPr lang="en-GB" sz="2400" dirty="0" smtClean="0">
+                        <a:rPr lang="en-GB" sz="2400" dirty="0">
                           <a:solidFill>
                             <a:schemeClr val="tx2">
                               <a:lumMod val="50000"/>
@@ -16578,13 +16351,6 @@
                         </a:rPr>
                         <a:t>Predictors</a:t>
                       </a:r>
-                      <a:endParaRPr lang="en-GB" sz="2400" dirty="0">
-                        <a:solidFill>
-                          <a:schemeClr val="tx2">
-                            <a:lumMod val="50000"/>
-                          </a:schemeClr>
-                        </a:solidFill>
-                      </a:endParaRPr>
                     </a:p>
                   </a:txBody>
                   <a:tcPr anchor="ctr"/>
@@ -16595,7 +16361,7 @@
                     <a:lstStyle/>
                     <a:p>
                       <a:r>
-                        <a:rPr lang="en-GB" sz="2400" smtClean="0">
+                        <a:rPr lang="en-GB" sz="2400">
                           <a:solidFill>
                             <a:schemeClr val="bg1">
                               <a:lumMod val="65000"/>
@@ -16605,7 +16371,7 @@
                         <a:t>R</a:t>
                       </a:r>
                       <a:r>
-                        <a:rPr lang="en-GB" sz="2400" baseline="30000" smtClean="0">
+                        <a:rPr lang="en-GB" sz="2400" baseline="30000">
                           <a:solidFill>
                             <a:schemeClr val="bg1">
                               <a:lumMod val="65000"/>
@@ -16648,7 +16414,7 @@
                         <a:defRPr/>
                       </a:pPr>
                       <a:r>
-                        <a:rPr lang="el-GR" sz="2400" dirty="0" smtClean="0">
+                        <a:rPr lang="el-GR" sz="2400" dirty="0">
                           <a:solidFill>
                             <a:schemeClr val="tx2">
                               <a:lumMod val="50000"/>
@@ -16660,7 +16426,7 @@
                         <a:t>Δ</a:t>
                       </a:r>
                       <a:r>
-                        <a:rPr lang="en-GB" sz="2400" dirty="0" smtClean="0">
+                        <a:rPr lang="en-GB" sz="2400" dirty="0">
                           <a:solidFill>
                             <a:schemeClr val="tx2">
                               <a:lumMod val="50000"/>
@@ -16670,7 +16436,7 @@
                         <a:t>R</a:t>
                       </a:r>
                       <a:r>
-                        <a:rPr lang="en-GB" sz="2400" baseline="30000" dirty="0" smtClean="0">
+                        <a:rPr lang="en-GB" sz="2400" baseline="30000" dirty="0">
                           <a:solidFill>
                             <a:schemeClr val="tx2">
                               <a:lumMod val="50000"/>
@@ -16706,7 +16472,7 @@
                         <a:defRPr/>
                       </a:pPr>
                       <a:r>
-                        <a:rPr lang="en-GB" sz="2400" baseline="0" dirty="0" smtClean="0">
+                        <a:rPr lang="en-GB" sz="2400" baseline="0" dirty="0">
                           <a:solidFill>
                             <a:schemeClr val="bg1">
                               <a:lumMod val="65000"/>
@@ -16742,7 +16508,7 @@
                         <a:defRPr/>
                       </a:pPr>
                       <a:r>
-                        <a:rPr lang="en-GB" sz="2400" baseline="0" dirty="0" smtClean="0">
+                        <a:rPr lang="en-GB" sz="2400" baseline="0" dirty="0">
                           <a:solidFill>
                             <a:schemeClr val="tx2">
                               <a:lumMod val="50000"/>
@@ -16752,7 +16518,7 @@
                         <a:t>B</a:t>
                       </a:r>
                       <a:r>
-                        <a:rPr lang="en-GB" sz="2400" b="1" kern="1200" baseline="0" dirty="0" smtClean="0">
+                        <a:rPr lang="en-GB" sz="2400" b="1" kern="1200" baseline="0" dirty="0">
                           <a:solidFill>
                             <a:schemeClr val="tx2">
                               <a:lumMod val="50000"/>
@@ -16781,7 +16547,7 @@
                     <a:lstStyle/>
                     <a:p>
                       <a:r>
-                        <a:rPr lang="en-GB" sz="1600" dirty="0" smtClean="0">
+                        <a:rPr lang="en-GB" sz="1600" dirty="0">
                           <a:solidFill>
                             <a:schemeClr val="tx2">
                               <a:lumMod val="50000"/>
@@ -16790,13 +16556,6 @@
                         </a:rPr>
                         <a:t>Step 1</a:t>
                       </a:r>
-                      <a:endParaRPr lang="en-GB" sz="1600" dirty="0">
-                        <a:solidFill>
-                          <a:schemeClr val="tx2">
-                            <a:lumMod val="50000"/>
-                          </a:schemeClr>
-                        </a:solidFill>
-                      </a:endParaRPr>
                     </a:p>
                   </a:txBody>
                   <a:tcPr anchor="ctr"/>
@@ -16807,14 +16566,11 @@
                     <a:lstStyle/>
                     <a:p>
                       <a:r>
-                        <a:rPr lang="en-GB" sz="1800" dirty="0" smtClean="0">
+                        <a:rPr lang="en-GB" sz="1800" dirty="0">
                           <a:latin typeface="Lucida Console" panose="020B0609040504020204" pitchFamily="49" charset="0"/>
                         </a:rPr>
                         <a:t>brooding</a:t>
                       </a:r>
-                      <a:endParaRPr lang="en-GB" sz="1800" dirty="0">
-                        <a:latin typeface="Lucida Console" panose="020B0609040504020204" pitchFamily="49" charset="0"/>
-                      </a:endParaRPr>
                     </a:p>
                   </a:txBody>
                   <a:tcPr anchor="ctr"/>
@@ -16825,7 +16581,7 @@
                     <a:lstStyle/>
                     <a:p>
                       <a:r>
-                        <a:rPr lang="en-GB" sz="2000" smtClean="0">
+                        <a:rPr lang="en-GB" sz="2000">
                           <a:solidFill>
                             <a:schemeClr val="bg1">
                               <a:lumMod val="65000"/>
@@ -16865,7 +16621,7 @@
                     <a:lstStyle/>
                     <a:p>
                       <a:r>
-                        <a:rPr lang="en-GB" sz="1600" dirty="0" smtClean="0">
+                        <a:rPr lang="en-GB" sz="1600" dirty="0">
                           <a:solidFill>
                             <a:schemeClr val="bg1">
                               <a:lumMod val="65000"/>
@@ -16875,14 +16631,6 @@
                         </a:rPr>
                         <a:t>95.76</a:t>
                       </a:r>
-                      <a:endParaRPr lang="en-GB" sz="1600" dirty="0">
-                        <a:solidFill>
-                          <a:schemeClr val="bg1">
-                            <a:lumMod val="65000"/>
-                          </a:schemeClr>
-                        </a:solidFill>
-                        <a:latin typeface="+mj-lt"/>
-                      </a:endParaRPr>
                     </a:p>
                   </a:txBody>
                   <a:tcPr anchor="ctr"/>
@@ -16912,7 +16660,7 @@
                     <a:lstStyle/>
                     <a:p>
                       <a:r>
-                        <a:rPr lang="en-GB" sz="1600" dirty="0" smtClean="0">
+                        <a:rPr lang="en-GB" sz="1600" dirty="0">
                           <a:solidFill>
                             <a:schemeClr val="tx2">
                               <a:lumMod val="50000"/>
@@ -16921,13 +16669,6 @@
                         </a:rPr>
                         <a:t>Step 2</a:t>
                       </a:r>
-                      <a:endParaRPr lang="en-GB" sz="1600" dirty="0">
-                        <a:solidFill>
-                          <a:schemeClr val="tx2">
-                            <a:lumMod val="50000"/>
-                          </a:schemeClr>
-                        </a:solidFill>
-                      </a:endParaRPr>
                     </a:p>
                   </a:txBody>
                   <a:tcPr anchor="ctr"/>
@@ -16938,14 +16679,11 @@
                     <a:lstStyle/>
                     <a:p>
                       <a:r>
-                        <a:rPr lang="en-GB" sz="1800" dirty="0" smtClean="0">
+                        <a:rPr lang="en-GB" sz="1800" dirty="0">
                           <a:latin typeface="Lucida Console" panose="020B0609040504020204" pitchFamily="49" charset="0"/>
                         </a:rPr>
                         <a:t>brooding + worry </a:t>
                       </a:r>
-                      <a:endParaRPr lang="en-GB" sz="1800" dirty="0">
-                        <a:latin typeface="Lucida Console" panose="020B0609040504020204" pitchFamily="49" charset="0"/>
-                      </a:endParaRPr>
                     </a:p>
                   </a:txBody>
                   <a:tcPr anchor="ctr"/>
@@ -16956,7 +16694,7 @@
                     <a:lstStyle/>
                     <a:p>
                       <a:r>
-                        <a:rPr lang="en-GB" sz="2000" smtClean="0">
+                        <a:rPr lang="en-GB" sz="2000">
                           <a:solidFill>
                             <a:schemeClr val="bg1">
                               <a:lumMod val="65000"/>
@@ -16984,14 +16722,11 @@
                     <a:lstStyle/>
                     <a:p>
                       <a:r>
-                        <a:rPr lang="en-GB" sz="2000" dirty="0" smtClean="0">
+                        <a:rPr lang="en-GB" sz="2000" dirty="0">
                           <a:latin typeface="+mj-lt"/>
                         </a:rPr>
                         <a:t>0.14</a:t>
                       </a:r>
-                      <a:endParaRPr lang="en-GB" sz="2000" dirty="0">
-                        <a:latin typeface="+mj-lt"/>
-                      </a:endParaRPr>
                     </a:p>
                   </a:txBody>
                   <a:tcPr anchor="ctr"/>
@@ -17002,7 +16737,7 @@
                     <a:lstStyle/>
                     <a:p>
                       <a:r>
-                        <a:rPr lang="en-GB" sz="1600" dirty="0" smtClean="0">
+                        <a:rPr lang="en-GB" sz="1600" dirty="0">
                           <a:solidFill>
                             <a:schemeClr val="bg1">
                               <a:lumMod val="65000"/>
@@ -17012,14 +16747,6 @@
                         </a:rPr>
                         <a:t>5373</a:t>
                       </a:r>
-                      <a:endParaRPr lang="en-GB" sz="1600" dirty="0">
-                        <a:solidFill>
-                          <a:schemeClr val="bg1">
-                            <a:lumMod val="65000"/>
-                          </a:schemeClr>
-                        </a:solidFill>
-                        <a:latin typeface="+mj-lt"/>
-                      </a:endParaRPr>
                     </a:p>
                   </a:txBody>
                   <a:tcPr anchor="ctr"/>
@@ -17030,14 +16757,11 @@
                     <a:lstStyle/>
                     <a:p>
                       <a:r>
-                        <a:rPr lang="en-GB" sz="1600" dirty="0" smtClean="0">
+                        <a:rPr lang="en-GB" sz="1600" dirty="0">
                           <a:latin typeface="+mj-lt"/>
                         </a:rPr>
                         <a:t>56.11</a:t>
                       </a:r>
-                      <a:endParaRPr lang="en-GB" sz="1600" dirty="0">
-                        <a:latin typeface="+mj-lt"/>
-                      </a:endParaRPr>
                     </a:p>
                   </a:txBody>
                   <a:tcPr anchor="ctr"/>
@@ -17055,7 +16779,7 @@
                     <a:lstStyle/>
                     <a:p>
                       <a:r>
-                        <a:rPr lang="en-GB" sz="1600" dirty="0" smtClean="0">
+                        <a:rPr lang="en-GB" sz="1600" dirty="0">
                           <a:solidFill>
                             <a:schemeClr val="tx2">
                               <a:lumMod val="50000"/>
@@ -17064,13 +16788,6 @@
                         </a:rPr>
                         <a:t>Step 3</a:t>
                       </a:r>
-                      <a:endParaRPr lang="en-GB" sz="1600" dirty="0">
-                        <a:solidFill>
-                          <a:schemeClr val="tx2">
-                            <a:lumMod val="50000"/>
-                          </a:schemeClr>
-                        </a:solidFill>
-                      </a:endParaRPr>
                     </a:p>
                   </a:txBody>
                   <a:tcPr anchor="ctr"/>
@@ -17088,13 +16805,13 @@
                         <a:buNone/>
                       </a:pPr>
                       <a:r>
-                        <a:rPr lang="en-GB" sz="1600" dirty="0" smtClean="0">
+                        <a:rPr lang="en-GB" sz="1600" dirty="0">
                           <a:latin typeface="Lucida Console" panose="020B0609040504020204" pitchFamily="49" charset="0"/>
                         </a:rPr>
                         <a:t>brooding + worry</a:t>
                       </a:r>
                       <a:r>
-                        <a:rPr lang="en-GB" sz="1600" baseline="0" dirty="0" smtClean="0">
+                        <a:rPr lang="en-GB" sz="1600" baseline="0" dirty="0">
                           <a:latin typeface="Lucida Console" panose="020B0609040504020204" pitchFamily="49" charset="0"/>
                         </a:rPr>
                         <a:t> + </a:t>
@@ -17109,7 +16826,7 @@
                         <a:buNone/>
                       </a:pPr>
                       <a:r>
-                        <a:rPr lang="en-GB" sz="1600" dirty="0" smtClean="0">
+                        <a:rPr lang="en-GB" sz="1600" dirty="0">
                           <a:solidFill>
                             <a:schemeClr val="tx1"/>
                           </a:solidFill>
@@ -17118,7 +16835,7 @@
                         <a:t>observing + describing</a:t>
                       </a:r>
                       <a:r>
-                        <a:rPr lang="en-GB" sz="1600" baseline="0" dirty="0" smtClean="0">
+                        <a:rPr lang="en-GB" sz="1600" baseline="0" dirty="0">
                           <a:solidFill>
                             <a:schemeClr val="tx1"/>
                           </a:solidFill>
@@ -17127,7 +16844,7 @@
                         <a:t> + a</a:t>
                       </a:r>
                       <a:r>
-                        <a:rPr lang="en-GB" sz="1600" dirty="0" smtClean="0">
+                        <a:rPr lang="en-GB" sz="1600" dirty="0">
                           <a:solidFill>
                             <a:schemeClr val="tx1"/>
                           </a:solidFill>
@@ -17136,7 +16853,7 @@
                         <a:t>cting</a:t>
                       </a:r>
                       <a:r>
-                        <a:rPr lang="en-GB" sz="1600" baseline="0" dirty="0" smtClean="0">
+                        <a:rPr lang="en-GB" sz="1600" baseline="0" dirty="0">
                           <a:solidFill>
                             <a:schemeClr val="tx1"/>
                           </a:solidFill>
@@ -17145,7 +16862,7 @@
                         <a:t> + </a:t>
                       </a:r>
                       <a:r>
-                        <a:rPr lang="en-GB" sz="1600" dirty="0" err="1" smtClean="0">
+                        <a:rPr lang="en-GB" sz="1600" dirty="0" err="1">
                           <a:solidFill>
                             <a:schemeClr val="tx1"/>
                           </a:solidFill>
@@ -17154,7 +16871,7 @@
                         <a:t>nonreactivity</a:t>
                       </a:r>
                       <a:r>
-                        <a:rPr lang="en-GB" sz="1600" dirty="0" smtClean="0">
+                        <a:rPr lang="en-GB" sz="1600" dirty="0">
                           <a:solidFill>
                             <a:schemeClr val="tx1"/>
                           </a:solidFill>
@@ -17163,7 +16880,7 @@
                         <a:t> + </a:t>
                       </a:r>
                       <a:r>
-                        <a:rPr lang="en-GB" sz="1600" dirty="0" err="1" smtClean="0">
+                        <a:rPr lang="en-GB" sz="1600" dirty="0" err="1">
                           <a:solidFill>
                             <a:schemeClr val="tx1"/>
                           </a:solidFill>
@@ -17171,7 +16888,7 @@
                         </a:rPr>
                         <a:t>nonjudging</a:t>
                       </a:r>
-                      <a:endParaRPr lang="en-GB" sz="1600" dirty="0" smtClean="0">
+                      <a:endParaRPr lang="en-GB" sz="1600" dirty="0">
                         <a:solidFill>
                           <a:schemeClr val="tx1"/>
                         </a:solidFill>
@@ -17194,7 +16911,7 @@
                         <a:buNone/>
                       </a:pPr>
                       <a:r>
-                        <a:rPr lang="en-GB" sz="2000" smtClean="0">
+                        <a:rPr lang="en-GB" sz="2000">
                           <a:solidFill>
                             <a:schemeClr val="bg1">
                               <a:lumMod val="65000"/>
@@ -17204,7 +16921,7 @@
                         </a:rPr>
                         <a:t>0.53</a:t>
                       </a:r>
-                      <a:endParaRPr lang="en-GB" sz="2000" dirty="0" smtClean="0">
+                      <a:endParaRPr lang="en-GB" sz="2000" dirty="0">
                         <a:solidFill>
                           <a:schemeClr val="bg1">
                             <a:lumMod val="65000"/>
@@ -17229,7 +16946,7 @@
                         <a:buNone/>
                       </a:pPr>
                       <a:r>
-                        <a:rPr lang="en-GB" sz="2000" dirty="0" smtClean="0">
+                        <a:rPr lang="en-GB" sz="2000" dirty="0">
                           <a:solidFill>
                             <a:schemeClr val="tx1"/>
                           </a:solidFill>
@@ -17254,7 +16971,7 @@
                         <a:buNone/>
                       </a:pPr>
                       <a:r>
-                        <a:rPr lang="en-GB" sz="1400" dirty="0" smtClean="0">
+                        <a:rPr lang="en-GB" sz="1400" dirty="0">
                           <a:solidFill>
                             <a:schemeClr val="bg1">
                               <a:lumMod val="65000"/>
@@ -17281,7 +16998,7 @@
                         <a:buNone/>
                       </a:pPr>
                       <a:r>
-                        <a:rPr lang="en-GB" sz="1600" dirty="0" smtClean="0">
+                        <a:rPr lang="en-GB" sz="1600" dirty="0">
                           <a:solidFill>
                             <a:schemeClr val="tx1"/>
                           </a:solidFill>
@@ -17306,7 +17023,7 @@
                     <a:lstStyle/>
                     <a:p>
                       <a:r>
-                        <a:rPr lang="en-GB" sz="1600" dirty="0" smtClean="0">
+                        <a:rPr lang="en-GB" sz="1600" dirty="0">
                           <a:solidFill>
                             <a:schemeClr val="tx2">
                               <a:lumMod val="50000"/>
@@ -17315,13 +17032,6 @@
                         </a:rPr>
                         <a:t>Step 4</a:t>
                       </a:r>
-                      <a:endParaRPr lang="en-GB" sz="1600" dirty="0">
-                        <a:solidFill>
-                          <a:schemeClr val="tx2">
-                            <a:lumMod val="50000"/>
-                          </a:schemeClr>
-                        </a:solidFill>
-                      </a:endParaRPr>
                     </a:p>
                   </a:txBody>
                   <a:tcPr anchor="ctr"/>
@@ -17339,13 +17049,13 @@
                         <a:buNone/>
                       </a:pPr>
                       <a:r>
-                        <a:rPr lang="en-GB" sz="1600" dirty="0" smtClean="0">
+                        <a:rPr lang="en-GB" sz="1600" dirty="0">
                           <a:latin typeface="Lucida Console" panose="020B0609040504020204" pitchFamily="49" charset="0"/>
                         </a:rPr>
                         <a:t>brooding + worry</a:t>
                       </a:r>
                       <a:r>
-                        <a:rPr lang="en-GB" sz="1600" baseline="0" dirty="0" smtClean="0">
+                        <a:rPr lang="en-GB" sz="1600" baseline="0" dirty="0">
                           <a:latin typeface="Lucida Console" panose="020B0609040504020204" pitchFamily="49" charset="0"/>
                         </a:rPr>
                         <a:t> + </a:t>
@@ -17360,7 +17070,7 @@
                         <a:buNone/>
                       </a:pPr>
                       <a:r>
-                        <a:rPr lang="en-GB" sz="1600" dirty="0" smtClean="0">
+                        <a:rPr lang="en-GB" sz="1600" dirty="0">
                           <a:solidFill>
                             <a:schemeClr val="tx1"/>
                           </a:solidFill>
@@ -17369,7 +17079,7 @@
                         <a:t>observing + describing</a:t>
                       </a:r>
                       <a:r>
-                        <a:rPr lang="en-GB" sz="1600" baseline="0" dirty="0" smtClean="0">
+                        <a:rPr lang="en-GB" sz="1600" baseline="0" dirty="0">
                           <a:solidFill>
                             <a:schemeClr val="tx1"/>
                           </a:solidFill>
@@ -17378,7 +17088,7 @@
                         <a:t> + a</a:t>
                       </a:r>
                       <a:r>
-                        <a:rPr lang="en-GB" sz="1600" dirty="0" smtClean="0">
+                        <a:rPr lang="en-GB" sz="1600" dirty="0">
                           <a:solidFill>
                             <a:schemeClr val="tx1"/>
                           </a:solidFill>
@@ -17387,7 +17097,7 @@
                         <a:t>cting</a:t>
                       </a:r>
                       <a:r>
-                        <a:rPr lang="en-GB" sz="1600" baseline="0" dirty="0" smtClean="0">
+                        <a:rPr lang="en-GB" sz="1600" baseline="0" dirty="0">
                           <a:solidFill>
                             <a:schemeClr val="tx1"/>
                           </a:solidFill>
@@ -17396,7 +17106,7 @@
                         <a:t> + </a:t>
                       </a:r>
                       <a:r>
-                        <a:rPr lang="en-GB" sz="1600" dirty="0" err="1" smtClean="0">
+                        <a:rPr lang="en-GB" sz="1600" dirty="0" err="1">
                           <a:solidFill>
                             <a:schemeClr val="tx1"/>
                           </a:solidFill>
@@ -17405,7 +17115,7 @@
                         <a:t>nonreactivity</a:t>
                       </a:r>
                       <a:r>
-                        <a:rPr lang="en-GB" sz="1600" dirty="0" smtClean="0">
+                        <a:rPr lang="en-GB" sz="1600" dirty="0">
                           <a:solidFill>
                             <a:schemeClr val="tx1"/>
                           </a:solidFill>
@@ -17414,7 +17124,7 @@
                         <a:t> + </a:t>
                       </a:r>
                       <a:r>
-                        <a:rPr lang="en-GB" sz="1600" dirty="0" err="1" smtClean="0">
+                        <a:rPr lang="en-GB" sz="1600" dirty="0" err="1">
                           <a:solidFill>
                             <a:schemeClr val="tx1"/>
                           </a:solidFill>
@@ -17423,7 +17133,7 @@
                         <a:t>nonjudging</a:t>
                       </a:r>
                       <a:r>
-                        <a:rPr lang="en-GB" sz="1600" dirty="0" smtClean="0">
+                        <a:rPr lang="en-GB" sz="1600" dirty="0">
                           <a:solidFill>
                             <a:schemeClr val="tx1"/>
                           </a:solidFill>
@@ -17441,7 +17151,7 @@
                         <a:buNone/>
                       </a:pPr>
                       <a:r>
-                        <a:rPr lang="en-GB" sz="1600" dirty="0" smtClean="0">
+                        <a:rPr lang="en-GB" sz="1600" dirty="0">
                           <a:solidFill>
                             <a:schemeClr val="tx1"/>
                           </a:solidFill>
@@ -17466,7 +17176,7 @@
                         <a:buNone/>
                       </a:pPr>
                       <a:r>
-                        <a:rPr lang="en-GB" sz="2000" dirty="0" smtClean="0">
+                        <a:rPr lang="en-GB" sz="2000" dirty="0">
                           <a:solidFill>
                             <a:schemeClr val="bg1">
                               <a:lumMod val="65000"/>
@@ -17493,7 +17203,7 @@
                         <a:buNone/>
                       </a:pPr>
                       <a:r>
-                        <a:rPr lang="en-GB" sz="2000" dirty="0" smtClean="0">
+                        <a:rPr lang="en-GB" sz="2000" dirty="0">
                           <a:solidFill>
                             <a:schemeClr val="tx1"/>
                           </a:solidFill>
@@ -17518,7 +17228,7 @@
                         <a:buNone/>
                       </a:pPr>
                       <a:r>
-                        <a:rPr lang="en-GB" sz="1400" dirty="0" smtClean="0">
+                        <a:rPr lang="en-GB" sz="1400" dirty="0">
                           <a:solidFill>
                             <a:schemeClr val="bg1">
                               <a:lumMod val="65000"/>
@@ -17545,7 +17255,7 @@
                         <a:buNone/>
                       </a:pPr>
                       <a:r>
-                        <a:rPr lang="en-GB" sz="1800" dirty="0" smtClean="0">
+                        <a:rPr lang="en-GB" sz="1800" dirty="0">
                           <a:solidFill>
                             <a:schemeClr val="tx1"/>
                           </a:solidFill>
@@ -17590,7 +17300,7 @@
           <a:lstStyle/>
           <a:p>
             <a:r>
-              <a:rPr lang="en-GB" b="1" dirty="0" smtClean="0">
+              <a:rPr lang="en-GB" b="1" dirty="0">
                 <a:solidFill>
                   <a:schemeClr val="tx1"/>
                 </a:solidFill>
@@ -17599,13 +17309,13 @@
               <a:t>Do mindfulness and </a:t>
             </a:r>
             <a:r>
-              <a:rPr lang="en-GB" b="1" dirty="0" smtClean="0">
+              <a:rPr lang="en-GB" b="1" dirty="0">
                 <a:latin typeface="+mj-lt"/>
               </a:rPr>
               <a:t>emotional intelligence </a:t>
             </a:r>
             <a:r>
-              <a:rPr lang="en-GB" b="1" dirty="0" smtClean="0">
+              <a:rPr lang="en-GB" b="1" dirty="0">
                 <a:solidFill>
                   <a:schemeClr val="tx1"/>
                 </a:solidFill>
@@ -17620,7 +17330,7 @@
               <a:t>wellbeing</a:t>
             </a:r>
             <a:r>
-              <a:rPr lang="en-GB" b="1" dirty="0" smtClean="0">
+              <a:rPr lang="en-GB" b="1" dirty="0">
                 <a:solidFill>
                   <a:schemeClr val="tx1"/>
                 </a:solidFill>
@@ -17635,7 +17345,7 @@
               <a:t>brooding</a:t>
             </a:r>
             <a:r>
-              <a:rPr lang="en-GB" b="1" dirty="0" smtClean="0">
+              <a:rPr lang="en-GB" b="1" dirty="0">
                 <a:solidFill>
                   <a:schemeClr val="tx1"/>
                 </a:solidFill>
@@ -17650,7 +17360,7 @@
               <a:t>worry</a:t>
             </a:r>
             <a:r>
-              <a:rPr lang="en-GB" b="1" dirty="0" smtClean="0">
+              <a:rPr lang="en-GB" b="1" dirty="0">
                 <a:solidFill>
                   <a:schemeClr val="tx1"/>
                 </a:solidFill>
@@ -17684,7 +17394,7 @@
           <a:lstStyle/>
           <a:p>
             <a:r>
-              <a:rPr lang="en-GB" sz="2000" dirty="0" smtClean="0">
+              <a:rPr lang="en-GB" sz="2000" dirty="0">
                 <a:solidFill>
                   <a:schemeClr val="tx1"/>
                 </a:solidFill>
@@ -17693,7 +17403,7 @@
               <a:t>Outcome variable = </a:t>
             </a:r>
             <a:r>
-              <a:rPr lang="en-GB" dirty="0" smtClean="0">
+              <a:rPr lang="en-GB" dirty="0">
                 <a:solidFill>
                   <a:schemeClr val="tx1"/>
                 </a:solidFill>
@@ -17732,7 +17442,7 @@
           <a:lstStyle/>
           <a:p>
             <a:r>
-              <a:rPr lang="en-GB" sz="2000" dirty="0" smtClean="0">
+              <a:rPr lang="en-GB" sz="2000" dirty="0">
                 <a:solidFill>
                   <a:schemeClr val="tx1"/>
                 </a:solidFill>
@@ -17747,7 +17457,7 @@
               <a:buChar char="•"/>
             </a:pPr>
             <a:r>
-              <a:rPr lang="en-GB" sz="2000" dirty="0" smtClean="0">
+              <a:rPr lang="en-GB" sz="2000" dirty="0">
                 <a:latin typeface="+mj-lt"/>
               </a:rPr>
               <a:t>There’s substantial evidence that mindfulness predicts wellbeing after controlling for brooding and worry.</a:t>
@@ -17760,29 +17470,8 @@
             </a:pPr>
             <a:r>
               <a:rPr lang="en-GB" sz="2000" dirty="0"/>
-              <a:t>There’s </a:t>
-            </a:r>
-            <a:r>
-              <a:rPr lang="en-GB" sz="2000" dirty="0" smtClean="0"/>
-              <a:t>insufficient evidence </a:t>
-            </a:r>
-            <a:r>
-              <a:rPr lang="en-GB" sz="2000" dirty="0"/>
-              <a:t>that </a:t>
-            </a:r>
-            <a:r>
-              <a:rPr lang="en-GB" sz="2000" dirty="0" smtClean="0"/>
-              <a:t>emotional intelligence </a:t>
-            </a:r>
-            <a:r>
-              <a:rPr lang="en-GB" sz="2000" dirty="0"/>
-              <a:t>predicts wellbeing after controlling for </a:t>
-            </a:r>
-            <a:r>
-              <a:rPr lang="en-GB" sz="2000" dirty="0" smtClean="0"/>
-              <a:t>brooding, worry and mindfulness.</a:t>
-            </a:r>
-            <a:endParaRPr lang="en-GB" sz="2000" dirty="0"/>
+              <a:t>There’s insufficient evidence that emotional intelligence predicts wellbeing after controlling for brooding, worry and mindfulness.</a:t>
+            </a:r>
           </a:p>
         </p:txBody>
       </p:sp>
@@ -17918,7 +17607,7 @@
               <a:buNone/>
             </a:pPr>
             <a:r>
-              <a:rPr lang="en-GB" b="1" dirty="0" err="1" smtClean="0">
+              <a:rPr lang="en-GB" b="1" dirty="0" err="1">
                 <a:solidFill>
                   <a:schemeClr val="tx2"/>
                 </a:solidFill>
@@ -17926,7 +17615,7 @@
               <a:t>Ratschen</a:t>
             </a:r>
             <a:r>
-              <a:rPr lang="en-GB" b="1" dirty="0" smtClean="0">
+              <a:rPr lang="en-GB" b="1" dirty="0">
                 <a:solidFill>
                   <a:schemeClr val="tx2"/>
                 </a:solidFill>
@@ -17939,11 +17628,11 @@
               <a:buNone/>
             </a:pPr>
             <a:r>
-              <a:rPr lang="en-GB" dirty="0" smtClean="0"/>
+              <a:rPr lang="en-GB" dirty="0"/>
               <a:t>Investigated whether </a:t>
             </a:r>
             <a:r>
-              <a:rPr lang="en-GB" dirty="0" smtClean="0">
+              <a:rPr lang="en-GB" dirty="0">
                 <a:solidFill>
                   <a:schemeClr val="tx2"/>
                 </a:solidFill>
@@ -17951,11 +17640,11 @@
               <a:t>comfort from animal companions </a:t>
             </a:r>
             <a:r>
-              <a:rPr lang="en-GB" dirty="0" smtClean="0"/>
+              <a:rPr lang="en-GB" dirty="0"/>
               <a:t>predicted </a:t>
             </a:r>
             <a:r>
-              <a:rPr lang="en-GB" dirty="0" smtClean="0">
+              <a:rPr lang="en-GB" dirty="0">
                 <a:solidFill>
                   <a:schemeClr val="tx2"/>
                 </a:solidFill>
@@ -17963,16 +17652,8 @@
               <a:t>mental health </a:t>
             </a:r>
             <a:r>
-              <a:rPr lang="en-GB" dirty="0" smtClean="0"/>
-              <a:t>of individuals before and during the Covid-19 lockdown</a:t>
-            </a:r>
-            <a:r>
               <a:rPr lang="en-GB" dirty="0"/>
-              <a:t> </a:t>
-            </a:r>
-            <a:r>
-              <a:rPr lang="en-GB" dirty="0" smtClean="0"/>
-              <a:t>once background variables had been controlled for.</a:t>
+              <a:t>of individuals before and during the Covid-19 lockdown once background variables had been controlled for.</a:t>
             </a:r>
           </a:p>
           <a:p>
@@ -17992,18 +17673,18 @@
               <a:buNone/>
             </a:pPr>
             <a:r>
-              <a:rPr lang="en-GB" dirty="0" smtClean="0"/>
+              <a:rPr lang="en-GB" dirty="0"/>
               <a:t>Because the variables controlled for are assumed to </a:t>
             </a:r>
             <a:br>
-              <a:rPr lang="en-GB" dirty="0" smtClean="0"/>
+              <a:rPr lang="en-GB" dirty="0"/>
             </a:br>
             <a:r>
-              <a:rPr lang="en-GB" dirty="0" smtClean="0"/>
+              <a:rPr lang="en-GB" dirty="0"/>
               <a:t>co-vary with the outcome variable to some degree, they are often called </a:t>
             </a:r>
             <a:r>
-              <a:rPr lang="en-GB" b="1" dirty="0" smtClean="0">
+              <a:rPr lang="en-GB" b="1" dirty="0">
                 <a:solidFill>
                   <a:schemeClr val="tx2">
                     <a:lumMod val="75000"/>
@@ -18017,17 +17698,17 @@
             <a:pPr marL="0" indent="0">
               <a:buNone/>
             </a:pPr>
-            <a:endParaRPr lang="en-GB" dirty="0" smtClean="0"/>
+            <a:endParaRPr lang="en-GB" dirty="0"/>
           </a:p>
           <a:p>
             <a:pPr marL="0" indent="0">
               <a:buNone/>
             </a:pPr>
             <a:r>
-              <a:rPr lang="en-GB" b="1" dirty="0" smtClean="0"/>
+              <a:rPr lang="en-GB" b="1" dirty="0"/>
               <a:t>Categorical covariates:</a:t>
             </a:r>
-            <a:endParaRPr lang="en-GB" b="1" dirty="0" smtClean="0">
+            <a:endParaRPr lang="en-GB" b="1" dirty="0">
               <a:solidFill>
                 <a:schemeClr val="tx2"/>
               </a:solidFill>
@@ -18042,7 +17723,7 @@
               <a:buChar char="-"/>
             </a:pPr>
             <a:r>
-              <a:rPr lang="en-GB" dirty="0" smtClean="0">
+              <a:rPr lang="en-GB" dirty="0">
                 <a:solidFill>
                   <a:schemeClr val="tx2"/>
                 </a:solidFill>
@@ -18059,7 +17740,7 @@
               <a:buChar char="-"/>
             </a:pPr>
             <a:r>
-              <a:rPr lang="en-GB" dirty="0" smtClean="0">
+              <a:rPr lang="en-GB" dirty="0">
                 <a:solidFill>
                   <a:schemeClr val="tx2"/>
                 </a:solidFill>
@@ -18076,7 +17757,7 @@
               <a:buChar char="-"/>
             </a:pPr>
             <a:r>
-              <a:rPr lang="en-GB" dirty="0" smtClean="0">
+              <a:rPr lang="en-GB" dirty="0">
                 <a:solidFill>
                   <a:schemeClr val="tx2"/>
                 </a:solidFill>
@@ -18093,7 +17774,7 @@
               <a:buChar char="-"/>
             </a:pPr>
             <a:r>
-              <a:rPr lang="en-GB" dirty="0" smtClean="0">
+              <a:rPr lang="en-GB" dirty="0">
                 <a:solidFill>
                   <a:schemeClr val="tx2"/>
                 </a:solidFill>
@@ -18112,7 +17793,7 @@
               <a:buNone/>
             </a:pPr>
             <a:r>
-              <a:rPr lang="en-GB" b="1" dirty="0" smtClean="0"/>
+              <a:rPr lang="en-GB" b="1" dirty="0"/>
               <a:t>Continuous covariate:</a:t>
             </a:r>
           </a:p>
@@ -18122,7 +17803,7 @@
               <a:buChar char="-"/>
             </a:pPr>
             <a:r>
-              <a:rPr lang="en-GB" dirty="0" smtClean="0">
+              <a:rPr lang="en-GB" dirty="0">
                 <a:solidFill>
                   <a:schemeClr val="tx2"/>
                 </a:solidFill>
@@ -18181,7 +17862,7 @@
           <a:lstStyle/>
           <a:p>
             <a:r>
-              <a:rPr lang="en-GB" sz="1400" dirty="0" err="1" smtClean="0">
+              <a:rPr lang="en-GB" sz="1400" dirty="0" err="1">
                 <a:solidFill>
                   <a:schemeClr val="bg1">
                     <a:lumMod val="75000"/>
@@ -18192,17 +17873,6 @@
               <a:t>Ratschen</a:t>
             </a:r>
             <a:r>
-              <a:rPr lang="en-GB" sz="1400" dirty="0" smtClean="0">
-                <a:solidFill>
-                  <a:schemeClr val="bg1">
-                    <a:lumMod val="75000"/>
-                  </a:schemeClr>
-                </a:solidFill>
-                <a:latin typeface="Helvetica Neue"/>
-              </a:rPr>
-              <a:t> E</a:t>
-            </a:r>
-            <a:r>
               <a:rPr lang="en-GB" sz="1400" dirty="0">
                 <a:solidFill>
                   <a:schemeClr val="bg1">
@@ -18211,7 +17881,7 @@
                 </a:solidFill>
                 <a:latin typeface="Helvetica Neue"/>
               </a:rPr>
-              <a:t>., </a:t>
+              <a:t> E., </a:t>
             </a:r>
             <a:r>
               <a:rPr lang="en-GB" sz="1400" dirty="0" err="1">
@@ -18236,7 +17906,7 @@
               <a:t> E., Shahab L., Silva K., Kale D., Toner P., et al. (2020) Human-animal relationships and interactions during the Covid-19 lockdown phase in the UK: Investigating links with mental health and loneliness. </a:t>
             </a:r>
             <a:r>
-              <a:rPr lang="en-GB" sz="1400" i="1" dirty="0" err="1" smtClean="0">
+              <a:rPr lang="en-GB" sz="1400" i="1" dirty="0" err="1">
                 <a:solidFill>
                   <a:schemeClr val="bg1">
                     <a:lumMod val="75000"/>
@@ -18247,7 +17917,7 @@
               <a:t>PLoS</a:t>
             </a:r>
             <a:r>
-              <a:rPr lang="en-GB" sz="1400" i="1" dirty="0" smtClean="0">
+              <a:rPr lang="en-GB" sz="1400" i="1" dirty="0">
                 <a:solidFill>
                   <a:schemeClr val="bg1">
                     <a:lumMod val="75000"/>
@@ -18258,7 +17928,7 @@
               <a:t> ONE</a:t>
             </a:r>
             <a:r>
-              <a:rPr lang="en-GB" sz="1400" dirty="0" smtClean="0">
+              <a:rPr lang="en-GB" sz="1400" dirty="0">
                 <a:solidFill>
                   <a:schemeClr val="bg1">
                     <a:lumMod val="75000"/>
@@ -18269,7 +17939,7 @@
               <a:t>, </a:t>
             </a:r>
             <a:r>
-              <a:rPr lang="en-GB" sz="1400" i="1" dirty="0" smtClean="0">
+              <a:rPr lang="en-GB" sz="1400" i="1" dirty="0">
                 <a:solidFill>
                   <a:schemeClr val="bg1">
                     <a:lumMod val="75000"/>
@@ -18280,17 +17950,6 @@
               <a:t>15</a:t>
             </a:r>
             <a:r>
-              <a:rPr lang="en-GB" sz="1400" dirty="0" smtClean="0">
-                <a:solidFill>
-                  <a:schemeClr val="bg1">
-                    <a:lumMod val="75000"/>
-                  </a:schemeClr>
-                </a:solidFill>
-                <a:latin typeface="Helvetica Neue"/>
-              </a:rPr>
-              <a:t>(9</a:t>
-            </a:r>
-            <a:r>
               <a:rPr lang="en-GB" sz="1400" dirty="0">
                 <a:solidFill>
                   <a:schemeClr val="bg1">
@@ -18299,7 +17958,7 @@
                 </a:solidFill>
                 <a:latin typeface="Helvetica Neue"/>
               </a:rPr>
-              <a:t>):e0239397. </a:t>
+              <a:t>(9):e0239397. </a:t>
             </a:r>
           </a:p>
         </p:txBody>
@@ -18720,30 +18379,26 @@
           <a:p>
             <a:pPr algn="l"/>
             <a:r>
-              <a:rPr lang="en-GB" sz="2700" dirty="0" smtClean="0"/>
+              <a:rPr lang="en-GB" sz="2700" dirty="0"/>
               <a:t>Step 1</a:t>
             </a:r>
-            <a:r>
-              <a:rPr lang="en-GB" sz="2400" dirty="0" smtClean="0"/>
-              <a:t/>
-            </a:r>
             <a:br>
-              <a:rPr lang="en-GB" sz="2400" dirty="0" smtClean="0"/>
+              <a:rPr lang="en-GB" sz="2400" dirty="0"/>
             </a:br>
             <a:r>
-              <a:rPr lang="en-GB" sz="2000" dirty="0" err="1" smtClean="0">
+              <a:rPr lang="en-GB" sz="2000" dirty="0" err="1">
                 <a:latin typeface="Lucida Console" panose="020B0609040504020204" pitchFamily="49" charset="0"/>
               </a:rPr>
               <a:t>mental_health</a:t>
             </a:r>
             <a:r>
-              <a:rPr lang="en-GB" sz="2000" dirty="0" smtClean="0">
+              <a:rPr lang="en-GB" sz="2000" dirty="0">
                 <a:latin typeface="Lucida Console" panose="020B0609040504020204" pitchFamily="49" charset="0"/>
               </a:rPr>
               <a:t> ~ gender + </a:t>
             </a:r>
             <a:r>
-              <a:rPr lang="en-GB" sz="2000" dirty="0" smtClean="0">
+              <a:rPr lang="en-GB" sz="2000" dirty="0">
                 <a:solidFill>
                   <a:schemeClr val="accent2">
                     <a:lumMod val="75000"/>
@@ -18754,13 +18409,13 @@
               <a:t>age</a:t>
             </a:r>
             <a:r>
-              <a:rPr lang="en-GB" sz="2000" dirty="0" smtClean="0">
+              <a:rPr lang="en-GB" sz="2000" dirty="0">
                 <a:latin typeface="Lucida Console" panose="020B0609040504020204" pitchFamily="49" charset="0"/>
               </a:rPr>
               <a:t> + </a:t>
             </a:r>
             <a:r>
-              <a:rPr lang="en-GB" sz="2000" dirty="0" smtClean="0">
+              <a:rPr lang="en-GB" sz="2000" dirty="0">
                 <a:solidFill>
                   <a:srgbClr val="00B050"/>
                 </a:solidFill>
@@ -18769,13 +18424,13 @@
               <a:t>partner</a:t>
             </a:r>
             <a:r>
-              <a:rPr lang="en-GB" sz="2000" dirty="0" smtClean="0">
+              <a:rPr lang="en-GB" sz="2000" dirty="0">
                 <a:latin typeface="Lucida Console" panose="020B0609040504020204" pitchFamily="49" charset="0"/>
               </a:rPr>
               <a:t> + </a:t>
             </a:r>
             <a:r>
-              <a:rPr lang="en-GB" sz="2000" dirty="0" smtClean="0">
+              <a:rPr lang="en-GB" sz="2000" dirty="0">
                 <a:solidFill>
                   <a:schemeClr val="accent6">
                     <a:lumMod val="50000"/>
@@ -18786,7 +18441,7 @@
               <a:t>loneliness + </a:t>
             </a:r>
             <a:r>
-              <a:rPr lang="en-GB" sz="2000" dirty="0" smtClean="0">
+              <a:rPr lang="en-GB" sz="2000" dirty="0">
                 <a:solidFill>
                   <a:schemeClr val="accent4">
                     <a:lumMod val="75000"/>
@@ -18796,14 +18451,8 @@
               </a:rPr>
               <a:t>species</a:t>
             </a:r>
-            <a:r>
-              <a:rPr lang="en-GB" sz="2000" dirty="0" smtClean="0">
-                <a:latin typeface="Lucida Console" panose="020B0609040504020204" pitchFamily="49" charset="0"/>
-              </a:rPr>
-              <a:t/>
-            </a:r>
             <a:br>
-              <a:rPr lang="en-GB" sz="2000" dirty="0" smtClean="0">
+              <a:rPr lang="en-GB" sz="2000" dirty="0">
                 <a:latin typeface="Lucida Console" panose="020B0609040504020204" pitchFamily="49" charset="0"/>
               </a:rPr>
             </a:br>
@@ -18811,13 +18460,7 @@
               <a:rPr lang="en-GB" sz="2000" dirty="0">
                 <a:latin typeface="Lucida Console" panose="020B0609040504020204" pitchFamily="49" charset="0"/>
               </a:rPr>
-              <a:t>	</a:t>
-            </a:r>
-            <a:r>
-              <a:rPr lang="en-GB" sz="2000" dirty="0" smtClean="0">
-                <a:latin typeface="Lucida Console" panose="020B0609040504020204" pitchFamily="49" charset="0"/>
-              </a:rPr>
-              <a:t>	</a:t>
+              <a:t>		</a:t>
             </a:r>
             <a:endParaRPr lang="en-GB" sz="2400" dirty="0">
               <a:latin typeface="Lucida Console" panose="020B0609040504020204" pitchFamily="49" charset="0"/>
@@ -19013,7 +18656,7 @@
           <a:lstStyle/>
           <a:p>
             <a:r>
-              <a:rPr lang="en-GB" b="1" dirty="0" smtClean="0"/>
+              <a:rPr lang="en-GB" b="1" dirty="0"/>
               <a:t>gender</a:t>
             </a:r>
             <a:endParaRPr lang="en-GB" b="1" baseline="-25000" dirty="0"/>
@@ -19043,7 +18686,7 @@
           <a:lstStyle/>
           <a:p>
             <a:r>
-              <a:rPr lang="en-GB" b="1" dirty="0" smtClean="0">
+              <a:rPr lang="en-GB" b="1" dirty="0">
                 <a:solidFill>
                   <a:schemeClr val="accent2">
                     <a:lumMod val="75000"/>
@@ -19052,13 +18695,6 @@
               </a:rPr>
               <a:t>age</a:t>
             </a:r>
-            <a:endParaRPr lang="en-GB" b="1" dirty="0">
-              <a:solidFill>
-                <a:schemeClr val="accent2">
-                  <a:lumMod val="75000"/>
-                </a:schemeClr>
-              </a:solidFill>
-            </a:endParaRPr>
           </a:p>
         </p:txBody>
       </p:sp>
@@ -19085,14 +18721,14 @@
           <a:lstStyle/>
           <a:p>
             <a:r>
-              <a:rPr lang="en-GB" sz="1600" dirty="0" smtClean="0">
+              <a:rPr lang="en-GB" sz="1600" dirty="0">
                 <a:latin typeface="+mj-lt"/>
               </a:rPr>
               <a:t>Area of  box = variance in wellbeing to be explained</a:t>
             </a:r>
           </a:p>
           <a:p>
-            <a:endParaRPr lang="en-GB" sz="1600" dirty="0" smtClean="0">
+            <a:endParaRPr lang="en-GB" sz="1600" dirty="0">
               <a:solidFill>
                 <a:schemeClr val="tx1"/>
               </a:solidFill>
@@ -19129,24 +18765,23 @@
           <a:lstStyle/>
           <a:p>
             <a:r>
-              <a:rPr lang="en-GB" sz="2000" dirty="0" smtClean="0"/>
+              <a:rPr lang="en-GB" sz="2000" dirty="0"/>
               <a:t>Model with covariates</a:t>
             </a:r>
           </a:p>
           <a:p>
             <a:r>
-              <a:rPr lang="en-GB" sz="2000" dirty="0" smtClean="0"/>
+              <a:rPr lang="en-GB" sz="2000" dirty="0"/>
               <a:t>R</a:t>
             </a:r>
             <a:r>
-              <a:rPr lang="en-GB" sz="2000" baseline="30000" dirty="0" smtClean="0"/>
+              <a:rPr lang="en-GB" sz="2000" baseline="30000" dirty="0"/>
               <a:t>2</a:t>
             </a:r>
             <a:r>
-              <a:rPr lang="en-GB" sz="2000" dirty="0" smtClean="0"/>
+              <a:rPr lang="en-GB" sz="2000" dirty="0"/>
               <a:t> = 0.119</a:t>
             </a:r>
-            <a:endParaRPr lang="en-GB" sz="2000" dirty="0"/>
           </a:p>
         </p:txBody>
       </p:sp>
@@ -19219,7 +18854,7 @@
           <a:lstStyle/>
           <a:p>
             <a:r>
-              <a:rPr lang="en-GB" b="1" dirty="0" smtClean="0">
+              <a:rPr lang="en-GB" b="1" dirty="0">
                 <a:solidFill>
                   <a:schemeClr val="accent3">
                     <a:lumMod val="50000"/>
@@ -19228,13 +18863,6 @@
               </a:rPr>
               <a:t>partner</a:t>
             </a:r>
-            <a:endParaRPr lang="en-GB" b="1" dirty="0">
-              <a:solidFill>
-                <a:schemeClr val="accent3">
-                  <a:lumMod val="50000"/>
-                </a:schemeClr>
-              </a:solidFill>
-            </a:endParaRPr>
           </a:p>
         </p:txBody>
       </p:sp>
@@ -19261,7 +18889,7 @@
           <a:lstStyle/>
           <a:p>
             <a:r>
-              <a:rPr lang="en-GB" b="1" dirty="0" smtClean="0">
+              <a:rPr lang="en-GB" b="1" dirty="0">
                 <a:solidFill>
                   <a:schemeClr val="accent6">
                     <a:lumMod val="50000"/>
@@ -19270,13 +18898,6 @@
               </a:rPr>
               <a:t>loneliness</a:t>
             </a:r>
-            <a:endParaRPr lang="en-GB" b="1" dirty="0">
-              <a:solidFill>
-                <a:schemeClr val="accent6">
-                  <a:lumMod val="50000"/>
-                </a:schemeClr>
-              </a:solidFill>
-            </a:endParaRPr>
           </a:p>
         </p:txBody>
       </p:sp>
@@ -19399,7 +19020,7 @@
           <a:lstStyle/>
           <a:p>
             <a:r>
-              <a:rPr lang="en-GB" b="1" dirty="0" smtClean="0">
+              <a:rPr lang="en-GB" b="1" dirty="0">
                 <a:solidFill>
                   <a:schemeClr val="accent4">
                     <a:lumMod val="75000"/>
@@ -19408,13 +19029,6 @@
               </a:rPr>
               <a:t>species</a:t>
             </a:r>
-            <a:endParaRPr lang="en-GB" b="1" dirty="0">
-              <a:solidFill>
-                <a:schemeClr val="accent4">
-                  <a:lumMod val="75000"/>
-                </a:schemeClr>
-              </a:solidFill>
-            </a:endParaRPr>
           </a:p>
         </p:txBody>
       </p:sp>
@@ -20430,7 +20044,7 @@
           <a:lstStyle/>
           <a:p>
             <a:r>
-              <a:rPr lang="en-GB" b="1" dirty="0" smtClean="0"/>
+              <a:rPr lang="en-GB" b="1" dirty="0"/>
               <a:t>gender</a:t>
             </a:r>
             <a:endParaRPr lang="en-GB" b="1" baseline="-25000" dirty="0"/>
@@ -20460,7 +20074,7 @@
           <a:lstStyle/>
           <a:p>
             <a:r>
-              <a:rPr lang="en-GB" b="1" dirty="0" smtClean="0">
+              <a:rPr lang="en-GB" b="1" dirty="0">
                 <a:solidFill>
                   <a:schemeClr val="accent2">
                     <a:lumMod val="75000"/>
@@ -20469,13 +20083,6 @@
               </a:rPr>
               <a:t>age</a:t>
             </a:r>
-            <a:endParaRPr lang="en-GB" b="1" dirty="0">
-              <a:solidFill>
-                <a:schemeClr val="accent2">
-                  <a:lumMod val="75000"/>
-                </a:schemeClr>
-              </a:solidFill>
-            </a:endParaRPr>
           </a:p>
         </p:txBody>
       </p:sp>
@@ -20548,7 +20155,7 @@
           <a:lstStyle/>
           <a:p>
             <a:r>
-              <a:rPr lang="en-GB" b="1" dirty="0" smtClean="0">
+              <a:rPr lang="en-GB" b="1" dirty="0">
                 <a:solidFill>
                   <a:schemeClr val="accent3">
                     <a:lumMod val="50000"/>
@@ -20557,13 +20164,6 @@
               </a:rPr>
               <a:t>partner</a:t>
             </a:r>
-            <a:endParaRPr lang="en-GB" b="1" dirty="0">
-              <a:solidFill>
-                <a:schemeClr val="accent3">
-                  <a:lumMod val="50000"/>
-                </a:schemeClr>
-              </a:solidFill>
-            </a:endParaRPr>
           </a:p>
         </p:txBody>
       </p:sp>
@@ -20590,7 +20190,7 @@
           <a:lstStyle/>
           <a:p>
             <a:r>
-              <a:rPr lang="en-GB" b="1" dirty="0" smtClean="0">
+              <a:rPr lang="en-GB" b="1" dirty="0">
                 <a:solidFill>
                   <a:schemeClr val="accent6">
                     <a:lumMod val="50000"/>
@@ -20599,13 +20199,6 @@
               </a:rPr>
               <a:t>loneliness</a:t>
             </a:r>
-            <a:endParaRPr lang="en-GB" b="1" dirty="0">
-              <a:solidFill>
-                <a:schemeClr val="accent6">
-                  <a:lumMod val="50000"/>
-                </a:schemeClr>
-              </a:solidFill>
-            </a:endParaRPr>
           </a:p>
         </p:txBody>
       </p:sp>
@@ -20728,7 +20321,7 @@
           <a:lstStyle/>
           <a:p>
             <a:r>
-              <a:rPr lang="en-GB" b="1" dirty="0" smtClean="0">
+              <a:rPr lang="en-GB" b="1" dirty="0">
                 <a:solidFill>
                   <a:schemeClr val="accent4">
                     <a:lumMod val="75000"/>
@@ -20737,13 +20330,6 @@
               </a:rPr>
               <a:t>species</a:t>
             </a:r>
-            <a:endParaRPr lang="en-GB" b="1" dirty="0">
-              <a:solidFill>
-                <a:schemeClr val="accent4">
-                  <a:lumMod val="75000"/>
-                </a:schemeClr>
-              </a:solidFill>
-            </a:endParaRPr>
           </a:p>
         </p:txBody>
       </p:sp>
@@ -20771,37 +20357,23 @@
           <a:p>
             <a:pPr algn="l"/>
             <a:r>
-              <a:rPr lang="en-GB" sz="2700" dirty="0" smtClean="0"/>
-              <a:t>Step </a:t>
-            </a:r>
-            <a:r>
               <a:rPr lang="en-GB" sz="2700" dirty="0"/>
-              <a:t>2</a:t>
-            </a:r>
-            <a:r>
-              <a:rPr lang="en-GB" sz="2400" dirty="0" smtClean="0"/>
-              <a:t/>
+              <a:t>Step 2</a:t>
             </a:r>
             <a:br>
-              <a:rPr lang="en-GB" sz="2400" dirty="0" smtClean="0"/>
+              <a:rPr lang="en-GB" sz="2400" dirty="0"/>
             </a:br>
             <a:r>
-              <a:rPr lang="en-GB" sz="2000" dirty="0" err="1" smtClean="0">
+              <a:rPr lang="en-GB" sz="2000" dirty="0" err="1">
                 <a:latin typeface="Lucida Console" panose="020B0609040504020204" pitchFamily="49" charset="0"/>
               </a:rPr>
               <a:t>mental_health</a:t>
             </a:r>
             <a:r>
-              <a:rPr lang="en-GB" sz="2000" dirty="0" smtClean="0">
-                <a:latin typeface="Lucida Console" panose="020B0609040504020204" pitchFamily="49" charset="0"/>
-              </a:rPr>
-              <a:t> ~ </a:t>
-            </a:r>
-            <a:r>
               <a:rPr lang="en-GB" sz="2000" dirty="0">
                 <a:latin typeface="Lucida Console" panose="020B0609040504020204" pitchFamily="49" charset="0"/>
               </a:rPr>
-              <a:t>gender + </a:t>
+              <a:t> ~ gender + </a:t>
             </a:r>
             <a:r>
               <a:rPr lang="en-GB" sz="2000" dirty="0">
@@ -20847,7 +20419,7 @@
               <a:t>loneliness </a:t>
             </a:r>
             <a:r>
-              <a:rPr lang="en-GB" sz="2000" dirty="0" smtClean="0">
+              <a:rPr lang="en-GB" sz="2000" dirty="0">
                 <a:solidFill>
                   <a:schemeClr val="accent2">
                     <a:lumMod val="75000"/>
@@ -20858,7 +20430,7 @@
               <a:t>+ </a:t>
             </a:r>
             <a:r>
-              <a:rPr lang="en-GB" sz="2000" dirty="0" smtClean="0">
+              <a:rPr lang="en-GB" sz="2000" dirty="0">
                 <a:solidFill>
                   <a:schemeClr val="accent4">
                     <a:lumMod val="75000"/>
@@ -20869,7 +20441,7 @@
               <a:t>species</a:t>
             </a:r>
             <a:r>
-              <a:rPr lang="en-GB" sz="2000" dirty="0" smtClean="0">
+              <a:rPr lang="en-GB" sz="2000" dirty="0">
                 <a:solidFill>
                   <a:schemeClr val="accent2">
                     <a:lumMod val="75000"/>
@@ -20880,7 +20452,7 @@
               <a:t> + </a:t>
             </a:r>
             <a:r>
-              <a:rPr lang="en-GB" sz="2000" dirty="0" smtClean="0">
+              <a:rPr lang="en-GB" sz="2000" dirty="0">
                 <a:solidFill>
                   <a:srgbClr val="E46C0A"/>
                 </a:solidFill>
@@ -20889,22 +20461,10 @@
               <a:t>comfort</a:t>
             </a:r>
             <a:r>
-              <a:rPr lang="en-GB" sz="2000" dirty="0" smtClean="0">
-                <a:latin typeface="Lucida Console" panose="020B0609040504020204" pitchFamily="49" charset="0"/>
-              </a:rPr>
-              <a:t> </a:t>
-            </a:r>
-            <a:r>
               <a:rPr lang="en-GB" sz="2000" dirty="0">
                 <a:latin typeface="Lucida Console" panose="020B0609040504020204" pitchFamily="49" charset="0"/>
               </a:rPr>
-              <a:t>	</a:t>
-            </a:r>
-            <a:r>
-              <a:rPr lang="en-GB" sz="2000" dirty="0" smtClean="0">
-                <a:latin typeface="Lucida Console" panose="020B0609040504020204" pitchFamily="49" charset="0"/>
-              </a:rPr>
-              <a:t>	</a:t>
+              <a:t> 		</a:t>
             </a:r>
             <a:endParaRPr lang="en-GB" sz="2400" dirty="0">
               <a:latin typeface="Lucida Console" panose="020B0609040504020204" pitchFamily="49" charset="0"/>
@@ -20959,12 +20519,12 @@
           <a:lstStyle/>
           <a:p>
             <a:r>
-              <a:rPr lang="en-GB" sz="1600" dirty="0" smtClean="0">
+              <a:rPr lang="en-GB" sz="1600" dirty="0">
                 <a:latin typeface="+mj-lt"/>
               </a:rPr>
               <a:t>Area of  box = variance in wellbeing to be explained</a:t>
             </a:r>
-            <a:endParaRPr lang="en-GB" sz="1600" dirty="0" smtClean="0">
+            <a:endParaRPr lang="en-GB" sz="1600" dirty="0">
               <a:solidFill>
                 <a:schemeClr val="tx1"/>
               </a:solidFill>
@@ -21001,17 +20561,17 @@
           <a:lstStyle/>
           <a:p>
             <a:r>
-              <a:rPr lang="en-GB" sz="2000" dirty="0" smtClean="0"/>
+              <a:rPr lang="en-GB" sz="2000" dirty="0"/>
               <a:t>The BF for the model in Step 3 vs. Step 2 is 4.97.</a:t>
             </a:r>
           </a:p>
           <a:p>
             <a:r>
-              <a:rPr lang="en-GB" sz="2000" dirty="0" smtClean="0"/>
+              <a:rPr lang="en-GB" sz="2000" dirty="0"/>
               <a:t>There’s substantial evidence for unique contribution of </a:t>
             </a:r>
             <a:r>
-              <a:rPr lang="en-GB" sz="2000" b="1" dirty="0" smtClean="0">
+              <a:rPr lang="en-GB" sz="2000" b="1" dirty="0">
                 <a:solidFill>
                   <a:schemeClr val="accent6">
                     <a:lumMod val="50000"/>
@@ -21021,7 +20581,7 @@
               <a:t>comfort</a:t>
             </a:r>
             <a:r>
-              <a:rPr lang="en-GB" sz="2000" dirty="0" smtClean="0"/>
+              <a:rPr lang="en-GB" sz="2000" dirty="0"/>
               <a:t> to the model.</a:t>
             </a:r>
           </a:p>
@@ -21055,22 +20615,22 @@
           <a:lstStyle/>
           <a:p>
             <a:r>
-              <a:rPr lang="el-GR" sz="2000" dirty="0" smtClean="0">
+              <a:rPr lang="el-GR" sz="2000" dirty="0">
                 <a:latin typeface="Times New Roman" panose="02020603050405020304" pitchFamily="18" charset="0"/>
                 <a:cs typeface="Times New Roman" panose="02020603050405020304" pitchFamily="18" charset="0"/>
               </a:rPr>
               <a:t>Δ</a:t>
             </a:r>
             <a:r>
-              <a:rPr lang="en-GB" sz="2000" dirty="0" smtClean="0"/>
+              <a:rPr lang="en-GB" sz="2000" dirty="0"/>
               <a:t>R</a:t>
             </a:r>
             <a:r>
-              <a:rPr lang="en-GB" sz="2000" baseline="30000" dirty="0" smtClean="0"/>
+              <a:rPr lang="en-GB" sz="2000" baseline="30000" dirty="0"/>
               <a:t>2 </a:t>
             </a:r>
             <a:r>
-              <a:rPr lang="en-GB" sz="2000" dirty="0" smtClean="0"/>
+              <a:rPr lang="en-GB" sz="2000" dirty="0"/>
               <a:t> = 0.002</a:t>
             </a:r>
             <a:endParaRPr lang="en-GB" sz="2000" b="1" u="sng" dirty="0">
@@ -21150,18 +20710,13 @@
           <a:lstStyle/>
           <a:p>
             <a:r>
-              <a:rPr lang="en-GB" b="1" dirty="0" smtClean="0">
+              <a:rPr lang="en-GB" b="1" dirty="0">
                 <a:solidFill>
                   <a:srgbClr val="E46C0A"/>
                 </a:solidFill>
               </a:rPr>
               <a:t>comfort</a:t>
             </a:r>
-            <a:endParaRPr lang="en-GB" b="1" dirty="0">
-              <a:solidFill>
-                <a:srgbClr val="E46C0A"/>
-              </a:solidFill>
-            </a:endParaRPr>
           </a:p>
         </p:txBody>
       </p:sp>
@@ -21193,11 +20748,11 @@
           <a:lstStyle/>
           <a:p>
             <a:r>
-              <a:rPr lang="en-GB" sz="2000" dirty="0" smtClean="0"/>
+              <a:rPr lang="en-GB" sz="2000" dirty="0"/>
               <a:t>Model with addition of </a:t>
             </a:r>
             <a:r>
-              <a:rPr lang="en-GB" sz="2000" b="1" dirty="0" smtClean="0">
+              <a:rPr lang="en-GB" sz="2000" b="1" dirty="0">
                 <a:solidFill>
                   <a:schemeClr val="accent6">
                     <a:lumMod val="50000"/>
@@ -21209,18 +20764,17 @@
           </a:p>
           <a:p>
             <a:r>
-              <a:rPr lang="en-GB" sz="2000" dirty="0" smtClean="0"/>
+              <a:rPr lang="en-GB" sz="2000" dirty="0"/>
               <a:t>R</a:t>
             </a:r>
             <a:r>
-              <a:rPr lang="en-GB" sz="2000" baseline="30000" dirty="0" smtClean="0"/>
+              <a:rPr lang="en-GB" sz="2000" baseline="30000" dirty="0"/>
               <a:t>2</a:t>
             </a:r>
             <a:r>
-              <a:rPr lang="en-GB" sz="2000" dirty="0" smtClean="0"/>
+              <a:rPr lang="en-GB" sz="2000" dirty="0"/>
               <a:t> = 0.121</a:t>
             </a:r>
-            <a:endParaRPr lang="en-GB" sz="2000" dirty="0"/>
           </a:p>
         </p:txBody>
       </p:sp>
@@ -21642,17 +21196,17 @@
           <a:lstStyle/>
           <a:p>
             <a:r>
-              <a:rPr lang="en-GB" sz="3200" b="1" dirty="0" smtClean="0"/>
+              <a:rPr lang="en-GB" sz="3200" b="1" dirty="0"/>
               <a:t>Activity: Remainder of Session</a:t>
             </a:r>
           </a:p>
           <a:p>
             <a:r>
-              <a:rPr lang="en-GB" sz="3200" b="1" dirty="0" smtClean="0"/>
+              <a:rPr lang="en-GB" sz="3200" b="1" dirty="0"/>
               <a:t>Start Worksheet 5 and Exercises using </a:t>
             </a:r>
             <a:r>
-              <a:rPr lang="en-GB" sz="3200" b="1" dirty="0" err="1" smtClean="0"/>
+              <a:rPr lang="en-GB" sz="3200" b="1" dirty="0" err="1"/>
               <a:t>RStudio</a:t>
             </a:r>
             <a:endParaRPr lang="en-GB" sz="3200" b="1" dirty="0"/>
@@ -21687,10 +21241,9 @@
           <a:lstStyle/>
           <a:p>
             <a:r>
-              <a:rPr lang="en-GB" sz="3200" b="1" dirty="0" smtClean="0"/>
-              <a:t>Support session Friday 1-2pm on Zoom (Paul)</a:t>
-            </a:r>
-            <a:endParaRPr lang="en-GB" sz="3200" b="1" dirty="0"/>
+              <a:rPr lang="en-GB" sz="3200" b="1" dirty="0"/>
+              <a:t>Support session Friday 1-2pm</a:t>
+            </a:r>
           </a:p>
         </p:txBody>
       </p:sp>
@@ -21723,11 +21276,7 @@
           <a:p>
             <a:r>
               <a:rPr lang="en-GB" sz="2400" dirty="0"/>
-              <a:t>Worksheet 5</a:t>
-            </a:r>
-            <a:r>
-              <a:rPr lang="en-GB" sz="2400" dirty="0" smtClean="0"/>
-              <a:t>: </a:t>
+              <a:t>Worksheet 5: </a:t>
             </a:r>
             <a:endParaRPr lang="en-GB" sz="2400" dirty="0">
               <a:hlinkClick r:id="rId3"/>
@@ -21735,31 +21284,18 @@
           </a:p>
           <a:p>
             <a:r>
-              <a:rPr lang="en-GB" sz="2400" dirty="0" smtClean="0">
-                <a:hlinkClick r:id="rId3"/>
-              </a:rPr>
-              <a:t>https</a:t>
-            </a:r>
-            <a:r>
               <a:rPr lang="en-GB" sz="2400" dirty="0">
                 <a:hlinkClick r:id="rId3"/>
               </a:rPr>
-              <a:t>://chrisjberry.github.io/datafluencyCB</a:t>
-            </a:r>
-            <a:r>
-              <a:rPr lang="en-GB" sz="2400" dirty="0" smtClean="0">
-                <a:hlinkClick r:id="rId3"/>
-              </a:rPr>
-              <a:t>/</a:t>
-            </a:r>
-            <a:endParaRPr lang="en-GB" sz="2400" dirty="0" smtClean="0"/>
-          </a:p>
-          <a:p>
-            <a:r>
-              <a:rPr lang="en-GB" sz="2400" dirty="0" smtClean="0"/>
+              <a:t>https://chrisjberry.github.io/datafluencyCB/</a:t>
+            </a:r>
+            <a:endParaRPr lang="en-GB" sz="2400" dirty="0"/>
+          </a:p>
+          <a:p>
+            <a:r>
+              <a:rPr lang="en-GB" sz="2400" dirty="0"/>
               <a:t>(or DLE)</a:t>
             </a:r>
-            <a:endParaRPr lang="en-GB" sz="2400" dirty="0"/>
           </a:p>
         </p:txBody>
       </p:sp>
@@ -21786,86 +21322,16 @@
           <a:lstStyle/>
           <a:p>
             <a:r>
-              <a:rPr lang="en-GB" dirty="0" smtClean="0"/>
+              <a:rPr lang="en-GB" dirty="0"/>
               <a:t>Finish for next session.</a:t>
             </a:r>
             <a:br>
-              <a:rPr lang="en-GB" dirty="0" smtClean="0"/>
+              <a:rPr lang="en-GB" dirty="0"/>
             </a:br>
             <a:r>
-              <a:rPr lang="en-GB" dirty="0" smtClean="0"/>
+              <a:rPr lang="en-GB" dirty="0"/>
               <a:t>Please ask me or Paul during the session if you have any questions on the code or concepts.</a:t>
             </a:r>
-            <a:endParaRPr lang="en-GB" dirty="0"/>
-          </a:p>
-        </p:txBody>
-      </p:sp>
-      <p:sp>
-        <p:nvSpPr>
-          <p:cNvPr id="7" name="TextBox 6"/>
-          <p:cNvSpPr txBox="1"/>
-          <p:nvPr/>
-        </p:nvSpPr>
-        <p:spPr>
-          <a:xfrm>
-            <a:off x="3937748" y="5632790"/>
-            <a:ext cx="4316503" cy="646331"/>
-          </a:xfrm>
-          <a:prstGeom prst="rect">
-            <a:avLst/>
-          </a:prstGeom>
-          <a:solidFill>
-            <a:schemeClr val="accent2">
-              <a:lumMod val="60000"/>
-              <a:lumOff val="40000"/>
-            </a:schemeClr>
-          </a:solidFill>
-        </p:spPr>
-        <p:txBody>
-          <a:bodyPr wrap="none" rtlCol="0">
-            <a:spAutoFit/>
-          </a:bodyPr>
-          <a:lstStyle/>
-          <a:p>
-            <a:pPr algn="ctr"/>
-            <a:r>
-              <a:rPr lang="en-GB" dirty="0" smtClean="0"/>
-              <a:t>Remember, there’s no session next Monday</a:t>
-            </a:r>
-          </a:p>
-          <a:p>
-            <a:pPr algn="ctr"/>
-            <a:r>
-              <a:rPr lang="en-GB" dirty="0" smtClean="0"/>
-              <a:t>See you all on </a:t>
-            </a:r>
-            <a:r>
-              <a:rPr lang="en-GB" b="1" u="sng" dirty="0" smtClean="0"/>
-              <a:t>Mon 28</a:t>
-            </a:r>
-            <a:r>
-              <a:rPr lang="en-GB" b="1" u="sng" baseline="30000" dirty="0" smtClean="0"/>
-              <a:t>th</a:t>
-            </a:r>
-            <a:r>
-              <a:rPr lang="en-GB" b="1" u="sng" dirty="0" smtClean="0"/>
-              <a:t> Feb at 9am</a:t>
-            </a:r>
-            <a:r>
-              <a:rPr lang="en-GB" dirty="0" smtClean="0"/>
-              <a:t>!</a:t>
-            </a:r>
-            <a:r>
-              <a:rPr lang="en-GB" b="1" dirty="0" smtClean="0"/>
-              <a:t> </a:t>
-            </a:r>
-            <a:r>
-              <a:rPr lang="en-GB" b="1" dirty="0" smtClean="0">
-                <a:sym typeface="Wingdings" panose="05000000000000000000" pitchFamily="2" charset="2"/>
-              </a:rPr>
-              <a:t></a:t>
-            </a:r>
-            <a:endParaRPr lang="en-GB" b="1" dirty="0"/>
           </a:p>
         </p:txBody>
       </p:sp>
@@ -22034,302 +21500,6 @@
                       </p:childTnLst>
                     </p:cTn>
                   </p:par>
-                  <p:par>
-                    <p:cTn id="15" fill="hold">
-                      <p:stCondLst>
-                        <p:cond delay="indefinite"/>
-                      </p:stCondLst>
-                      <p:childTnLst>
-                        <p:par>
-                          <p:cTn id="16" fill="hold">
-                            <p:stCondLst>
-                              <p:cond delay="0"/>
-                            </p:stCondLst>
-                            <p:childTnLst>
-                              <p:par>
-                                <p:cTn id="17" presetID="26" presetClass="entr" presetSubtype="0" fill="hold" grpId="0" nodeType="clickEffect">
-                                  <p:stCondLst>
-                                    <p:cond delay="0"/>
-                                  </p:stCondLst>
-                                  <p:childTnLst>
-                                    <p:set>
-                                      <p:cBhvr>
-                                        <p:cTn id="18" dur="1" fill="hold">
-                                          <p:stCondLst>
-                                            <p:cond delay="0"/>
-                                          </p:stCondLst>
-                                        </p:cTn>
-                                        <p:tgtEl>
-                                          <p:spTgt spid="7"/>
-                                        </p:tgtEl>
-                                        <p:attrNameLst>
-                                          <p:attrName>style.visibility</p:attrName>
-                                        </p:attrNameLst>
-                                      </p:cBhvr>
-                                      <p:to>
-                                        <p:strVal val="visible"/>
-                                      </p:to>
-                                    </p:set>
-                                    <p:animEffect transition="in" filter="wipe(down)">
-                                      <p:cBhvr>
-                                        <p:cTn id="19" dur="580">
-                                          <p:stCondLst>
-                                            <p:cond delay="0"/>
-                                          </p:stCondLst>
-                                        </p:cTn>
-                                        <p:tgtEl>
-                                          <p:spTgt spid="7"/>
-                                        </p:tgtEl>
-                                      </p:cBhvr>
-                                    </p:animEffect>
-                                    <p:anim calcmode="lin" valueType="num">
-                                      <p:cBhvr>
-                                        <p:cTn id="20" dur="1822" tmFilter="0,0; 0.14,0.36; 0.43,0.73; 0.71,0.91; 1.0,1.0">
-                                          <p:stCondLst>
-                                            <p:cond delay="0"/>
-                                          </p:stCondLst>
-                                        </p:cTn>
-                                        <p:tgtEl>
-                                          <p:spTgt spid="7"/>
-                                        </p:tgtEl>
-                                        <p:attrNameLst>
-                                          <p:attrName>ppt_x</p:attrName>
-                                        </p:attrNameLst>
-                                      </p:cBhvr>
-                                      <p:tavLst>
-                                        <p:tav tm="0">
-                                          <p:val>
-                                            <p:strVal val="#ppt_x-0.25"/>
-                                          </p:val>
-                                        </p:tav>
-                                        <p:tav tm="100000">
-                                          <p:val>
-                                            <p:strVal val="#ppt_x"/>
-                                          </p:val>
-                                        </p:tav>
-                                      </p:tavLst>
-                                    </p:anim>
-                                    <p:anim calcmode="lin" valueType="num">
-                                      <p:cBhvr>
-                                        <p:cTn id="21" dur="664" tmFilter="0.0,0.0; 0.25,0.07; 0.50,0.2; 0.75,0.467; 1.0,1.0">
-                                          <p:stCondLst>
-                                            <p:cond delay="0"/>
-                                          </p:stCondLst>
-                                        </p:cTn>
-                                        <p:tgtEl>
-                                          <p:spTgt spid="7"/>
-                                        </p:tgtEl>
-                                        <p:attrNameLst>
-                                          <p:attrName>ppt_y</p:attrName>
-                                        </p:attrNameLst>
-                                      </p:cBhvr>
-                                      <p:tavLst>
-                                        <p:tav tm="0" fmla="#ppt_y-sin(pi*$)/3">
-                                          <p:val>
-                                            <p:fltVal val="0.5"/>
-                                          </p:val>
-                                        </p:tav>
-                                        <p:tav tm="100000">
-                                          <p:val>
-                                            <p:fltVal val="1"/>
-                                          </p:val>
-                                        </p:tav>
-                                      </p:tavLst>
-                                    </p:anim>
-                                    <p:anim calcmode="lin" valueType="num">
-                                      <p:cBhvr>
-                                        <p:cTn id="22" dur="664" tmFilter="0, 0; 0.125,0.2665; 0.25,0.4; 0.375,0.465; 0.5,0.5;  0.625,0.535; 0.75,0.6; 0.875,0.7335; 1,1">
-                                          <p:stCondLst>
-                                            <p:cond delay="664"/>
-                                          </p:stCondLst>
-                                        </p:cTn>
-                                        <p:tgtEl>
-                                          <p:spTgt spid="7"/>
-                                        </p:tgtEl>
-                                        <p:attrNameLst>
-                                          <p:attrName>ppt_y</p:attrName>
-                                        </p:attrNameLst>
-                                      </p:cBhvr>
-                                      <p:tavLst>
-                                        <p:tav tm="0" fmla="#ppt_y-sin(pi*$)/9">
-                                          <p:val>
-                                            <p:fltVal val="0"/>
-                                          </p:val>
-                                        </p:tav>
-                                        <p:tav tm="100000">
-                                          <p:val>
-                                            <p:fltVal val="1"/>
-                                          </p:val>
-                                        </p:tav>
-                                      </p:tavLst>
-                                    </p:anim>
-                                    <p:anim calcmode="lin" valueType="num">
-                                      <p:cBhvr>
-                                        <p:cTn id="23" dur="332" tmFilter="0, 0; 0.125,0.2665; 0.25,0.4; 0.375,0.465; 0.5,0.5;  0.625,0.535; 0.75,0.6; 0.875,0.7335; 1,1">
-                                          <p:stCondLst>
-                                            <p:cond delay="1324"/>
-                                          </p:stCondLst>
-                                        </p:cTn>
-                                        <p:tgtEl>
-                                          <p:spTgt spid="7"/>
-                                        </p:tgtEl>
-                                        <p:attrNameLst>
-                                          <p:attrName>ppt_y</p:attrName>
-                                        </p:attrNameLst>
-                                      </p:cBhvr>
-                                      <p:tavLst>
-                                        <p:tav tm="0" fmla="#ppt_y-sin(pi*$)/27">
-                                          <p:val>
-                                            <p:fltVal val="0"/>
-                                          </p:val>
-                                        </p:tav>
-                                        <p:tav tm="100000">
-                                          <p:val>
-                                            <p:fltVal val="1"/>
-                                          </p:val>
-                                        </p:tav>
-                                      </p:tavLst>
-                                    </p:anim>
-                                    <p:anim calcmode="lin" valueType="num">
-                                      <p:cBhvr>
-                                        <p:cTn id="24" dur="164" tmFilter="0, 0; 0.125,0.2665; 0.25,0.4; 0.375,0.465; 0.5,0.5;  0.625,0.535; 0.75,0.6; 0.875,0.7335; 1,1">
-                                          <p:stCondLst>
-                                            <p:cond delay="1656"/>
-                                          </p:stCondLst>
-                                        </p:cTn>
-                                        <p:tgtEl>
-                                          <p:spTgt spid="7"/>
-                                        </p:tgtEl>
-                                        <p:attrNameLst>
-                                          <p:attrName>ppt_y</p:attrName>
-                                        </p:attrNameLst>
-                                      </p:cBhvr>
-                                      <p:tavLst>
-                                        <p:tav tm="0" fmla="#ppt_y-sin(pi*$)/81">
-                                          <p:val>
-                                            <p:fltVal val="0"/>
-                                          </p:val>
-                                        </p:tav>
-                                        <p:tav tm="100000">
-                                          <p:val>
-                                            <p:fltVal val="1"/>
-                                          </p:val>
-                                        </p:tav>
-                                      </p:tavLst>
-                                    </p:anim>
-                                    <p:animScale>
-                                      <p:cBhvr>
-                                        <p:cTn id="25" dur="26">
-                                          <p:stCondLst>
-                                            <p:cond delay="650"/>
-                                          </p:stCondLst>
-                                        </p:cTn>
-                                        <p:tgtEl>
-                                          <p:spTgt spid="7"/>
-                                        </p:tgtEl>
-                                      </p:cBhvr>
-                                      <p:to x="100000" y="60000"/>
-                                    </p:animScale>
-                                    <p:animScale>
-                                      <p:cBhvr>
-                                        <p:cTn id="26" dur="166" decel="50000">
-                                          <p:stCondLst>
-                                            <p:cond delay="676"/>
-                                          </p:stCondLst>
-                                        </p:cTn>
-                                        <p:tgtEl>
-                                          <p:spTgt spid="7"/>
-                                        </p:tgtEl>
-                                      </p:cBhvr>
-                                      <p:to x="100000" y="100000"/>
-                                    </p:animScale>
-                                    <p:animScale>
-                                      <p:cBhvr>
-                                        <p:cTn id="27" dur="26">
-                                          <p:stCondLst>
-                                            <p:cond delay="1312"/>
-                                          </p:stCondLst>
-                                        </p:cTn>
-                                        <p:tgtEl>
-                                          <p:spTgt spid="7"/>
-                                        </p:tgtEl>
-                                      </p:cBhvr>
-                                      <p:to x="100000" y="80000"/>
-                                    </p:animScale>
-                                    <p:animScale>
-                                      <p:cBhvr>
-                                        <p:cTn id="28" dur="166" decel="50000">
-                                          <p:stCondLst>
-                                            <p:cond delay="1338"/>
-                                          </p:stCondLst>
-                                        </p:cTn>
-                                        <p:tgtEl>
-                                          <p:spTgt spid="7"/>
-                                        </p:tgtEl>
-                                      </p:cBhvr>
-                                      <p:to x="100000" y="100000"/>
-                                    </p:animScale>
-                                    <p:animScale>
-                                      <p:cBhvr>
-                                        <p:cTn id="29" dur="26">
-                                          <p:stCondLst>
-                                            <p:cond delay="1642"/>
-                                          </p:stCondLst>
-                                        </p:cTn>
-                                        <p:tgtEl>
-                                          <p:spTgt spid="7"/>
-                                        </p:tgtEl>
-                                      </p:cBhvr>
-                                      <p:to x="100000" y="90000"/>
-                                    </p:animScale>
-                                    <p:animScale>
-                                      <p:cBhvr>
-                                        <p:cTn id="30" dur="166" decel="50000">
-                                          <p:stCondLst>
-                                            <p:cond delay="1668"/>
-                                          </p:stCondLst>
-                                        </p:cTn>
-                                        <p:tgtEl>
-                                          <p:spTgt spid="7"/>
-                                        </p:tgtEl>
-                                      </p:cBhvr>
-                                      <p:to x="100000" y="100000"/>
-                                    </p:animScale>
-                                    <p:animScale>
-                                      <p:cBhvr>
-                                        <p:cTn id="31" dur="26">
-                                          <p:stCondLst>
-                                            <p:cond delay="1808"/>
-                                          </p:stCondLst>
-                                        </p:cTn>
-                                        <p:tgtEl>
-                                          <p:spTgt spid="7"/>
-                                        </p:tgtEl>
-                                      </p:cBhvr>
-                                      <p:to x="100000" y="95000"/>
-                                    </p:animScale>
-                                    <p:animScale>
-                                      <p:cBhvr>
-                                        <p:cTn id="32" dur="166" decel="50000">
-                                          <p:stCondLst>
-                                            <p:cond delay="1834"/>
-                                          </p:stCondLst>
-                                        </p:cTn>
-                                        <p:tgtEl>
-                                          <p:spTgt spid="7"/>
-                                        </p:tgtEl>
-                                      </p:cBhvr>
-                                      <p:to x="100000" y="100000"/>
-                                    </p:animScale>
-                                  </p:childTnLst>
-                                </p:cTn>
-                              </p:par>
-                            </p:childTnLst>
-                          </p:cTn>
-                        </p:par>
-                      </p:childTnLst>
-                    </p:cTn>
-                  </p:par>
                 </p:childTnLst>
               </p:cTn>
               <p:prevCondLst>
@@ -22355,7 +21525,6 @@
       <p:bldP spid="5" grpId="0" animBg="1"/>
       <p:bldP spid="2" grpId="0" animBg="1"/>
       <p:bldP spid="3" grpId="0"/>
-      <p:bldP spid="7" grpId="0" animBg="1"/>
     </p:bldLst>
   </p:timing>
 </p:sld>
@@ -22399,10 +21568,9 @@
           <a:lstStyle/>
           <a:p>
             <a:r>
-              <a:rPr lang="en-GB" dirty="0" smtClean="0"/>
+              <a:rPr lang="en-GB" dirty="0"/>
               <a:t>Hierarchical Regression</a:t>
             </a:r>
-            <a:endParaRPr lang="en-GB" dirty="0"/>
           </a:p>
         </p:txBody>
       </p:sp>
@@ -22429,7 +21597,7 @@
           <a:lstStyle/>
           <a:p>
             <a:r>
-              <a:rPr lang="en-GB" sz="2200" b="1" dirty="0" smtClean="0">
+              <a:rPr lang="en-GB" sz="2200" b="1" dirty="0">
                 <a:solidFill>
                   <a:schemeClr val="tx2">
                     <a:lumMod val="75000"/>
@@ -22439,11 +21607,11 @@
               <a:t>In hierarchical regression, </a:t>
             </a:r>
             <a:r>
-              <a:rPr lang="en-GB" sz="2200" dirty="0" smtClean="0"/>
+              <a:rPr lang="en-GB" sz="2200" dirty="0"/>
               <a:t>predictor variables are entered in different </a:t>
             </a:r>
             <a:r>
-              <a:rPr lang="en-GB" sz="2200" dirty="0" smtClean="0">
+              <a:rPr lang="en-GB" sz="2200" dirty="0">
                 <a:solidFill>
                   <a:schemeClr val="accent1">
                     <a:lumMod val="75000"/>
@@ -22453,17 +21621,17 @@
               <a:t>steps</a:t>
             </a:r>
             <a:r>
-              <a:rPr lang="en-GB" sz="2200" dirty="0" smtClean="0"/>
+              <a:rPr lang="en-GB" sz="2200" dirty="0"/>
               <a:t> (or blocks) in a multiple regression. </a:t>
             </a:r>
           </a:p>
           <a:p>
             <a:r>
-              <a:rPr lang="en-GB" sz="2200" dirty="0" smtClean="0"/>
+              <a:rPr lang="en-GB" sz="2200" dirty="0"/>
               <a:t>Sometimes called </a:t>
             </a:r>
             <a:r>
-              <a:rPr lang="en-GB" sz="2200" b="1" dirty="0" smtClean="0">
+              <a:rPr lang="en-GB" sz="2200" b="1" dirty="0">
                 <a:solidFill>
                   <a:schemeClr val="tx2">
                     <a:lumMod val="75000"/>
@@ -22476,49 +21644,43 @@
           <a:p>
             <a:r>
               <a:rPr lang="en-GB" sz="2200" dirty="0"/>
-              <a:t>Can have many </a:t>
-            </a:r>
-            <a:r>
-              <a:rPr lang="en-GB" sz="2200" dirty="0" smtClean="0"/>
-              <a:t>steps, and several predictors on each step.</a:t>
-            </a:r>
+              <a:t>Can have many steps, and several predictors on each step.</a:t>
+            </a:r>
+          </a:p>
+          <a:p>
+            <a:r>
+              <a:rPr lang="en-GB" sz="2200" dirty="0"/>
+              <a:t>Look at:</a:t>
+            </a:r>
+          </a:p>
+          <a:p>
+            <a:pPr lvl="1"/>
+            <a:r>
+              <a:rPr lang="en-GB" sz="2200" dirty="0"/>
+              <a:t>change in R</a:t>
+            </a:r>
+            <a:r>
+              <a:rPr lang="en-GB" sz="2200" baseline="30000" dirty="0"/>
+              <a:t>2</a:t>
+            </a:r>
+            <a:r>
+              <a:rPr lang="en-GB" sz="2200" dirty="0"/>
+              <a:t> between steps</a:t>
+            </a:r>
+          </a:p>
+          <a:p>
+            <a:pPr lvl="1"/>
+            <a:r>
+              <a:rPr lang="en-GB" sz="2200" dirty="0"/>
+              <a:t>evidence that predictors in successive steps make unique contribution to the model (BF)</a:t>
+            </a:r>
+          </a:p>
+          <a:p>
             <a:endParaRPr lang="en-GB" sz="2200" dirty="0"/>
           </a:p>
           <a:p>
             <a:r>
-              <a:rPr lang="en-GB" sz="2200" dirty="0" smtClean="0"/>
-              <a:t>Look at:</a:t>
-            </a:r>
-          </a:p>
-          <a:p>
-            <a:pPr lvl="1"/>
-            <a:r>
-              <a:rPr lang="en-GB" sz="2200" dirty="0" smtClean="0"/>
-              <a:t>change in R</a:t>
-            </a:r>
-            <a:r>
-              <a:rPr lang="en-GB" sz="2200" baseline="30000" dirty="0" smtClean="0"/>
-              <a:t>2</a:t>
-            </a:r>
-            <a:r>
-              <a:rPr lang="en-GB" sz="2200" dirty="0" smtClean="0"/>
-              <a:t> between steps</a:t>
-            </a:r>
-            <a:endParaRPr lang="en-GB" sz="2200" dirty="0"/>
-          </a:p>
-          <a:p>
-            <a:pPr lvl="1"/>
-            <a:r>
-              <a:rPr lang="en-GB" sz="2200" dirty="0" smtClean="0"/>
-              <a:t>evidence that predictors in successive steps make unique contribution to the model (BF)</a:t>
-            </a:r>
-          </a:p>
-          <a:p>
-            <a:endParaRPr lang="en-GB" sz="2200" dirty="0"/>
-          </a:p>
-          <a:p>
-            <a:r>
-              <a:rPr lang="en-GB" sz="2200" b="1" dirty="0" smtClean="0">
+              <a:rPr lang="en-GB" sz="2200" b="1" dirty="0">
                 <a:solidFill>
                   <a:schemeClr val="accent3">
                     <a:lumMod val="50000"/>
@@ -22527,18 +21689,11 @@
               </a:rPr>
               <a:t>Reasons for use:</a:t>
             </a:r>
-            <a:endParaRPr lang="en-GB" sz="2200" b="1" dirty="0">
-              <a:solidFill>
-                <a:schemeClr val="accent3">
-                  <a:lumMod val="50000"/>
-                </a:schemeClr>
-              </a:solidFill>
-            </a:endParaRPr>
           </a:p>
           <a:p>
             <a:pPr lvl="1"/>
             <a:r>
-              <a:rPr lang="en-GB" sz="2200" dirty="0" smtClean="0">
+              <a:rPr lang="en-GB" sz="2200" dirty="0">
                 <a:solidFill>
                   <a:schemeClr val="tx2">
                     <a:lumMod val="50000"/>
@@ -22548,10 +21703,9 @@
               <a:t>Theoretical</a:t>
             </a:r>
             <a:r>
-              <a:rPr lang="en-GB" sz="2200" dirty="0" smtClean="0"/>
+              <a:rPr lang="en-GB" sz="2200" dirty="0"/>
               <a:t> considerations</a:t>
             </a:r>
-            <a:endParaRPr lang="en-GB" sz="2200" dirty="0"/>
           </a:p>
           <a:p>
             <a:pPr lvl="1"/>
@@ -22573,11 +21727,11 @@
           <a:p>
             <a:pPr lvl="1"/>
             <a:r>
-              <a:rPr lang="en-GB" sz="2200" dirty="0" smtClean="0"/>
+              <a:rPr lang="en-GB" sz="2200" dirty="0"/>
               <a:t>Determine contribution particular </a:t>
             </a:r>
             <a:r>
-              <a:rPr lang="en-GB" sz="2200" dirty="0" smtClean="0">
+              <a:rPr lang="en-GB" sz="2200" dirty="0">
                 <a:solidFill>
                   <a:schemeClr val="tx2">
                     <a:lumMod val="50000"/>
@@ -22587,10 +21741,10 @@
               <a:t>set</a:t>
             </a:r>
             <a:r>
-              <a:rPr lang="en-GB" sz="2200" dirty="0" smtClean="0"/>
+              <a:rPr lang="en-GB" sz="2200" dirty="0"/>
               <a:t> of predictors</a:t>
             </a:r>
-            <a:endParaRPr lang="en-GB" dirty="0" smtClean="0"/>
+            <a:endParaRPr lang="en-GB" dirty="0"/>
           </a:p>
         </p:txBody>
       </p:sp>
@@ -22790,14 +21944,13 @@
           <a:p>
             <a:pPr algn="ctr"/>
             <a:r>
-              <a:rPr lang="en-GB" sz="2400" dirty="0" smtClean="0"/>
+              <a:rPr lang="en-GB" sz="2400" dirty="0"/>
               <a:t>X</a:t>
             </a:r>
             <a:r>
-              <a:rPr lang="en-GB" sz="2400" baseline="-25000" dirty="0" smtClean="0"/>
+              <a:rPr lang="en-GB" sz="2400" baseline="-25000" dirty="0"/>
               <a:t>2</a:t>
             </a:r>
-            <a:endParaRPr lang="en-GB" sz="2400" baseline="-25000" dirty="0"/>
           </a:p>
         </p:txBody>
       </p:sp>
@@ -22865,10 +22018,9 @@
           <a:p>
             <a:pPr algn="ctr"/>
             <a:r>
-              <a:rPr lang="en-GB" b="1" u="sng" dirty="0" smtClean="0"/>
+              <a:rPr lang="en-GB" b="1" u="sng" dirty="0"/>
               <a:t>Step 1</a:t>
             </a:r>
-            <a:endParaRPr lang="en-GB" b="1" u="sng" dirty="0"/>
           </a:p>
         </p:txBody>
       </p:sp>
@@ -22896,10 +22048,9 @@
           <a:p>
             <a:pPr algn="ctr"/>
             <a:r>
-              <a:rPr lang="en-GB" b="1" u="sng" dirty="0" smtClean="0"/>
+              <a:rPr lang="en-GB" b="1" u="sng" dirty="0"/>
               <a:t>Step 2</a:t>
             </a:r>
-            <a:endParaRPr lang="en-GB" b="1" u="sng" dirty="0"/>
           </a:p>
         </p:txBody>
       </p:sp>
@@ -23070,14 +22221,13 @@
           <a:p>
             <a:pPr algn="ctr"/>
             <a:r>
-              <a:rPr lang="en-GB" sz="2400" dirty="0" smtClean="0"/>
+              <a:rPr lang="en-GB" sz="2400" dirty="0"/>
               <a:t>X</a:t>
             </a:r>
             <a:r>
-              <a:rPr lang="en-GB" sz="2400" baseline="-25000" dirty="0" smtClean="0"/>
+              <a:rPr lang="en-GB" sz="2400" baseline="-25000" dirty="0"/>
               <a:t>2</a:t>
             </a:r>
-            <a:endParaRPr lang="en-GB" sz="2400" baseline="-25000" dirty="0"/>
           </a:p>
         </p:txBody>
       </p:sp>
@@ -23158,7 +22308,7 @@
           <a:p>
             <a:pPr algn="ctr"/>
             <a:r>
-              <a:rPr lang="en-GB" sz="2400" dirty="0" smtClean="0"/>
+              <a:rPr lang="en-GB" sz="2400" dirty="0"/>
               <a:t>X</a:t>
             </a:r>
             <a:r>
@@ -23245,7 +22395,7 @@
           <a:p>
             <a:pPr algn="ctr"/>
             <a:r>
-              <a:rPr lang="en-GB" sz="2400" dirty="0" smtClean="0"/>
+              <a:rPr lang="en-GB" sz="2400" dirty="0"/>
               <a:t>X</a:t>
             </a:r>
             <a:r>
@@ -24259,7 +23409,7 @@
               <a:buNone/>
             </a:pPr>
             <a:r>
-              <a:rPr lang="en-GB" b="1" dirty="0" err="1" smtClean="0">
+              <a:rPr lang="en-GB" b="1" dirty="0" err="1">
                 <a:solidFill>
                   <a:schemeClr val="tx2"/>
                 </a:solidFill>
@@ -24267,7 +23417,7 @@
               <a:t>Iani</a:t>
             </a:r>
             <a:r>
-              <a:rPr lang="en-GB" b="1" dirty="0" smtClean="0">
+              <a:rPr lang="en-GB" b="1" dirty="0">
                 <a:solidFill>
                   <a:schemeClr val="tx2"/>
                 </a:solidFill>
@@ -24280,11 +23430,11 @@
               <a:buNone/>
             </a:pPr>
             <a:r>
-              <a:rPr lang="en-GB" dirty="0" smtClean="0"/>
+              <a:rPr lang="en-GB" dirty="0"/>
               <a:t>Used a hierarchical regression approach with continuous variables to investigate whether </a:t>
             </a:r>
             <a:r>
-              <a:rPr lang="en-GB" dirty="0" smtClean="0">
+              <a:rPr lang="en-GB" dirty="0">
                 <a:solidFill>
                   <a:schemeClr val="tx2"/>
                 </a:solidFill>
@@ -24292,11 +23442,11 @@
               <a:t>mindfulness </a:t>
             </a:r>
             <a:r>
-              <a:rPr lang="en-GB" dirty="0" smtClean="0"/>
+              <a:rPr lang="en-GB" dirty="0"/>
               <a:t>and</a:t>
             </a:r>
             <a:r>
-              <a:rPr lang="en-GB" dirty="0" smtClean="0">
+              <a:rPr lang="en-GB" dirty="0">
                 <a:solidFill>
                   <a:schemeClr val="accent4">
                     <a:lumMod val="75000"/>
@@ -24306,7 +23456,7 @@
               <a:t> </a:t>
             </a:r>
             <a:r>
-              <a:rPr lang="en-GB" dirty="0" smtClean="0">
+              <a:rPr lang="en-GB" dirty="0">
                 <a:solidFill>
                   <a:schemeClr val="tx2">
                     <a:lumMod val="75000"/>
@@ -24316,11 +23466,11 @@
               <a:t>emotional intelligence </a:t>
             </a:r>
             <a:r>
-              <a:rPr lang="en-GB" dirty="0" smtClean="0"/>
+              <a:rPr lang="en-GB" dirty="0"/>
               <a:t>explain</a:t>
             </a:r>
             <a:r>
-              <a:rPr lang="en-GB" dirty="0" smtClean="0">
+              <a:rPr lang="en-GB" dirty="0">
                 <a:solidFill>
                   <a:schemeClr val="tx2">
                     <a:lumMod val="75000"/>
@@ -24330,19 +23480,19 @@
               <a:t> wellbeing </a:t>
             </a:r>
             <a:r>
-              <a:rPr lang="en-GB" dirty="0" smtClean="0"/>
+              <a:rPr lang="en-GB" dirty="0"/>
               <a:t>in 66 individuals with Generalised Anxiety Disorder, but </a:t>
             </a:r>
             <a:r>
-              <a:rPr lang="en-GB" i="1" dirty="0" smtClean="0"/>
+              <a:rPr lang="en-GB" i="1" dirty="0"/>
               <a:t>after</a:t>
             </a:r>
             <a:r>
-              <a:rPr lang="en-GB" dirty="0" smtClean="0"/>
+              <a:rPr lang="en-GB" dirty="0"/>
               <a:t> controlling for </a:t>
             </a:r>
             <a:r>
-              <a:rPr lang="en-GB" dirty="0" smtClean="0">
+              <a:rPr lang="en-GB" dirty="0">
                 <a:solidFill>
                   <a:schemeClr val="tx2">
                     <a:lumMod val="75000"/>
@@ -24352,11 +23502,11 @@
               <a:t>brooding </a:t>
             </a:r>
             <a:r>
-              <a:rPr lang="en-GB" dirty="0" smtClean="0"/>
+              <a:rPr lang="en-GB" dirty="0"/>
               <a:t>and</a:t>
             </a:r>
             <a:r>
-              <a:rPr lang="en-GB" dirty="0" smtClean="0">
+              <a:rPr lang="en-GB" dirty="0">
                 <a:solidFill>
                   <a:schemeClr val="tx2">
                     <a:lumMod val="75000"/>
@@ -24370,7 +23520,7 @@
             <a:pPr marL="0" indent="0">
               <a:buNone/>
             </a:pPr>
-            <a:endParaRPr lang="en-GB" dirty="0" smtClean="0">
+            <a:endParaRPr lang="en-GB" dirty="0">
               <a:solidFill>
                 <a:schemeClr val="tx2">
                   <a:lumMod val="75000"/>
@@ -24383,11 +23533,11 @@
               <a:buNone/>
             </a:pPr>
             <a:r>
-              <a:rPr lang="en-GB" dirty="0" smtClean="0"/>
+              <a:rPr lang="en-GB" dirty="0"/>
               <a:t>The</a:t>
             </a:r>
             <a:r>
-              <a:rPr lang="en-GB" dirty="0" smtClean="0">
+              <a:rPr lang="en-GB" dirty="0">
                 <a:solidFill>
                   <a:schemeClr val="tx2">
                     <a:lumMod val="75000"/>
@@ -24397,11 +23547,11 @@
               <a:t> relationship </a:t>
             </a:r>
             <a:r>
-              <a:rPr lang="en-GB" dirty="0" smtClean="0"/>
+              <a:rPr lang="en-GB" dirty="0"/>
               <a:t>between</a:t>
             </a:r>
             <a:r>
-              <a:rPr lang="en-GB" dirty="0" smtClean="0">
+              <a:rPr lang="en-GB" dirty="0">
                 <a:solidFill>
                   <a:schemeClr val="tx2">
                     <a:lumMod val="75000"/>
@@ -24411,11 +23561,11 @@
               <a:t> brooding, worry </a:t>
             </a:r>
             <a:r>
-              <a:rPr lang="en-GB" dirty="0" smtClean="0"/>
+              <a:rPr lang="en-GB" dirty="0"/>
               <a:t>and</a:t>
             </a:r>
             <a:r>
-              <a:rPr lang="en-GB" dirty="0" smtClean="0">
+              <a:rPr lang="en-GB" dirty="0">
                 <a:solidFill>
                   <a:schemeClr val="tx2">
                     <a:lumMod val="75000"/>
@@ -24425,7 +23575,7 @@
               <a:t> wellbeing  is </a:t>
             </a:r>
             <a:r>
-              <a:rPr lang="en-GB" dirty="0" smtClean="0"/>
+              <a:rPr lang="en-GB" dirty="0"/>
               <a:t>already established.</a:t>
             </a:r>
           </a:p>
@@ -24440,7 +23590,7 @@
               <a:buNone/>
             </a:pPr>
             <a:r>
-              <a:rPr lang="en-GB" dirty="0" smtClean="0"/>
+              <a:rPr lang="en-GB" dirty="0"/>
               <a:t>Mindfulness variables:</a:t>
             </a:r>
           </a:p>
@@ -24453,7 +23603,7 @@
               <a:buChar char="-"/>
             </a:pPr>
             <a:r>
-              <a:rPr lang="en-GB" sz="1600" dirty="0" smtClean="0">
+              <a:rPr lang="en-GB" sz="1600" dirty="0">
                 <a:solidFill>
                   <a:schemeClr val="tx2"/>
                 </a:solidFill>
@@ -24470,7 +23620,7 @@
               <a:buChar char="-"/>
             </a:pPr>
             <a:r>
-              <a:rPr lang="en-GB" sz="1600" dirty="0" smtClean="0">
+              <a:rPr lang="en-GB" sz="1600" dirty="0">
                 <a:solidFill>
                   <a:schemeClr val="tx2"/>
                 </a:solidFill>
@@ -24487,7 +23637,7 @@
               <a:buChar char="-"/>
             </a:pPr>
             <a:r>
-              <a:rPr lang="en-GB" sz="1600" dirty="0" smtClean="0">
+              <a:rPr lang="en-GB" sz="1600" dirty="0">
                 <a:solidFill>
                   <a:schemeClr val="tx2"/>
                 </a:solidFill>
@@ -24504,14 +23654,14 @@
               <a:buChar char="-"/>
             </a:pPr>
             <a:r>
-              <a:rPr lang="en-GB" sz="1600" dirty="0" err="1" smtClean="0">
+              <a:rPr lang="en-GB" sz="1600" dirty="0" err="1">
                 <a:solidFill>
                   <a:schemeClr val="tx2"/>
                 </a:solidFill>
               </a:rPr>
               <a:t>Nonreactivity</a:t>
             </a:r>
-            <a:endParaRPr lang="en-GB" sz="1600" dirty="0" smtClean="0">
+            <a:endParaRPr lang="en-GB" sz="1600" dirty="0">
               <a:solidFill>
                 <a:schemeClr val="tx2"/>
               </a:solidFill>
@@ -24526,14 +23676,14 @@
               <a:buChar char="-"/>
             </a:pPr>
             <a:r>
-              <a:rPr lang="en-GB" sz="1600" dirty="0" err="1" smtClean="0">
+              <a:rPr lang="en-GB" sz="1600" dirty="0" err="1">
                 <a:solidFill>
                   <a:schemeClr val="tx2"/>
                 </a:solidFill>
               </a:rPr>
               <a:t>Nonjudging</a:t>
             </a:r>
-            <a:endParaRPr lang="en-GB" sz="1600" dirty="0" smtClean="0">
+            <a:endParaRPr lang="en-GB" sz="1600" dirty="0">
               <a:solidFill>
                 <a:schemeClr val="tx2"/>
               </a:solidFill>
@@ -24550,7 +23700,7 @@
               <a:buNone/>
             </a:pPr>
             <a:r>
-              <a:rPr lang="en-GB" dirty="0" smtClean="0"/>
+              <a:rPr lang="en-GB" dirty="0"/>
               <a:t>Emotional intelligence variables:</a:t>
             </a:r>
           </a:p>
@@ -24560,7 +23710,7 @@
               <a:buChar char="-"/>
             </a:pPr>
             <a:r>
-              <a:rPr lang="en-GB" sz="1400" dirty="0" smtClean="0">
+              <a:rPr lang="en-GB" sz="1400" dirty="0">
                 <a:solidFill>
                   <a:schemeClr val="tx2"/>
                 </a:solidFill>
@@ -24574,7 +23724,7 @@
               <a:buChar char="-"/>
             </a:pPr>
             <a:r>
-              <a:rPr lang="en-GB" sz="1400" dirty="0" smtClean="0">
+              <a:rPr lang="en-GB" sz="1400" dirty="0">
                 <a:solidFill>
                   <a:schemeClr val="tx2"/>
                 </a:solidFill>
@@ -24588,7 +23738,7 @@
               <a:buChar char="-"/>
             </a:pPr>
             <a:r>
-              <a:rPr lang="en-GB" sz="1400" dirty="0" smtClean="0">
+              <a:rPr lang="en-GB" sz="1400" dirty="0">
                 <a:solidFill>
                   <a:schemeClr val="tx2"/>
                 </a:solidFill>
@@ -24816,27 +23966,8 @@
                 </a:solidFill>
                 <a:latin typeface="Helvetica Neue"/>
               </a:rPr>
-              <a:t>(11), e0225646</a:t>
-            </a:r>
-            <a:r>
-              <a:rPr lang="en-GB" sz="1400" dirty="0" smtClean="0">
-                <a:solidFill>
-                  <a:schemeClr val="bg1">
-                    <a:lumMod val="75000"/>
-                  </a:schemeClr>
-                </a:solidFill>
-                <a:latin typeface="Helvetica Neue"/>
-              </a:rPr>
-              <a:t>.</a:t>
-            </a:r>
-            <a:endParaRPr lang="en-GB" sz="1400" dirty="0">
-              <a:solidFill>
-                <a:schemeClr val="bg1">
-                  <a:lumMod val="75000"/>
-                </a:schemeClr>
-              </a:solidFill>
-              <a:latin typeface="Helvetica Neue"/>
-            </a:endParaRPr>
+              <a:t>(11), e0225646.</a:t>
+            </a:r>
           </a:p>
         </p:txBody>
       </p:sp>
@@ -25409,7 +24540,7 @@
                     <a:lstStyle/>
                     <a:p>
                       <a:r>
-                        <a:rPr lang="en-GB" sz="2400" dirty="0" smtClean="0">
+                        <a:rPr lang="en-GB" sz="2400" dirty="0">
                           <a:solidFill>
                             <a:schemeClr val="tx2">
                               <a:lumMod val="50000"/>
@@ -25418,13 +24549,6 @@
                         </a:rPr>
                         <a:t>Predictors</a:t>
                       </a:r>
-                      <a:endParaRPr lang="en-GB" sz="2400" dirty="0">
-                        <a:solidFill>
-                          <a:schemeClr val="tx2">
-                            <a:lumMod val="50000"/>
-                          </a:schemeClr>
-                        </a:solidFill>
-                      </a:endParaRPr>
                     </a:p>
                   </a:txBody>
                   <a:tcPr anchor="ctr"/>
@@ -25435,7 +24559,7 @@
                     <a:lstStyle/>
                     <a:p>
                       <a:r>
-                        <a:rPr lang="en-GB" sz="2400" dirty="0" smtClean="0">
+                        <a:rPr lang="en-GB" sz="2400" dirty="0">
                           <a:solidFill>
                             <a:schemeClr val="tx2">
                               <a:lumMod val="50000"/>
@@ -25445,72 +24569,7 @@
                         <a:t>R</a:t>
                       </a:r>
                       <a:r>
-                        <a:rPr lang="en-GB" sz="2400" baseline="30000" dirty="0" smtClean="0">
-                          <a:solidFill>
-                            <a:schemeClr val="tx2">
-                              <a:lumMod val="50000"/>
-                            </a:schemeClr>
-                          </a:solidFill>
-                        </a:rPr>
-                        <a:t>2</a:t>
-                      </a:r>
-                      <a:endParaRPr lang="en-GB" sz="2400" baseline="30000" dirty="0">
-                        <a:solidFill>
-                          <a:schemeClr val="tx2">
-                            <a:lumMod val="50000"/>
-                          </a:schemeClr>
-                        </a:solidFill>
-                      </a:endParaRPr>
-                    </a:p>
-                  </a:txBody>
-                  <a:tcPr anchor="ctr"/>
-                </a:tc>
-                <a:tc>
-                  <a:txBody>
-                    <a:bodyPr/>
-                    <a:lstStyle/>
-                    <a:p>
-                      <a:pPr marL="0" marR="0" lvl="0" indent="0" algn="l" defTabSz="685800" rtl="0" eaLnBrk="1" fontAlgn="auto" latinLnBrk="0" hangingPunct="1">
-                        <a:lnSpc>
-                          <a:spcPct val="100000"/>
-                        </a:lnSpc>
-                        <a:spcBef>
-                          <a:spcPts val="0"/>
-                        </a:spcBef>
-                        <a:spcAft>
-                          <a:spcPts val="0"/>
-                        </a:spcAft>
-                        <a:buClrTx/>
-                        <a:buSzTx/>
-                        <a:buFontTx/>
-                        <a:buNone/>
-                        <a:tabLst/>
-                        <a:defRPr/>
-                      </a:pPr>
-                      <a:r>
-                        <a:rPr lang="el-GR" sz="2400" dirty="0" smtClean="0">
-                          <a:solidFill>
-                            <a:schemeClr val="tx2">
-                              <a:lumMod val="50000"/>
-                            </a:schemeClr>
-                          </a:solidFill>
-                          <a:latin typeface="Times New Roman" panose="02020603050405020304" pitchFamily="18" charset="0"/>
-                          <a:cs typeface="Times New Roman" panose="02020603050405020304" pitchFamily="18" charset="0"/>
-                        </a:rPr>
-                        <a:t>Δ</a:t>
-                      </a:r>
-                      <a:r>
-                        <a:rPr lang="en-GB" sz="2400" dirty="0" smtClean="0">
-                          <a:solidFill>
-                            <a:schemeClr val="tx2">
-                              <a:lumMod val="50000"/>
-                            </a:schemeClr>
-                          </a:solidFill>
-                        </a:rPr>
-                        <a:t>R</a:t>
-                      </a:r>
-                      <a:r>
-                        <a:rPr lang="en-GB" sz="2400" baseline="30000" dirty="0" smtClean="0">
+                        <a:rPr lang="en-GB" sz="2400" baseline="30000" dirty="0">
                           <a:solidFill>
                             <a:schemeClr val="tx2">
                               <a:lumMod val="50000"/>
@@ -25545,7 +24604,65 @@
                         <a:tabLst/>
                         <a:defRPr/>
                       </a:pPr>
-                      <a:endParaRPr lang="en-GB" sz="2400" baseline="0" dirty="0" smtClean="0">
+                      <a:r>
+                        <a:rPr lang="el-GR" sz="2400" dirty="0">
+                          <a:solidFill>
+                            <a:schemeClr val="tx2">
+                              <a:lumMod val="50000"/>
+                            </a:schemeClr>
+                          </a:solidFill>
+                          <a:latin typeface="Times New Roman" panose="02020603050405020304" pitchFamily="18" charset="0"/>
+                          <a:cs typeface="Times New Roman" panose="02020603050405020304" pitchFamily="18" charset="0"/>
+                        </a:rPr>
+                        <a:t>Δ</a:t>
+                      </a:r>
+                      <a:r>
+                        <a:rPr lang="en-GB" sz="2400" dirty="0">
+                          <a:solidFill>
+                            <a:schemeClr val="tx2">
+                              <a:lumMod val="50000"/>
+                            </a:schemeClr>
+                          </a:solidFill>
+                        </a:rPr>
+                        <a:t>R</a:t>
+                      </a:r>
+                      <a:r>
+                        <a:rPr lang="en-GB" sz="2400" baseline="30000" dirty="0">
+                          <a:solidFill>
+                            <a:schemeClr val="tx2">
+                              <a:lumMod val="50000"/>
+                            </a:schemeClr>
+                          </a:solidFill>
+                        </a:rPr>
+                        <a:t>2</a:t>
+                      </a:r>
+                    </a:p>
+                  </a:txBody>
+                  <a:tcPr anchor="ctr"/>
+                </a:tc>
+                <a:tc>
+                  <a:txBody>
+                    <a:bodyPr/>
+                    <a:lstStyle/>
+                    <a:p>
+                      <a:pPr marL="0" marR="0" lvl="0" indent="0" algn="l" defTabSz="685800" rtl="0" eaLnBrk="1" fontAlgn="auto" latinLnBrk="0" hangingPunct="1">
+                        <a:lnSpc>
+                          <a:spcPct val="100000"/>
+                        </a:lnSpc>
+                        <a:spcBef>
+                          <a:spcPts val="0"/>
+                        </a:spcBef>
+                        <a:spcAft>
+                          <a:spcPts val="0"/>
+                        </a:spcAft>
+                        <a:buClrTx/>
+                        <a:buSzTx/>
+                        <a:buFontTx/>
+                        <a:buNone/>
+                        <a:tabLst/>
+                        <a:defRPr/>
+                      </a:pPr>
+                      <a:endParaRPr lang="en-GB" sz="2400" baseline="0" dirty="0">
                         <a:solidFill>
                           <a:schemeClr val="tx2">
                             <a:lumMod val="50000"/>
@@ -25578,7 +24695,7 @@
                         <a:tabLst/>
                         <a:defRPr/>
                       </a:pPr>
-                      <a:endParaRPr lang="en-GB" sz="2400" baseline="30000" dirty="0" smtClean="0">
+                      <a:endParaRPr lang="en-GB" sz="2400" baseline="30000" dirty="0">
                         <a:solidFill>
                           <a:schemeClr val="tx2">
                             <a:lumMod val="50000"/>
@@ -25602,7 +24719,7 @@
                     <a:lstStyle/>
                     <a:p>
                       <a:r>
-                        <a:rPr lang="en-GB" sz="1600" dirty="0" smtClean="0">
+                        <a:rPr lang="en-GB" sz="1600" dirty="0">
                           <a:solidFill>
                             <a:schemeClr val="tx2">
                               <a:lumMod val="50000"/>
@@ -25611,13 +24728,6 @@
                         </a:rPr>
                         <a:t>Step 1</a:t>
                       </a:r>
-                      <a:endParaRPr lang="en-GB" sz="1600" dirty="0">
-                        <a:solidFill>
-                          <a:schemeClr val="tx2">
-                            <a:lumMod val="50000"/>
-                          </a:schemeClr>
-                        </a:solidFill>
-                      </a:endParaRPr>
                     </a:p>
                   </a:txBody>
                   <a:tcPr anchor="ctr"/>
@@ -25628,14 +24738,11 @@
                     <a:lstStyle/>
                     <a:p>
                       <a:r>
-                        <a:rPr lang="en-GB" sz="1800" dirty="0" smtClean="0">
+                        <a:rPr lang="en-GB" sz="1800" dirty="0">
                           <a:latin typeface="Lucida Console" panose="020B0609040504020204" pitchFamily="49" charset="0"/>
                         </a:rPr>
                         <a:t>brooding</a:t>
                       </a:r>
-                      <a:endParaRPr lang="en-GB" sz="1800" dirty="0">
-                        <a:latin typeface="Lucida Console" panose="020B0609040504020204" pitchFamily="49" charset="0"/>
-                      </a:endParaRPr>
                     </a:p>
                   </a:txBody>
                   <a:tcPr anchor="ctr"/>
@@ -25646,14 +24753,11 @@
                     <a:lstStyle/>
                     <a:p>
                       <a:r>
-                        <a:rPr lang="en-GB" sz="2000" dirty="0" smtClean="0">
+                        <a:rPr lang="en-GB" sz="2000" dirty="0">
                           <a:latin typeface="+mj-lt"/>
                         </a:rPr>
                         <a:t>0.19</a:t>
                       </a:r>
-                      <a:endParaRPr lang="en-GB" sz="2000" dirty="0">
-                        <a:latin typeface="+mj-lt"/>
-                      </a:endParaRPr>
                     </a:p>
                   </a:txBody>
                   <a:tcPr anchor="ctr"/>
@@ -25707,7 +24811,7 @@
                     <a:lstStyle/>
                     <a:p>
                       <a:r>
-                        <a:rPr lang="en-GB" sz="1600" dirty="0" smtClean="0">
+                        <a:rPr lang="en-GB" sz="1600" dirty="0">
                           <a:solidFill>
                             <a:schemeClr val="tx2">
                               <a:lumMod val="50000"/>
@@ -25716,13 +24820,6 @@
                         </a:rPr>
                         <a:t>Step 2</a:t>
                       </a:r>
-                      <a:endParaRPr lang="en-GB" sz="1600" dirty="0">
-                        <a:solidFill>
-                          <a:schemeClr val="tx2">
-                            <a:lumMod val="50000"/>
-                          </a:schemeClr>
-                        </a:solidFill>
-                      </a:endParaRPr>
                     </a:p>
                   </a:txBody>
                   <a:tcPr anchor="ctr"/>
@@ -25733,14 +24830,11 @@
                     <a:lstStyle/>
                     <a:p>
                       <a:r>
-                        <a:rPr lang="en-GB" sz="1800" dirty="0" smtClean="0">
+                        <a:rPr lang="en-GB" sz="1800" dirty="0">
                           <a:latin typeface="Lucida Console" panose="020B0609040504020204" pitchFamily="49" charset="0"/>
                         </a:rPr>
                         <a:t>brooding + worry </a:t>
                       </a:r>
-                      <a:endParaRPr lang="en-GB" sz="1800" dirty="0">
-                        <a:latin typeface="Lucida Console" panose="020B0609040504020204" pitchFamily="49" charset="0"/>
-                      </a:endParaRPr>
                     </a:p>
                   </a:txBody>
                   <a:tcPr anchor="ctr"/>
@@ -25751,14 +24845,11 @@
                     <a:lstStyle/>
                     <a:p>
                       <a:r>
-                        <a:rPr lang="en-GB" sz="2000" dirty="0" smtClean="0">
+                        <a:rPr lang="en-GB" sz="2000" dirty="0">
                           <a:latin typeface="+mj-lt"/>
                         </a:rPr>
                         <a:t>0.33</a:t>
                       </a:r>
-                      <a:endParaRPr lang="en-GB" sz="2000" dirty="0">
-                        <a:latin typeface="+mj-lt"/>
-                      </a:endParaRPr>
                     </a:p>
                   </a:txBody>
                   <a:tcPr anchor="ctr"/>
@@ -25769,14 +24860,11 @@
                     <a:lstStyle/>
                     <a:p>
                       <a:r>
-                        <a:rPr lang="en-GB" sz="2000" dirty="0" smtClean="0">
+                        <a:rPr lang="en-GB" sz="2000" dirty="0">
                           <a:latin typeface="+mj-lt"/>
                         </a:rPr>
                         <a:t>0.14</a:t>
                       </a:r>
-                      <a:endParaRPr lang="en-GB" sz="2000" dirty="0">
-                        <a:latin typeface="+mj-lt"/>
-                      </a:endParaRPr>
                     </a:p>
                   </a:txBody>
                   <a:tcPr anchor="ctr"/>
@@ -25818,7 +24906,7 @@
                     <a:lstStyle/>
                     <a:p>
                       <a:r>
-                        <a:rPr lang="en-GB" sz="1600" dirty="0" smtClean="0">
+                        <a:rPr lang="en-GB" sz="1600" dirty="0">
                           <a:solidFill>
                             <a:schemeClr val="tx2">
                               <a:lumMod val="50000"/>
@@ -25827,13 +24915,6 @@
                         </a:rPr>
                         <a:t>Step 3</a:t>
                       </a:r>
-                      <a:endParaRPr lang="en-GB" sz="1600" dirty="0">
-                        <a:solidFill>
-                          <a:schemeClr val="tx2">
-                            <a:lumMod val="50000"/>
-                          </a:schemeClr>
-                        </a:solidFill>
-                      </a:endParaRPr>
                     </a:p>
                   </a:txBody>
                   <a:tcPr anchor="ctr"/>
@@ -25851,13 +24932,13 @@
                         <a:buNone/>
                       </a:pPr>
                       <a:r>
-                        <a:rPr lang="en-GB" sz="1600" dirty="0" smtClean="0">
+                        <a:rPr lang="en-GB" sz="1600" dirty="0">
                           <a:latin typeface="Lucida Console" panose="020B0609040504020204" pitchFamily="49" charset="0"/>
                         </a:rPr>
                         <a:t>brooding + worry</a:t>
                       </a:r>
                       <a:r>
-                        <a:rPr lang="en-GB" sz="1600" baseline="0" dirty="0" smtClean="0">
+                        <a:rPr lang="en-GB" sz="1600" baseline="0" dirty="0">
                           <a:latin typeface="Lucida Console" panose="020B0609040504020204" pitchFamily="49" charset="0"/>
                         </a:rPr>
                         <a:t> + </a:t>
@@ -25872,7 +24953,7 @@
                         <a:buNone/>
                       </a:pPr>
                       <a:r>
-                        <a:rPr lang="en-GB" sz="1600" dirty="0" smtClean="0">
+                        <a:rPr lang="en-GB" sz="1600" dirty="0">
                           <a:solidFill>
                             <a:schemeClr val="tx1"/>
                           </a:solidFill>
@@ -25881,7 +24962,7 @@
                         <a:t>observing + describing</a:t>
                       </a:r>
                       <a:r>
-                        <a:rPr lang="en-GB" sz="1600" baseline="0" dirty="0" smtClean="0">
+                        <a:rPr lang="en-GB" sz="1600" baseline="0" dirty="0">
                           <a:solidFill>
                             <a:schemeClr val="tx1"/>
                           </a:solidFill>
@@ -25890,7 +24971,7 @@
                         <a:t> + a</a:t>
                       </a:r>
                       <a:r>
-                        <a:rPr lang="en-GB" sz="1600" dirty="0" smtClean="0">
+                        <a:rPr lang="en-GB" sz="1600" dirty="0">
                           <a:solidFill>
                             <a:schemeClr val="tx1"/>
                           </a:solidFill>
@@ -25899,7 +24980,7 @@
                         <a:t>cting</a:t>
                       </a:r>
                       <a:r>
-                        <a:rPr lang="en-GB" sz="1600" baseline="0" dirty="0" smtClean="0">
+                        <a:rPr lang="en-GB" sz="1600" baseline="0" dirty="0">
                           <a:solidFill>
                             <a:schemeClr val="tx1"/>
                           </a:solidFill>
@@ -25908,7 +24989,7 @@
                         <a:t> + </a:t>
                       </a:r>
                       <a:r>
-                        <a:rPr lang="en-GB" sz="1600" dirty="0" err="1" smtClean="0">
+                        <a:rPr lang="en-GB" sz="1600" dirty="0" err="1">
                           <a:solidFill>
                             <a:schemeClr val="tx1"/>
                           </a:solidFill>
@@ -25917,7 +24998,7 @@
                         <a:t>nonreactivity</a:t>
                       </a:r>
                       <a:r>
-                        <a:rPr lang="en-GB" sz="1600" dirty="0" smtClean="0">
+                        <a:rPr lang="en-GB" sz="1600" dirty="0">
                           <a:solidFill>
                             <a:schemeClr val="tx1"/>
                           </a:solidFill>
@@ -25926,7 +25007,7 @@
                         <a:t> + </a:t>
                       </a:r>
                       <a:r>
-                        <a:rPr lang="en-GB" sz="1600" dirty="0" err="1" smtClean="0">
+                        <a:rPr lang="en-GB" sz="1600" dirty="0" err="1">
                           <a:solidFill>
                             <a:schemeClr val="tx1"/>
                           </a:solidFill>
@@ -25934,7 +25015,7 @@
                         </a:rPr>
                         <a:t>nonjudging</a:t>
                       </a:r>
-                      <a:endParaRPr lang="en-GB" sz="1600" dirty="0" smtClean="0">
+                      <a:endParaRPr lang="en-GB" sz="1600" dirty="0">
                         <a:solidFill>
                           <a:schemeClr val="tx1"/>
                         </a:solidFill>
@@ -25957,7 +25038,7 @@
                         <a:buNone/>
                       </a:pPr>
                       <a:r>
-                        <a:rPr lang="en-GB" sz="2000" dirty="0" smtClean="0">
+                        <a:rPr lang="en-GB" sz="2000" dirty="0">
                           <a:solidFill>
                             <a:schemeClr val="tx1"/>
                           </a:solidFill>
@@ -25982,7 +25063,7 @@
                         <a:buNone/>
                       </a:pPr>
                       <a:r>
-                        <a:rPr lang="en-GB" sz="2000" dirty="0" smtClean="0">
+                        <a:rPr lang="en-GB" sz="2000" dirty="0">
                           <a:solidFill>
                             <a:schemeClr val="tx1"/>
                           </a:solidFill>
@@ -26006,7 +25087,7 @@
                         <a:buFontTx/>
                         <a:buNone/>
                       </a:pPr>
-                      <a:endParaRPr lang="en-GB" sz="2000" dirty="0" smtClean="0">
+                      <a:endParaRPr lang="en-GB" sz="2000" dirty="0">
                         <a:solidFill>
                           <a:schemeClr val="tx1"/>
                         </a:solidFill>
@@ -26028,7 +25109,7 @@
                         <a:buFontTx/>
                         <a:buNone/>
                       </a:pPr>
-                      <a:endParaRPr lang="en-GB" sz="2000" dirty="0" smtClean="0">
+                      <a:endParaRPr lang="en-GB" sz="2000" dirty="0">
                         <a:solidFill>
                           <a:schemeClr val="tx1"/>
                         </a:solidFill>
@@ -26051,7 +25132,7 @@
                     <a:lstStyle/>
                     <a:p>
                       <a:r>
-                        <a:rPr lang="en-GB" sz="1600" dirty="0" smtClean="0">
+                        <a:rPr lang="en-GB" sz="1600" dirty="0">
                           <a:solidFill>
                             <a:schemeClr val="tx2">
                               <a:lumMod val="50000"/>
@@ -26060,13 +25141,6 @@
                         </a:rPr>
                         <a:t>Step 4</a:t>
                       </a:r>
-                      <a:endParaRPr lang="en-GB" sz="1600" dirty="0">
-                        <a:solidFill>
-                          <a:schemeClr val="tx2">
-                            <a:lumMod val="50000"/>
-                          </a:schemeClr>
-                        </a:solidFill>
-                      </a:endParaRPr>
                     </a:p>
                   </a:txBody>
                   <a:tcPr anchor="ctr"/>
@@ -26084,13 +25158,13 @@
                         <a:buNone/>
                       </a:pPr>
                       <a:r>
-                        <a:rPr lang="en-GB" sz="1600" dirty="0" smtClean="0">
+                        <a:rPr lang="en-GB" sz="1600" dirty="0">
                           <a:latin typeface="Lucida Console" panose="020B0609040504020204" pitchFamily="49" charset="0"/>
                         </a:rPr>
                         <a:t>brooding + worry</a:t>
                       </a:r>
                       <a:r>
-                        <a:rPr lang="en-GB" sz="1600" baseline="0" dirty="0" smtClean="0">
+                        <a:rPr lang="en-GB" sz="1600" baseline="0" dirty="0">
                           <a:latin typeface="Lucida Console" panose="020B0609040504020204" pitchFamily="49" charset="0"/>
                         </a:rPr>
                         <a:t> + </a:t>
@@ -26105,7 +25179,7 @@
                         <a:buNone/>
                       </a:pPr>
                       <a:r>
-                        <a:rPr lang="en-GB" sz="1600" dirty="0" smtClean="0">
+                        <a:rPr lang="en-GB" sz="1600" dirty="0">
                           <a:solidFill>
                             <a:schemeClr val="tx1"/>
                           </a:solidFill>
@@ -26114,7 +25188,7 @@
                         <a:t>observing + describing</a:t>
                       </a:r>
                       <a:r>
-                        <a:rPr lang="en-GB" sz="1600" baseline="0" dirty="0" smtClean="0">
+                        <a:rPr lang="en-GB" sz="1600" baseline="0" dirty="0">
                           <a:solidFill>
                             <a:schemeClr val="tx1"/>
                           </a:solidFill>
@@ -26123,7 +25197,7 @@
                         <a:t> + a</a:t>
                       </a:r>
                       <a:r>
-                        <a:rPr lang="en-GB" sz="1600" dirty="0" smtClean="0">
+                        <a:rPr lang="en-GB" sz="1600" dirty="0">
                           <a:solidFill>
                             <a:schemeClr val="tx1"/>
                           </a:solidFill>
@@ -26132,7 +25206,7 @@
                         <a:t>cting</a:t>
                       </a:r>
                       <a:r>
-                        <a:rPr lang="en-GB" sz="1600" baseline="0" dirty="0" smtClean="0">
+                        <a:rPr lang="en-GB" sz="1600" baseline="0" dirty="0">
                           <a:solidFill>
                             <a:schemeClr val="tx1"/>
                           </a:solidFill>
@@ -26141,7 +25215,7 @@
                         <a:t> + </a:t>
                       </a:r>
                       <a:r>
-                        <a:rPr lang="en-GB" sz="1600" dirty="0" err="1" smtClean="0">
+                        <a:rPr lang="en-GB" sz="1600" dirty="0" err="1">
                           <a:solidFill>
                             <a:schemeClr val="tx1"/>
                           </a:solidFill>
@@ -26150,7 +25224,7 @@
                         <a:t>nonreactivity</a:t>
                       </a:r>
                       <a:r>
-                        <a:rPr lang="en-GB" sz="1600" dirty="0" smtClean="0">
+                        <a:rPr lang="en-GB" sz="1600" dirty="0">
                           <a:solidFill>
                             <a:schemeClr val="tx1"/>
                           </a:solidFill>
@@ -26159,7 +25233,7 @@
                         <a:t> + </a:t>
                       </a:r>
                       <a:r>
-                        <a:rPr lang="en-GB" sz="1600" dirty="0" err="1" smtClean="0">
+                        <a:rPr lang="en-GB" sz="1600" dirty="0" err="1">
                           <a:solidFill>
                             <a:schemeClr val="tx1"/>
                           </a:solidFill>
@@ -26168,7 +25242,7 @@
                         <a:t>nonjudging</a:t>
                       </a:r>
                       <a:r>
-                        <a:rPr lang="en-GB" sz="1600" dirty="0" smtClean="0">
+                        <a:rPr lang="en-GB" sz="1600" dirty="0">
                           <a:solidFill>
                             <a:schemeClr val="tx1"/>
                           </a:solidFill>
@@ -26186,7 +25260,7 @@
                         <a:buNone/>
                       </a:pPr>
                       <a:r>
-                        <a:rPr lang="en-GB" sz="1600" dirty="0" smtClean="0">
+                        <a:rPr lang="en-GB" sz="1600" dirty="0">
                           <a:solidFill>
                             <a:schemeClr val="tx1"/>
                           </a:solidFill>
@@ -26211,7 +25285,7 @@
                         <a:buNone/>
                       </a:pPr>
                       <a:r>
-                        <a:rPr lang="en-GB" sz="2000" dirty="0" smtClean="0">
+                        <a:rPr lang="en-GB" sz="2000" dirty="0">
                           <a:solidFill>
                             <a:schemeClr val="tx1"/>
                           </a:solidFill>
@@ -26236,7 +25310,7 @@
                         <a:buNone/>
                       </a:pPr>
                       <a:r>
-                        <a:rPr lang="en-GB" sz="2000" dirty="0" smtClean="0">
+                        <a:rPr lang="en-GB" sz="2000" dirty="0">
                           <a:solidFill>
                             <a:schemeClr val="tx1"/>
                           </a:solidFill>
@@ -26260,7 +25334,7 @@
                         <a:buFontTx/>
                         <a:buNone/>
                       </a:pPr>
-                      <a:endParaRPr lang="en-GB" sz="2000" dirty="0" smtClean="0">
+                      <a:endParaRPr lang="en-GB" sz="2000" dirty="0">
                         <a:solidFill>
                           <a:schemeClr val="tx1"/>
                         </a:solidFill>
@@ -26282,7 +25356,7 @@
                         <a:buFontTx/>
                         <a:buNone/>
                       </a:pPr>
-                      <a:endParaRPr lang="en-GB" sz="2000" dirty="0" smtClean="0">
+                      <a:endParaRPr lang="en-GB" sz="2000" dirty="0">
                         <a:solidFill>
                           <a:schemeClr val="tx1"/>
                         </a:solidFill>
@@ -26325,17 +25399,6 @@
           <a:lstStyle/>
           <a:p>
             <a:r>
-              <a:rPr lang="en-GB" b="1" dirty="0" smtClean="0">
-                <a:solidFill>
-                  <a:schemeClr val="tx2">
-                    <a:lumMod val="50000"/>
-                  </a:schemeClr>
-                </a:solidFill>
-                <a:latin typeface="+mj-lt"/>
-              </a:rPr>
-              <a:t>Do mindfulness and emotional intelligence predict psychological </a:t>
-            </a:r>
-            <a:r>
               <a:rPr lang="en-GB" b="1" dirty="0">
                 <a:solidFill>
                   <a:schemeClr val="tx2">
@@ -26344,62 +25407,7 @@
                 </a:solidFill>
                 <a:latin typeface="+mj-lt"/>
               </a:rPr>
-              <a:t>wellbeing</a:t>
-            </a:r>
-            <a:r>
-              <a:rPr lang="en-GB" b="1" dirty="0" smtClean="0">
-                <a:solidFill>
-                  <a:schemeClr val="tx2">
-                    <a:lumMod val="50000"/>
-                  </a:schemeClr>
-                </a:solidFill>
-                <a:latin typeface="+mj-lt"/>
-              </a:rPr>
-              <a:t>, after controlling for </a:t>
-            </a:r>
-            <a:r>
-              <a:rPr lang="en-GB" b="1" dirty="0">
-                <a:solidFill>
-                  <a:schemeClr val="tx2">
-                    <a:lumMod val="50000"/>
-                  </a:schemeClr>
-                </a:solidFill>
-                <a:latin typeface="+mj-lt"/>
-              </a:rPr>
-              <a:t>brooding</a:t>
-            </a:r>
-            <a:r>
-              <a:rPr lang="en-GB" b="1" dirty="0" smtClean="0">
-                <a:solidFill>
-                  <a:schemeClr val="tx2">
-                    <a:lumMod val="50000"/>
-                  </a:schemeClr>
-                </a:solidFill>
-                <a:latin typeface="+mj-lt"/>
-              </a:rPr>
-              <a:t> and </a:t>
-            </a:r>
-            <a:r>
-              <a:rPr lang="en-GB" b="1" dirty="0">
-                <a:solidFill>
-                  <a:schemeClr val="tx2">
-                    <a:lumMod val="50000"/>
-                  </a:schemeClr>
-                </a:solidFill>
-                <a:latin typeface="+mj-lt"/>
-              </a:rPr>
-              <a:t>worry</a:t>
-            </a:r>
-            <a:r>
-              <a:rPr lang="en-GB" b="1" dirty="0" smtClean="0">
-                <a:solidFill>
-                  <a:schemeClr val="tx2">
-                    <a:lumMod val="50000"/>
-                  </a:schemeClr>
-                </a:solidFill>
-                <a:latin typeface="+mj-lt"/>
-              </a:rPr>
-              <a:t>?</a:t>
+              <a:t>Do mindfulness and emotional intelligence predict psychological wellbeing, after controlling for brooding and worry?</a:t>
             </a:r>
           </a:p>
         </p:txBody>
@@ -26427,7 +25435,7 @@
           <a:lstStyle/>
           <a:p>
             <a:r>
-              <a:rPr lang="en-GB" sz="2000" dirty="0" smtClean="0">
+              <a:rPr lang="en-GB" sz="2000" dirty="0">
                 <a:solidFill>
                   <a:schemeClr val="tx1"/>
                 </a:solidFill>
@@ -26436,7 +25444,7 @@
               <a:t>Outcome variable = </a:t>
             </a:r>
             <a:r>
-              <a:rPr lang="en-GB" dirty="0" smtClean="0">
+              <a:rPr lang="en-GB" dirty="0">
                 <a:solidFill>
                   <a:schemeClr val="tx1"/>
                 </a:solidFill>
@@ -26475,7 +25483,7 @@
           <a:lstStyle/>
           <a:p>
             <a:r>
-              <a:rPr lang="en-GB" sz="2000" dirty="0" smtClean="0">
+              <a:rPr lang="en-GB" sz="2000" dirty="0">
                 <a:solidFill>
                   <a:schemeClr val="tx1"/>
                 </a:solidFill>
@@ -26490,13 +25498,13 @@
               <a:buChar char="•"/>
             </a:pPr>
             <a:r>
-              <a:rPr lang="en-GB" sz="2000" dirty="0" smtClean="0">
+              <a:rPr lang="en-GB" sz="2000" dirty="0">
                 <a:latin typeface="+mj-lt"/>
               </a:rPr>
               <a:t>Run the model using</a:t>
             </a:r>
             <a:r>
-              <a:rPr lang="en-GB" sz="2000" dirty="0" smtClean="0">
+              <a:rPr lang="en-GB" sz="2000" dirty="0">
                 <a:solidFill>
                   <a:schemeClr val="tx1"/>
                 </a:solidFill>
@@ -26505,7 +25513,7 @@
               <a:t> </a:t>
             </a:r>
             <a:r>
-              <a:rPr lang="en-GB" dirty="0" smtClean="0">
+              <a:rPr lang="en-GB" dirty="0">
                 <a:solidFill>
                   <a:schemeClr val="tx1"/>
                 </a:solidFill>
@@ -26519,9 +25527,6 @@
               </a:rPr>
               <a:t> </a:t>
             </a:r>
-            <a:endParaRPr lang="en-GB" sz="2000" dirty="0" smtClean="0">
-              <a:latin typeface="Lucida Console" panose="020B0609040504020204" pitchFamily="49" charset="0"/>
-            </a:endParaRPr>
           </a:p>
           <a:p>
             <a:pPr marL="800100" lvl="1" indent="-342900">
@@ -26529,36 +25534,36 @@
               <a:buChar char="•"/>
             </a:pPr>
             <a:r>
-              <a:rPr lang="en-GB" sz="2000" dirty="0" smtClean="0">
+              <a:rPr lang="en-GB" sz="2000" dirty="0">
                 <a:latin typeface="+mj-lt"/>
               </a:rPr>
               <a:t>Obtain </a:t>
             </a:r>
             <a:r>
-              <a:rPr lang="en-GB" sz="2000" b="1" dirty="0" smtClean="0">
+              <a:rPr lang="en-GB" sz="2000" b="1" dirty="0">
                 <a:latin typeface="+mj-lt"/>
               </a:rPr>
               <a:t>R</a:t>
             </a:r>
             <a:r>
-              <a:rPr lang="en-GB" sz="2000" b="1" baseline="30000" dirty="0" smtClean="0">
+              <a:rPr lang="en-GB" sz="2000" b="1" baseline="30000" dirty="0">
                 <a:latin typeface="+mj-lt"/>
               </a:rPr>
               <a:t>2</a:t>
             </a:r>
             <a:r>
-              <a:rPr lang="en-GB" sz="2000" dirty="0" smtClean="0">
+              <a:rPr lang="en-GB" sz="2000" dirty="0">
                 <a:latin typeface="+mj-lt"/>
               </a:rPr>
               <a:t> using </a:t>
             </a:r>
             <a:r>
-              <a:rPr lang="en-GB" dirty="0" smtClean="0">
+              <a:rPr lang="en-GB" dirty="0">
                 <a:latin typeface="Lucida Console" panose="020B0609040504020204" pitchFamily="49" charset="0"/>
               </a:rPr>
               <a:t>glance()</a:t>
             </a:r>
-            <a:endParaRPr lang="en-GB" sz="2000" baseline="30000" dirty="0" smtClean="0">
+            <a:endParaRPr lang="en-GB" sz="2000" baseline="30000" dirty="0">
               <a:latin typeface="Lucida Console" panose="020B0609040504020204" pitchFamily="49" charset="0"/>
             </a:endParaRPr>
           </a:p>
@@ -26568,19 +25573,19 @@
               <a:buChar char="•"/>
             </a:pPr>
             <a:r>
-              <a:rPr lang="en-GB" sz="2000" dirty="0" smtClean="0">
+              <a:rPr lang="en-GB" sz="2000" dirty="0">
                 <a:latin typeface="+mj-lt"/>
               </a:rPr>
               <a:t>Work out the change in R</a:t>
             </a:r>
             <a:r>
-              <a:rPr lang="en-GB" sz="2000" baseline="30000" dirty="0" smtClean="0">
+              <a:rPr lang="en-GB" sz="2000" baseline="30000" dirty="0">
                 <a:latin typeface="+mj-lt"/>
               </a:rPr>
               <a:t>2</a:t>
             </a:r>
             <a:r>
-              <a:rPr lang="en-GB" sz="2000" dirty="0" smtClean="0">
+              <a:rPr lang="en-GB" sz="2000" dirty="0">
                 <a:latin typeface="+mj-lt"/>
               </a:rPr>
               <a:t> at each step (</a:t>
@@ -26604,7 +25609,7 @@
               <a:t>2</a:t>
             </a:r>
             <a:r>
-              <a:rPr lang="en-GB" sz="2000" dirty="0" smtClean="0">
+              <a:rPr lang="en-GB" sz="2000" dirty="0">
                 <a:latin typeface="+mj-lt"/>
               </a:rPr>
               <a:t>)</a:t>
@@ -26613,14 +25618,11 @@
           <a:p>
             <a:pPr lvl="2"/>
             <a:r>
-              <a:rPr lang="en-GB" sz="1600" dirty="0" smtClean="0">
+              <a:rPr lang="en-GB" sz="1600" dirty="0">
                 <a:latin typeface="+mj-lt"/>
               </a:rPr>
               <a:t>e.g., Step 2: 0.33 – 0.19 = 0.14</a:t>
             </a:r>
-            <a:endParaRPr lang="en-GB" sz="1600" dirty="0">
-              <a:latin typeface="+mj-lt"/>
-            </a:endParaRPr>
           </a:p>
         </p:txBody>
       </p:sp>
@@ -27073,10 +26075,9 @@
           <a:lstStyle/>
           <a:p>
             <a:r>
-              <a:rPr lang="en-GB" dirty="0" smtClean="0"/>
+              <a:rPr lang="en-GB" dirty="0"/>
               <a:t>Evidence for the contribution of the predictors on each step</a:t>
             </a:r>
-            <a:endParaRPr lang="en-GB" dirty="0"/>
           </a:p>
         </p:txBody>
       </p:sp>
@@ -27139,7 +26140,7 @@
               <a:lstStyle/>
               <a:p>
                 <a:r>
-                  <a:rPr lang="en-GB" b="1" dirty="0" smtClean="0">
+                  <a:rPr lang="en-GB" b="1" dirty="0">
                     <a:solidFill>
                       <a:schemeClr val="tx2">
                         <a:lumMod val="50000"/>
@@ -27148,13 +26149,6 @@
                   </a:rPr>
                   <a:t>Bayes factors of models can be compared to tell us how much more likely a particular model is than another model:</a:t>
                 </a:r>
-                <a:endParaRPr lang="en-GB" b="1" dirty="0">
-                  <a:solidFill>
-                    <a:schemeClr val="tx2">
-                      <a:lumMod val="50000"/>
-                    </a:schemeClr>
-                  </a:solidFill>
-                </a:endParaRPr>
               </a:p>
               <a:p>
                 <a:endParaRPr lang="en-GB" sz="1600" b="1" dirty="0"/>
@@ -27255,14 +26249,14 @@
                     </m:oMath>
                   </m:oMathPara>
                 </a14:m>
-                <a:endParaRPr lang="en-GB" b="1" dirty="0" smtClean="0"/>
+                <a:endParaRPr lang="en-GB" b="1" dirty="0"/>
               </a:p>
               <a:p>
-                <a:endParaRPr lang="en-GB" sz="1600" b="1" dirty="0" smtClean="0"/>
+                <a:endParaRPr lang="en-GB" sz="1600" b="1" dirty="0"/>
               </a:p>
               <a:p>
                 <a:r>
-                  <a:rPr lang="en-GB" dirty="0" smtClean="0"/>
+                  <a:rPr lang="en-GB" dirty="0"/>
                   <a:t>This will tell us how many times more likely the more complex model is than the simpler model</a:t>
                 </a:r>
               </a:p>
@@ -27333,13 +26327,13 @@
               <a:lstStyle/>
               <a:p>
                 <a:r>
-                  <a:rPr lang="en-GB" dirty="0" smtClean="0"/>
+                  <a:rPr lang="en-GB" dirty="0"/>
                   <a:t>So, comparing:</a:t>
                 </a:r>
               </a:p>
               <a:p>
                 <a:r>
-                  <a:rPr lang="en-GB" sz="1600" dirty="0" smtClean="0"/>
+                  <a:rPr lang="en-GB" sz="1600" dirty="0"/>
                   <a:t> </a:t>
                 </a:r>
               </a:p>
@@ -27475,45 +26469,21 @@
                     </m:oMath>
                   </m:oMathPara>
                 </a14:m>
-                <a:endParaRPr lang="en-GB" dirty="0" smtClean="0"/>
+                <a:endParaRPr lang="en-GB" dirty="0"/>
               </a:p>
               <a:p>
                 <a:endParaRPr lang="en-GB" sz="1600" dirty="0"/>
               </a:p>
               <a:p>
                 <a:r>
-                  <a:rPr lang="en-GB" dirty="0" smtClean="0"/>
-                  <a:t>will tell </a:t>
+                  <a:rPr lang="en-GB" dirty="0"/>
+                  <a:t>will tell us how many times more likely the model is in </a:t>
                 </a:r>
+                <a:br>
+                  <a:rPr lang="en-GB" dirty="0"/>
+                </a:br>
                 <a:r>
                   <a:rPr lang="en-GB" dirty="0"/>
-                  <a:t>us </a:t>
-                </a:r>
-                <a:r>
-                  <a:rPr lang="en-GB" dirty="0" smtClean="0"/>
-                  <a:t>how </a:t>
-                </a:r>
-                <a:r>
-                  <a:rPr lang="en-GB" dirty="0"/>
-                  <a:t>many </a:t>
-                </a:r>
-                <a:r>
-                  <a:rPr lang="en-GB" dirty="0" smtClean="0"/>
-                  <a:t>times more likely </a:t>
-                </a:r>
-                <a:r>
-                  <a:rPr lang="en-GB" dirty="0"/>
-                  <a:t>the model is </a:t>
-                </a:r>
-                <a:r>
-                  <a:rPr lang="en-GB" dirty="0" smtClean="0"/>
-                  <a:t>in </a:t>
-                </a:r>
-                <a:br>
-                  <a:rPr lang="en-GB" dirty="0" smtClean="0"/>
-                </a:br>
-                <a:r>
-                  <a:rPr lang="en-GB" dirty="0" smtClean="0"/>
                   <a:t>Step 2 vs. Step 1</a:t>
                 </a:r>
               </a:p>
@@ -27522,22 +26492,18 @@
               </a:p>
               <a:p>
                 <a:r>
-                  <a:rPr lang="en-GB" dirty="0" smtClean="0"/>
+                  <a:rPr lang="en-GB" dirty="0"/>
                   <a:t>It therefore tells us whether the additional predictors in </a:t>
                 </a:r>
                 <a:br>
-                  <a:rPr lang="en-GB" dirty="0" smtClean="0"/>
+                  <a:rPr lang="en-GB" dirty="0"/>
                 </a:br>
                 <a:r>
-                  <a:rPr lang="en-GB" dirty="0" smtClean="0"/>
+                  <a:rPr lang="en-GB" dirty="0"/>
                   <a:t>Step 2 make a unique contribution to the prediction of the outcome variable or not.</a:t>
                 </a:r>
-                <a:r>
-                  <a:rPr lang="en-GB" sz="1600" dirty="0" smtClean="0"/>
-                  <a:t/>
-                </a:r>
                 <a:br>
-                  <a:rPr lang="en-GB" sz="1600" dirty="0" smtClean="0"/>
+                  <a:rPr lang="en-GB" sz="1600" dirty="0"/>
                 </a:br>
                 <a:endParaRPr lang="en-GB" sz="1600" dirty="0"/>
               </a:p>
@@ -27758,10 +26724,9 @@
           <a:lstStyle/>
           <a:p>
             <a:r>
-              <a:rPr lang="en-GB" dirty="0" smtClean="0"/>
+              <a:rPr lang="en-GB" dirty="0"/>
               <a:t>Evidence for the contribution of the predictors on each step</a:t>
             </a:r>
-            <a:endParaRPr lang="en-GB" dirty="0"/>
           </a:p>
         </p:txBody>
       </p:sp>
@@ -27819,7 +26784,7 @@
               <a:lstStyle/>
               <a:p>
                 <a:r>
-                  <a:rPr lang="en-GB" sz="1600" dirty="0" smtClean="0"/>
+                  <a:rPr lang="en-GB" sz="1600" dirty="0"/>
                   <a:t> </a:t>
                 </a:r>
               </a:p>
@@ -27955,7 +26920,7 @@
                     </m:oMath>
                   </m:oMathPara>
                 </a14:m>
-                <a:endParaRPr lang="en-GB" dirty="0" smtClean="0"/>
+                <a:endParaRPr lang="en-GB" dirty="0"/>
               </a:p>
               <a:p>
                 <a:endParaRPr lang="en-GB" sz="1600" dirty="0"/>
@@ -28127,31 +27092,31 @@
               <a:buChar char="•"/>
             </a:pPr>
             <a:r>
-              <a:rPr lang="en-GB" dirty="0" smtClean="0">
+              <a:rPr lang="en-GB" dirty="0">
                 <a:latin typeface="+mj-lt"/>
               </a:rPr>
               <a:t>The model with both brooding and </a:t>
             </a:r>
             <a:r>
-              <a:rPr lang="en-GB" sz="1600" dirty="0" smtClean="0">
+              <a:rPr lang="en-GB" sz="1600" dirty="0">
                 <a:latin typeface="Lucida Console" panose="020B0609040504020204" pitchFamily="49" charset="0"/>
               </a:rPr>
               <a:t>worry</a:t>
             </a:r>
             <a:r>
-              <a:rPr lang="en-GB" dirty="0" smtClean="0">
+              <a:rPr lang="en-GB" dirty="0">
                 <a:latin typeface="+mj-lt"/>
               </a:rPr>
               <a:t> is over 50 times more likely than the model with only </a:t>
             </a:r>
             <a:r>
-              <a:rPr lang="en-GB" sz="1600" dirty="0" smtClean="0">
+              <a:rPr lang="en-GB" sz="1600" dirty="0">
                 <a:latin typeface="Lucida Console" panose="020B0609040504020204" pitchFamily="49" charset="0"/>
               </a:rPr>
               <a:t>brooding</a:t>
             </a:r>
             <a:r>
-              <a:rPr lang="en-GB" dirty="0" smtClean="0">
+              <a:rPr lang="en-GB" dirty="0">
                 <a:latin typeface="+mj-lt"/>
               </a:rPr>
               <a:t> in.</a:t>
@@ -28163,7 +27128,7 @@
               <a:buChar char="•"/>
             </a:pPr>
             <a:r>
-              <a:rPr lang="en-GB" dirty="0" smtClean="0">
+              <a:rPr lang="en-GB" dirty="0">
                 <a:solidFill>
                   <a:schemeClr val="tx1"/>
                 </a:solidFill>
@@ -28172,7 +27137,7 @@
               <a:t>There’s substantial evidence that </a:t>
             </a:r>
             <a:r>
-              <a:rPr lang="en-GB" sz="1600" dirty="0" smtClean="0">
+              <a:rPr lang="en-GB" sz="1600" dirty="0">
                 <a:solidFill>
                   <a:schemeClr val="tx1"/>
                 </a:solidFill>
@@ -28181,7 +27146,7 @@
               <a:t>worry</a:t>
             </a:r>
             <a:r>
-              <a:rPr lang="en-GB" dirty="0" smtClean="0">
+              <a:rPr lang="en-GB" dirty="0">
                 <a:solidFill>
                   <a:schemeClr val="tx1"/>
                 </a:solidFill>
@@ -28190,7 +27155,7 @@
               <a:t> makes a unique contribution to the prediction of </a:t>
             </a:r>
             <a:r>
-              <a:rPr lang="en-GB" sz="1600" dirty="0" smtClean="0">
+              <a:rPr lang="en-GB" sz="1600" dirty="0">
                 <a:solidFill>
                   <a:schemeClr val="tx1"/>
                 </a:solidFill>
@@ -28199,7 +27164,7 @@
               <a:t>wellbeing</a:t>
             </a:r>
             <a:r>
-              <a:rPr lang="en-GB" dirty="0" smtClean="0">
+              <a:rPr lang="en-GB" dirty="0">
                 <a:solidFill>
                   <a:schemeClr val="tx1"/>
                 </a:solidFill>
@@ -28208,7 +27173,7 @@
               <a:t>, after controlling for </a:t>
             </a:r>
             <a:r>
-              <a:rPr lang="en-GB" sz="1600" dirty="0" smtClean="0">
+              <a:rPr lang="en-GB" sz="1600" dirty="0">
                 <a:solidFill>
                   <a:schemeClr val="tx1"/>
                 </a:solidFill>
@@ -28217,7 +27182,7 @@
               <a:t>brooding</a:t>
             </a:r>
             <a:r>
-              <a:rPr lang="en-GB" dirty="0" smtClean="0">
+              <a:rPr lang="en-GB" dirty="0">
                 <a:solidFill>
                   <a:schemeClr val="tx1"/>
                 </a:solidFill>
@@ -28232,19 +27197,19 @@
               <a:buChar char="•"/>
             </a:pPr>
             <a:r>
-              <a:rPr lang="en-GB" dirty="0" smtClean="0">
+              <a:rPr lang="en-GB" dirty="0">
                 <a:latin typeface="+mj-lt"/>
               </a:rPr>
               <a:t>Follow same process for each subsequent step </a:t>
             </a:r>
             <a:r>
-              <a:rPr lang="en-GB" dirty="0" smtClean="0">
+              <a:rPr lang="en-GB" dirty="0">
                 <a:latin typeface="+mj-lt"/>
                 <a:sym typeface="Wingdings" panose="05000000000000000000" pitchFamily="2" charset="2"/>
               </a:rPr>
               <a:t> </a:t>
             </a:r>
-            <a:endParaRPr lang="en-GB" dirty="0" smtClean="0">
+            <a:endParaRPr lang="en-GB" dirty="0">
               <a:solidFill>
                 <a:schemeClr val="tx1"/>
               </a:solidFill>
@@ -28521,7 +27486,7 @@
                     <a:lstStyle/>
                     <a:p>
                       <a:r>
-                        <a:rPr lang="en-GB" sz="2400" dirty="0" smtClean="0">
+                        <a:rPr lang="en-GB" sz="2400" dirty="0">
                           <a:solidFill>
                             <a:schemeClr val="tx2">
                               <a:lumMod val="50000"/>
@@ -28530,13 +27495,6 @@
                         </a:rPr>
                         <a:t>Predictors</a:t>
                       </a:r>
-                      <a:endParaRPr lang="en-GB" sz="2400" dirty="0">
-                        <a:solidFill>
-                          <a:schemeClr val="tx2">
-                            <a:lumMod val="50000"/>
-                          </a:schemeClr>
-                        </a:solidFill>
-                      </a:endParaRPr>
                     </a:p>
                   </a:txBody>
                   <a:tcPr anchor="ctr"/>
@@ -28547,7 +27505,7 @@
                     <a:lstStyle/>
                     <a:p>
                       <a:r>
-                        <a:rPr lang="en-GB" sz="2400" dirty="0" smtClean="0">
+                        <a:rPr lang="en-GB" sz="2400" dirty="0">
                           <a:solidFill>
                             <a:schemeClr val="tx2">
                               <a:lumMod val="50000"/>
@@ -28557,72 +27515,7 @@
                         <a:t>R</a:t>
                       </a:r>
                       <a:r>
-                        <a:rPr lang="en-GB" sz="2400" baseline="30000" dirty="0" smtClean="0">
-                          <a:solidFill>
-                            <a:schemeClr val="tx2">
-                              <a:lumMod val="50000"/>
-                            </a:schemeClr>
-                          </a:solidFill>
-                        </a:rPr>
-                        <a:t>2</a:t>
-                      </a:r>
-                      <a:endParaRPr lang="en-GB" sz="2400" baseline="30000" dirty="0">
-                        <a:solidFill>
-                          <a:schemeClr val="tx2">
-                            <a:lumMod val="50000"/>
-                          </a:schemeClr>
-                        </a:solidFill>
-                      </a:endParaRPr>
-                    </a:p>
-                  </a:txBody>
-                  <a:tcPr anchor="ctr"/>
-                </a:tc>
-                <a:tc>
-                  <a:txBody>
-                    <a:bodyPr/>
-                    <a:lstStyle/>
-                    <a:p>
-                      <a:pPr marL="0" marR="0" lvl="0" indent="0" algn="l" defTabSz="685800" rtl="0" eaLnBrk="1" fontAlgn="auto" latinLnBrk="0" hangingPunct="1">
-                        <a:lnSpc>
-                          <a:spcPct val="100000"/>
-                        </a:lnSpc>
-                        <a:spcBef>
-                          <a:spcPts val="0"/>
-                        </a:spcBef>
-                        <a:spcAft>
-                          <a:spcPts val="0"/>
-                        </a:spcAft>
-                        <a:buClrTx/>
-                        <a:buSzTx/>
-                        <a:buFontTx/>
-                        <a:buNone/>
-                        <a:tabLst/>
-                        <a:defRPr/>
-                      </a:pPr>
-                      <a:r>
-                        <a:rPr lang="el-GR" sz="2400" dirty="0" smtClean="0">
-                          <a:solidFill>
-                            <a:schemeClr val="tx2">
-                              <a:lumMod val="50000"/>
-                            </a:schemeClr>
-                          </a:solidFill>
-                          <a:latin typeface="Times New Roman" panose="02020603050405020304" pitchFamily="18" charset="0"/>
-                          <a:cs typeface="Times New Roman" panose="02020603050405020304" pitchFamily="18" charset="0"/>
-                        </a:rPr>
-                        <a:t>Δ</a:t>
-                      </a:r>
-                      <a:r>
-                        <a:rPr lang="en-GB" sz="2400" dirty="0" smtClean="0">
-                          <a:solidFill>
-                            <a:schemeClr val="tx2">
-                              <a:lumMod val="50000"/>
-                            </a:schemeClr>
-                          </a:solidFill>
-                        </a:rPr>
-                        <a:t>R</a:t>
-                      </a:r>
-                      <a:r>
-                        <a:rPr lang="en-GB" sz="2400" baseline="30000" dirty="0" smtClean="0">
+                        <a:rPr lang="en-GB" sz="2400" baseline="30000" dirty="0">
                           <a:solidFill>
                             <a:schemeClr val="tx2">
                               <a:lumMod val="50000"/>
@@ -28658,7 +27551,65 @@
                         <a:defRPr/>
                       </a:pPr>
                       <a:r>
-                        <a:rPr lang="en-GB" sz="2400" baseline="0" dirty="0" smtClean="0">
+                        <a:rPr lang="el-GR" sz="2400" dirty="0">
+                          <a:solidFill>
+                            <a:schemeClr val="tx2">
+                              <a:lumMod val="50000"/>
+                            </a:schemeClr>
+                          </a:solidFill>
+                          <a:latin typeface="Times New Roman" panose="02020603050405020304" pitchFamily="18" charset="0"/>
+                          <a:cs typeface="Times New Roman" panose="02020603050405020304" pitchFamily="18" charset="0"/>
+                        </a:rPr>
+                        <a:t>Δ</a:t>
+                      </a:r>
+                      <a:r>
+                        <a:rPr lang="en-GB" sz="2400" dirty="0">
+                          <a:solidFill>
+                            <a:schemeClr val="tx2">
+                              <a:lumMod val="50000"/>
+                            </a:schemeClr>
+                          </a:solidFill>
+                        </a:rPr>
+                        <a:t>R</a:t>
+                      </a:r>
+                      <a:r>
+                        <a:rPr lang="en-GB" sz="2400" baseline="30000" dirty="0">
+                          <a:solidFill>
+                            <a:schemeClr val="tx2">
+                              <a:lumMod val="50000"/>
+                            </a:schemeClr>
+                          </a:solidFill>
+                        </a:rPr>
+                        <a:t>2</a:t>
+                      </a:r>
+                    </a:p>
+                  </a:txBody>
+                  <a:tcPr anchor="ctr"/>
+                </a:tc>
+                <a:tc>
+                  <a:txBody>
+                    <a:bodyPr/>
+                    <a:lstStyle/>
+                    <a:p>
+                      <a:pPr marL="0" marR="0" lvl="0" indent="0" algn="l" defTabSz="685800" rtl="0" eaLnBrk="1" fontAlgn="auto" latinLnBrk="0" hangingPunct="1">
+                        <a:lnSpc>
+                          <a:spcPct val="100000"/>
+                        </a:lnSpc>
+                        <a:spcBef>
+                          <a:spcPts val="0"/>
+                        </a:spcBef>
+                        <a:spcAft>
+                          <a:spcPts val="0"/>
+                        </a:spcAft>
+                        <a:buClrTx/>
+                        <a:buSzTx/>
+                        <a:buFontTx/>
+                        <a:buNone/>
+                        <a:tabLst/>
+                        <a:defRPr/>
+                      </a:pPr>
+                      <a:r>
+                        <a:rPr lang="en-GB" sz="2400" baseline="0" dirty="0">
                           <a:solidFill>
                             <a:schemeClr val="tx2">
                               <a:lumMod val="50000"/>
@@ -28694,7 +27645,7 @@
                         <a:defRPr/>
                       </a:pPr>
                       <a:r>
-                        <a:rPr lang="en-GB" sz="2400" baseline="0" dirty="0" smtClean="0">
+                        <a:rPr lang="en-GB" sz="2400" baseline="0" dirty="0">
                           <a:solidFill>
                             <a:schemeClr val="tx2">
                               <a:lumMod val="50000"/>
@@ -28704,7 +27655,7 @@
                         <a:t>B</a:t>
                       </a:r>
                       <a:r>
-                        <a:rPr lang="en-GB" sz="2400" b="1" kern="1200" baseline="0" dirty="0" smtClean="0">
+                        <a:rPr lang="en-GB" sz="2400" b="1" kern="1200" baseline="0" dirty="0">
                           <a:solidFill>
                             <a:schemeClr val="tx2">
                               <a:lumMod val="50000"/>
@@ -28733,7 +27684,7 @@
                     <a:lstStyle/>
                     <a:p>
                       <a:r>
-                        <a:rPr lang="en-GB" sz="1600" dirty="0" smtClean="0">
+                        <a:rPr lang="en-GB" sz="1600" dirty="0">
                           <a:solidFill>
                             <a:schemeClr val="tx2">
                               <a:lumMod val="50000"/>
@@ -28742,13 +27693,6 @@
                         </a:rPr>
                         <a:t>Step 1</a:t>
                       </a:r>
-                      <a:endParaRPr lang="en-GB" sz="1600" dirty="0">
-                        <a:solidFill>
-                          <a:schemeClr val="tx2">
-                            <a:lumMod val="50000"/>
-                          </a:schemeClr>
-                        </a:solidFill>
-                      </a:endParaRPr>
                     </a:p>
                   </a:txBody>
                   <a:tcPr anchor="ctr"/>
@@ -28759,14 +27703,11 @@
                     <a:lstStyle/>
                     <a:p>
                       <a:r>
-                        <a:rPr lang="en-GB" sz="1800" dirty="0" smtClean="0">
+                        <a:rPr lang="en-GB" sz="1800" dirty="0">
                           <a:latin typeface="Lucida Console" panose="020B0609040504020204" pitchFamily="49" charset="0"/>
                         </a:rPr>
                         <a:t>brooding</a:t>
                       </a:r>
-                      <a:endParaRPr lang="en-GB" sz="1800" dirty="0">
-                        <a:latin typeface="Lucida Console" panose="020B0609040504020204" pitchFamily="49" charset="0"/>
-                      </a:endParaRPr>
                     </a:p>
                   </a:txBody>
                   <a:tcPr anchor="ctr"/>
@@ -28777,14 +27718,11 @@
                     <a:lstStyle/>
                     <a:p>
                       <a:r>
-                        <a:rPr lang="en-GB" sz="2000" dirty="0" smtClean="0">
+                        <a:rPr lang="en-GB" sz="2000" dirty="0">
                           <a:latin typeface="+mj-lt"/>
                         </a:rPr>
                         <a:t>0.19</a:t>
                       </a:r>
-                      <a:endParaRPr lang="en-GB" sz="2000" dirty="0">
-                        <a:latin typeface="+mj-lt"/>
-                      </a:endParaRPr>
                     </a:p>
                   </a:txBody>
                   <a:tcPr anchor="ctr"/>
@@ -28807,14 +27745,11 @@
                     <a:lstStyle/>
                     <a:p>
                       <a:r>
-                        <a:rPr lang="en-GB" sz="1600" dirty="0" smtClean="0">
+                        <a:rPr lang="en-GB" sz="1600" dirty="0">
                           <a:latin typeface="+mj-lt"/>
                         </a:rPr>
                         <a:t>95.76</a:t>
                       </a:r>
-                      <a:endParaRPr lang="en-GB" sz="1600" dirty="0">
-                        <a:latin typeface="+mj-lt"/>
-                      </a:endParaRPr>
                     </a:p>
                   </a:txBody>
                   <a:tcPr anchor="ctr"/>
@@ -28844,7 +27779,7 @@
                     <a:lstStyle/>
                     <a:p>
                       <a:r>
-                        <a:rPr lang="en-GB" sz="1600" dirty="0" smtClean="0">
+                        <a:rPr lang="en-GB" sz="1600" dirty="0">
                           <a:solidFill>
                             <a:schemeClr val="tx2">
                               <a:lumMod val="50000"/>
@@ -28853,13 +27788,6 @@
                         </a:rPr>
                         <a:t>Step 2</a:t>
                       </a:r>
-                      <a:endParaRPr lang="en-GB" sz="1600" dirty="0">
-                        <a:solidFill>
-                          <a:schemeClr val="tx2">
-                            <a:lumMod val="50000"/>
-                          </a:schemeClr>
-                        </a:solidFill>
-                      </a:endParaRPr>
                     </a:p>
                   </a:txBody>
                   <a:tcPr anchor="ctr"/>
@@ -28870,14 +27798,11 @@
                     <a:lstStyle/>
                     <a:p>
                       <a:r>
-                        <a:rPr lang="en-GB" sz="1800" dirty="0" smtClean="0">
+                        <a:rPr lang="en-GB" sz="1800" dirty="0">
                           <a:latin typeface="Lucida Console" panose="020B0609040504020204" pitchFamily="49" charset="0"/>
                         </a:rPr>
                         <a:t>brooding + worry </a:t>
                       </a:r>
-                      <a:endParaRPr lang="en-GB" sz="1800" dirty="0">
-                        <a:latin typeface="Lucida Console" panose="020B0609040504020204" pitchFamily="49" charset="0"/>
-                      </a:endParaRPr>
                     </a:p>
                   </a:txBody>
                   <a:tcPr anchor="ctr"/>
@@ -28888,14 +27813,11 @@
                     <a:lstStyle/>
                     <a:p>
                       <a:r>
-                        <a:rPr lang="en-GB" sz="2000" dirty="0" smtClean="0">
+                        <a:rPr lang="en-GB" sz="2000" dirty="0">
                           <a:latin typeface="+mj-lt"/>
                         </a:rPr>
                         <a:t>0.33</a:t>
                       </a:r>
-                      <a:endParaRPr lang="en-GB" sz="2000" dirty="0">
-                        <a:latin typeface="+mj-lt"/>
-                      </a:endParaRPr>
                     </a:p>
                   </a:txBody>
                   <a:tcPr anchor="ctr"/>
@@ -28906,14 +27828,11 @@
                     <a:lstStyle/>
                     <a:p>
                       <a:r>
-                        <a:rPr lang="en-GB" sz="2000" dirty="0" smtClean="0">
+                        <a:rPr lang="en-GB" sz="2000" dirty="0">
                           <a:latin typeface="+mj-lt"/>
                         </a:rPr>
                         <a:t>0.14</a:t>
                       </a:r>
-                      <a:endParaRPr lang="en-GB" sz="2000" dirty="0">
-                        <a:latin typeface="+mj-lt"/>
-                      </a:endParaRPr>
                     </a:p>
                   </a:txBody>
                   <a:tcPr anchor="ctr"/>
@@ -28924,14 +27843,11 @@
                     <a:lstStyle/>
                     <a:p>
                       <a:r>
-                        <a:rPr lang="en-GB" sz="1600" dirty="0" smtClean="0">
+                        <a:rPr lang="en-GB" sz="1600" dirty="0">
                           <a:latin typeface="+mj-lt"/>
                         </a:rPr>
                         <a:t>5373</a:t>
                       </a:r>
-                      <a:endParaRPr lang="en-GB" sz="1600" dirty="0">
-                        <a:latin typeface="+mj-lt"/>
-                      </a:endParaRPr>
                     </a:p>
                   </a:txBody>
                   <a:tcPr anchor="ctr"/>
@@ -28942,14 +27858,11 @@
                     <a:lstStyle/>
                     <a:p>
                       <a:r>
-                        <a:rPr lang="en-GB" sz="1600" dirty="0" smtClean="0">
+                        <a:rPr lang="en-GB" sz="1600" dirty="0">
                           <a:latin typeface="+mj-lt"/>
                         </a:rPr>
                         <a:t>56.11</a:t>
                       </a:r>
-                      <a:endParaRPr lang="en-GB" sz="1600" dirty="0">
-                        <a:latin typeface="+mj-lt"/>
-                      </a:endParaRPr>
                     </a:p>
                   </a:txBody>
                   <a:tcPr anchor="ctr"/>
@@ -28967,7 +27880,7 @@
                     <a:lstStyle/>
                     <a:p>
                       <a:r>
-                        <a:rPr lang="en-GB" sz="1600" dirty="0" smtClean="0">
+                        <a:rPr lang="en-GB" sz="1600" dirty="0">
                           <a:solidFill>
                             <a:schemeClr val="tx2">
                               <a:lumMod val="50000"/>
@@ -28976,13 +27889,6 @@
                         </a:rPr>
                         <a:t>Step 3</a:t>
                       </a:r>
-                      <a:endParaRPr lang="en-GB" sz="1600" dirty="0">
-                        <a:solidFill>
-                          <a:schemeClr val="tx2">
-                            <a:lumMod val="50000"/>
-                          </a:schemeClr>
-                        </a:solidFill>
-                      </a:endParaRPr>
                     </a:p>
                   </a:txBody>
                   <a:tcPr anchor="ctr"/>
@@ -29000,13 +27906,13 @@
                         <a:buNone/>
                       </a:pPr>
                       <a:r>
-                        <a:rPr lang="en-GB" sz="1600" dirty="0" smtClean="0">
+                        <a:rPr lang="en-GB" sz="1600" dirty="0">
                           <a:latin typeface="Lucida Console" panose="020B0609040504020204" pitchFamily="49" charset="0"/>
                         </a:rPr>
                         <a:t>brooding + worry</a:t>
                       </a:r>
                       <a:r>
-                        <a:rPr lang="en-GB" sz="1600" baseline="0" dirty="0" smtClean="0">
+                        <a:rPr lang="en-GB" sz="1600" baseline="0" dirty="0">
                           <a:latin typeface="Lucida Console" panose="020B0609040504020204" pitchFamily="49" charset="0"/>
                         </a:rPr>
                         <a:t> + </a:t>
@@ -29021,7 +27927,7 @@
                         <a:buNone/>
                       </a:pPr>
                       <a:r>
-                        <a:rPr lang="en-GB" sz="1600" dirty="0" smtClean="0">
+                        <a:rPr lang="en-GB" sz="1600" dirty="0">
                           <a:solidFill>
                             <a:schemeClr val="tx1"/>
                           </a:solidFill>
@@ -29030,7 +27936,7 @@
                         <a:t>observing + describing</a:t>
                       </a:r>
                       <a:r>
-                        <a:rPr lang="en-GB" sz="1600" baseline="0" dirty="0" smtClean="0">
+                        <a:rPr lang="en-GB" sz="1600" baseline="0" dirty="0">
                           <a:solidFill>
                             <a:schemeClr val="tx1"/>
                           </a:solidFill>
@@ -29039,7 +27945,7 @@
                         <a:t> + a</a:t>
                       </a:r>
                       <a:r>
-                        <a:rPr lang="en-GB" sz="1600" dirty="0" smtClean="0">
+                        <a:rPr lang="en-GB" sz="1600" dirty="0">
                           <a:solidFill>
                             <a:schemeClr val="tx1"/>
                           </a:solidFill>
@@ -29048,7 +27954,7 @@
                         <a:t>cting</a:t>
                       </a:r>
                       <a:r>
-                        <a:rPr lang="en-GB" sz="1600" baseline="0" dirty="0" smtClean="0">
+                        <a:rPr lang="en-GB" sz="1600" baseline="0" dirty="0">
                           <a:solidFill>
                             <a:schemeClr val="tx1"/>
                           </a:solidFill>
@@ -29057,7 +27963,7 @@
                         <a:t> + </a:t>
                       </a:r>
                       <a:r>
-                        <a:rPr lang="en-GB" sz="1600" dirty="0" err="1" smtClean="0">
+                        <a:rPr lang="en-GB" sz="1600" dirty="0" err="1">
                           <a:solidFill>
                             <a:schemeClr val="tx1"/>
                           </a:solidFill>
@@ -29066,7 +27972,7 @@
                         <a:t>nonreactivity</a:t>
                       </a:r>
                       <a:r>
-                        <a:rPr lang="en-GB" sz="1600" dirty="0" smtClean="0">
+                        <a:rPr lang="en-GB" sz="1600" dirty="0">
                           <a:solidFill>
                             <a:schemeClr val="tx1"/>
                           </a:solidFill>
@@ -29075,7 +27981,7 @@
                         <a:t> + </a:t>
                       </a:r>
                       <a:r>
-                        <a:rPr lang="en-GB" sz="1600" dirty="0" err="1" smtClean="0">
+                        <a:rPr lang="en-GB" sz="1600" dirty="0" err="1">
                           <a:solidFill>
                             <a:schemeClr val="tx1"/>
                           </a:solidFill>
@@ -29083,7 +27989,7 @@
                         </a:rPr>
                         <a:t>nonjudging</a:t>
                       </a:r>
-                      <a:endParaRPr lang="en-GB" sz="1600" dirty="0" smtClean="0">
+                      <a:endParaRPr lang="en-GB" sz="1600" dirty="0">
                         <a:solidFill>
                           <a:schemeClr val="tx1"/>
                         </a:solidFill>
@@ -29106,7 +28012,7 @@
                         <a:buNone/>
                       </a:pPr>
                       <a:r>
-                        <a:rPr lang="en-GB" sz="2000" dirty="0" smtClean="0">
+                        <a:rPr lang="en-GB" sz="2000" dirty="0">
                           <a:solidFill>
                             <a:schemeClr val="tx1"/>
                           </a:solidFill>
@@ -29131,7 +28037,7 @@
                         <a:buNone/>
                       </a:pPr>
                       <a:r>
-                        <a:rPr lang="en-GB" sz="2000" dirty="0" smtClean="0">
+                        <a:rPr lang="en-GB" sz="2000" dirty="0">
                           <a:solidFill>
                             <a:schemeClr val="tx1"/>
                           </a:solidFill>
@@ -29156,7 +28062,7 @@
                         <a:buNone/>
                       </a:pPr>
                       <a:r>
-                        <a:rPr lang="en-GB" sz="1400" dirty="0" smtClean="0">
+                        <a:rPr lang="en-GB" sz="1400" dirty="0">
                           <a:solidFill>
                             <a:schemeClr val="tx1"/>
                           </a:solidFill>
@@ -29181,7 +28087,7 @@
                         <a:buNone/>
                       </a:pPr>
                       <a:r>
-                        <a:rPr lang="en-GB" sz="1600" dirty="0" smtClean="0">
+                        <a:rPr lang="en-GB" sz="1600" dirty="0">
                           <a:solidFill>
                             <a:schemeClr val="tx1"/>
                           </a:solidFill>
@@ -29206,7 +28112,7 @@
                     <a:lstStyle/>
                     <a:p>
                       <a:r>
-                        <a:rPr lang="en-GB" sz="1600" dirty="0" smtClean="0">
+                        <a:rPr lang="en-GB" sz="1600" dirty="0">
                           <a:solidFill>
                             <a:schemeClr val="tx2">
                               <a:lumMod val="50000"/>
@@ -29215,13 +28121,6 @@
                         </a:rPr>
                         <a:t>Step 4</a:t>
                       </a:r>
-                      <a:endParaRPr lang="en-GB" sz="1600" dirty="0">
-                        <a:solidFill>
-                          <a:schemeClr val="tx2">
-                            <a:lumMod val="50000"/>
-                          </a:schemeClr>
-                        </a:solidFill>
-                      </a:endParaRPr>
                     </a:p>
                   </a:txBody>
                   <a:tcPr anchor="ctr"/>
@@ -29239,13 +28138,13 @@
                         <a:buNone/>
                       </a:pPr>
                       <a:r>
-                        <a:rPr lang="en-GB" sz="1600" dirty="0" smtClean="0">
+                        <a:rPr lang="en-GB" sz="1600" dirty="0">
                           <a:latin typeface="Lucida Console" panose="020B0609040504020204" pitchFamily="49" charset="0"/>
                         </a:rPr>
                         <a:t>brooding + worry</a:t>
                       </a:r>
                       <a:r>
-                        <a:rPr lang="en-GB" sz="1600" baseline="0" dirty="0" smtClean="0">
+                        <a:rPr lang="en-GB" sz="1600" baseline="0" dirty="0">
                           <a:latin typeface="Lucida Console" panose="020B0609040504020204" pitchFamily="49" charset="0"/>
                         </a:rPr>
                         <a:t> + </a:t>
@@ -29260,7 +28159,7 @@
                         <a:buNone/>
                       </a:pPr>
                       <a:r>
-                        <a:rPr lang="en-GB" sz="1600" dirty="0" smtClean="0">
+                        <a:rPr lang="en-GB" sz="1600" dirty="0">
                           <a:solidFill>
                             <a:schemeClr val="tx1"/>
                           </a:solidFill>
@@ -29269,7 +28168,7 @@
                         <a:t>observing + describing</a:t>
                       </a:r>
                       <a:r>
-                        <a:rPr lang="en-GB" sz="1600" baseline="0" dirty="0" smtClean="0">
+                        <a:rPr lang="en-GB" sz="1600" baseline="0" dirty="0">
                           <a:solidFill>
                             <a:schemeClr val="tx1"/>
                           </a:solidFill>
@@ -29278,7 +28177,7 @@
                         <a:t> + a</a:t>
                       </a:r>
                       <a:r>
-                        <a:rPr lang="en-GB" sz="1600" dirty="0" smtClean="0">
+                        <a:rPr lang="en-GB" sz="1600" dirty="0">
                           <a:solidFill>
                             <a:schemeClr val="tx1"/>
                           </a:solidFill>
@@ -29287,7 +28186,7 @@
                         <a:t>cting</a:t>
                       </a:r>
                       <a:r>
-                        <a:rPr lang="en-GB" sz="1600" baseline="0" dirty="0" smtClean="0">
+                        <a:rPr lang="en-GB" sz="1600" baseline="0" dirty="0">
                           <a:solidFill>
                             <a:schemeClr val="tx1"/>
                           </a:solidFill>
@@ -29296,7 +28195,7 @@
                         <a:t> + </a:t>
                       </a:r>
                       <a:r>
-                        <a:rPr lang="en-GB" sz="1600" dirty="0" err="1" smtClean="0">
+                        <a:rPr lang="en-GB" sz="1600" dirty="0" err="1">
                           <a:solidFill>
                             <a:schemeClr val="tx1"/>
                           </a:solidFill>
@@ -29305,7 +28204,7 @@
                         <a:t>nonreactivity</a:t>
                       </a:r>
                       <a:r>
-                        <a:rPr lang="en-GB" sz="1600" dirty="0" smtClean="0">
+                        <a:rPr lang="en-GB" sz="1600" dirty="0">
                           <a:solidFill>
                             <a:schemeClr val="tx1"/>
                           </a:solidFill>
@@ -29314,7 +28213,7 @@
                         <a:t> + </a:t>
                       </a:r>
                       <a:r>
-                        <a:rPr lang="en-GB" sz="1600" dirty="0" err="1" smtClean="0">
+                        <a:rPr lang="en-GB" sz="1600" dirty="0" err="1">
                           <a:solidFill>
                             <a:schemeClr val="tx1"/>
                           </a:solidFill>
@@ -29323,7 +28222,7 @@
                         <a:t>nonjudging</a:t>
                       </a:r>
                       <a:r>
-                        <a:rPr lang="en-GB" sz="1600" dirty="0" smtClean="0">
+                        <a:rPr lang="en-GB" sz="1600" dirty="0">
                           <a:solidFill>
                             <a:schemeClr val="tx1"/>
                           </a:solidFill>
@@ -29341,7 +28240,7 @@
                         <a:buNone/>
                       </a:pPr>
                       <a:r>
-                        <a:rPr lang="en-GB" sz="1600" dirty="0" smtClean="0">
+                        <a:rPr lang="en-GB" sz="1600" dirty="0">
                           <a:solidFill>
                             <a:schemeClr val="tx1"/>
                           </a:solidFill>
@@ -29366,7 +28265,7 @@
                         <a:buNone/>
                       </a:pPr>
                       <a:r>
-                        <a:rPr lang="en-GB" sz="2000" dirty="0" smtClean="0">
+                        <a:rPr lang="en-GB" sz="2000" dirty="0">
                           <a:solidFill>
                             <a:schemeClr val="tx1"/>
                           </a:solidFill>
@@ -29391,7 +28290,7 @@
                         <a:buNone/>
                       </a:pPr>
                       <a:r>
-                        <a:rPr lang="en-GB" sz="2000" dirty="0" smtClean="0">
+                        <a:rPr lang="en-GB" sz="2000" dirty="0">
                           <a:solidFill>
                             <a:schemeClr val="tx1"/>
                           </a:solidFill>
@@ -29416,7 +28315,7 @@
                         <a:buNone/>
                       </a:pPr>
                       <a:r>
-                        <a:rPr lang="en-GB" sz="1400" dirty="0" smtClean="0">
+                        <a:rPr lang="en-GB" sz="1400" dirty="0">
                           <a:solidFill>
                             <a:schemeClr val="tx1"/>
                           </a:solidFill>
@@ -29441,7 +28340,7 @@
                         <a:buNone/>
                       </a:pPr>
                       <a:r>
-                        <a:rPr lang="en-GB" sz="1800" dirty="0" smtClean="0">
+                        <a:rPr lang="en-GB" sz="1800" dirty="0">
                           <a:solidFill>
                             <a:schemeClr val="tx1"/>
                           </a:solidFill>
@@ -29486,7 +28385,7 @@
           <a:lstStyle/>
           <a:p>
             <a:r>
-              <a:rPr lang="en-GB" b="1" dirty="0" smtClean="0">
+              <a:rPr lang="en-GB" b="1" dirty="0">
                 <a:solidFill>
                   <a:schemeClr val="tx1"/>
                 </a:solidFill>
@@ -29495,13 +28394,13 @@
               <a:t>Do mindfulness and </a:t>
             </a:r>
             <a:r>
-              <a:rPr lang="en-GB" b="1" dirty="0" smtClean="0">
+              <a:rPr lang="en-GB" b="1" dirty="0">
                 <a:latin typeface="+mj-lt"/>
               </a:rPr>
               <a:t>emotional intelligence </a:t>
             </a:r>
             <a:r>
-              <a:rPr lang="en-GB" b="1" dirty="0" smtClean="0">
+              <a:rPr lang="en-GB" b="1" dirty="0">
                 <a:solidFill>
                   <a:schemeClr val="tx1"/>
                 </a:solidFill>
@@ -29516,7 +28415,7 @@
               <a:t>wellbeing</a:t>
             </a:r>
             <a:r>
-              <a:rPr lang="en-GB" b="1" dirty="0" smtClean="0">
+              <a:rPr lang="en-GB" b="1" dirty="0">
                 <a:solidFill>
                   <a:schemeClr val="tx1"/>
                 </a:solidFill>
@@ -29531,7 +28430,7 @@
               <a:t>brooding</a:t>
             </a:r>
             <a:r>
-              <a:rPr lang="en-GB" b="1" dirty="0" smtClean="0">
+              <a:rPr lang="en-GB" b="1" dirty="0">
                 <a:solidFill>
                   <a:schemeClr val="tx1"/>
                 </a:solidFill>
@@ -29546,7 +28445,7 @@
               <a:t>worry</a:t>
             </a:r>
             <a:r>
-              <a:rPr lang="en-GB" b="1" dirty="0" smtClean="0">
+              <a:rPr lang="en-GB" b="1" dirty="0">
                 <a:solidFill>
                   <a:schemeClr val="tx1"/>
                 </a:solidFill>
@@ -29580,7 +28479,7 @@
           <a:lstStyle/>
           <a:p>
             <a:r>
-              <a:rPr lang="en-GB" sz="2000" dirty="0" smtClean="0">
+              <a:rPr lang="en-GB" sz="2000" dirty="0">
                 <a:solidFill>
                   <a:schemeClr val="tx1"/>
                 </a:solidFill>
@@ -29589,7 +28488,7 @@
               <a:t>Outcome variable = </a:t>
             </a:r>
             <a:r>
-              <a:rPr lang="en-GB" dirty="0" smtClean="0">
+              <a:rPr lang="en-GB" dirty="0">
                 <a:solidFill>
                   <a:schemeClr val="tx1"/>
                 </a:solidFill>
@@ -29628,7 +28527,7 @@
           <a:lstStyle/>
           <a:p>
             <a:r>
-              <a:rPr lang="en-GB" sz="2000" dirty="0" smtClean="0">
+              <a:rPr lang="en-GB" sz="2000" dirty="0">
                 <a:solidFill>
                   <a:schemeClr val="tx1"/>
                 </a:solidFill>
@@ -29643,13 +28542,13 @@
               <a:buChar char="•"/>
             </a:pPr>
             <a:r>
-              <a:rPr lang="en-GB" sz="2000" dirty="0" smtClean="0">
+              <a:rPr lang="en-GB" sz="2000" dirty="0">
                 <a:latin typeface="+mj-lt"/>
               </a:rPr>
               <a:t>Run a model using</a:t>
             </a:r>
             <a:r>
-              <a:rPr lang="en-GB" sz="2000" dirty="0" smtClean="0">
+              <a:rPr lang="en-GB" sz="2000" dirty="0">
                 <a:solidFill>
                   <a:schemeClr val="tx1"/>
                 </a:solidFill>
@@ -29658,13 +28557,13 @@
               <a:t> </a:t>
             </a:r>
             <a:r>
-              <a:rPr lang="en-GB" dirty="0" err="1" smtClean="0">
+              <a:rPr lang="en-GB" dirty="0" err="1">
                 <a:latin typeface="Lucida Console" panose="020B0609040504020204" pitchFamily="49" charset="0"/>
               </a:rPr>
               <a:t>lmBF</a:t>
             </a:r>
             <a:r>
-              <a:rPr lang="en-GB" dirty="0" smtClean="0">
+              <a:rPr lang="en-GB" dirty="0">
                 <a:latin typeface="Lucida Console" panose="020B0609040504020204" pitchFamily="49" charset="0"/>
               </a:rPr>
               <a:t>()</a:t>
@@ -29676,18 +28575,12 @@
               <a:buChar char="•"/>
             </a:pPr>
             <a:r>
-              <a:rPr lang="en-GB" sz="2000" dirty="0" smtClean="0">
-                <a:latin typeface="+mj-lt"/>
-              </a:rPr>
-              <a:t>Obtain the BF for the model </a:t>
-            </a:r>
-            <a:r>
               <a:rPr lang="en-GB" sz="2000" dirty="0">
                 <a:latin typeface="+mj-lt"/>
               </a:rPr>
-              <a:t>vs. intercept-only model</a:t>
-            </a:r>
-            <a:endParaRPr lang="en-GB" sz="2000" baseline="30000" dirty="0" smtClean="0">
+              <a:t>Obtain the BF for the model vs. intercept-only model</a:t>
+            </a:r>
+            <a:endParaRPr lang="en-GB" sz="2000" baseline="30000" dirty="0">
               <a:latin typeface="+mj-lt"/>
             </a:endParaRPr>
           </a:p>
@@ -29700,17 +28593,8 @@
               <a:rPr lang="en-GB" sz="2000" dirty="0">
                 <a:latin typeface="+mj-lt"/>
               </a:rPr>
-              <a:t>Obtain </a:t>
-            </a:r>
-            <a:r>
-              <a:rPr lang="en-GB" sz="2000" dirty="0" smtClean="0">
-                <a:latin typeface="+mj-lt"/>
-              </a:rPr>
-              <a:t>the BF for model on step vs. previous step</a:t>
-            </a:r>
-            <a:endParaRPr lang="en-GB" sz="2000" dirty="0">
-              <a:latin typeface="+mj-lt"/>
-            </a:endParaRPr>
+              <a:t>Obtain the BF for model on step vs. previous step</a:t>
+            </a:r>
           </a:p>
         </p:txBody>
       </p:sp>
@@ -30118,25 +29002,18 @@
           <a:p>
             <a:pPr algn="l"/>
             <a:r>
-              <a:rPr lang="en-GB" sz="2700" dirty="0" smtClean="0"/>
+              <a:rPr lang="en-GB" sz="2700" dirty="0"/>
               <a:t>Intercept only model</a:t>
             </a:r>
-            <a:r>
-              <a:rPr lang="en-GB" sz="2400" dirty="0" smtClean="0"/>
-              <a:t/>
-            </a:r>
             <a:br>
-              <a:rPr lang="en-GB" sz="2400" dirty="0" smtClean="0"/>
+              <a:rPr lang="en-GB" sz="2400" dirty="0"/>
             </a:br>
             <a:r>
-              <a:rPr lang="en-GB" sz="2400" dirty="0" smtClean="0">
+              <a:rPr lang="en-GB" sz="2400" dirty="0">
                 <a:latin typeface="Lucida Console" panose="020B0609040504020204" pitchFamily="49" charset="0"/>
               </a:rPr>
               <a:t>wellbeing ~ intercept</a:t>
             </a:r>
-            <a:endParaRPr lang="en-GB" sz="2400" dirty="0">
-              <a:latin typeface="Lucida Console" panose="020B0609040504020204" pitchFamily="49" charset="0"/>
-            </a:endParaRPr>
           </a:p>
         </p:txBody>
       </p:sp>
@@ -30231,16 +29108,8 @@
           <a:lstStyle/>
           <a:p>
             <a:r>
-              <a:rPr lang="en-GB" sz="2000" dirty="0" smtClean="0"/>
-              <a:t>The box represents all of the variance in the wellbeing scores relative to the mean wellbeing score</a:t>
-            </a:r>
-            <a:r>
               <a:rPr lang="en-GB" sz="2000" dirty="0"/>
-              <a:t> </a:t>
-            </a:r>
-            <a:r>
-              <a:rPr lang="en-GB" sz="2000" dirty="0" smtClean="0"/>
-              <a:t>(the intercept-only model).</a:t>
+              <a:t>The box represents all of the variance in the wellbeing scores relative to the mean wellbeing score (the intercept-only model).</a:t>
             </a:r>
           </a:p>
         </p:txBody>
@@ -30446,25 +29315,18 @@
           <a:p>
             <a:pPr algn="l"/>
             <a:r>
-              <a:rPr lang="en-GB" sz="2700" dirty="0" smtClean="0"/>
+              <a:rPr lang="en-GB" sz="2700" dirty="0"/>
               <a:t>Step 1</a:t>
             </a:r>
-            <a:r>
-              <a:rPr lang="en-GB" sz="2400" dirty="0" smtClean="0"/>
-              <a:t/>
-            </a:r>
             <a:br>
-              <a:rPr lang="en-GB" sz="2400" dirty="0" smtClean="0"/>
+              <a:rPr lang="en-GB" sz="2400" dirty="0"/>
             </a:br>
             <a:r>
-              <a:rPr lang="en-GB" sz="2000" dirty="0" smtClean="0">
+              <a:rPr lang="en-GB" sz="2000" dirty="0">
                 <a:latin typeface="Lucida Console" panose="020B0609040504020204" pitchFamily="49" charset="0"/>
               </a:rPr>
               <a:t>wellbeing ~ brooding</a:t>
             </a:r>
-            <a:endParaRPr lang="en-GB" sz="2000" dirty="0">
-              <a:latin typeface="Lucida Console" panose="020B0609040504020204" pitchFamily="49" charset="0"/>
-            </a:endParaRPr>
           </a:p>
         </p:txBody>
       </p:sp>
@@ -30564,11 +29426,11 @@
           <a:lstStyle/>
           <a:p>
             <a:r>
-              <a:rPr lang="en-GB" sz="2000" dirty="0" smtClean="0"/>
+              <a:rPr lang="en-GB" sz="2000" dirty="0"/>
               <a:t>brooding explains </a:t>
             </a:r>
             <a:r>
-              <a:rPr lang="en-GB" sz="2000" b="1" u="sng" dirty="0" smtClean="0">
+              <a:rPr lang="en-GB" sz="2000" b="1" u="sng" dirty="0">
                 <a:solidFill>
                   <a:schemeClr val="accent1">
                     <a:lumMod val="50000"/>
@@ -30578,7 +29440,7 @@
               <a:t>R</a:t>
             </a:r>
             <a:r>
-              <a:rPr lang="en-GB" sz="2000" b="1" u="sng" baseline="30000" dirty="0" smtClean="0">
+              <a:rPr lang="en-GB" sz="2000" b="1" u="sng" baseline="30000" dirty="0">
                 <a:solidFill>
                   <a:schemeClr val="accent1">
                     <a:lumMod val="50000"/>
@@ -30588,7 +29450,7 @@
               <a:t>2</a:t>
             </a:r>
             <a:r>
-              <a:rPr lang="en-GB" sz="2000" b="1" u="sng" dirty="0" smtClean="0">
+              <a:rPr lang="en-GB" sz="2000" b="1" u="sng" dirty="0">
                 <a:solidFill>
                   <a:schemeClr val="accent1">
                     <a:lumMod val="50000"/>
@@ -30598,10 +29460,9 @@
               <a:t> = 0.19 </a:t>
             </a:r>
             <a:r>
-              <a:rPr lang="en-GB" sz="2000" dirty="0" smtClean="0"/>
+              <a:rPr lang="en-GB" sz="2000" dirty="0"/>
               <a:t>of the variance in wellbeing scores </a:t>
             </a:r>
-            <a:endParaRPr lang="en-GB" sz="2000" dirty="0"/>
           </a:p>
         </p:txBody>
       </p:sp>
@@ -30628,12 +29489,12 @@
           <a:lstStyle/>
           <a:p>
             <a:r>
-              <a:rPr lang="en-GB" sz="1600" dirty="0" smtClean="0">
+              <a:rPr lang="en-GB" sz="1600" dirty="0">
                 <a:latin typeface="+mj-lt"/>
               </a:rPr>
               <a:t>Area of  box = variance in wellbeing to be explained</a:t>
             </a:r>
-            <a:endParaRPr lang="en-GB" sz="1600" dirty="0" smtClean="0">
+            <a:endParaRPr lang="en-GB" sz="1600" dirty="0">
               <a:solidFill>
                 <a:schemeClr val="tx1"/>
               </a:solidFill>
@@ -30670,10 +29531,9 @@
           <a:lstStyle/>
           <a:p>
             <a:r>
-              <a:rPr lang="en-GB" sz="2000" dirty="0" smtClean="0"/>
+              <a:rPr lang="en-GB" sz="2000" dirty="0"/>
               <a:t>The BF for the model in Step 1 vs. an intercept only model is  95.76. This model is over 90 times more likely than an intercept-only model.</a:t>
             </a:r>
-            <a:endParaRPr lang="en-GB" sz="2000" dirty="0"/>
           </a:p>
         </p:txBody>
       </p:sp>
@@ -30749,7 +29609,7 @@
           <a:lstStyle/>
           <a:p>
             <a:r>
-              <a:rPr lang="en-GB" b="1" dirty="0" smtClean="0"/>
+              <a:rPr lang="en-GB" b="1" dirty="0"/>
               <a:t>brooding</a:t>
             </a:r>
             <a:endParaRPr lang="en-GB" b="1" baseline="-25000" dirty="0"/>

--- a/docs/slides/PSYC753_L5_MultipleRegression3.pptx
+++ b/docs/slides/PSYC753_L5_MultipleRegression3.pptx
@@ -161,6 +161,171 @@
 </p:presentation>
 </file>
 
+<file path=ppt/revisionInfo.xml><?xml version="1.0" encoding="utf-8"?>
+<p1510:revInfo xmlns:a="http://schemas.openxmlformats.org/drawingml/2006/main" xmlns:r="http://schemas.openxmlformats.org/officeDocument/2006/relationships" xmlns:p1510="http://schemas.microsoft.com/office/powerpoint/2015/10/main">
+  <p1510:revLst>
+    <p1510:client id="{87CAE2B4-7AD8-4759-8833-D1F885ADA32C}" v="4" dt="2023-02-15T12:59:19.043"/>
+  </p1510:revLst>
+</p1510:revInfo>
+</file>
+
+<file path=ppt/changesInfos/changesInfo1.xml><?xml version="1.0" encoding="utf-8"?>
+<pc:chgInfo xmlns:a="http://schemas.openxmlformats.org/drawingml/2006/main" xmlns:r="http://schemas.openxmlformats.org/officeDocument/2006/relationships" xmlns:ac="http://schemas.microsoft.com/office/drawing/2013/main/command" xmlns:pc="http://schemas.microsoft.com/office/powerpoint/2013/main/command">
+  <pc:docChgLst>
+    <pc:chgData name="Christopher Berry" userId="468ae48a-5539-4b21-98ea-6081f4d86140" providerId="ADAL" clId="{87CAE2B4-7AD8-4759-8833-D1F885ADA32C}"/>
+    <pc:docChg chg="modSld">
+      <pc:chgData name="Christopher Berry" userId="468ae48a-5539-4b21-98ea-6081f4d86140" providerId="ADAL" clId="{87CAE2B4-7AD8-4759-8833-D1F885ADA32C}" dt="2023-02-15T12:59:19.042" v="3" actId="20577"/>
+      <pc:docMkLst>
+        <pc:docMk/>
+      </pc:docMkLst>
+      <pc:sldChg chg="modSp">
+        <pc:chgData name="Christopher Berry" userId="468ae48a-5539-4b21-98ea-6081f4d86140" providerId="ADAL" clId="{87CAE2B4-7AD8-4759-8833-D1F885ADA32C}" dt="2023-02-15T12:59:19.042" v="3" actId="20577"/>
+        <pc:sldMkLst>
+          <pc:docMk/>
+          <pc:sldMk cId="799028471" sldId="375"/>
+        </pc:sldMkLst>
+        <pc:spChg chg="mod">
+          <ac:chgData name="Christopher Berry" userId="468ae48a-5539-4b21-98ea-6081f4d86140" providerId="ADAL" clId="{87CAE2B4-7AD8-4759-8833-D1F885ADA32C}" dt="2023-02-15T12:59:19.042" v="3" actId="20577"/>
+          <ac:spMkLst>
+            <pc:docMk/>
+            <pc:sldMk cId="799028471" sldId="375"/>
+            <ac:spMk id="3" creationId="{00000000-0000-0000-0000-000000000000}"/>
+          </ac:spMkLst>
+        </pc:spChg>
+      </pc:sldChg>
+    </pc:docChg>
+  </pc:docChgLst>
+  <pc:docChgLst>
+    <pc:chgData name="Christopher Berry" userId="468ae48a-5539-4b21-98ea-6081f4d86140" providerId="ADAL" clId="{D825986F-9104-43F2-BF1A-62F5A5A4690B}"/>
+    <pc:docChg chg="custSel modSld">
+      <pc:chgData name="Christopher Berry" userId="468ae48a-5539-4b21-98ea-6081f4d86140" providerId="ADAL" clId="{D825986F-9104-43F2-BF1A-62F5A5A4690B}" dt="2023-02-15T13:00:18.643" v="33" actId="368"/>
+      <pc:docMkLst>
+        <pc:docMk/>
+      </pc:docMkLst>
+      <pc:sldChg chg="modNotes">
+        <pc:chgData name="Christopher Berry" userId="468ae48a-5539-4b21-98ea-6081f4d86140" providerId="ADAL" clId="{D825986F-9104-43F2-BF1A-62F5A5A4690B}" dt="2023-02-15T13:00:18.554" v="1" actId="368"/>
+        <pc:sldMkLst>
+          <pc:docMk/>
+          <pc:sldMk cId="1337738250" sldId="257"/>
+        </pc:sldMkLst>
+      </pc:sldChg>
+      <pc:sldChg chg="modNotes">
+        <pc:chgData name="Christopher Berry" userId="468ae48a-5539-4b21-98ea-6081f4d86140" providerId="ADAL" clId="{D825986F-9104-43F2-BF1A-62F5A5A4690B}" dt="2023-02-15T13:00:18.559" v="3" actId="368"/>
+        <pc:sldMkLst>
+          <pc:docMk/>
+          <pc:sldMk cId="1712097344" sldId="314"/>
+        </pc:sldMkLst>
+      </pc:sldChg>
+      <pc:sldChg chg="modNotes">
+        <pc:chgData name="Christopher Berry" userId="468ae48a-5539-4b21-98ea-6081f4d86140" providerId="ADAL" clId="{D825986F-9104-43F2-BF1A-62F5A5A4690B}" dt="2023-02-15T13:00:18.564" v="5" actId="368"/>
+        <pc:sldMkLst>
+          <pc:docMk/>
+          <pc:sldMk cId="1050599960" sldId="363"/>
+        </pc:sldMkLst>
+      </pc:sldChg>
+      <pc:sldChg chg="modNotes">
+        <pc:chgData name="Christopher Berry" userId="468ae48a-5539-4b21-98ea-6081f4d86140" providerId="ADAL" clId="{D825986F-9104-43F2-BF1A-62F5A5A4690B}" dt="2023-02-15T13:00:18.596" v="17" actId="368"/>
+        <pc:sldMkLst>
+          <pc:docMk/>
+          <pc:sldMk cId="868580765" sldId="364"/>
+        </pc:sldMkLst>
+      </pc:sldChg>
+      <pc:sldChg chg="modNotes">
+        <pc:chgData name="Christopher Berry" userId="468ae48a-5539-4b21-98ea-6081f4d86140" providerId="ADAL" clId="{D825986F-9104-43F2-BF1A-62F5A5A4690B}" dt="2023-02-15T13:00:18.601" v="19" actId="368"/>
+        <pc:sldMkLst>
+          <pc:docMk/>
+          <pc:sldMk cId="3319223748" sldId="366"/>
+        </pc:sldMkLst>
+      </pc:sldChg>
+      <pc:sldChg chg="modNotes">
+        <pc:chgData name="Christopher Berry" userId="468ae48a-5539-4b21-98ea-6081f4d86140" providerId="ADAL" clId="{D825986F-9104-43F2-BF1A-62F5A5A4690B}" dt="2023-02-15T13:00:18.606" v="21" actId="368"/>
+        <pc:sldMkLst>
+          <pc:docMk/>
+          <pc:sldMk cId="3483724441" sldId="367"/>
+        </pc:sldMkLst>
+      </pc:sldChg>
+      <pc:sldChg chg="modNotes">
+        <pc:chgData name="Christopher Berry" userId="468ae48a-5539-4b21-98ea-6081f4d86140" providerId="ADAL" clId="{D825986F-9104-43F2-BF1A-62F5A5A4690B}" dt="2023-02-15T13:00:18.611" v="23" actId="368"/>
+        <pc:sldMkLst>
+          <pc:docMk/>
+          <pc:sldMk cId="1456163847" sldId="369"/>
+        </pc:sldMkLst>
+      </pc:sldChg>
+      <pc:sldChg chg="modNotes">
+        <pc:chgData name="Christopher Berry" userId="468ae48a-5539-4b21-98ea-6081f4d86140" providerId="ADAL" clId="{D825986F-9104-43F2-BF1A-62F5A5A4690B}" dt="2023-02-15T13:00:18.574" v="9" actId="368"/>
+        <pc:sldMkLst>
+          <pc:docMk/>
+          <pc:sldMk cId="801254343" sldId="370"/>
+        </pc:sldMkLst>
+      </pc:sldChg>
+      <pc:sldChg chg="modNotes">
+        <pc:chgData name="Christopher Berry" userId="468ae48a-5539-4b21-98ea-6081f4d86140" providerId="ADAL" clId="{D825986F-9104-43F2-BF1A-62F5A5A4690B}" dt="2023-02-15T13:00:18.591" v="15" actId="368"/>
+        <pc:sldMkLst>
+          <pc:docMk/>
+          <pc:sldMk cId="4038527501" sldId="371"/>
+        </pc:sldMkLst>
+      </pc:sldChg>
+      <pc:sldChg chg="modNotes">
+        <pc:chgData name="Christopher Berry" userId="468ae48a-5539-4b21-98ea-6081f4d86140" providerId="ADAL" clId="{D825986F-9104-43F2-BF1A-62F5A5A4690B}" dt="2023-02-15T13:00:18.622" v="27" actId="368"/>
+        <pc:sldMkLst>
+          <pc:docMk/>
+          <pc:sldMk cId="1608245533" sldId="372"/>
+        </pc:sldMkLst>
+      </pc:sldChg>
+      <pc:sldChg chg="modNotes">
+        <pc:chgData name="Christopher Berry" userId="468ae48a-5539-4b21-98ea-6081f4d86140" providerId="ADAL" clId="{D825986F-9104-43F2-BF1A-62F5A5A4690B}" dt="2023-02-15T13:00:18.629" v="29" actId="368"/>
+        <pc:sldMkLst>
+          <pc:docMk/>
+          <pc:sldMk cId="807854647" sldId="373"/>
+        </pc:sldMkLst>
+      </pc:sldChg>
+      <pc:sldChg chg="modNotes">
+        <pc:chgData name="Christopher Berry" userId="468ae48a-5539-4b21-98ea-6081f4d86140" providerId="ADAL" clId="{D825986F-9104-43F2-BF1A-62F5A5A4690B}" dt="2023-02-15T13:00:18.636" v="31" actId="368"/>
+        <pc:sldMkLst>
+          <pc:docMk/>
+          <pc:sldMk cId="1022977136" sldId="374"/>
+        </pc:sldMkLst>
+      </pc:sldChg>
+      <pc:sldChg chg="modNotes">
+        <pc:chgData name="Christopher Berry" userId="468ae48a-5539-4b21-98ea-6081f4d86140" providerId="ADAL" clId="{D825986F-9104-43F2-BF1A-62F5A5A4690B}" dt="2023-02-15T13:00:18.643" v="33" actId="368"/>
+        <pc:sldMkLst>
+          <pc:docMk/>
+          <pc:sldMk cId="799028471" sldId="375"/>
+        </pc:sldMkLst>
+      </pc:sldChg>
+      <pc:sldChg chg="modNotes">
+        <pc:chgData name="Christopher Berry" userId="468ae48a-5539-4b21-98ea-6081f4d86140" providerId="ADAL" clId="{D825986F-9104-43F2-BF1A-62F5A5A4690B}" dt="2023-02-15T13:00:18.569" v="7" actId="368"/>
+        <pc:sldMkLst>
+          <pc:docMk/>
+          <pc:sldMk cId="2123990893" sldId="379"/>
+        </pc:sldMkLst>
+      </pc:sldChg>
+      <pc:sldChg chg="modNotes">
+        <pc:chgData name="Christopher Berry" userId="468ae48a-5539-4b21-98ea-6081f4d86140" providerId="ADAL" clId="{D825986F-9104-43F2-BF1A-62F5A5A4690B}" dt="2023-02-15T13:00:18.586" v="13" actId="368"/>
+        <pc:sldMkLst>
+          <pc:docMk/>
+          <pc:sldMk cId="2847794192" sldId="380"/>
+        </pc:sldMkLst>
+      </pc:sldChg>
+      <pc:sldChg chg="modNotes">
+        <pc:chgData name="Christopher Berry" userId="468ae48a-5539-4b21-98ea-6081f4d86140" providerId="ADAL" clId="{D825986F-9104-43F2-BF1A-62F5A5A4690B}" dt="2023-02-15T13:00:18.578" v="11" actId="368"/>
+        <pc:sldMkLst>
+          <pc:docMk/>
+          <pc:sldMk cId="1343114204" sldId="382"/>
+        </pc:sldMkLst>
+      </pc:sldChg>
+      <pc:sldChg chg="modNotes">
+        <pc:chgData name="Christopher Berry" userId="468ae48a-5539-4b21-98ea-6081f4d86140" providerId="ADAL" clId="{D825986F-9104-43F2-BF1A-62F5A5A4690B}" dt="2023-02-15T13:00:18.616" v="25" actId="368"/>
+        <pc:sldMkLst>
+          <pc:docMk/>
+          <pc:sldMk cId="1016740621" sldId="383"/>
+        </pc:sldMkLst>
+      </pc:sldChg>
+    </pc:docChg>
+  </pc:docChgLst>
+</pc:chgInfo>
+</file>
+
 <file path=ppt/handoutMasters/handoutMaster1.xml><?xml version="1.0" encoding="utf-8"?>
 <p:handoutMaster xmlns:a="http://schemas.openxmlformats.org/drawingml/2006/main" xmlns:r="http://schemas.openxmlformats.org/officeDocument/2006/relationships" xmlns:p="http://schemas.openxmlformats.org/presentationml/2006/main">
   <p:cSld>
@@ -243,7 +408,7 @@
           <a:p>
             <a:fld id="{39F2F66B-899D-484E-9C99-E1DBE23F9DE9}" type="datetimeFigureOut">
               <a:rPr lang="en-GB" smtClean="0"/>
-              <a:t>21/12/2022</a:t>
+              <a:t>15/02/2023</a:t>
             </a:fld>
             <a:endParaRPr lang="en-GB"/>
           </a:p>
@@ -409,7 +574,7 @@
             <a:fld id="{2C09A945-60CF-41CC-BF14-DA645D9ABE0F}" type="datetimeFigureOut">
               <a:rPr lang="en-GB" smtClean="0"/>
               <a:pPr/>
-              <a:t>21/12/2022</a:t>
+              <a:t>15/02/2023</a:t>
             </a:fld>
             <a:endParaRPr lang="en-GB"/>
           </a:p>
@@ -2404,7 +2569,7 @@
             <a:fld id="{FD207E47-C1CA-47C9-BFA1-FDEFD1CE1BAA}" type="datetime1">
               <a:rPr lang="en-US" smtClean="0"/>
               <a:pPr/>
-              <a:t>12/21/2022</a:t>
+              <a:t>2/15/2023</a:t>
             </a:fld>
             <a:endParaRPr lang="en-US"/>
           </a:p>
@@ -2569,7 +2734,7 @@
             <a:fld id="{58C692B5-BE86-445D-88C0-242C83A9421E}" type="datetime1">
               <a:rPr lang="en-US" smtClean="0"/>
               <a:pPr/>
-              <a:t>12/21/2022</a:t>
+              <a:t>2/15/2023</a:t>
             </a:fld>
             <a:endParaRPr lang="en-US"/>
           </a:p>
@@ -2744,7 +2909,7 @@
             <a:fld id="{6A70B350-EB04-4702-A2C6-BB029CC917C4}" type="datetime1">
               <a:rPr lang="en-US" smtClean="0"/>
               <a:pPr/>
-              <a:t>12/21/2022</a:t>
+              <a:t>2/15/2023</a:t>
             </a:fld>
             <a:endParaRPr lang="en-US"/>
           </a:p>
@@ -2938,7 +3103,7 @@
               <a:pPr>
                 <a:defRPr/>
               </a:pPr>
-              <a:t>21/12/2022</a:t>
+              <a:t>15/02/2023</a:t>
             </a:fld>
             <a:endParaRPr lang="en-GB"/>
           </a:p>
@@ -3123,7 +3288,7 @@
               <a:pPr>
                 <a:defRPr/>
               </a:pPr>
-              <a:t>21/12/2022</a:t>
+              <a:t>15/02/2023</a:t>
             </a:fld>
             <a:endParaRPr lang="en-GB"/>
           </a:p>
@@ -3384,7 +3549,7 @@
               <a:pPr>
                 <a:defRPr/>
               </a:pPr>
-              <a:t>21/12/2022</a:t>
+              <a:t>15/02/2023</a:t>
             </a:fld>
             <a:endParaRPr lang="en-GB"/>
           </a:p>
@@ -3631,7 +3796,7 @@
               <a:pPr>
                 <a:defRPr/>
               </a:pPr>
-              <a:t>21/12/2022</a:t>
+              <a:t>15/02/2023</a:t>
             </a:fld>
             <a:endParaRPr lang="en-GB"/>
           </a:p>
@@ -4013,7 +4178,7 @@
               <a:pPr>
                 <a:defRPr/>
               </a:pPr>
-              <a:t>21/12/2022</a:t>
+              <a:t>15/02/2023</a:t>
             </a:fld>
             <a:endParaRPr lang="en-GB"/>
           </a:p>
@@ -4146,7 +4311,7 @@
               <a:pPr>
                 <a:defRPr/>
               </a:pPr>
-              <a:t>21/12/2022</a:t>
+              <a:t>15/02/2023</a:t>
             </a:fld>
             <a:endParaRPr lang="en-GB"/>
           </a:p>
@@ -4256,7 +4421,7 @@
               <a:pPr>
                 <a:defRPr/>
               </a:pPr>
-              <a:t>21/12/2022</a:t>
+              <a:t>15/02/2023</a:t>
             </a:fld>
             <a:endParaRPr lang="en-GB"/>
           </a:p>
@@ -4548,7 +4713,7 @@
               <a:pPr>
                 <a:defRPr/>
               </a:pPr>
-              <a:t>21/12/2022</a:t>
+              <a:t>15/02/2023</a:t>
             </a:fld>
             <a:endParaRPr lang="en-GB"/>
           </a:p>
@@ -4726,7 +4891,7 @@
             <a:fld id="{B19C5C7B-1CCF-4D03-A2E8-D3591213E0F6}" type="datetime1">
               <a:rPr lang="en-US" smtClean="0"/>
               <a:pPr/>
-              <a:t>12/21/2022</a:t>
+              <a:t>2/15/2023</a:t>
             </a:fld>
             <a:endParaRPr lang="en-US"/>
           </a:p>
@@ -4985,7 +5150,7 @@
               <a:pPr>
                 <a:defRPr/>
               </a:pPr>
-              <a:t>21/12/2022</a:t>
+              <a:t>15/02/2023</a:t>
             </a:fld>
             <a:endParaRPr lang="en-GB"/>
           </a:p>
@@ -5170,7 +5335,7 @@
               <a:pPr>
                 <a:defRPr/>
               </a:pPr>
-              <a:t>21/12/2022</a:t>
+              <a:t>15/02/2023</a:t>
             </a:fld>
             <a:endParaRPr lang="en-GB"/>
           </a:p>
@@ -5365,7 +5530,7 @@
               <a:pPr>
                 <a:defRPr/>
               </a:pPr>
-              <a:t>21/12/2022</a:t>
+              <a:t>15/02/2023</a:t>
             </a:fld>
             <a:endParaRPr lang="en-GB"/>
           </a:p>
@@ -5624,7 +5789,7 @@
               <a:pPr>
                 <a:defRPr/>
               </a:pPr>
-              <a:t>12/21/2022</a:t>
+              <a:t>2/15/2023</a:t>
             </a:fld>
             <a:endParaRPr lang="en-US"/>
           </a:p>
@@ -5819,7 +5984,7 @@
               <a:pPr>
                 <a:defRPr/>
               </a:pPr>
-              <a:t>12/21/2022</a:t>
+              <a:t>2/15/2023</a:t>
             </a:fld>
             <a:endParaRPr lang="en-US"/>
           </a:p>
@@ -6091,7 +6256,7 @@
               <a:pPr>
                 <a:defRPr/>
               </a:pPr>
-              <a:t>12/21/2022</a:t>
+              <a:t>2/15/2023</a:t>
             </a:fld>
             <a:endParaRPr lang="en-US"/>
           </a:p>
@@ -6403,7 +6568,7 @@
               <a:pPr>
                 <a:defRPr/>
               </a:pPr>
-              <a:t>12/21/2022</a:t>
+              <a:t>2/15/2023</a:t>
             </a:fld>
             <a:endParaRPr lang="en-US"/>
           </a:p>
@@ -6849,7 +7014,7 @@
               <a:pPr>
                 <a:defRPr/>
               </a:pPr>
-              <a:t>12/21/2022</a:t>
+              <a:t>2/15/2023</a:t>
             </a:fld>
             <a:endParaRPr lang="en-US"/>
           </a:p>
@@ -6993,7 +7158,7 @@
               <a:pPr>
                 <a:defRPr/>
               </a:pPr>
-              <a:t>12/21/2022</a:t>
+              <a:t>2/15/2023</a:t>
             </a:fld>
             <a:endParaRPr lang="en-US"/>
           </a:p>
@@ -7115,7 +7280,7 @@
               <a:pPr>
                 <a:defRPr/>
               </a:pPr>
-              <a:t>12/21/2022</a:t>
+              <a:t>2/15/2023</a:t>
             </a:fld>
             <a:endParaRPr lang="en-US"/>
           </a:p>
@@ -7378,7 +7543,7 @@
             <a:fld id="{617DE08F-8114-45C2-9520-EC1882F8A669}" type="datetime1">
               <a:rPr lang="en-US" smtClean="0"/>
               <a:pPr/>
-              <a:t>12/21/2022</a:t>
+              <a:t>2/15/2023</a:t>
             </a:fld>
             <a:endParaRPr lang="en-US"/>
           </a:p>
@@ -7659,7 +7824,7 @@
               <a:pPr>
                 <a:defRPr/>
               </a:pPr>
-              <a:t>12/21/2022</a:t>
+              <a:t>2/15/2023</a:t>
             </a:fld>
             <a:endParaRPr lang="en-US"/>
           </a:p>
@@ -7941,7 +8106,7 @@
               <a:pPr>
                 <a:defRPr/>
               </a:pPr>
-              <a:t>12/21/2022</a:t>
+              <a:t>2/15/2023</a:t>
             </a:fld>
             <a:endParaRPr lang="en-US"/>
           </a:p>
@@ -8136,7 +8301,7 @@
               <a:pPr>
                 <a:defRPr/>
               </a:pPr>
-              <a:t>12/21/2022</a:t>
+              <a:t>2/15/2023</a:t>
             </a:fld>
             <a:endParaRPr lang="en-US"/>
           </a:p>
@@ -8341,7 +8506,7 @@
               <a:pPr>
                 <a:defRPr/>
               </a:pPr>
-              <a:t>12/21/2022</a:t>
+              <a:t>2/15/2023</a:t>
             </a:fld>
             <a:endParaRPr lang="en-US"/>
           </a:p>
@@ -8644,7 +8809,7 @@
             <a:fld id="{67FBBCEA-51D6-4D4F-B700-EBDD8904452C}" type="datetime1">
               <a:rPr lang="en-US" smtClean="0"/>
               <a:pPr/>
-              <a:t>12/21/2022</a:t>
+              <a:t>2/15/2023</a:t>
             </a:fld>
             <a:endParaRPr lang="en-US"/>
           </a:p>
@@ -9060,7 +9225,7 @@
             <a:fld id="{7C3355C0-4DE2-42D1-B918-7B0FCE7481FD}" type="datetime1">
               <a:rPr lang="en-US" smtClean="0"/>
               <a:pPr/>
-              <a:t>12/21/2022</a:t>
+              <a:t>2/15/2023</a:t>
             </a:fld>
             <a:endParaRPr lang="en-US"/>
           </a:p>
@@ -9174,7 +9339,7 @@
             <a:fld id="{41F9056E-53B5-467C-A68C-D5DD1F771BB5}" type="datetime1">
               <a:rPr lang="en-US" smtClean="0"/>
               <a:pPr/>
-              <a:t>12/21/2022</a:t>
+              <a:t>2/15/2023</a:t>
             </a:fld>
             <a:endParaRPr lang="en-US"/>
           </a:p>
@@ -9266,7 +9431,7 @@
             <a:fld id="{73236B7C-1414-4D49-8A59-8F56128C501B}" type="datetime1">
               <a:rPr lang="en-US" smtClean="0"/>
               <a:pPr/>
-              <a:t>12/21/2022</a:t>
+              <a:t>2/15/2023</a:t>
             </a:fld>
             <a:endParaRPr lang="en-US"/>
           </a:p>
@@ -9538,7 +9703,7 @@
             <a:fld id="{A40AEADC-23C0-4767-9AD7-3E7B6C343A0A}" type="datetime1">
               <a:rPr lang="en-US" smtClean="0"/>
               <a:pPr/>
-              <a:t>12/21/2022</a:t>
+              <a:t>2/15/2023</a:t>
             </a:fld>
             <a:endParaRPr lang="en-US"/>
           </a:p>
@@ -9787,7 +9952,7 @@
             <a:fld id="{07762B3B-4AFD-4E39-B6F8-E1A2354BA336}" type="datetime1">
               <a:rPr lang="en-US" smtClean="0"/>
               <a:pPr/>
-              <a:t>12/21/2022</a:t>
+              <a:t>2/15/2023</a:t>
             </a:fld>
             <a:endParaRPr lang="en-US"/>
           </a:p>
@@ -10000,7 +10165,7 @@
             <a:fld id="{16C4ABC6-3BA1-4854-92CA-2B0133ECAB44}" type="datetime1">
               <a:rPr lang="en-US" smtClean="0"/>
               <a:pPr/>
-              <a:t>12/21/2022</a:t>
+              <a:t>2/15/2023</a:t>
             </a:fld>
             <a:endParaRPr lang="en-US"/>
           </a:p>
@@ -10518,7 +10683,7 @@
               <a:pPr>
                 <a:defRPr/>
               </a:pPr>
-              <a:t>12/21/2022</a:t>
+              <a:t>2/15/2023</a:t>
             </a:fld>
             <a:endParaRPr lang="en-US"/>
           </a:p>
@@ -11128,7 +11293,7 @@
               <a:pPr>
                 <a:defRPr/>
               </a:pPr>
-              <a:t>12/21/2022</a:t>
+              <a:t>2/15/2023</a:t>
             </a:fld>
             <a:endParaRPr lang="en-US"/>
           </a:p>
@@ -21330,7 +21495,15 @@
             </a:br>
             <a:r>
               <a:rPr lang="en-GB" dirty="0"/>
-              <a:t>Please ask me or Paul during the session if you have any questions on the code or concepts.</a:t>
+              <a:t>Please ask me </a:t>
+            </a:r>
+            <a:r>
+              <a:rPr lang="en-GB"/>
+              <a:t>or Rory </a:t>
+            </a:r>
+            <a:r>
+              <a:rPr lang="en-GB" dirty="0"/>
+              <a:t>during the session if you have any questions on the code or concepts.</a:t>
             </a:r>
           </a:p>
         </p:txBody>

--- a/docs/slides/PSYC753_L5_MultipleRegression3.pptx
+++ b/docs/slides/PSYC753_L5_MultipleRegression3.pptx
@@ -164,7 +164,7 @@
 <file path=ppt/revisionInfo.xml><?xml version="1.0" encoding="utf-8"?>
 <p1510:revInfo xmlns:a="http://schemas.openxmlformats.org/drawingml/2006/main" xmlns:r="http://schemas.openxmlformats.org/officeDocument/2006/relationships" xmlns:p1510="http://schemas.microsoft.com/office/powerpoint/2015/10/main">
   <p1510:revLst>
-    <p1510:client id="{87CAE2B4-7AD8-4759-8833-D1F885ADA32C}" v="4" dt="2023-02-15T12:59:19.043"/>
+    <p1510:client id="{87CAE2B4-7AD8-4759-8833-D1F885ADA32C}" v="179" dt="2023-02-16T10:27:30.259"/>
   </p1510:revLst>
 </p1510:revInfo>
 </file>
@@ -173,11 +173,87 @@
 <pc:chgInfo xmlns:a="http://schemas.openxmlformats.org/drawingml/2006/main" xmlns:r="http://schemas.openxmlformats.org/officeDocument/2006/relationships" xmlns:ac="http://schemas.microsoft.com/office/drawing/2013/main/command" xmlns:pc="http://schemas.microsoft.com/office/powerpoint/2013/main/command">
   <pc:docChgLst>
     <pc:chgData name="Christopher Berry" userId="468ae48a-5539-4b21-98ea-6081f4d86140" providerId="ADAL" clId="{87CAE2B4-7AD8-4759-8833-D1F885ADA32C}"/>
-    <pc:docChg chg="modSld">
-      <pc:chgData name="Christopher Berry" userId="468ae48a-5539-4b21-98ea-6081f4d86140" providerId="ADAL" clId="{87CAE2B4-7AD8-4759-8833-D1F885ADA32C}" dt="2023-02-15T12:59:19.042" v="3" actId="20577"/>
+    <pc:docChg chg="undo custSel modSld">
+      <pc:chgData name="Christopher Berry" userId="468ae48a-5539-4b21-98ea-6081f4d86140" providerId="ADAL" clId="{87CAE2B4-7AD8-4759-8833-D1F885ADA32C}" dt="2023-02-16T10:28:44.546" v="221"/>
       <pc:docMkLst>
         <pc:docMk/>
       </pc:docMkLst>
+      <pc:sldChg chg="modSp mod">
+        <pc:chgData name="Christopher Berry" userId="468ae48a-5539-4b21-98ea-6081f4d86140" providerId="ADAL" clId="{87CAE2B4-7AD8-4759-8833-D1F885ADA32C}" dt="2023-02-16T10:27:52.195" v="219" actId="20577"/>
+        <pc:sldMkLst>
+          <pc:docMk/>
+          <pc:sldMk cId="1337738250" sldId="257"/>
+        </pc:sldMkLst>
+        <pc:spChg chg="mod">
+          <ac:chgData name="Christopher Berry" userId="468ae48a-5539-4b21-98ea-6081f4d86140" providerId="ADAL" clId="{87CAE2B4-7AD8-4759-8833-D1F885ADA32C}" dt="2023-02-16T10:27:52.195" v="219" actId="20577"/>
+          <ac:spMkLst>
+            <pc:docMk/>
+            <pc:sldMk cId="1337738250" sldId="257"/>
+            <ac:spMk id="4" creationId="{00000000-0000-0000-0000-000000000000}"/>
+          </ac:spMkLst>
+        </pc:spChg>
+      </pc:sldChg>
+      <pc:sldChg chg="modSp mod">
+        <pc:chgData name="Christopher Berry" userId="468ae48a-5539-4b21-98ea-6081f4d86140" providerId="ADAL" clId="{87CAE2B4-7AD8-4759-8833-D1F885ADA32C}" dt="2023-02-16T10:28:44.546" v="221"/>
+        <pc:sldMkLst>
+          <pc:docMk/>
+          <pc:sldMk cId="1050599960" sldId="363"/>
+        </pc:sldMkLst>
+        <pc:spChg chg="mod">
+          <ac:chgData name="Christopher Berry" userId="468ae48a-5539-4b21-98ea-6081f4d86140" providerId="ADAL" clId="{87CAE2B4-7AD8-4759-8833-D1F885ADA32C}" dt="2023-02-16T10:28:44.546" v="221"/>
+          <ac:spMkLst>
+            <pc:docMk/>
+            <pc:sldMk cId="1050599960" sldId="363"/>
+            <ac:spMk id="7" creationId="{00000000-0000-0000-0000-000000000000}"/>
+          </ac:spMkLst>
+        </pc:spChg>
+      </pc:sldChg>
+      <pc:sldChg chg="modSp mod modAnim">
+        <pc:chgData name="Christopher Berry" userId="468ae48a-5539-4b21-98ea-6081f4d86140" providerId="ADAL" clId="{87CAE2B4-7AD8-4759-8833-D1F885ADA32C}" dt="2023-02-16T10:26:12.876" v="145" actId="404"/>
+        <pc:sldMkLst>
+          <pc:docMk/>
+          <pc:sldMk cId="1608245533" sldId="372"/>
+        </pc:sldMkLst>
+        <pc:spChg chg="mod">
+          <ac:chgData name="Christopher Berry" userId="468ae48a-5539-4b21-98ea-6081f4d86140" providerId="ADAL" clId="{87CAE2B4-7AD8-4759-8833-D1F885ADA32C}" dt="2023-02-16T10:26:12.876" v="145" actId="404"/>
+          <ac:spMkLst>
+            <pc:docMk/>
+            <pc:sldMk cId="1608245533" sldId="372"/>
+            <ac:spMk id="3" creationId="{00000000-0000-0000-0000-000000000000}"/>
+          </ac:spMkLst>
+        </pc:spChg>
+        <pc:spChg chg="mod">
+          <ac:chgData name="Christopher Berry" userId="468ae48a-5539-4b21-98ea-6081f4d86140" providerId="ADAL" clId="{87CAE2B4-7AD8-4759-8833-D1F885ADA32C}" dt="2023-02-16T10:25:53.917" v="141" actId="14100"/>
+          <ac:spMkLst>
+            <pc:docMk/>
+            <pc:sldMk cId="1608245533" sldId="372"/>
+            <ac:spMk id="7" creationId="{00000000-0000-0000-0000-000000000000}"/>
+          </ac:spMkLst>
+        </pc:spChg>
+      </pc:sldChg>
+      <pc:sldChg chg="addSp delSp modSp mod">
+        <pc:chgData name="Christopher Berry" userId="468ae48a-5539-4b21-98ea-6081f4d86140" providerId="ADAL" clId="{87CAE2B4-7AD8-4759-8833-D1F885ADA32C}" dt="2023-02-16T10:27:30.259" v="206" actId="20577"/>
+        <pc:sldMkLst>
+          <pc:docMk/>
+          <pc:sldMk cId="1022977136" sldId="374"/>
+        </pc:sldMkLst>
+        <pc:spChg chg="add del mod">
+          <ac:chgData name="Christopher Berry" userId="468ae48a-5539-4b21-98ea-6081f4d86140" providerId="ADAL" clId="{87CAE2B4-7AD8-4759-8833-D1F885ADA32C}" dt="2023-02-16T10:26:49.461" v="154" actId="478"/>
+          <ac:spMkLst>
+            <pc:docMk/>
+            <pc:sldMk cId="1022977136" sldId="374"/>
+            <ac:spMk id="3" creationId="{1F2A05A6-4038-40BD-8058-CB0692C79A3D}"/>
+          </ac:spMkLst>
+        </pc:spChg>
+        <pc:spChg chg="mod">
+          <ac:chgData name="Christopher Berry" userId="468ae48a-5539-4b21-98ea-6081f4d86140" providerId="ADAL" clId="{87CAE2B4-7AD8-4759-8833-D1F885ADA32C}" dt="2023-02-16T10:27:30.259" v="206" actId="20577"/>
+          <ac:spMkLst>
+            <pc:docMk/>
+            <pc:sldMk cId="1022977136" sldId="374"/>
+            <ac:spMk id="16" creationId="{00000000-0000-0000-0000-000000000000}"/>
+          </ac:spMkLst>
+        </pc:spChg>
+      </pc:sldChg>
       <pc:sldChg chg="modSp">
         <pc:chgData name="Christopher Berry" userId="468ae48a-5539-4b21-98ea-6081f4d86140" providerId="ADAL" clId="{87CAE2B4-7AD8-4759-8833-D1F885ADA32C}" dt="2023-02-15T12:59:19.042" v="3" actId="20577"/>
         <pc:sldMkLst>
@@ -198,124 +274,124 @@
   <pc:docChgLst>
     <pc:chgData name="Christopher Berry" userId="468ae48a-5539-4b21-98ea-6081f4d86140" providerId="ADAL" clId="{D825986F-9104-43F2-BF1A-62F5A5A4690B}"/>
     <pc:docChg chg="custSel modSld">
-      <pc:chgData name="Christopher Berry" userId="468ae48a-5539-4b21-98ea-6081f4d86140" providerId="ADAL" clId="{D825986F-9104-43F2-BF1A-62F5A5A4690B}" dt="2023-02-15T13:00:18.643" v="33" actId="368"/>
+      <pc:chgData name="Christopher Berry" userId="468ae48a-5539-4b21-98ea-6081f4d86140" providerId="ADAL" clId="{D825986F-9104-43F2-BF1A-62F5A5A4690B}" dt="2023-02-16T10:29:41.722" v="33" actId="368"/>
       <pc:docMkLst>
         <pc:docMk/>
       </pc:docMkLst>
       <pc:sldChg chg="modNotes">
-        <pc:chgData name="Christopher Berry" userId="468ae48a-5539-4b21-98ea-6081f4d86140" providerId="ADAL" clId="{D825986F-9104-43F2-BF1A-62F5A5A4690B}" dt="2023-02-15T13:00:18.554" v="1" actId="368"/>
+        <pc:chgData name="Christopher Berry" userId="468ae48a-5539-4b21-98ea-6081f4d86140" providerId="ADAL" clId="{D825986F-9104-43F2-BF1A-62F5A5A4690B}" dt="2023-02-16T10:29:41.634" v="1" actId="368"/>
         <pc:sldMkLst>
           <pc:docMk/>
           <pc:sldMk cId="1337738250" sldId="257"/>
         </pc:sldMkLst>
       </pc:sldChg>
       <pc:sldChg chg="modNotes">
-        <pc:chgData name="Christopher Berry" userId="468ae48a-5539-4b21-98ea-6081f4d86140" providerId="ADAL" clId="{D825986F-9104-43F2-BF1A-62F5A5A4690B}" dt="2023-02-15T13:00:18.559" v="3" actId="368"/>
+        <pc:chgData name="Christopher Berry" userId="468ae48a-5539-4b21-98ea-6081f4d86140" providerId="ADAL" clId="{D825986F-9104-43F2-BF1A-62F5A5A4690B}" dt="2023-02-16T10:29:41.640" v="3" actId="368"/>
         <pc:sldMkLst>
           <pc:docMk/>
           <pc:sldMk cId="1712097344" sldId="314"/>
         </pc:sldMkLst>
       </pc:sldChg>
       <pc:sldChg chg="modNotes">
-        <pc:chgData name="Christopher Berry" userId="468ae48a-5539-4b21-98ea-6081f4d86140" providerId="ADAL" clId="{D825986F-9104-43F2-BF1A-62F5A5A4690B}" dt="2023-02-15T13:00:18.564" v="5" actId="368"/>
+        <pc:chgData name="Christopher Berry" userId="468ae48a-5539-4b21-98ea-6081f4d86140" providerId="ADAL" clId="{D825986F-9104-43F2-BF1A-62F5A5A4690B}" dt="2023-02-16T10:29:41.646" v="5" actId="368"/>
         <pc:sldMkLst>
           <pc:docMk/>
           <pc:sldMk cId="1050599960" sldId="363"/>
         </pc:sldMkLst>
       </pc:sldChg>
       <pc:sldChg chg="modNotes">
-        <pc:chgData name="Christopher Berry" userId="468ae48a-5539-4b21-98ea-6081f4d86140" providerId="ADAL" clId="{D825986F-9104-43F2-BF1A-62F5A5A4690B}" dt="2023-02-15T13:00:18.596" v="17" actId="368"/>
+        <pc:chgData name="Christopher Berry" userId="468ae48a-5539-4b21-98ea-6081f4d86140" providerId="ADAL" clId="{D825986F-9104-43F2-BF1A-62F5A5A4690B}" dt="2023-02-16T10:29:41.683" v="17" actId="368"/>
         <pc:sldMkLst>
           <pc:docMk/>
           <pc:sldMk cId="868580765" sldId="364"/>
         </pc:sldMkLst>
       </pc:sldChg>
       <pc:sldChg chg="modNotes">
-        <pc:chgData name="Christopher Berry" userId="468ae48a-5539-4b21-98ea-6081f4d86140" providerId="ADAL" clId="{D825986F-9104-43F2-BF1A-62F5A5A4690B}" dt="2023-02-15T13:00:18.601" v="19" actId="368"/>
+        <pc:chgData name="Christopher Berry" userId="468ae48a-5539-4b21-98ea-6081f4d86140" providerId="ADAL" clId="{D825986F-9104-43F2-BF1A-62F5A5A4690B}" dt="2023-02-16T10:29:41.688" v="19" actId="368"/>
         <pc:sldMkLst>
           <pc:docMk/>
           <pc:sldMk cId="3319223748" sldId="366"/>
         </pc:sldMkLst>
       </pc:sldChg>
       <pc:sldChg chg="modNotes">
-        <pc:chgData name="Christopher Berry" userId="468ae48a-5539-4b21-98ea-6081f4d86140" providerId="ADAL" clId="{D825986F-9104-43F2-BF1A-62F5A5A4690B}" dt="2023-02-15T13:00:18.606" v="21" actId="368"/>
+        <pc:chgData name="Christopher Berry" userId="468ae48a-5539-4b21-98ea-6081f4d86140" providerId="ADAL" clId="{D825986F-9104-43F2-BF1A-62F5A5A4690B}" dt="2023-02-16T10:29:41.693" v="21" actId="368"/>
         <pc:sldMkLst>
           <pc:docMk/>
           <pc:sldMk cId="3483724441" sldId="367"/>
         </pc:sldMkLst>
       </pc:sldChg>
       <pc:sldChg chg="modNotes">
-        <pc:chgData name="Christopher Berry" userId="468ae48a-5539-4b21-98ea-6081f4d86140" providerId="ADAL" clId="{D825986F-9104-43F2-BF1A-62F5A5A4690B}" dt="2023-02-15T13:00:18.611" v="23" actId="368"/>
+        <pc:chgData name="Christopher Berry" userId="468ae48a-5539-4b21-98ea-6081f4d86140" providerId="ADAL" clId="{D825986F-9104-43F2-BF1A-62F5A5A4690B}" dt="2023-02-16T10:29:41.698" v="23" actId="368"/>
         <pc:sldMkLst>
           <pc:docMk/>
           <pc:sldMk cId="1456163847" sldId="369"/>
         </pc:sldMkLst>
       </pc:sldChg>
       <pc:sldChg chg="modNotes">
-        <pc:chgData name="Christopher Berry" userId="468ae48a-5539-4b21-98ea-6081f4d86140" providerId="ADAL" clId="{D825986F-9104-43F2-BF1A-62F5A5A4690B}" dt="2023-02-15T13:00:18.574" v="9" actId="368"/>
+        <pc:chgData name="Christopher Berry" userId="468ae48a-5539-4b21-98ea-6081f4d86140" providerId="ADAL" clId="{D825986F-9104-43F2-BF1A-62F5A5A4690B}" dt="2023-02-16T10:29:41.661" v="9" actId="368"/>
         <pc:sldMkLst>
           <pc:docMk/>
           <pc:sldMk cId="801254343" sldId="370"/>
         </pc:sldMkLst>
       </pc:sldChg>
       <pc:sldChg chg="modNotes">
-        <pc:chgData name="Christopher Berry" userId="468ae48a-5539-4b21-98ea-6081f4d86140" providerId="ADAL" clId="{D825986F-9104-43F2-BF1A-62F5A5A4690B}" dt="2023-02-15T13:00:18.591" v="15" actId="368"/>
+        <pc:chgData name="Christopher Berry" userId="468ae48a-5539-4b21-98ea-6081f4d86140" providerId="ADAL" clId="{D825986F-9104-43F2-BF1A-62F5A5A4690B}" dt="2023-02-16T10:29:41.677" v="15" actId="368"/>
         <pc:sldMkLst>
           <pc:docMk/>
           <pc:sldMk cId="4038527501" sldId="371"/>
         </pc:sldMkLst>
       </pc:sldChg>
       <pc:sldChg chg="modNotes">
-        <pc:chgData name="Christopher Berry" userId="468ae48a-5539-4b21-98ea-6081f4d86140" providerId="ADAL" clId="{D825986F-9104-43F2-BF1A-62F5A5A4690B}" dt="2023-02-15T13:00:18.622" v="27" actId="368"/>
+        <pc:chgData name="Christopher Berry" userId="468ae48a-5539-4b21-98ea-6081f4d86140" providerId="ADAL" clId="{D825986F-9104-43F2-BF1A-62F5A5A4690B}" dt="2023-02-16T10:29:41.708" v="27" actId="368"/>
         <pc:sldMkLst>
           <pc:docMk/>
           <pc:sldMk cId="1608245533" sldId="372"/>
         </pc:sldMkLst>
       </pc:sldChg>
       <pc:sldChg chg="modNotes">
-        <pc:chgData name="Christopher Berry" userId="468ae48a-5539-4b21-98ea-6081f4d86140" providerId="ADAL" clId="{D825986F-9104-43F2-BF1A-62F5A5A4690B}" dt="2023-02-15T13:00:18.629" v="29" actId="368"/>
+        <pc:chgData name="Christopher Berry" userId="468ae48a-5539-4b21-98ea-6081f4d86140" providerId="ADAL" clId="{D825986F-9104-43F2-BF1A-62F5A5A4690B}" dt="2023-02-16T10:29:41.713" v="29" actId="368"/>
         <pc:sldMkLst>
           <pc:docMk/>
           <pc:sldMk cId="807854647" sldId="373"/>
         </pc:sldMkLst>
       </pc:sldChg>
       <pc:sldChg chg="modNotes">
-        <pc:chgData name="Christopher Berry" userId="468ae48a-5539-4b21-98ea-6081f4d86140" providerId="ADAL" clId="{D825986F-9104-43F2-BF1A-62F5A5A4690B}" dt="2023-02-15T13:00:18.636" v="31" actId="368"/>
+        <pc:chgData name="Christopher Berry" userId="468ae48a-5539-4b21-98ea-6081f4d86140" providerId="ADAL" clId="{D825986F-9104-43F2-BF1A-62F5A5A4690B}" dt="2023-02-16T10:29:41.718" v="31" actId="368"/>
         <pc:sldMkLst>
           <pc:docMk/>
           <pc:sldMk cId="1022977136" sldId="374"/>
         </pc:sldMkLst>
       </pc:sldChg>
       <pc:sldChg chg="modNotes">
-        <pc:chgData name="Christopher Berry" userId="468ae48a-5539-4b21-98ea-6081f4d86140" providerId="ADAL" clId="{D825986F-9104-43F2-BF1A-62F5A5A4690B}" dt="2023-02-15T13:00:18.643" v="33" actId="368"/>
+        <pc:chgData name="Christopher Berry" userId="468ae48a-5539-4b21-98ea-6081f4d86140" providerId="ADAL" clId="{D825986F-9104-43F2-BF1A-62F5A5A4690B}" dt="2023-02-16T10:29:41.722" v="33" actId="368"/>
         <pc:sldMkLst>
           <pc:docMk/>
           <pc:sldMk cId="799028471" sldId="375"/>
         </pc:sldMkLst>
       </pc:sldChg>
       <pc:sldChg chg="modNotes">
-        <pc:chgData name="Christopher Berry" userId="468ae48a-5539-4b21-98ea-6081f4d86140" providerId="ADAL" clId="{D825986F-9104-43F2-BF1A-62F5A5A4690B}" dt="2023-02-15T13:00:18.569" v="7" actId="368"/>
+        <pc:chgData name="Christopher Berry" userId="468ae48a-5539-4b21-98ea-6081f4d86140" providerId="ADAL" clId="{D825986F-9104-43F2-BF1A-62F5A5A4690B}" dt="2023-02-16T10:29:41.654" v="7" actId="368"/>
         <pc:sldMkLst>
           <pc:docMk/>
           <pc:sldMk cId="2123990893" sldId="379"/>
         </pc:sldMkLst>
       </pc:sldChg>
       <pc:sldChg chg="modNotes">
-        <pc:chgData name="Christopher Berry" userId="468ae48a-5539-4b21-98ea-6081f4d86140" providerId="ADAL" clId="{D825986F-9104-43F2-BF1A-62F5A5A4690B}" dt="2023-02-15T13:00:18.586" v="13" actId="368"/>
+        <pc:chgData name="Christopher Berry" userId="468ae48a-5539-4b21-98ea-6081f4d86140" providerId="ADAL" clId="{D825986F-9104-43F2-BF1A-62F5A5A4690B}" dt="2023-02-16T10:29:41.672" v="13" actId="368"/>
         <pc:sldMkLst>
           <pc:docMk/>
           <pc:sldMk cId="2847794192" sldId="380"/>
         </pc:sldMkLst>
       </pc:sldChg>
       <pc:sldChg chg="modNotes">
-        <pc:chgData name="Christopher Berry" userId="468ae48a-5539-4b21-98ea-6081f4d86140" providerId="ADAL" clId="{D825986F-9104-43F2-BF1A-62F5A5A4690B}" dt="2023-02-15T13:00:18.578" v="11" actId="368"/>
+        <pc:chgData name="Christopher Berry" userId="468ae48a-5539-4b21-98ea-6081f4d86140" providerId="ADAL" clId="{D825986F-9104-43F2-BF1A-62F5A5A4690B}" dt="2023-02-16T10:29:41.668" v="11" actId="368"/>
         <pc:sldMkLst>
           <pc:docMk/>
           <pc:sldMk cId="1343114204" sldId="382"/>
         </pc:sldMkLst>
       </pc:sldChg>
       <pc:sldChg chg="modNotes">
-        <pc:chgData name="Christopher Berry" userId="468ae48a-5539-4b21-98ea-6081f4d86140" providerId="ADAL" clId="{D825986F-9104-43F2-BF1A-62F5A5A4690B}" dt="2023-02-15T13:00:18.616" v="25" actId="368"/>
+        <pc:chgData name="Christopher Berry" userId="468ae48a-5539-4b21-98ea-6081f4d86140" providerId="ADAL" clId="{D825986F-9104-43F2-BF1A-62F5A5A4690B}" dt="2023-02-16T10:29:41.703" v="25" actId="368"/>
         <pc:sldMkLst>
           <pc:docMk/>
           <pc:sldMk cId="1016740621" sldId="383"/>
@@ -408,7 +484,7 @@
           <a:p>
             <a:fld id="{39F2F66B-899D-484E-9C99-E1DBE23F9DE9}" type="datetimeFigureOut">
               <a:rPr lang="en-GB" smtClean="0"/>
-              <a:t>15/02/2023</a:t>
+              <a:t>16/02/2023</a:t>
             </a:fld>
             <a:endParaRPr lang="en-GB"/>
           </a:p>
@@ -574,7 +650,7 @@
             <a:fld id="{2C09A945-60CF-41CC-BF14-DA645D9ABE0F}" type="datetimeFigureOut">
               <a:rPr lang="en-GB" smtClean="0"/>
               <a:pPr/>
-              <a:t>15/02/2023</a:t>
+              <a:t>16/02/2023</a:t>
             </a:fld>
             <a:endParaRPr lang="en-GB"/>
           </a:p>
@@ -2569,7 +2645,7 @@
             <a:fld id="{FD207E47-C1CA-47C9-BFA1-FDEFD1CE1BAA}" type="datetime1">
               <a:rPr lang="en-US" smtClean="0"/>
               <a:pPr/>
-              <a:t>2/15/2023</a:t>
+              <a:t>2/16/2023</a:t>
             </a:fld>
             <a:endParaRPr lang="en-US"/>
           </a:p>
@@ -2734,7 +2810,7 @@
             <a:fld id="{58C692B5-BE86-445D-88C0-242C83A9421E}" type="datetime1">
               <a:rPr lang="en-US" smtClean="0"/>
               <a:pPr/>
-              <a:t>2/15/2023</a:t>
+              <a:t>2/16/2023</a:t>
             </a:fld>
             <a:endParaRPr lang="en-US"/>
           </a:p>
@@ -2909,7 +2985,7 @@
             <a:fld id="{6A70B350-EB04-4702-A2C6-BB029CC917C4}" type="datetime1">
               <a:rPr lang="en-US" smtClean="0"/>
               <a:pPr/>
-              <a:t>2/15/2023</a:t>
+              <a:t>2/16/2023</a:t>
             </a:fld>
             <a:endParaRPr lang="en-US"/>
           </a:p>
@@ -3103,7 +3179,7 @@
               <a:pPr>
                 <a:defRPr/>
               </a:pPr>
-              <a:t>15/02/2023</a:t>
+              <a:t>16/02/2023</a:t>
             </a:fld>
             <a:endParaRPr lang="en-GB"/>
           </a:p>
@@ -3288,7 +3364,7 @@
               <a:pPr>
                 <a:defRPr/>
               </a:pPr>
-              <a:t>15/02/2023</a:t>
+              <a:t>16/02/2023</a:t>
             </a:fld>
             <a:endParaRPr lang="en-GB"/>
           </a:p>
@@ -3549,7 +3625,7 @@
               <a:pPr>
                 <a:defRPr/>
               </a:pPr>
-              <a:t>15/02/2023</a:t>
+              <a:t>16/02/2023</a:t>
             </a:fld>
             <a:endParaRPr lang="en-GB"/>
           </a:p>
@@ -3796,7 +3872,7 @@
               <a:pPr>
                 <a:defRPr/>
               </a:pPr>
-              <a:t>15/02/2023</a:t>
+              <a:t>16/02/2023</a:t>
             </a:fld>
             <a:endParaRPr lang="en-GB"/>
           </a:p>
@@ -4178,7 +4254,7 @@
               <a:pPr>
                 <a:defRPr/>
               </a:pPr>
-              <a:t>15/02/2023</a:t>
+              <a:t>16/02/2023</a:t>
             </a:fld>
             <a:endParaRPr lang="en-GB"/>
           </a:p>
@@ -4311,7 +4387,7 @@
               <a:pPr>
                 <a:defRPr/>
               </a:pPr>
-              <a:t>15/02/2023</a:t>
+              <a:t>16/02/2023</a:t>
             </a:fld>
             <a:endParaRPr lang="en-GB"/>
           </a:p>
@@ -4421,7 +4497,7 @@
               <a:pPr>
                 <a:defRPr/>
               </a:pPr>
-              <a:t>15/02/2023</a:t>
+              <a:t>16/02/2023</a:t>
             </a:fld>
             <a:endParaRPr lang="en-GB"/>
           </a:p>
@@ -4713,7 +4789,7 @@
               <a:pPr>
                 <a:defRPr/>
               </a:pPr>
-              <a:t>15/02/2023</a:t>
+              <a:t>16/02/2023</a:t>
             </a:fld>
             <a:endParaRPr lang="en-GB"/>
           </a:p>
@@ -4891,7 +4967,7 @@
             <a:fld id="{B19C5C7B-1CCF-4D03-A2E8-D3591213E0F6}" type="datetime1">
               <a:rPr lang="en-US" smtClean="0"/>
               <a:pPr/>
-              <a:t>2/15/2023</a:t>
+              <a:t>2/16/2023</a:t>
             </a:fld>
             <a:endParaRPr lang="en-US"/>
           </a:p>
@@ -5150,7 +5226,7 @@
               <a:pPr>
                 <a:defRPr/>
               </a:pPr>
-              <a:t>15/02/2023</a:t>
+              <a:t>16/02/2023</a:t>
             </a:fld>
             <a:endParaRPr lang="en-GB"/>
           </a:p>
@@ -5335,7 +5411,7 @@
               <a:pPr>
                 <a:defRPr/>
               </a:pPr>
-              <a:t>15/02/2023</a:t>
+              <a:t>16/02/2023</a:t>
             </a:fld>
             <a:endParaRPr lang="en-GB"/>
           </a:p>
@@ -5530,7 +5606,7 @@
               <a:pPr>
                 <a:defRPr/>
               </a:pPr>
-              <a:t>15/02/2023</a:t>
+              <a:t>16/02/2023</a:t>
             </a:fld>
             <a:endParaRPr lang="en-GB"/>
           </a:p>
@@ -5789,7 +5865,7 @@
               <a:pPr>
                 <a:defRPr/>
               </a:pPr>
-              <a:t>2/15/2023</a:t>
+              <a:t>2/16/2023</a:t>
             </a:fld>
             <a:endParaRPr lang="en-US"/>
           </a:p>
@@ -5984,7 +6060,7 @@
               <a:pPr>
                 <a:defRPr/>
               </a:pPr>
-              <a:t>2/15/2023</a:t>
+              <a:t>2/16/2023</a:t>
             </a:fld>
             <a:endParaRPr lang="en-US"/>
           </a:p>
@@ -6256,7 +6332,7 @@
               <a:pPr>
                 <a:defRPr/>
               </a:pPr>
-              <a:t>2/15/2023</a:t>
+              <a:t>2/16/2023</a:t>
             </a:fld>
             <a:endParaRPr lang="en-US"/>
           </a:p>
@@ -6568,7 +6644,7 @@
               <a:pPr>
                 <a:defRPr/>
               </a:pPr>
-              <a:t>2/15/2023</a:t>
+              <a:t>2/16/2023</a:t>
             </a:fld>
             <a:endParaRPr lang="en-US"/>
           </a:p>
@@ -7014,7 +7090,7 @@
               <a:pPr>
                 <a:defRPr/>
               </a:pPr>
-              <a:t>2/15/2023</a:t>
+              <a:t>2/16/2023</a:t>
             </a:fld>
             <a:endParaRPr lang="en-US"/>
           </a:p>
@@ -7158,7 +7234,7 @@
               <a:pPr>
                 <a:defRPr/>
               </a:pPr>
-              <a:t>2/15/2023</a:t>
+              <a:t>2/16/2023</a:t>
             </a:fld>
             <a:endParaRPr lang="en-US"/>
           </a:p>
@@ -7280,7 +7356,7 @@
               <a:pPr>
                 <a:defRPr/>
               </a:pPr>
-              <a:t>2/15/2023</a:t>
+              <a:t>2/16/2023</a:t>
             </a:fld>
             <a:endParaRPr lang="en-US"/>
           </a:p>
@@ -7543,7 +7619,7 @@
             <a:fld id="{617DE08F-8114-45C2-9520-EC1882F8A669}" type="datetime1">
               <a:rPr lang="en-US" smtClean="0"/>
               <a:pPr/>
-              <a:t>2/15/2023</a:t>
+              <a:t>2/16/2023</a:t>
             </a:fld>
             <a:endParaRPr lang="en-US"/>
           </a:p>
@@ -7824,7 +7900,7 @@
               <a:pPr>
                 <a:defRPr/>
               </a:pPr>
-              <a:t>2/15/2023</a:t>
+              <a:t>2/16/2023</a:t>
             </a:fld>
             <a:endParaRPr lang="en-US"/>
           </a:p>
@@ -8106,7 +8182,7 @@
               <a:pPr>
                 <a:defRPr/>
               </a:pPr>
-              <a:t>2/15/2023</a:t>
+              <a:t>2/16/2023</a:t>
             </a:fld>
             <a:endParaRPr lang="en-US"/>
           </a:p>
@@ -8301,7 +8377,7 @@
               <a:pPr>
                 <a:defRPr/>
               </a:pPr>
-              <a:t>2/15/2023</a:t>
+              <a:t>2/16/2023</a:t>
             </a:fld>
             <a:endParaRPr lang="en-US"/>
           </a:p>
@@ -8506,7 +8582,7 @@
               <a:pPr>
                 <a:defRPr/>
               </a:pPr>
-              <a:t>2/15/2023</a:t>
+              <a:t>2/16/2023</a:t>
             </a:fld>
             <a:endParaRPr lang="en-US"/>
           </a:p>
@@ -8809,7 +8885,7 @@
             <a:fld id="{67FBBCEA-51D6-4D4F-B700-EBDD8904452C}" type="datetime1">
               <a:rPr lang="en-US" smtClean="0"/>
               <a:pPr/>
-              <a:t>2/15/2023</a:t>
+              <a:t>2/16/2023</a:t>
             </a:fld>
             <a:endParaRPr lang="en-US"/>
           </a:p>
@@ -9225,7 +9301,7 @@
             <a:fld id="{7C3355C0-4DE2-42D1-B918-7B0FCE7481FD}" type="datetime1">
               <a:rPr lang="en-US" smtClean="0"/>
               <a:pPr/>
-              <a:t>2/15/2023</a:t>
+              <a:t>2/16/2023</a:t>
             </a:fld>
             <a:endParaRPr lang="en-US"/>
           </a:p>
@@ -9339,7 +9415,7 @@
             <a:fld id="{41F9056E-53B5-467C-A68C-D5DD1F771BB5}" type="datetime1">
               <a:rPr lang="en-US" smtClean="0"/>
               <a:pPr/>
-              <a:t>2/15/2023</a:t>
+              <a:t>2/16/2023</a:t>
             </a:fld>
             <a:endParaRPr lang="en-US"/>
           </a:p>
@@ -9431,7 +9507,7 @@
             <a:fld id="{73236B7C-1414-4D49-8A59-8F56128C501B}" type="datetime1">
               <a:rPr lang="en-US" smtClean="0"/>
               <a:pPr/>
-              <a:t>2/15/2023</a:t>
+              <a:t>2/16/2023</a:t>
             </a:fld>
             <a:endParaRPr lang="en-US"/>
           </a:p>
@@ -9703,7 +9779,7 @@
             <a:fld id="{A40AEADC-23C0-4767-9AD7-3E7B6C343A0A}" type="datetime1">
               <a:rPr lang="en-US" smtClean="0"/>
               <a:pPr/>
-              <a:t>2/15/2023</a:t>
+              <a:t>2/16/2023</a:t>
             </a:fld>
             <a:endParaRPr lang="en-US"/>
           </a:p>
@@ -9952,7 +10028,7 @@
             <a:fld id="{07762B3B-4AFD-4E39-B6F8-E1A2354BA336}" type="datetime1">
               <a:rPr lang="en-US" smtClean="0"/>
               <a:pPr/>
-              <a:t>2/15/2023</a:t>
+              <a:t>2/16/2023</a:t>
             </a:fld>
             <a:endParaRPr lang="en-US"/>
           </a:p>
@@ -10165,7 +10241,7 @@
             <a:fld id="{16C4ABC6-3BA1-4854-92CA-2B0133ECAB44}" type="datetime1">
               <a:rPr lang="en-US" smtClean="0"/>
               <a:pPr/>
-              <a:t>2/15/2023</a:t>
+              <a:t>2/16/2023</a:t>
             </a:fld>
             <a:endParaRPr lang="en-US"/>
           </a:p>
@@ -10683,7 +10759,7 @@
               <a:pPr>
                 <a:defRPr/>
               </a:pPr>
-              <a:t>2/15/2023</a:t>
+              <a:t>2/16/2023</a:t>
             </a:fld>
             <a:endParaRPr lang="en-US"/>
           </a:p>
@@ -11293,7 +11369,7 @@
               <a:pPr>
                 <a:defRPr/>
               </a:pPr>
-              <a:t>2/15/2023</a:t>
+              <a:t>2/16/2023</a:t>
             </a:fld>
             <a:endParaRPr lang="en-US"/>
           </a:p>
@@ -11918,7 +11994,7 @@
                 </a:solidFill>
                 <a:latin typeface="Calibri" pitchFamily="34" charset="0"/>
               </a:rPr>
-              <a:t>Plymouth University</a:t>
+              <a:t>University of Plymouth</a:t>
             </a:r>
             <a:br>
               <a:rPr lang="en-GB" dirty="0">
@@ -17761,7 +17837,7 @@
         <p:spPr>
           <a:xfrm>
             <a:off x="675120" y="355376"/>
-            <a:ext cx="5968276" cy="5805486"/>
+            <a:ext cx="5968276" cy="6366100"/>
           </a:xfrm>
         </p:spPr>
         <p:txBody>
@@ -17825,7 +17901,7 @@
             <a:pPr marL="0" indent="0">
               <a:buNone/>
             </a:pPr>
-            <a:endParaRPr lang="en-GB" dirty="0">
+            <a:endParaRPr lang="en-GB" sz="900" dirty="0">
               <a:solidFill>
                 <a:schemeClr val="tx2">
                   <a:lumMod val="75000"/>
@@ -17863,7 +17939,26 @@
             <a:pPr marL="0" indent="0">
               <a:buNone/>
             </a:pPr>
-            <a:endParaRPr lang="en-GB" dirty="0"/>
+            <a:endParaRPr lang="en-GB" sz="1200" dirty="0"/>
+          </a:p>
+          <a:p>
+            <a:pPr marL="0" indent="0">
+              <a:buNone/>
+            </a:pPr>
+            <a:r>
+              <a:rPr lang="en-GB" b="1" dirty="0"/>
+              <a:t>Outcome variable: </a:t>
+            </a:r>
+            <a:r>
+              <a:rPr lang="en-GB" dirty="0"/>
+              <a:t>mental health</a:t>
+            </a:r>
+          </a:p>
+          <a:p>
+            <a:pPr marL="0" indent="0">
+              <a:buNone/>
+            </a:pPr>
+            <a:endParaRPr lang="en-GB" sz="600" dirty="0"/>
           </a:p>
           <a:p>
             <a:pPr marL="0" indent="0">
@@ -17951,7 +18046,7 @@
             <a:pPr marL="0" indent="0">
               <a:buNone/>
             </a:pPr>
-            <a:endParaRPr lang="en-GB" dirty="0"/>
+            <a:endParaRPr lang="en-GB" sz="500" dirty="0"/>
           </a:p>
           <a:p>
             <a:pPr marL="0" indent="0">
@@ -17977,7 +18072,24 @@
             </a:r>
           </a:p>
           <a:p>
-            <a:endParaRPr lang="en-GB" dirty="0"/>
+            <a:endParaRPr lang="en-GB" sz="900" dirty="0"/>
+          </a:p>
+          <a:p>
+            <a:pPr marL="0" indent="0">
+              <a:buNone/>
+            </a:pPr>
+            <a:r>
+              <a:rPr lang="en-GB" b="1" dirty="0"/>
+              <a:t>Predictor variable: </a:t>
+            </a:r>
+            <a:r>
+              <a:rPr lang="en-GB" dirty="0">
+                <a:solidFill>
+                  <a:schemeClr val="tx2"/>
+                </a:solidFill>
+              </a:rPr>
+              <a:t>comfort</a:t>
+            </a:r>
           </a:p>
         </p:txBody>
       </p:sp>
@@ -18013,8 +18125,8 @@
         </p:nvSpPr>
         <p:spPr>
           <a:xfrm>
-            <a:off x="6161520" y="5571880"/>
-            <a:ext cx="6034232" cy="954107"/>
+            <a:off x="5944392" y="5415529"/>
+            <a:ext cx="6247608" cy="954107"/>
           </a:xfrm>
           <a:prstGeom prst="rect">
             <a:avLst/>
@@ -18030,7 +18142,7 @@
               <a:rPr lang="en-GB" sz="1400" dirty="0" err="1">
                 <a:solidFill>
                   <a:schemeClr val="bg1">
-                    <a:lumMod val="75000"/>
+                    <a:lumMod val="65000"/>
                   </a:schemeClr>
                 </a:solidFill>
                 <a:latin typeface="Helvetica Neue"/>
@@ -18041,7 +18153,7 @@
               <a:rPr lang="en-GB" sz="1400" dirty="0">
                 <a:solidFill>
                   <a:schemeClr val="bg1">
-                    <a:lumMod val="75000"/>
+                    <a:lumMod val="65000"/>
                   </a:schemeClr>
                 </a:solidFill>
                 <a:latin typeface="Helvetica Neue"/>
@@ -18052,7 +18164,7 @@
               <a:rPr lang="en-GB" sz="1400" dirty="0" err="1">
                 <a:solidFill>
                   <a:schemeClr val="bg1">
-                    <a:lumMod val="75000"/>
+                    <a:lumMod val="65000"/>
                   </a:schemeClr>
                 </a:solidFill>
                 <a:latin typeface="Helvetica Neue"/>
@@ -18063,7 +18175,7 @@
               <a:rPr lang="en-GB" sz="1400" dirty="0">
                 <a:solidFill>
                   <a:schemeClr val="bg1">
-                    <a:lumMod val="75000"/>
+                    <a:lumMod val="65000"/>
                   </a:schemeClr>
                 </a:solidFill>
                 <a:latin typeface="Helvetica Neue"/>
@@ -18074,7 +18186,7 @@
               <a:rPr lang="en-GB" sz="1400" i="1" dirty="0" err="1">
                 <a:solidFill>
                   <a:schemeClr val="bg1">
-                    <a:lumMod val="75000"/>
+                    <a:lumMod val="65000"/>
                   </a:schemeClr>
                 </a:solidFill>
                 <a:latin typeface="Helvetica Neue"/>
@@ -18085,7 +18197,7 @@
               <a:rPr lang="en-GB" sz="1400" i="1" dirty="0">
                 <a:solidFill>
                   <a:schemeClr val="bg1">
-                    <a:lumMod val="75000"/>
+                    <a:lumMod val="65000"/>
                   </a:schemeClr>
                 </a:solidFill>
                 <a:latin typeface="Helvetica Neue"/>
@@ -18096,7 +18208,7 @@
               <a:rPr lang="en-GB" sz="1400" dirty="0">
                 <a:solidFill>
                   <a:schemeClr val="bg1">
-                    <a:lumMod val="75000"/>
+                    <a:lumMod val="65000"/>
                   </a:schemeClr>
                 </a:solidFill>
                 <a:latin typeface="Helvetica Neue"/>
@@ -18107,7 +18219,7 @@
               <a:rPr lang="en-GB" sz="1400" i="1" dirty="0">
                 <a:solidFill>
                   <a:schemeClr val="bg1">
-                    <a:lumMod val="75000"/>
+                    <a:lumMod val="65000"/>
                   </a:schemeClr>
                 </a:solidFill>
                 <a:latin typeface="Helvetica Neue"/>
@@ -18118,13 +18230,32 @@
               <a:rPr lang="en-GB" sz="1400" dirty="0">
                 <a:solidFill>
                   <a:schemeClr val="bg1">
-                    <a:lumMod val="75000"/>
+                    <a:lumMod val="65000"/>
                   </a:schemeClr>
                 </a:solidFill>
                 <a:latin typeface="Helvetica Neue"/>
               </a:rPr>
               <a:t>(9):e0239397. </a:t>
             </a:r>
+            <a:r>
+              <a:rPr lang="en-GB" sz="1100" dirty="0">
+                <a:solidFill>
+                  <a:schemeClr val="bg1">
+                    <a:lumMod val="65000"/>
+                  </a:schemeClr>
+                </a:solidFill>
+                <a:latin typeface="Helvetica Neue"/>
+              </a:rPr>
+              <a:t>https://doi.org/10.1371/journal.pone.0239397</a:t>
+            </a:r>
+            <a:endParaRPr lang="en-GB" sz="1400" dirty="0">
+              <a:solidFill>
+                <a:schemeClr val="bg1">
+                  <a:lumMod val="65000"/>
+                </a:schemeClr>
+              </a:solidFill>
+              <a:latin typeface="Helvetica Neue"/>
+            </a:endParaRPr>
           </a:p>
         </p:txBody>
       </p:sp>
@@ -18268,39 +18399,26 @@
                                   </p:childTnLst>
                                 </p:cTn>
                               </p:par>
+                            </p:childTnLst>
+                          </p:cTn>
+                        </p:par>
+                      </p:childTnLst>
+                    </p:cTn>
+                  </p:par>
+                  <p:par>
+                    <p:cTn id="11" fill="hold">
+                      <p:stCondLst>
+                        <p:cond delay="indefinite"/>
+                      </p:stCondLst>
+                      <p:childTnLst>
+                        <p:par>
+                          <p:cTn id="12" fill="hold">
+                            <p:stCondLst>
+                              <p:cond delay="0"/>
+                            </p:stCondLst>
+                            <p:childTnLst>
                               <p:par>
-                                <p:cTn id="11" presetID="1" presetClass="entr" presetSubtype="0" fill="hold" nodeType="withEffect">
-                                  <p:stCondLst>
-                                    <p:cond delay="0"/>
-                                  </p:stCondLst>
-                                  <p:childTnLst>
-                                    <p:set>
-                                      <p:cBhvr>
-                                        <p:cTn id="12" dur="1" fill="hold">
-                                          <p:stCondLst>
-                                            <p:cond delay="0"/>
-                                          </p:stCondLst>
-                                        </p:cTn>
-                                        <p:tgtEl>
-                                          <p:spTgt spid="3">
-                                            <p:txEl>
-                                              <p:pRg st="6" end="6"/>
-                                            </p:txEl>
-                                          </p:spTgt>
-                                        </p:tgtEl>
-                                        <p:attrNameLst>
-                                          <p:attrName>style.visibility</p:attrName>
-                                        </p:attrNameLst>
-                                      </p:cBhvr>
-                                      <p:to>
-                                        <p:strVal val="visible"/>
-                                      </p:to>
-                                    </p:set>
-                                  </p:childTnLst>
-                                </p:cTn>
-                              </p:par>
-                              <p:par>
-                                <p:cTn id="13" presetID="1" presetClass="entr" presetSubtype="0" fill="hold" nodeType="withEffect">
+                                <p:cTn id="13" presetID="1" presetClass="entr" presetSubtype="0" fill="hold" nodeType="clickEffect">
                                   <p:stCondLst>
                                     <p:cond delay="0"/>
                                   </p:stCondLst>
@@ -18392,26 +18510,39 @@
                                   </p:childTnLst>
                                 </p:cTn>
                               </p:par>
-                            </p:childTnLst>
-                          </p:cTn>
-                        </p:par>
-                      </p:childTnLst>
-                    </p:cTn>
-                  </p:par>
-                  <p:par>
-                    <p:cTn id="19" fill="hold">
-                      <p:stCondLst>
-                        <p:cond delay="indefinite"/>
-                      </p:stCondLst>
-                      <p:childTnLst>
-                        <p:par>
-                          <p:cTn id="20" fill="hold">
-                            <p:stCondLst>
-                              <p:cond delay="0"/>
-                            </p:stCondLst>
-                            <p:childTnLst>
                               <p:par>
-                                <p:cTn id="21" presetID="1" presetClass="entr" presetSubtype="0" fill="hold" nodeType="clickEffect">
+                                <p:cTn id="19" presetID="1" presetClass="entr" presetSubtype="0" fill="hold" nodeType="withEffect">
+                                  <p:stCondLst>
+                                    <p:cond delay="0"/>
+                                  </p:stCondLst>
+                                  <p:childTnLst>
+                                    <p:set>
+                                      <p:cBhvr>
+                                        <p:cTn id="20" dur="1" fill="hold">
+                                          <p:stCondLst>
+                                            <p:cond delay="0"/>
+                                          </p:stCondLst>
+                                        </p:cTn>
+                                        <p:tgtEl>
+                                          <p:spTgt spid="3">
+                                            <p:txEl>
+                                              <p:pRg st="10" end="10"/>
+                                            </p:txEl>
+                                          </p:spTgt>
+                                        </p:tgtEl>
+                                        <p:attrNameLst>
+                                          <p:attrName>style.visibility</p:attrName>
+                                        </p:attrNameLst>
+                                      </p:cBhvr>
+                                      <p:to>
+                                        <p:strVal val="visible"/>
+                                      </p:to>
+                                    </p:set>
+                                  </p:childTnLst>
+                                </p:cTn>
+                              </p:par>
+                              <p:par>
+                                <p:cTn id="21" presetID="1" presetClass="entr" presetSubtype="0" fill="hold" nodeType="withEffect">
                                   <p:stCondLst>
                                     <p:cond delay="0"/>
                                   </p:stCondLst>
@@ -18441,15 +18572,33 @@
                                   </p:childTnLst>
                                 </p:cTn>
                               </p:par>
+                            </p:childTnLst>
+                          </p:cTn>
+                        </p:par>
+                      </p:childTnLst>
+                    </p:cTn>
+                  </p:par>
+                  <p:par>
+                    <p:cTn id="23" fill="hold">
+                      <p:stCondLst>
+                        <p:cond delay="indefinite"/>
+                      </p:stCondLst>
+                      <p:childTnLst>
+                        <p:par>
+                          <p:cTn id="24" fill="hold">
+                            <p:stCondLst>
+                              <p:cond delay="0"/>
+                            </p:stCondLst>
+                            <p:childTnLst>
                               <p:par>
-                                <p:cTn id="23" presetID="1" presetClass="entr" presetSubtype="0" fill="hold" nodeType="withEffect">
+                                <p:cTn id="25" presetID="1" presetClass="entr" presetSubtype="0" fill="hold" nodeType="clickEffect">
                                   <p:stCondLst>
                                     <p:cond delay="0"/>
                                   </p:stCondLst>
                                   <p:childTnLst>
                                     <p:set>
                                       <p:cBhvr>
-                                        <p:cTn id="24" dur="1" fill="hold">
+                                        <p:cTn id="26" dur="1" fill="hold">
                                           <p:stCondLst>
                                             <p:cond delay="0"/>
                                           </p:stCondLst>
@@ -18457,7 +18606,69 @@
                                         <p:tgtEl>
                                           <p:spTgt spid="3">
                                             <p:txEl>
-                                              <p:pRg st="12" end="12"/>
+                                              <p:pRg st="13" end="13"/>
+                                            </p:txEl>
+                                          </p:spTgt>
+                                        </p:tgtEl>
+                                        <p:attrNameLst>
+                                          <p:attrName>style.visibility</p:attrName>
+                                        </p:attrNameLst>
+                                      </p:cBhvr>
+                                      <p:to>
+                                        <p:strVal val="visible"/>
+                                      </p:to>
+                                    </p:set>
+                                  </p:childTnLst>
+                                </p:cTn>
+                              </p:par>
+                              <p:par>
+                                <p:cTn id="27" presetID="1" presetClass="entr" presetSubtype="0" fill="hold" nodeType="withEffect">
+                                  <p:stCondLst>
+                                    <p:cond delay="0"/>
+                                  </p:stCondLst>
+                                  <p:childTnLst>
+                                    <p:set>
+                                      <p:cBhvr>
+                                        <p:cTn id="28" dur="1" fill="hold">
+                                          <p:stCondLst>
+                                            <p:cond delay="0"/>
+                                          </p:stCondLst>
+                                        </p:cTn>
+                                        <p:tgtEl>
+                                          <p:spTgt spid="3">
+                                            <p:txEl>
+                                              <p:pRg st="14" end="14"/>
+                                            </p:txEl>
+                                          </p:spTgt>
+                                        </p:tgtEl>
+                                        <p:attrNameLst>
+                                          <p:attrName>style.visibility</p:attrName>
+                                        </p:attrNameLst>
+                                      </p:cBhvr>
+                                      <p:to>
+                                        <p:strVal val="visible"/>
+                                      </p:to>
+                                    </p:set>
+                                  </p:childTnLst>
+                                </p:cTn>
+                              </p:par>
+                              <p:par>
+                                <p:cTn id="29" presetID="1" presetClass="entr" presetSubtype="0" fill="hold" nodeType="withEffect">
+                                  <p:stCondLst>
+                                    <p:cond delay="0"/>
+                                  </p:stCondLst>
+                                  <p:childTnLst>
+                                    <p:set>
+                                      <p:cBhvr>
+                                        <p:cTn id="30" dur="1" fill="hold">
+                                          <p:stCondLst>
+                                            <p:cond delay="0"/>
+                                          </p:stCondLst>
+                                        </p:cTn>
+                                        <p:tgtEl>
+                                          <p:spTgt spid="3">
+                                            <p:txEl>
+                                              <p:pRg st="16" end="16"/>
                                             </p:txEl>
                                           </p:spTgt>
                                         </p:tgtEl>
@@ -20707,7 +20918,7 @@
         <p:spPr>
           <a:xfrm>
             <a:off x="6599866" y="3151293"/>
-            <a:ext cx="5211604" cy="1015663"/>
+            <a:ext cx="5211604" cy="1323439"/>
           </a:xfrm>
           <a:prstGeom prst="rect">
             <a:avLst/>
@@ -20747,8 +20958,17 @@
             </a:r>
             <a:r>
               <a:rPr lang="en-GB" sz="2000" dirty="0"/>
-              <a:t> to the model.</a:t>
-            </a:r>
+              <a:t> to the model (even though associated R</a:t>
+            </a:r>
+            <a:r>
+              <a:rPr lang="en-GB" sz="2000" baseline="30000" dirty="0"/>
+              <a:t>2 </a:t>
+            </a:r>
+            <a:r>
+              <a:rPr lang="en-GB" sz="2000" dirty="0"/>
+              <a:t>is so low)</a:t>
+            </a:r>
+            <a:endParaRPr lang="en-GB" sz="2000" baseline="30000" dirty="0"/>
           </a:p>
         </p:txBody>
       </p:sp>
@@ -24139,7 +24359,7 @@
                 </a:solidFill>
                 <a:latin typeface="Helvetica Neue"/>
               </a:rPr>
-              <a:t>(11), e0225646.</a:t>
+              <a:t>(11), e0225646. https://doi.org/10.1371/journal.pone.0225646</a:t>
             </a:r>
           </a:p>
         </p:txBody>

--- a/docs/slides/PSYC753_L5_MultipleRegression3.pptx
+++ b/docs/slides/PSYC753_L5_MultipleRegression3.pptx
@@ -164,7 +164,7 @@
 <file path=ppt/revisionInfo.xml><?xml version="1.0" encoding="utf-8"?>
 <p1510:revInfo xmlns:a="http://schemas.openxmlformats.org/drawingml/2006/main" xmlns:r="http://schemas.openxmlformats.org/officeDocument/2006/relationships" xmlns:p1510="http://schemas.microsoft.com/office/powerpoint/2015/10/main">
   <p1510:revLst>
-    <p1510:client id="{87CAE2B4-7AD8-4759-8833-D1F885ADA32C}" v="179" dt="2023-02-16T10:27:30.259"/>
+    <p1510:client id="{87CAE2B4-7AD8-4759-8833-D1F885ADA32C}" v="181" dt="2023-02-16T10:38:35.390"/>
   </p1510:revLst>
 </p1510:revInfo>
 </file>
@@ -174,7 +174,7 @@
   <pc:docChgLst>
     <pc:chgData name="Christopher Berry" userId="468ae48a-5539-4b21-98ea-6081f4d86140" providerId="ADAL" clId="{87CAE2B4-7AD8-4759-8833-D1F885ADA32C}"/>
     <pc:docChg chg="undo custSel modSld">
-      <pc:chgData name="Christopher Berry" userId="468ae48a-5539-4b21-98ea-6081f4d86140" providerId="ADAL" clId="{87CAE2B4-7AD8-4759-8833-D1F885ADA32C}" dt="2023-02-16T10:28:44.546" v="221"/>
+      <pc:chgData name="Christopher Berry" userId="468ae48a-5539-4b21-98ea-6081f4d86140" providerId="ADAL" clId="{87CAE2B4-7AD8-4759-8833-D1F885ADA32C}" dt="2023-02-16T10:38:35.390" v="424"/>
       <pc:docMkLst>
         <pc:docMk/>
       </pc:docMkLst>
@@ -254,18 +254,50 @@
           </ac:spMkLst>
         </pc:spChg>
       </pc:sldChg>
-      <pc:sldChg chg="modSp">
-        <pc:chgData name="Christopher Berry" userId="468ae48a-5539-4b21-98ea-6081f4d86140" providerId="ADAL" clId="{87CAE2B4-7AD8-4759-8833-D1F885ADA32C}" dt="2023-02-15T12:59:19.042" v="3" actId="20577"/>
+      <pc:sldChg chg="addSp modSp mod modAnim">
+        <pc:chgData name="Christopher Berry" userId="468ae48a-5539-4b21-98ea-6081f4d86140" providerId="ADAL" clId="{87CAE2B4-7AD8-4759-8833-D1F885ADA32C}" dt="2023-02-16T10:38:35.390" v="424"/>
         <pc:sldMkLst>
           <pc:docMk/>
           <pc:sldMk cId="799028471" sldId="375"/>
         </pc:sldMkLst>
         <pc:spChg chg="mod">
-          <ac:chgData name="Christopher Berry" userId="468ae48a-5539-4b21-98ea-6081f4d86140" providerId="ADAL" clId="{87CAE2B4-7AD8-4759-8833-D1F885ADA32C}" dt="2023-02-15T12:59:19.042" v="3" actId="20577"/>
+          <ac:chgData name="Christopher Berry" userId="468ae48a-5539-4b21-98ea-6081f4d86140" providerId="ADAL" clId="{87CAE2B4-7AD8-4759-8833-D1F885ADA32C}" dt="2023-02-16T10:37:21.889" v="402" actId="1076"/>
+          <ac:spMkLst>
+            <pc:docMk/>
+            <pc:sldMk cId="799028471" sldId="375"/>
+            <ac:spMk id="2" creationId="{00000000-0000-0000-0000-000000000000}"/>
+          </ac:spMkLst>
+        </pc:spChg>
+        <pc:spChg chg="mod">
+          <ac:chgData name="Christopher Berry" userId="468ae48a-5539-4b21-98ea-6081f4d86140" providerId="ADAL" clId="{87CAE2B4-7AD8-4759-8833-D1F885ADA32C}" dt="2023-02-16T10:37:21.889" v="402" actId="1076"/>
           <ac:spMkLst>
             <pc:docMk/>
             <pc:sldMk cId="799028471" sldId="375"/>
             <ac:spMk id="3" creationId="{00000000-0000-0000-0000-000000000000}"/>
+          </ac:spMkLst>
+        </pc:spChg>
+        <pc:spChg chg="mod">
+          <ac:chgData name="Christopher Berry" userId="468ae48a-5539-4b21-98ea-6081f4d86140" providerId="ADAL" clId="{87CAE2B4-7AD8-4759-8833-D1F885ADA32C}" dt="2023-02-16T10:37:21.889" v="402" actId="1076"/>
+          <ac:spMkLst>
+            <pc:docMk/>
+            <pc:sldMk cId="799028471" sldId="375"/>
+            <ac:spMk id="5" creationId="{00000000-0000-0000-0000-000000000000}"/>
+          </ac:spMkLst>
+        </pc:spChg>
+        <pc:spChg chg="mod">
+          <ac:chgData name="Christopher Berry" userId="468ae48a-5539-4b21-98ea-6081f4d86140" providerId="ADAL" clId="{87CAE2B4-7AD8-4759-8833-D1F885ADA32C}" dt="2023-02-16T10:37:21.889" v="402" actId="1076"/>
+          <ac:spMkLst>
+            <pc:docMk/>
+            <pc:sldMk cId="799028471" sldId="375"/>
+            <ac:spMk id="6" creationId="{00000000-0000-0000-0000-000000000000}"/>
+          </ac:spMkLst>
+        </pc:spChg>
+        <pc:spChg chg="add mod">
+          <ac:chgData name="Christopher Berry" userId="468ae48a-5539-4b21-98ea-6081f4d86140" providerId="ADAL" clId="{87CAE2B4-7AD8-4759-8833-D1F885ADA32C}" dt="2023-02-16T10:38:25.794" v="423" actId="20577"/>
+          <ac:spMkLst>
+            <pc:docMk/>
+            <pc:sldMk cId="799028471" sldId="375"/>
+            <ac:spMk id="7" creationId="{8B6E7831-4F87-4C73-852B-30DE49D4C660}"/>
           </ac:spMkLst>
         </pc:spChg>
       </pc:sldChg>
@@ -274,124 +306,124 @@
   <pc:docChgLst>
     <pc:chgData name="Christopher Berry" userId="468ae48a-5539-4b21-98ea-6081f4d86140" providerId="ADAL" clId="{D825986F-9104-43F2-BF1A-62F5A5A4690B}"/>
     <pc:docChg chg="custSel modSld">
-      <pc:chgData name="Christopher Berry" userId="468ae48a-5539-4b21-98ea-6081f4d86140" providerId="ADAL" clId="{D825986F-9104-43F2-BF1A-62F5A5A4690B}" dt="2023-02-16T10:29:41.722" v="33" actId="368"/>
+      <pc:chgData name="Christopher Berry" userId="468ae48a-5539-4b21-98ea-6081f4d86140" providerId="ADAL" clId="{D825986F-9104-43F2-BF1A-62F5A5A4690B}" dt="2023-02-16T10:39:28.425" v="33" actId="368"/>
       <pc:docMkLst>
         <pc:docMk/>
       </pc:docMkLst>
       <pc:sldChg chg="modNotes">
-        <pc:chgData name="Christopher Berry" userId="468ae48a-5539-4b21-98ea-6081f4d86140" providerId="ADAL" clId="{D825986F-9104-43F2-BF1A-62F5A5A4690B}" dt="2023-02-16T10:29:41.634" v="1" actId="368"/>
+        <pc:chgData name="Christopher Berry" userId="468ae48a-5539-4b21-98ea-6081f4d86140" providerId="ADAL" clId="{D825986F-9104-43F2-BF1A-62F5A5A4690B}" dt="2023-02-16T10:39:28.264" v="1" actId="368"/>
         <pc:sldMkLst>
           <pc:docMk/>
           <pc:sldMk cId="1337738250" sldId="257"/>
         </pc:sldMkLst>
       </pc:sldChg>
       <pc:sldChg chg="modNotes">
-        <pc:chgData name="Christopher Berry" userId="468ae48a-5539-4b21-98ea-6081f4d86140" providerId="ADAL" clId="{D825986F-9104-43F2-BF1A-62F5A5A4690B}" dt="2023-02-16T10:29:41.640" v="3" actId="368"/>
+        <pc:chgData name="Christopher Berry" userId="468ae48a-5539-4b21-98ea-6081f4d86140" providerId="ADAL" clId="{D825986F-9104-43F2-BF1A-62F5A5A4690B}" dt="2023-02-16T10:39:28.279" v="3" actId="368"/>
         <pc:sldMkLst>
           <pc:docMk/>
           <pc:sldMk cId="1712097344" sldId="314"/>
         </pc:sldMkLst>
       </pc:sldChg>
       <pc:sldChg chg="modNotes">
-        <pc:chgData name="Christopher Berry" userId="468ae48a-5539-4b21-98ea-6081f4d86140" providerId="ADAL" clId="{D825986F-9104-43F2-BF1A-62F5A5A4690B}" dt="2023-02-16T10:29:41.646" v="5" actId="368"/>
+        <pc:chgData name="Christopher Berry" userId="468ae48a-5539-4b21-98ea-6081f4d86140" providerId="ADAL" clId="{D825986F-9104-43F2-BF1A-62F5A5A4690B}" dt="2023-02-16T10:39:28.291" v="5" actId="368"/>
         <pc:sldMkLst>
           <pc:docMk/>
           <pc:sldMk cId="1050599960" sldId="363"/>
         </pc:sldMkLst>
       </pc:sldChg>
       <pc:sldChg chg="modNotes">
-        <pc:chgData name="Christopher Berry" userId="468ae48a-5539-4b21-98ea-6081f4d86140" providerId="ADAL" clId="{D825986F-9104-43F2-BF1A-62F5A5A4690B}" dt="2023-02-16T10:29:41.683" v="17" actId="368"/>
+        <pc:chgData name="Christopher Berry" userId="468ae48a-5539-4b21-98ea-6081f4d86140" providerId="ADAL" clId="{D825986F-9104-43F2-BF1A-62F5A5A4690B}" dt="2023-02-16T10:39:28.354" v="17" actId="368"/>
         <pc:sldMkLst>
           <pc:docMk/>
           <pc:sldMk cId="868580765" sldId="364"/>
         </pc:sldMkLst>
       </pc:sldChg>
       <pc:sldChg chg="modNotes">
-        <pc:chgData name="Christopher Berry" userId="468ae48a-5539-4b21-98ea-6081f4d86140" providerId="ADAL" clId="{D825986F-9104-43F2-BF1A-62F5A5A4690B}" dt="2023-02-16T10:29:41.688" v="19" actId="368"/>
+        <pc:chgData name="Christopher Berry" userId="468ae48a-5539-4b21-98ea-6081f4d86140" providerId="ADAL" clId="{D825986F-9104-43F2-BF1A-62F5A5A4690B}" dt="2023-02-16T10:39:28.362" v="19" actId="368"/>
         <pc:sldMkLst>
           <pc:docMk/>
           <pc:sldMk cId="3319223748" sldId="366"/>
         </pc:sldMkLst>
       </pc:sldChg>
       <pc:sldChg chg="modNotes">
-        <pc:chgData name="Christopher Berry" userId="468ae48a-5539-4b21-98ea-6081f4d86140" providerId="ADAL" clId="{D825986F-9104-43F2-BF1A-62F5A5A4690B}" dt="2023-02-16T10:29:41.693" v="21" actId="368"/>
+        <pc:chgData name="Christopher Berry" userId="468ae48a-5539-4b21-98ea-6081f4d86140" providerId="ADAL" clId="{D825986F-9104-43F2-BF1A-62F5A5A4690B}" dt="2023-02-16T10:39:28.371" v="21" actId="368"/>
         <pc:sldMkLst>
           <pc:docMk/>
           <pc:sldMk cId="3483724441" sldId="367"/>
         </pc:sldMkLst>
       </pc:sldChg>
       <pc:sldChg chg="modNotes">
-        <pc:chgData name="Christopher Berry" userId="468ae48a-5539-4b21-98ea-6081f4d86140" providerId="ADAL" clId="{D825986F-9104-43F2-BF1A-62F5A5A4690B}" dt="2023-02-16T10:29:41.698" v="23" actId="368"/>
+        <pc:chgData name="Christopher Berry" userId="468ae48a-5539-4b21-98ea-6081f4d86140" providerId="ADAL" clId="{D825986F-9104-43F2-BF1A-62F5A5A4690B}" dt="2023-02-16T10:39:28.381" v="23" actId="368"/>
         <pc:sldMkLst>
           <pc:docMk/>
           <pc:sldMk cId="1456163847" sldId="369"/>
         </pc:sldMkLst>
       </pc:sldChg>
       <pc:sldChg chg="modNotes">
-        <pc:chgData name="Christopher Berry" userId="468ae48a-5539-4b21-98ea-6081f4d86140" providerId="ADAL" clId="{D825986F-9104-43F2-BF1A-62F5A5A4690B}" dt="2023-02-16T10:29:41.661" v="9" actId="368"/>
+        <pc:chgData name="Christopher Berry" userId="468ae48a-5539-4b21-98ea-6081f4d86140" providerId="ADAL" clId="{D825986F-9104-43F2-BF1A-62F5A5A4690B}" dt="2023-02-16T10:39:28.316" v="9" actId="368"/>
         <pc:sldMkLst>
           <pc:docMk/>
           <pc:sldMk cId="801254343" sldId="370"/>
         </pc:sldMkLst>
       </pc:sldChg>
       <pc:sldChg chg="modNotes">
-        <pc:chgData name="Christopher Berry" userId="468ae48a-5539-4b21-98ea-6081f4d86140" providerId="ADAL" clId="{D825986F-9104-43F2-BF1A-62F5A5A4690B}" dt="2023-02-16T10:29:41.677" v="15" actId="368"/>
+        <pc:chgData name="Christopher Berry" userId="468ae48a-5539-4b21-98ea-6081f4d86140" providerId="ADAL" clId="{D825986F-9104-43F2-BF1A-62F5A5A4690B}" dt="2023-02-16T10:39:28.345" v="15" actId="368"/>
         <pc:sldMkLst>
           <pc:docMk/>
           <pc:sldMk cId="4038527501" sldId="371"/>
         </pc:sldMkLst>
       </pc:sldChg>
       <pc:sldChg chg="modNotes">
-        <pc:chgData name="Christopher Berry" userId="468ae48a-5539-4b21-98ea-6081f4d86140" providerId="ADAL" clId="{D825986F-9104-43F2-BF1A-62F5A5A4690B}" dt="2023-02-16T10:29:41.708" v="27" actId="368"/>
+        <pc:chgData name="Christopher Berry" userId="468ae48a-5539-4b21-98ea-6081f4d86140" providerId="ADAL" clId="{D825986F-9104-43F2-BF1A-62F5A5A4690B}" dt="2023-02-16T10:39:28.398" v="27" actId="368"/>
         <pc:sldMkLst>
           <pc:docMk/>
           <pc:sldMk cId="1608245533" sldId="372"/>
         </pc:sldMkLst>
       </pc:sldChg>
       <pc:sldChg chg="modNotes">
-        <pc:chgData name="Christopher Berry" userId="468ae48a-5539-4b21-98ea-6081f4d86140" providerId="ADAL" clId="{D825986F-9104-43F2-BF1A-62F5A5A4690B}" dt="2023-02-16T10:29:41.713" v="29" actId="368"/>
+        <pc:chgData name="Christopher Berry" userId="468ae48a-5539-4b21-98ea-6081f4d86140" providerId="ADAL" clId="{D825986F-9104-43F2-BF1A-62F5A5A4690B}" dt="2023-02-16T10:39:28.406" v="29" actId="368"/>
         <pc:sldMkLst>
           <pc:docMk/>
           <pc:sldMk cId="807854647" sldId="373"/>
         </pc:sldMkLst>
       </pc:sldChg>
       <pc:sldChg chg="modNotes">
-        <pc:chgData name="Christopher Berry" userId="468ae48a-5539-4b21-98ea-6081f4d86140" providerId="ADAL" clId="{D825986F-9104-43F2-BF1A-62F5A5A4690B}" dt="2023-02-16T10:29:41.718" v="31" actId="368"/>
+        <pc:chgData name="Christopher Berry" userId="468ae48a-5539-4b21-98ea-6081f4d86140" providerId="ADAL" clId="{D825986F-9104-43F2-BF1A-62F5A5A4690B}" dt="2023-02-16T10:39:28.416" v="31" actId="368"/>
         <pc:sldMkLst>
           <pc:docMk/>
           <pc:sldMk cId="1022977136" sldId="374"/>
         </pc:sldMkLst>
       </pc:sldChg>
       <pc:sldChg chg="modNotes">
-        <pc:chgData name="Christopher Berry" userId="468ae48a-5539-4b21-98ea-6081f4d86140" providerId="ADAL" clId="{D825986F-9104-43F2-BF1A-62F5A5A4690B}" dt="2023-02-16T10:29:41.722" v="33" actId="368"/>
+        <pc:chgData name="Christopher Berry" userId="468ae48a-5539-4b21-98ea-6081f4d86140" providerId="ADAL" clId="{D825986F-9104-43F2-BF1A-62F5A5A4690B}" dt="2023-02-16T10:39:28.425" v="33" actId="368"/>
         <pc:sldMkLst>
           <pc:docMk/>
           <pc:sldMk cId="799028471" sldId="375"/>
         </pc:sldMkLst>
       </pc:sldChg>
       <pc:sldChg chg="modNotes">
-        <pc:chgData name="Christopher Berry" userId="468ae48a-5539-4b21-98ea-6081f4d86140" providerId="ADAL" clId="{D825986F-9104-43F2-BF1A-62F5A5A4690B}" dt="2023-02-16T10:29:41.654" v="7" actId="368"/>
+        <pc:chgData name="Christopher Berry" userId="468ae48a-5539-4b21-98ea-6081f4d86140" providerId="ADAL" clId="{D825986F-9104-43F2-BF1A-62F5A5A4690B}" dt="2023-02-16T10:39:28.302" v="7" actId="368"/>
         <pc:sldMkLst>
           <pc:docMk/>
           <pc:sldMk cId="2123990893" sldId="379"/>
         </pc:sldMkLst>
       </pc:sldChg>
       <pc:sldChg chg="modNotes">
-        <pc:chgData name="Christopher Berry" userId="468ae48a-5539-4b21-98ea-6081f4d86140" providerId="ADAL" clId="{D825986F-9104-43F2-BF1A-62F5A5A4690B}" dt="2023-02-16T10:29:41.672" v="13" actId="368"/>
+        <pc:chgData name="Christopher Berry" userId="468ae48a-5539-4b21-98ea-6081f4d86140" providerId="ADAL" clId="{D825986F-9104-43F2-BF1A-62F5A5A4690B}" dt="2023-02-16T10:39:28.337" v="13" actId="368"/>
         <pc:sldMkLst>
           <pc:docMk/>
           <pc:sldMk cId="2847794192" sldId="380"/>
         </pc:sldMkLst>
       </pc:sldChg>
       <pc:sldChg chg="modNotes">
-        <pc:chgData name="Christopher Berry" userId="468ae48a-5539-4b21-98ea-6081f4d86140" providerId="ADAL" clId="{D825986F-9104-43F2-BF1A-62F5A5A4690B}" dt="2023-02-16T10:29:41.668" v="11" actId="368"/>
+        <pc:chgData name="Christopher Berry" userId="468ae48a-5539-4b21-98ea-6081f4d86140" providerId="ADAL" clId="{D825986F-9104-43F2-BF1A-62F5A5A4690B}" dt="2023-02-16T10:39:28.327" v="11" actId="368"/>
         <pc:sldMkLst>
           <pc:docMk/>
           <pc:sldMk cId="1343114204" sldId="382"/>
         </pc:sldMkLst>
       </pc:sldChg>
       <pc:sldChg chg="modNotes">
-        <pc:chgData name="Christopher Berry" userId="468ae48a-5539-4b21-98ea-6081f4d86140" providerId="ADAL" clId="{D825986F-9104-43F2-BF1A-62F5A5A4690B}" dt="2023-02-16T10:29:41.703" v="25" actId="368"/>
+        <pc:chgData name="Christopher Berry" userId="468ae48a-5539-4b21-98ea-6081f4d86140" providerId="ADAL" clId="{D825986F-9104-43F2-BF1A-62F5A5A4690B}" dt="2023-02-16T10:39:28.389" v="25" actId="368"/>
         <pc:sldMkLst>
           <pc:docMk/>
           <pc:sldMk cId="1016740621" sldId="383"/>
@@ -21561,7 +21593,7 @@
         </p:nvSpPr>
         <p:spPr>
           <a:xfrm>
-            <a:off x="1257300" y="738909"/>
+            <a:off x="1395086" y="601122"/>
             <a:ext cx="9677400" cy="1077218"/>
           </a:xfrm>
           <a:prstGeom prst="rect">
@@ -21606,7 +21638,7 @@
         </p:nvSpPr>
         <p:spPr>
           <a:xfrm>
-            <a:off x="1257300" y="2796393"/>
+            <a:off x="1395086" y="2658606"/>
             <a:ext cx="9677400" cy="584775"/>
           </a:xfrm>
           <a:prstGeom prst="rect">
@@ -21640,7 +21672,7 @@
         </p:nvSpPr>
         <p:spPr>
           <a:xfrm>
-            <a:off x="1257300" y="4035307"/>
+            <a:off x="1395086" y="3897520"/>
             <a:ext cx="5676810" cy="1200329"/>
           </a:xfrm>
           <a:prstGeom prst="rect">
@@ -21692,7 +21724,7 @@
         </p:nvSpPr>
         <p:spPr>
           <a:xfrm>
-            <a:off x="1257300" y="1856376"/>
+            <a:off x="1395086" y="1718589"/>
             <a:ext cx="8711231" cy="646331"/>
           </a:xfrm>
           <a:prstGeom prst="rect">
@@ -21724,6 +21756,73 @@
             <a:r>
               <a:rPr lang="en-GB" dirty="0"/>
               <a:t>during the session if you have any questions on the code or concepts.</a:t>
+            </a:r>
+          </a:p>
+        </p:txBody>
+      </p:sp>
+      <p:sp>
+        <p:nvSpPr>
+          <p:cNvPr id="7" name="TextBox 6">
+            <a:extLst>
+              <a:ext uri="{FF2B5EF4-FFF2-40B4-BE49-F238E27FC236}">
+                <a16:creationId xmlns:a16="http://schemas.microsoft.com/office/drawing/2014/main" id="{8B6E7831-4F87-4C73-852B-30DE49D4C660}"/>
+              </a:ext>
+            </a:extLst>
+          </p:cNvPr>
+          <p:cNvSpPr txBox="1"/>
+          <p:nvPr/>
+        </p:nvSpPr>
+        <p:spPr>
+          <a:xfrm>
+            <a:off x="3882026" y="5506863"/>
+            <a:ext cx="5676810" cy="923330"/>
+          </a:xfrm>
+          <a:prstGeom prst="rect">
+            <a:avLst/>
+          </a:prstGeom>
+          <a:solidFill>
+            <a:srgbClr val="FF3300">
+              <a:alpha val="67059"/>
+            </a:srgbClr>
+          </a:solidFill>
+        </p:spPr>
+        <p:txBody>
+          <a:bodyPr wrap="square" rtlCol="0">
+            <a:spAutoFit/>
+          </a:bodyPr>
+          <a:lstStyle/>
+          <a:p>
+            <a:r>
+              <a:rPr lang="en-GB" b="1" dirty="0"/>
+              <a:t>Please note! </a:t>
+            </a:r>
+            <a:r>
+              <a:rPr lang="en-GB" dirty="0"/>
+              <a:t>the session next Monday has been rescheduled to </a:t>
+            </a:r>
+            <a:r>
+              <a:rPr lang="en-GB" b="1" u="sng" dirty="0"/>
+              <a:t>Friday 3</a:t>
+            </a:r>
+            <a:r>
+              <a:rPr lang="en-GB" b="1" u="sng" baseline="30000" dirty="0"/>
+              <a:t>rd</a:t>
+            </a:r>
+            <a:r>
+              <a:rPr lang="en-GB" b="1" u="sng" dirty="0"/>
+              <a:t> March 11am-1pm </a:t>
+            </a:r>
+            <a:r>
+              <a:rPr lang="en-GB" b="1" u="sng" dirty="0" err="1"/>
+              <a:t>Emdeck</a:t>
+            </a:r>
+            <a:r>
+              <a:rPr lang="en-GB" b="1" u="sng" dirty="0"/>
+              <a:t> 211a </a:t>
+            </a:r>
+            <a:r>
+              <a:rPr lang="en-GB" dirty="0"/>
+              <a:t>due to industrial action.  Apologies for any inconvenience.</a:t>
             </a:r>
           </a:p>
         </p:txBody>
@@ -21893,6 +21992,51 @@
                       </p:childTnLst>
                     </p:cTn>
                   </p:par>
+                  <p:par>
+                    <p:cTn id="15" fill="hold">
+                      <p:stCondLst>
+                        <p:cond delay="indefinite"/>
+                      </p:stCondLst>
+                      <p:childTnLst>
+                        <p:par>
+                          <p:cTn id="16" fill="hold">
+                            <p:stCondLst>
+                              <p:cond delay="0"/>
+                            </p:stCondLst>
+                            <p:childTnLst>
+                              <p:par>
+                                <p:cTn id="17" presetID="1" presetClass="entr" presetSubtype="0" fill="hold" grpId="0" nodeType="clickEffect">
+                                  <p:stCondLst>
+                                    <p:cond delay="0"/>
+                                  </p:stCondLst>
+                                  <p:childTnLst>
+                                    <p:set>
+                                      <p:cBhvr>
+                                        <p:cTn id="18" dur="1" fill="hold">
+                                          <p:stCondLst>
+                                            <p:cond delay="0"/>
+                                          </p:stCondLst>
+                                        </p:cTn>
+                                        <p:tgtEl>
+                                          <p:spTgt spid="7"/>
+                                        </p:tgtEl>
+                                        <p:attrNameLst>
+                                          <p:attrName>style.visibility</p:attrName>
+                                        </p:attrNameLst>
+                                      </p:cBhvr>
+                                      <p:to>
+                                        <p:strVal val="visible"/>
+                                      </p:to>
+                                    </p:set>
+                                  </p:childTnLst>
+                                </p:cTn>
+                              </p:par>
+                            </p:childTnLst>
+                          </p:cTn>
+                        </p:par>
+                      </p:childTnLst>
+                    </p:cTn>
+                  </p:par>
                 </p:childTnLst>
               </p:cTn>
               <p:prevCondLst>
@@ -21918,6 +22062,7 @@
       <p:bldP spid="5" grpId="0" animBg="1"/>
       <p:bldP spid="2" grpId="0" animBg="1"/>
       <p:bldP spid="3" grpId="0"/>
+      <p:bldP spid="7" grpId="0" animBg="1"/>
     </p:bldLst>
   </p:timing>
 </p:sld>

--- a/docs/slides/PSYC753_L5_MultipleRegression3.pptx
+++ b/docs/slides/PSYC753_L5_MultipleRegression3.pptx
@@ -164,7 +164,7 @@
 <file path=ppt/revisionInfo.xml><?xml version="1.0" encoding="utf-8"?>
 <p1510:revInfo xmlns:a="http://schemas.openxmlformats.org/drawingml/2006/main" xmlns:r="http://schemas.openxmlformats.org/officeDocument/2006/relationships" xmlns:p1510="http://schemas.microsoft.com/office/powerpoint/2015/10/main">
   <p1510:revLst>
-    <p1510:client id="{87CAE2B4-7AD8-4759-8833-D1F885ADA32C}" v="181" dt="2023-02-16T10:38:35.390"/>
+    <p1510:client id="{87CAE2B4-7AD8-4759-8833-D1F885ADA32C}" v="205" dt="2023-02-18T15:20:30.174"/>
   </p1510:revLst>
 </p1510:revInfo>
 </file>
@@ -174,7 +174,7 @@
   <pc:docChgLst>
     <pc:chgData name="Christopher Berry" userId="468ae48a-5539-4b21-98ea-6081f4d86140" providerId="ADAL" clId="{87CAE2B4-7AD8-4759-8833-D1F885ADA32C}"/>
     <pc:docChg chg="undo custSel modSld">
-      <pc:chgData name="Christopher Berry" userId="468ae48a-5539-4b21-98ea-6081f4d86140" providerId="ADAL" clId="{87CAE2B4-7AD8-4759-8833-D1F885ADA32C}" dt="2023-02-16T10:38:35.390" v="424"/>
+      <pc:chgData name="Christopher Berry" userId="468ae48a-5539-4b21-98ea-6081f4d86140" providerId="ADAL" clId="{87CAE2B4-7AD8-4759-8833-D1F885ADA32C}" dt="2023-02-18T15:20:36.743" v="451" actId="1076"/>
       <pc:docMkLst>
         <pc:docMk/>
       </pc:docMkLst>
@@ -255,7 +255,7 @@
         </pc:spChg>
       </pc:sldChg>
       <pc:sldChg chg="addSp modSp mod modAnim">
-        <pc:chgData name="Christopher Berry" userId="468ae48a-5539-4b21-98ea-6081f4d86140" providerId="ADAL" clId="{87CAE2B4-7AD8-4759-8833-D1F885ADA32C}" dt="2023-02-16T10:38:35.390" v="424"/>
+        <pc:chgData name="Christopher Berry" userId="468ae48a-5539-4b21-98ea-6081f4d86140" providerId="ADAL" clId="{87CAE2B4-7AD8-4759-8833-D1F885ADA32C}" dt="2023-02-18T15:20:36.743" v="451" actId="1076"/>
         <pc:sldMkLst>
           <pc:docMk/>
           <pc:sldMk cId="799028471" sldId="375"/>
@@ -293,7 +293,7 @@
           </ac:spMkLst>
         </pc:spChg>
         <pc:spChg chg="add mod">
-          <ac:chgData name="Christopher Berry" userId="468ae48a-5539-4b21-98ea-6081f4d86140" providerId="ADAL" clId="{87CAE2B4-7AD8-4759-8833-D1F885ADA32C}" dt="2023-02-16T10:38:25.794" v="423" actId="20577"/>
+          <ac:chgData name="Christopher Berry" userId="468ae48a-5539-4b21-98ea-6081f4d86140" providerId="ADAL" clId="{87CAE2B4-7AD8-4759-8833-D1F885ADA32C}" dt="2023-02-18T15:20:36.743" v="451" actId="1076"/>
           <ac:spMkLst>
             <pc:docMk/>
             <pc:sldMk cId="799028471" sldId="375"/>
@@ -306,124 +306,124 @@
   <pc:docChgLst>
     <pc:chgData name="Christopher Berry" userId="468ae48a-5539-4b21-98ea-6081f4d86140" providerId="ADAL" clId="{D825986F-9104-43F2-BF1A-62F5A5A4690B}"/>
     <pc:docChg chg="custSel modSld">
-      <pc:chgData name="Christopher Berry" userId="468ae48a-5539-4b21-98ea-6081f4d86140" providerId="ADAL" clId="{D825986F-9104-43F2-BF1A-62F5A5A4690B}" dt="2023-02-16T10:39:28.425" v="33" actId="368"/>
+      <pc:chgData name="Christopher Berry" userId="468ae48a-5539-4b21-98ea-6081f4d86140" providerId="ADAL" clId="{D825986F-9104-43F2-BF1A-62F5A5A4690B}" dt="2023-02-18T15:21:16.758" v="33" actId="368"/>
       <pc:docMkLst>
         <pc:docMk/>
       </pc:docMkLst>
       <pc:sldChg chg="modNotes">
-        <pc:chgData name="Christopher Berry" userId="468ae48a-5539-4b21-98ea-6081f4d86140" providerId="ADAL" clId="{D825986F-9104-43F2-BF1A-62F5A5A4690B}" dt="2023-02-16T10:39:28.264" v="1" actId="368"/>
+        <pc:chgData name="Christopher Berry" userId="468ae48a-5539-4b21-98ea-6081f4d86140" providerId="ADAL" clId="{D825986F-9104-43F2-BF1A-62F5A5A4690B}" dt="2023-02-18T15:21:16.645" v="1" actId="368"/>
         <pc:sldMkLst>
           <pc:docMk/>
           <pc:sldMk cId="1337738250" sldId="257"/>
         </pc:sldMkLst>
       </pc:sldChg>
       <pc:sldChg chg="modNotes">
-        <pc:chgData name="Christopher Berry" userId="468ae48a-5539-4b21-98ea-6081f4d86140" providerId="ADAL" clId="{D825986F-9104-43F2-BF1A-62F5A5A4690B}" dt="2023-02-16T10:39:28.279" v="3" actId="368"/>
+        <pc:chgData name="Christopher Berry" userId="468ae48a-5539-4b21-98ea-6081f4d86140" providerId="ADAL" clId="{D825986F-9104-43F2-BF1A-62F5A5A4690B}" dt="2023-02-18T15:21:16.653" v="3" actId="368"/>
         <pc:sldMkLst>
           <pc:docMk/>
           <pc:sldMk cId="1712097344" sldId="314"/>
         </pc:sldMkLst>
       </pc:sldChg>
       <pc:sldChg chg="modNotes">
-        <pc:chgData name="Christopher Berry" userId="468ae48a-5539-4b21-98ea-6081f4d86140" providerId="ADAL" clId="{D825986F-9104-43F2-BF1A-62F5A5A4690B}" dt="2023-02-16T10:39:28.291" v="5" actId="368"/>
+        <pc:chgData name="Christopher Berry" userId="468ae48a-5539-4b21-98ea-6081f4d86140" providerId="ADAL" clId="{D825986F-9104-43F2-BF1A-62F5A5A4690B}" dt="2023-02-18T15:21:16.662" v="5" actId="368"/>
         <pc:sldMkLst>
           <pc:docMk/>
           <pc:sldMk cId="1050599960" sldId="363"/>
         </pc:sldMkLst>
       </pc:sldChg>
       <pc:sldChg chg="modNotes">
-        <pc:chgData name="Christopher Berry" userId="468ae48a-5539-4b21-98ea-6081f4d86140" providerId="ADAL" clId="{D825986F-9104-43F2-BF1A-62F5A5A4690B}" dt="2023-02-16T10:39:28.354" v="17" actId="368"/>
+        <pc:chgData name="Christopher Berry" userId="468ae48a-5539-4b21-98ea-6081f4d86140" providerId="ADAL" clId="{D825986F-9104-43F2-BF1A-62F5A5A4690B}" dt="2023-02-18T15:21:16.705" v="17" actId="368"/>
         <pc:sldMkLst>
           <pc:docMk/>
           <pc:sldMk cId="868580765" sldId="364"/>
         </pc:sldMkLst>
       </pc:sldChg>
       <pc:sldChg chg="modNotes">
-        <pc:chgData name="Christopher Berry" userId="468ae48a-5539-4b21-98ea-6081f4d86140" providerId="ADAL" clId="{D825986F-9104-43F2-BF1A-62F5A5A4690B}" dt="2023-02-16T10:39:28.362" v="19" actId="368"/>
+        <pc:chgData name="Christopher Berry" userId="468ae48a-5539-4b21-98ea-6081f4d86140" providerId="ADAL" clId="{D825986F-9104-43F2-BF1A-62F5A5A4690B}" dt="2023-02-18T15:21:16.710" v="19" actId="368"/>
         <pc:sldMkLst>
           <pc:docMk/>
           <pc:sldMk cId="3319223748" sldId="366"/>
         </pc:sldMkLst>
       </pc:sldChg>
       <pc:sldChg chg="modNotes">
-        <pc:chgData name="Christopher Berry" userId="468ae48a-5539-4b21-98ea-6081f4d86140" providerId="ADAL" clId="{D825986F-9104-43F2-BF1A-62F5A5A4690B}" dt="2023-02-16T10:39:28.371" v="21" actId="368"/>
+        <pc:chgData name="Christopher Berry" userId="468ae48a-5539-4b21-98ea-6081f4d86140" providerId="ADAL" clId="{D825986F-9104-43F2-BF1A-62F5A5A4690B}" dt="2023-02-18T15:21:16.715" v="21" actId="368"/>
         <pc:sldMkLst>
           <pc:docMk/>
           <pc:sldMk cId="3483724441" sldId="367"/>
         </pc:sldMkLst>
       </pc:sldChg>
       <pc:sldChg chg="modNotes">
-        <pc:chgData name="Christopher Berry" userId="468ae48a-5539-4b21-98ea-6081f4d86140" providerId="ADAL" clId="{D825986F-9104-43F2-BF1A-62F5A5A4690B}" dt="2023-02-16T10:39:28.381" v="23" actId="368"/>
+        <pc:chgData name="Christopher Berry" userId="468ae48a-5539-4b21-98ea-6081f4d86140" providerId="ADAL" clId="{D825986F-9104-43F2-BF1A-62F5A5A4690B}" dt="2023-02-18T15:21:16.720" v="23" actId="368"/>
         <pc:sldMkLst>
           <pc:docMk/>
           <pc:sldMk cId="1456163847" sldId="369"/>
         </pc:sldMkLst>
       </pc:sldChg>
       <pc:sldChg chg="modNotes">
-        <pc:chgData name="Christopher Berry" userId="468ae48a-5539-4b21-98ea-6081f4d86140" providerId="ADAL" clId="{D825986F-9104-43F2-BF1A-62F5A5A4690B}" dt="2023-02-16T10:39:28.316" v="9" actId="368"/>
+        <pc:chgData name="Christopher Berry" userId="468ae48a-5539-4b21-98ea-6081f4d86140" providerId="ADAL" clId="{D825986F-9104-43F2-BF1A-62F5A5A4690B}" dt="2023-02-18T15:21:16.676" v="9" actId="368"/>
         <pc:sldMkLst>
           <pc:docMk/>
           <pc:sldMk cId="801254343" sldId="370"/>
         </pc:sldMkLst>
       </pc:sldChg>
       <pc:sldChg chg="modNotes">
-        <pc:chgData name="Christopher Berry" userId="468ae48a-5539-4b21-98ea-6081f4d86140" providerId="ADAL" clId="{D825986F-9104-43F2-BF1A-62F5A5A4690B}" dt="2023-02-16T10:39:28.345" v="15" actId="368"/>
+        <pc:chgData name="Christopher Berry" userId="468ae48a-5539-4b21-98ea-6081f4d86140" providerId="ADAL" clId="{D825986F-9104-43F2-BF1A-62F5A5A4690B}" dt="2023-02-18T15:21:16.699" v="15" actId="368"/>
         <pc:sldMkLst>
           <pc:docMk/>
           <pc:sldMk cId="4038527501" sldId="371"/>
         </pc:sldMkLst>
       </pc:sldChg>
       <pc:sldChg chg="modNotes">
-        <pc:chgData name="Christopher Berry" userId="468ae48a-5539-4b21-98ea-6081f4d86140" providerId="ADAL" clId="{D825986F-9104-43F2-BF1A-62F5A5A4690B}" dt="2023-02-16T10:39:28.398" v="27" actId="368"/>
+        <pc:chgData name="Christopher Berry" userId="468ae48a-5539-4b21-98ea-6081f4d86140" providerId="ADAL" clId="{D825986F-9104-43F2-BF1A-62F5A5A4690B}" dt="2023-02-18T15:21:16.733" v="27" actId="368"/>
         <pc:sldMkLst>
           <pc:docMk/>
           <pc:sldMk cId="1608245533" sldId="372"/>
         </pc:sldMkLst>
       </pc:sldChg>
       <pc:sldChg chg="modNotes">
-        <pc:chgData name="Christopher Berry" userId="468ae48a-5539-4b21-98ea-6081f4d86140" providerId="ADAL" clId="{D825986F-9104-43F2-BF1A-62F5A5A4690B}" dt="2023-02-16T10:39:28.406" v="29" actId="368"/>
+        <pc:chgData name="Christopher Berry" userId="468ae48a-5539-4b21-98ea-6081f4d86140" providerId="ADAL" clId="{D825986F-9104-43F2-BF1A-62F5A5A4690B}" dt="2023-02-18T15:21:16.740" v="29" actId="368"/>
         <pc:sldMkLst>
           <pc:docMk/>
           <pc:sldMk cId="807854647" sldId="373"/>
         </pc:sldMkLst>
       </pc:sldChg>
       <pc:sldChg chg="modNotes">
-        <pc:chgData name="Christopher Berry" userId="468ae48a-5539-4b21-98ea-6081f4d86140" providerId="ADAL" clId="{D825986F-9104-43F2-BF1A-62F5A5A4690B}" dt="2023-02-16T10:39:28.416" v="31" actId="368"/>
+        <pc:chgData name="Christopher Berry" userId="468ae48a-5539-4b21-98ea-6081f4d86140" providerId="ADAL" clId="{D825986F-9104-43F2-BF1A-62F5A5A4690B}" dt="2023-02-18T15:21:16.747" v="31" actId="368"/>
         <pc:sldMkLst>
           <pc:docMk/>
           <pc:sldMk cId="1022977136" sldId="374"/>
         </pc:sldMkLst>
       </pc:sldChg>
       <pc:sldChg chg="modNotes">
-        <pc:chgData name="Christopher Berry" userId="468ae48a-5539-4b21-98ea-6081f4d86140" providerId="ADAL" clId="{D825986F-9104-43F2-BF1A-62F5A5A4690B}" dt="2023-02-16T10:39:28.425" v="33" actId="368"/>
+        <pc:chgData name="Christopher Berry" userId="468ae48a-5539-4b21-98ea-6081f4d86140" providerId="ADAL" clId="{D825986F-9104-43F2-BF1A-62F5A5A4690B}" dt="2023-02-18T15:21:16.758" v="33" actId="368"/>
         <pc:sldMkLst>
           <pc:docMk/>
           <pc:sldMk cId="799028471" sldId="375"/>
         </pc:sldMkLst>
       </pc:sldChg>
       <pc:sldChg chg="modNotes">
-        <pc:chgData name="Christopher Berry" userId="468ae48a-5539-4b21-98ea-6081f4d86140" providerId="ADAL" clId="{D825986F-9104-43F2-BF1A-62F5A5A4690B}" dt="2023-02-16T10:39:28.302" v="7" actId="368"/>
+        <pc:chgData name="Christopher Berry" userId="468ae48a-5539-4b21-98ea-6081f4d86140" providerId="ADAL" clId="{D825986F-9104-43F2-BF1A-62F5A5A4690B}" dt="2023-02-18T15:21:16.669" v="7" actId="368"/>
         <pc:sldMkLst>
           <pc:docMk/>
           <pc:sldMk cId="2123990893" sldId="379"/>
         </pc:sldMkLst>
       </pc:sldChg>
       <pc:sldChg chg="modNotes">
-        <pc:chgData name="Christopher Berry" userId="468ae48a-5539-4b21-98ea-6081f4d86140" providerId="ADAL" clId="{D825986F-9104-43F2-BF1A-62F5A5A4690B}" dt="2023-02-16T10:39:28.337" v="13" actId="368"/>
+        <pc:chgData name="Christopher Berry" userId="468ae48a-5539-4b21-98ea-6081f4d86140" providerId="ADAL" clId="{D825986F-9104-43F2-BF1A-62F5A5A4690B}" dt="2023-02-18T15:21:16.691" v="13" actId="368"/>
         <pc:sldMkLst>
           <pc:docMk/>
           <pc:sldMk cId="2847794192" sldId="380"/>
         </pc:sldMkLst>
       </pc:sldChg>
       <pc:sldChg chg="modNotes">
-        <pc:chgData name="Christopher Berry" userId="468ae48a-5539-4b21-98ea-6081f4d86140" providerId="ADAL" clId="{D825986F-9104-43F2-BF1A-62F5A5A4690B}" dt="2023-02-16T10:39:28.327" v="11" actId="368"/>
+        <pc:chgData name="Christopher Berry" userId="468ae48a-5539-4b21-98ea-6081f4d86140" providerId="ADAL" clId="{D825986F-9104-43F2-BF1A-62F5A5A4690B}" dt="2023-02-18T15:21:16.682" v="11" actId="368"/>
         <pc:sldMkLst>
           <pc:docMk/>
           <pc:sldMk cId="1343114204" sldId="382"/>
         </pc:sldMkLst>
       </pc:sldChg>
       <pc:sldChg chg="modNotes">
-        <pc:chgData name="Christopher Berry" userId="468ae48a-5539-4b21-98ea-6081f4d86140" providerId="ADAL" clId="{D825986F-9104-43F2-BF1A-62F5A5A4690B}" dt="2023-02-16T10:39:28.389" v="25" actId="368"/>
+        <pc:chgData name="Christopher Berry" userId="468ae48a-5539-4b21-98ea-6081f4d86140" providerId="ADAL" clId="{D825986F-9104-43F2-BF1A-62F5A5A4690B}" dt="2023-02-18T15:21:16.727" v="25" actId="368"/>
         <pc:sldMkLst>
           <pc:docMk/>
           <pc:sldMk cId="1016740621" sldId="383"/>
@@ -516,7 +516,7 @@
           <a:p>
             <a:fld id="{39F2F66B-899D-484E-9C99-E1DBE23F9DE9}" type="datetimeFigureOut">
               <a:rPr lang="en-GB" smtClean="0"/>
-              <a:t>16/02/2023</a:t>
+              <a:t>18/02/2023</a:t>
             </a:fld>
             <a:endParaRPr lang="en-GB"/>
           </a:p>
@@ -682,7 +682,7 @@
             <a:fld id="{2C09A945-60CF-41CC-BF14-DA645D9ABE0F}" type="datetimeFigureOut">
               <a:rPr lang="en-GB" smtClean="0"/>
               <a:pPr/>
-              <a:t>16/02/2023</a:t>
+              <a:t>18/02/2023</a:t>
             </a:fld>
             <a:endParaRPr lang="en-GB"/>
           </a:p>
@@ -2677,7 +2677,7 @@
             <a:fld id="{FD207E47-C1CA-47C9-BFA1-FDEFD1CE1BAA}" type="datetime1">
               <a:rPr lang="en-US" smtClean="0"/>
               <a:pPr/>
-              <a:t>2/16/2023</a:t>
+              <a:t>2/18/2023</a:t>
             </a:fld>
             <a:endParaRPr lang="en-US"/>
           </a:p>
@@ -2842,7 +2842,7 @@
             <a:fld id="{58C692B5-BE86-445D-88C0-242C83A9421E}" type="datetime1">
               <a:rPr lang="en-US" smtClean="0"/>
               <a:pPr/>
-              <a:t>2/16/2023</a:t>
+              <a:t>2/18/2023</a:t>
             </a:fld>
             <a:endParaRPr lang="en-US"/>
           </a:p>
@@ -3017,7 +3017,7 @@
             <a:fld id="{6A70B350-EB04-4702-A2C6-BB029CC917C4}" type="datetime1">
               <a:rPr lang="en-US" smtClean="0"/>
               <a:pPr/>
-              <a:t>2/16/2023</a:t>
+              <a:t>2/18/2023</a:t>
             </a:fld>
             <a:endParaRPr lang="en-US"/>
           </a:p>
@@ -3211,7 +3211,7 @@
               <a:pPr>
                 <a:defRPr/>
               </a:pPr>
-              <a:t>16/02/2023</a:t>
+              <a:t>18/02/2023</a:t>
             </a:fld>
             <a:endParaRPr lang="en-GB"/>
           </a:p>
@@ -3396,7 +3396,7 @@
               <a:pPr>
                 <a:defRPr/>
               </a:pPr>
-              <a:t>16/02/2023</a:t>
+              <a:t>18/02/2023</a:t>
             </a:fld>
             <a:endParaRPr lang="en-GB"/>
           </a:p>
@@ -3657,7 +3657,7 @@
               <a:pPr>
                 <a:defRPr/>
               </a:pPr>
-              <a:t>16/02/2023</a:t>
+              <a:t>18/02/2023</a:t>
             </a:fld>
             <a:endParaRPr lang="en-GB"/>
           </a:p>
@@ -3904,7 +3904,7 @@
               <a:pPr>
                 <a:defRPr/>
               </a:pPr>
-              <a:t>16/02/2023</a:t>
+              <a:t>18/02/2023</a:t>
             </a:fld>
             <a:endParaRPr lang="en-GB"/>
           </a:p>
@@ -4286,7 +4286,7 @@
               <a:pPr>
                 <a:defRPr/>
               </a:pPr>
-              <a:t>16/02/2023</a:t>
+              <a:t>18/02/2023</a:t>
             </a:fld>
             <a:endParaRPr lang="en-GB"/>
           </a:p>
@@ -4419,7 +4419,7 @@
               <a:pPr>
                 <a:defRPr/>
               </a:pPr>
-              <a:t>16/02/2023</a:t>
+              <a:t>18/02/2023</a:t>
             </a:fld>
             <a:endParaRPr lang="en-GB"/>
           </a:p>
@@ -4529,7 +4529,7 @@
               <a:pPr>
                 <a:defRPr/>
               </a:pPr>
-              <a:t>16/02/2023</a:t>
+              <a:t>18/02/2023</a:t>
             </a:fld>
             <a:endParaRPr lang="en-GB"/>
           </a:p>
@@ -4821,7 +4821,7 @@
               <a:pPr>
                 <a:defRPr/>
               </a:pPr>
-              <a:t>16/02/2023</a:t>
+              <a:t>18/02/2023</a:t>
             </a:fld>
             <a:endParaRPr lang="en-GB"/>
           </a:p>
@@ -4999,7 +4999,7 @@
             <a:fld id="{B19C5C7B-1CCF-4D03-A2E8-D3591213E0F6}" type="datetime1">
               <a:rPr lang="en-US" smtClean="0"/>
               <a:pPr/>
-              <a:t>2/16/2023</a:t>
+              <a:t>2/18/2023</a:t>
             </a:fld>
             <a:endParaRPr lang="en-US"/>
           </a:p>
@@ -5258,7 +5258,7 @@
               <a:pPr>
                 <a:defRPr/>
               </a:pPr>
-              <a:t>16/02/2023</a:t>
+              <a:t>18/02/2023</a:t>
             </a:fld>
             <a:endParaRPr lang="en-GB"/>
           </a:p>
@@ -5443,7 +5443,7 @@
               <a:pPr>
                 <a:defRPr/>
               </a:pPr>
-              <a:t>16/02/2023</a:t>
+              <a:t>18/02/2023</a:t>
             </a:fld>
             <a:endParaRPr lang="en-GB"/>
           </a:p>
@@ -5638,7 +5638,7 @@
               <a:pPr>
                 <a:defRPr/>
               </a:pPr>
-              <a:t>16/02/2023</a:t>
+              <a:t>18/02/2023</a:t>
             </a:fld>
             <a:endParaRPr lang="en-GB"/>
           </a:p>
@@ -5897,7 +5897,7 @@
               <a:pPr>
                 <a:defRPr/>
               </a:pPr>
-              <a:t>2/16/2023</a:t>
+              <a:t>2/18/2023</a:t>
             </a:fld>
             <a:endParaRPr lang="en-US"/>
           </a:p>
@@ -6092,7 +6092,7 @@
               <a:pPr>
                 <a:defRPr/>
               </a:pPr>
-              <a:t>2/16/2023</a:t>
+              <a:t>2/18/2023</a:t>
             </a:fld>
             <a:endParaRPr lang="en-US"/>
           </a:p>
@@ -6364,7 +6364,7 @@
               <a:pPr>
                 <a:defRPr/>
               </a:pPr>
-              <a:t>2/16/2023</a:t>
+              <a:t>2/18/2023</a:t>
             </a:fld>
             <a:endParaRPr lang="en-US"/>
           </a:p>
@@ -6676,7 +6676,7 @@
               <a:pPr>
                 <a:defRPr/>
               </a:pPr>
-              <a:t>2/16/2023</a:t>
+              <a:t>2/18/2023</a:t>
             </a:fld>
             <a:endParaRPr lang="en-US"/>
           </a:p>
@@ -7122,7 +7122,7 @@
               <a:pPr>
                 <a:defRPr/>
               </a:pPr>
-              <a:t>2/16/2023</a:t>
+              <a:t>2/18/2023</a:t>
             </a:fld>
             <a:endParaRPr lang="en-US"/>
           </a:p>
@@ -7266,7 +7266,7 @@
               <a:pPr>
                 <a:defRPr/>
               </a:pPr>
-              <a:t>2/16/2023</a:t>
+              <a:t>2/18/2023</a:t>
             </a:fld>
             <a:endParaRPr lang="en-US"/>
           </a:p>
@@ -7388,7 +7388,7 @@
               <a:pPr>
                 <a:defRPr/>
               </a:pPr>
-              <a:t>2/16/2023</a:t>
+              <a:t>2/18/2023</a:t>
             </a:fld>
             <a:endParaRPr lang="en-US"/>
           </a:p>
@@ -7651,7 +7651,7 @@
             <a:fld id="{617DE08F-8114-45C2-9520-EC1882F8A669}" type="datetime1">
               <a:rPr lang="en-US" smtClean="0"/>
               <a:pPr/>
-              <a:t>2/16/2023</a:t>
+              <a:t>2/18/2023</a:t>
             </a:fld>
             <a:endParaRPr lang="en-US"/>
           </a:p>
@@ -7932,7 +7932,7 @@
               <a:pPr>
                 <a:defRPr/>
               </a:pPr>
-              <a:t>2/16/2023</a:t>
+              <a:t>2/18/2023</a:t>
             </a:fld>
             <a:endParaRPr lang="en-US"/>
           </a:p>
@@ -8214,7 +8214,7 @@
               <a:pPr>
                 <a:defRPr/>
               </a:pPr>
-              <a:t>2/16/2023</a:t>
+              <a:t>2/18/2023</a:t>
             </a:fld>
             <a:endParaRPr lang="en-US"/>
           </a:p>
@@ -8409,7 +8409,7 @@
               <a:pPr>
                 <a:defRPr/>
               </a:pPr>
-              <a:t>2/16/2023</a:t>
+              <a:t>2/18/2023</a:t>
             </a:fld>
             <a:endParaRPr lang="en-US"/>
           </a:p>
@@ -8614,7 +8614,7 @@
               <a:pPr>
                 <a:defRPr/>
               </a:pPr>
-              <a:t>2/16/2023</a:t>
+              <a:t>2/18/2023</a:t>
             </a:fld>
             <a:endParaRPr lang="en-US"/>
           </a:p>
@@ -8917,7 +8917,7 @@
             <a:fld id="{67FBBCEA-51D6-4D4F-B700-EBDD8904452C}" type="datetime1">
               <a:rPr lang="en-US" smtClean="0"/>
               <a:pPr/>
-              <a:t>2/16/2023</a:t>
+              <a:t>2/18/2023</a:t>
             </a:fld>
             <a:endParaRPr lang="en-US"/>
           </a:p>
@@ -9333,7 +9333,7 @@
             <a:fld id="{7C3355C0-4DE2-42D1-B918-7B0FCE7481FD}" type="datetime1">
               <a:rPr lang="en-US" smtClean="0"/>
               <a:pPr/>
-              <a:t>2/16/2023</a:t>
+              <a:t>2/18/2023</a:t>
             </a:fld>
             <a:endParaRPr lang="en-US"/>
           </a:p>
@@ -9447,7 +9447,7 @@
             <a:fld id="{41F9056E-53B5-467C-A68C-D5DD1F771BB5}" type="datetime1">
               <a:rPr lang="en-US" smtClean="0"/>
               <a:pPr/>
-              <a:t>2/16/2023</a:t>
+              <a:t>2/18/2023</a:t>
             </a:fld>
             <a:endParaRPr lang="en-US"/>
           </a:p>
@@ -9539,7 +9539,7 @@
             <a:fld id="{73236B7C-1414-4D49-8A59-8F56128C501B}" type="datetime1">
               <a:rPr lang="en-US" smtClean="0"/>
               <a:pPr/>
-              <a:t>2/16/2023</a:t>
+              <a:t>2/18/2023</a:t>
             </a:fld>
             <a:endParaRPr lang="en-US"/>
           </a:p>
@@ -9811,7 +9811,7 @@
             <a:fld id="{A40AEADC-23C0-4767-9AD7-3E7B6C343A0A}" type="datetime1">
               <a:rPr lang="en-US" smtClean="0"/>
               <a:pPr/>
-              <a:t>2/16/2023</a:t>
+              <a:t>2/18/2023</a:t>
             </a:fld>
             <a:endParaRPr lang="en-US"/>
           </a:p>
@@ -10060,7 +10060,7 @@
             <a:fld id="{07762B3B-4AFD-4E39-B6F8-E1A2354BA336}" type="datetime1">
               <a:rPr lang="en-US" smtClean="0"/>
               <a:pPr/>
-              <a:t>2/16/2023</a:t>
+              <a:t>2/18/2023</a:t>
             </a:fld>
             <a:endParaRPr lang="en-US"/>
           </a:p>
@@ -10273,7 +10273,7 @@
             <a:fld id="{16C4ABC6-3BA1-4854-92CA-2B0133ECAB44}" type="datetime1">
               <a:rPr lang="en-US" smtClean="0"/>
               <a:pPr/>
-              <a:t>2/16/2023</a:t>
+              <a:t>2/18/2023</a:t>
             </a:fld>
             <a:endParaRPr lang="en-US"/>
           </a:p>
@@ -10791,7 +10791,7 @@
               <a:pPr>
                 <a:defRPr/>
               </a:pPr>
-              <a:t>2/16/2023</a:t>
+              <a:t>2/18/2023</a:t>
             </a:fld>
             <a:endParaRPr lang="en-US"/>
           </a:p>
@@ -11401,7 +11401,7 @@
               <a:pPr>
                 <a:defRPr/>
               </a:pPr>
-              <a:t>2/16/2023</a:t>
+              <a:t>2/18/2023</a:t>
             </a:fld>
             <a:endParaRPr lang="en-US"/>
           </a:p>
@@ -21774,8 +21774,8 @@
         </p:nvSpPr>
         <p:spPr>
           <a:xfrm>
-            <a:off x="3882026" y="5506863"/>
-            <a:ext cx="5676810" cy="923330"/>
+            <a:off x="3075546" y="5751988"/>
+            <a:ext cx="6040907" cy="369332"/>
           </a:xfrm>
           <a:prstGeom prst="rect">
             <a:avLst/>
@@ -21798,31 +21798,7 @@
             </a:r>
             <a:r>
               <a:rPr lang="en-GB" dirty="0"/>
-              <a:t>the session next Monday has been rescheduled to </a:t>
-            </a:r>
-            <a:r>
-              <a:rPr lang="en-GB" b="1" u="sng" dirty="0"/>
-              <a:t>Friday 3</a:t>
-            </a:r>
-            <a:r>
-              <a:rPr lang="en-GB" b="1" u="sng" baseline="30000" dirty="0"/>
-              <a:t>rd</a:t>
-            </a:r>
-            <a:r>
-              <a:rPr lang="en-GB" b="1" u="sng" dirty="0"/>
-              <a:t> March 11am-1pm </a:t>
-            </a:r>
-            <a:r>
-              <a:rPr lang="en-GB" b="1" u="sng" dirty="0" err="1"/>
-              <a:t>Emdeck</a:t>
-            </a:r>
-            <a:r>
-              <a:rPr lang="en-GB" b="1" u="sng" dirty="0"/>
-              <a:t> 211a </a:t>
-            </a:r>
-            <a:r>
-              <a:rPr lang="en-GB" dirty="0"/>
-              <a:t>due to industrial action.  Apologies for any inconvenience.</a:t>
+              <a:t>the session next Monday is going ahead as usual</a:t>
             </a:r>
           </a:p>
         </p:txBody>
